--- a/lessons/3_derivation_3/ppt/全连接层的前向和后向传播推导（下）.pptx
+++ b/lessons/3_derivation_3/ppt/全连接层的前向和后向传播推导（下）.pptx
@@ -5,10 +5,10 @@
     <p:sldMasterId id="2147483648" r:id="rId1"/>
   </p:sldMasterIdLst>
   <p:notesMasterIdLst>
-    <p:notesMasterId r:id="rId28"/>
+    <p:notesMasterId r:id="rId32"/>
   </p:notesMasterIdLst>
   <p:handoutMasterIdLst>
-    <p:handoutMasterId r:id="rId29"/>
+    <p:handoutMasterId r:id="rId33"/>
   </p:handoutMasterIdLst>
   <p:sldIdLst>
     <p:sldId id="307" r:id="rId2"/>
@@ -18,30 +18,34 @@
     <p:sldId id="1022" r:id="rId6"/>
     <p:sldId id="1020" r:id="rId7"/>
     <p:sldId id="1021" r:id="rId8"/>
-    <p:sldId id="1001" r:id="rId9"/>
-    <p:sldId id="1005" r:id="rId10"/>
-    <p:sldId id="1002" r:id="rId11"/>
-    <p:sldId id="1026" r:id="rId12"/>
-    <p:sldId id="1027" r:id="rId13"/>
-    <p:sldId id="1016" r:id="rId14"/>
-    <p:sldId id="1017" r:id="rId15"/>
-    <p:sldId id="1018" r:id="rId16"/>
-    <p:sldId id="1015" r:id="rId17"/>
-    <p:sldId id="1019" r:id="rId18"/>
-    <p:sldId id="1023" r:id="rId19"/>
-    <p:sldId id="1024" r:id="rId20"/>
-    <p:sldId id="537" r:id="rId21"/>
-    <p:sldId id="536" r:id="rId22"/>
-    <p:sldId id="1014" r:id="rId23"/>
-    <p:sldId id="1013" r:id="rId24"/>
-    <p:sldId id="997" r:id="rId25"/>
-    <p:sldId id="998" r:id="rId26"/>
-    <p:sldId id="653" r:id="rId27"/>
+    <p:sldId id="1028" r:id="rId9"/>
+    <p:sldId id="1001" r:id="rId10"/>
+    <p:sldId id="1005" r:id="rId11"/>
+    <p:sldId id="1002" r:id="rId12"/>
+    <p:sldId id="1026" r:id="rId13"/>
+    <p:sldId id="1027" r:id="rId14"/>
+    <p:sldId id="1029" r:id="rId15"/>
+    <p:sldId id="1016" r:id="rId16"/>
+    <p:sldId id="1030" r:id="rId17"/>
+    <p:sldId id="1017" r:id="rId18"/>
+    <p:sldId id="1032" r:id="rId19"/>
+    <p:sldId id="1018" r:id="rId20"/>
+    <p:sldId id="1015" r:id="rId21"/>
+    <p:sldId id="1019" r:id="rId22"/>
+    <p:sldId id="1023" r:id="rId23"/>
+    <p:sldId id="1024" r:id="rId24"/>
+    <p:sldId id="537" r:id="rId25"/>
+    <p:sldId id="536" r:id="rId26"/>
+    <p:sldId id="1014" r:id="rId27"/>
+    <p:sldId id="1013" r:id="rId28"/>
+    <p:sldId id="997" r:id="rId29"/>
+    <p:sldId id="998" r:id="rId30"/>
+    <p:sldId id="653" r:id="rId31"/>
   </p:sldIdLst>
   <p:sldSz cx="12192000" cy="6858000"/>
   <p:notesSz cx="6858000" cy="9144000"/>
   <p:custDataLst>
-    <p:tags r:id="rId30"/>
+    <p:tags r:id="rId34"/>
   </p:custDataLst>
   <p:defaultTextStyle>
     <a:defPPr>
@@ -234,7 +238,7 @@
                 <a:latin typeface="微软雅黑" panose="020B0503020204020204" charset="-122"/>
                 <a:ea typeface="微软雅黑" panose="020B0503020204020204" charset="-122"/>
               </a:rPr>
-              <a:t>2022/10/31</a:t>
+              <a:t>2022/11/1</a:t>
             </a:fld>
             <a:endParaRPr lang="zh-CN" altLang="en-US">
               <a:latin typeface="微软雅黑" panose="020B0503020204020204" charset="-122"/>
@@ -417,7 +421,7 @@
           <a:p>
             <a:fld id="{1AC49D05-6128-4D0D-A32A-06A5E73B386C}" type="datetimeFigureOut">
               <a:rPr lang="zh-CN" altLang="en-US" smtClean="0"/>
-              <a:t>2022/10/31</a:t>
+              <a:t>2022/11/1</a:t>
             </a:fld>
             <a:endParaRPr lang="zh-CN" altLang="en-US"/>
           </a:p>
@@ -1079,7 +1083,7 @@
           <a:p>
             <a:fld id="{9EFD9D74-47D9-4702-A33C-335B63B48DBF}" type="datetimeFigureOut">
               <a:rPr lang="zh-CN" altLang="en-US" smtClean="0"/>
-              <a:t>2022/10/31</a:t>
+              <a:t>2022/11/1</a:t>
             </a:fld>
             <a:endParaRPr lang="zh-CN" altLang="en-US" dirty="0"/>
           </a:p>
@@ -1412,7 +1416,7 @@
           <a:p>
             <a:fld id="{760FBDFE-C587-4B4C-A407-44438C67B59E}" type="datetimeFigureOut">
               <a:rPr lang="zh-CN" altLang="en-US" smtClean="0"/>
-              <a:t>2022/10/31</a:t>
+              <a:t>2022/11/1</a:t>
             </a:fld>
             <a:endParaRPr lang="zh-CN" altLang="en-US"/>
           </a:p>
@@ -1585,7 +1589,7 @@
           <a:p>
             <a:fld id="{9EFD9D74-47D9-4702-A33C-335B63B48DBF}" type="datetimeFigureOut">
               <a:rPr lang="zh-CN" altLang="en-US" smtClean="0"/>
-              <a:t>2022/10/31</a:t>
+              <a:t>2022/11/1</a:t>
             </a:fld>
             <a:endParaRPr lang="zh-CN" altLang="en-US" dirty="0"/>
           </a:p>
@@ -2110,7 +2114,7 @@
           <a:p>
             <a:fld id="{760FBDFE-C587-4B4C-A407-44438C67B59E}" type="datetimeFigureOut">
               <a:rPr lang="zh-CN" altLang="en-US" smtClean="0"/>
-              <a:t>2022/10/31</a:t>
+              <a:t>2022/11/1</a:t>
             </a:fld>
             <a:endParaRPr lang="zh-CN" altLang="en-US"/>
           </a:p>
@@ -2858,7 +2862,7 @@
           <a:p>
             <a:fld id="{760FBDFE-C587-4B4C-A407-44438C67B59E}" type="datetimeFigureOut">
               <a:rPr lang="zh-CN" altLang="en-US" smtClean="0"/>
-              <a:t>2022/10/31</a:t>
+              <a:t>2022/11/1</a:t>
             </a:fld>
             <a:endParaRPr lang="zh-CN" altLang="en-US"/>
           </a:p>
@@ -3024,7 +3028,7 @@
           <a:p>
             <a:fld id="{760FBDFE-C587-4B4C-A407-44438C67B59E}" type="datetimeFigureOut">
               <a:rPr lang="zh-CN" altLang="en-US" smtClean="0"/>
-              <a:t>2022/10/31</a:t>
+              <a:t>2022/11/1</a:t>
             </a:fld>
             <a:endParaRPr lang="zh-CN" altLang="en-US"/>
           </a:p>
@@ -3138,7 +3142,7 @@
           <a:p>
             <a:fld id="{760FBDFE-C587-4B4C-A407-44438C67B59E}" type="datetimeFigureOut">
               <a:rPr lang="zh-CN" altLang="en-US" smtClean="0"/>
-              <a:t>2022/10/31</a:t>
+              <a:t>2022/11/1</a:t>
             </a:fld>
             <a:endParaRPr lang="zh-CN" altLang="en-US"/>
           </a:p>
@@ -3468,7 +3472,7 @@
           <a:p>
             <a:fld id="{9EFD9D74-47D9-4702-A33C-335B63B48DBF}" type="datetimeFigureOut">
               <a:rPr lang="zh-CN" altLang="en-US" smtClean="0"/>
-              <a:t>2022/10/31</a:t>
+              <a:t>2022/11/1</a:t>
             </a:fld>
             <a:endParaRPr lang="zh-CN" altLang="en-US" dirty="0"/>
           </a:p>
@@ -3981,7 +3985,7 @@
           <a:p>
             <a:fld id="{760FBDFE-C587-4B4C-A407-44438C67B59E}" type="datetimeFigureOut">
               <a:rPr lang="zh-CN" altLang="en-US" smtClean="0"/>
-              <a:t>2022/10/31</a:t>
+              <a:t>2022/11/1</a:t>
             </a:fld>
             <a:endParaRPr lang="zh-CN" altLang="en-US"/>
           </a:p>
@@ -4095,7 +4099,7 @@
           <a:p>
             <a:fld id="{760FBDFE-C587-4B4C-A407-44438C67B59E}" type="datetimeFigureOut">
               <a:rPr lang="zh-CN" altLang="en-US" smtClean="0"/>
-              <a:t>2022/10/31</a:t>
+              <a:t>2022/11/1</a:t>
             </a:fld>
             <a:endParaRPr lang="zh-CN" altLang="en-US"/>
           </a:p>
@@ -4383,7 +4387,7 @@
           <a:p>
             <a:fld id="{82F288E0-7875-42C4-84C8-98DBBD3BF4D2}" type="datetimeFigureOut">
               <a:rPr lang="zh-CN" altLang="en-US" smtClean="0"/>
-              <a:t>2022/10/31</a:t>
+              <a:t>2022/11/1</a:t>
             </a:fld>
             <a:endParaRPr lang="zh-CN" altLang="en-US"/>
           </a:p>
@@ -4842,7 +4846,7 @@
           <a:p>
             <a:fld id="{760FBDFE-C587-4B4C-A407-44438C67B59E}" type="datetimeFigureOut">
               <a:rPr lang="zh-CN" altLang="en-US" smtClean="0"/>
-              <a:t>2022/10/31</a:t>
+              <a:t>2022/11/1</a:t>
             </a:fld>
             <a:endParaRPr lang="zh-CN" altLang="en-US"/>
           </a:p>
@@ -5511,7 +5515,7 @@
           <a:p>
             <a:fld id="{9EFD9D74-47D9-4702-A33C-335B63B48DBF}" type="datetimeFigureOut">
               <a:rPr lang="zh-CN" altLang="en-US" smtClean="0"/>
-              <a:t>2022/10/31</a:t>
+              <a:t>2022/11/1</a:t>
             </a:fld>
             <a:endParaRPr lang="zh-CN" altLang="en-US" dirty="0"/>
           </a:p>
@@ -5659,7 +5663,7 @@
           <a:p>
             <a:fld id="{9EFD9D74-47D9-4702-A33C-335B63B48DBF}" type="datetimeFigureOut">
               <a:rPr lang="zh-CN" altLang="en-US" smtClean="0"/>
-              <a:t>2022/10/31</a:t>
+              <a:t>2022/11/1</a:t>
             </a:fld>
             <a:endParaRPr lang="zh-CN" altLang="en-US" dirty="0"/>
           </a:p>
@@ -6485,6 +6489,607 @@
           <a:chExt cx="0" cy="0"/>
         </a:xfrm>
       </p:grpSpPr>
+      <p:sp>
+        <p:nvSpPr>
+          <p:cNvPr id="2" name="文本占位符 1"/>
+          <p:cNvSpPr>
+            <a:spLocks noGrp="1"/>
+          </p:cNvSpPr>
+          <p:nvPr>
+            <p:ph type="body" idx="1"/>
+          </p:nvPr>
+        </p:nvSpPr>
+        <p:spPr/>
+        <p:txBody>
+          <a:bodyPr/>
+          <a:lstStyle/>
+          <a:p>
+            <a:pPr marL="285750" indent="-285750">
+              <a:buFont typeface="Arial" panose="020B0604020202020204" pitchFamily="34" charset="0"/>
+              <a:buChar char="•"/>
+            </a:pPr>
+            <a:endParaRPr lang="en-US" altLang="zh-CN" dirty="0"/>
+          </a:p>
+          <a:p>
+            <a:pPr marL="285750" indent="-285750">
+              <a:buFont typeface="Arial" panose="020B0604020202020204" pitchFamily="34" charset="0"/>
+              <a:buChar char="•"/>
+            </a:pPr>
+            <a:endParaRPr lang="en-US" altLang="zh-CN" dirty="0"/>
+          </a:p>
+          <a:p>
+            <a:pPr marL="285750" indent="-285750">
+              <a:buFont typeface="Arial" panose="020B0604020202020204" pitchFamily="34" charset="0"/>
+              <a:buChar char="•"/>
+            </a:pPr>
+            <a:endParaRPr lang="en-US" altLang="zh-CN" dirty="0"/>
+          </a:p>
+          <a:p>
+            <a:pPr marL="285750" indent="-285750">
+              <a:buFont typeface="Arial" panose="020B0604020202020204" pitchFamily="34" charset="0"/>
+              <a:buChar char="•"/>
+            </a:pPr>
+            <a:endParaRPr lang="en-US" altLang="zh-CN" dirty="0"/>
+          </a:p>
+          <a:p>
+            <a:pPr marL="285750" indent="-285750">
+              <a:buFont typeface="Arial" panose="020B0604020202020204" pitchFamily="34" charset="0"/>
+              <a:buChar char="•"/>
+            </a:pPr>
+            <a:endParaRPr lang="en-US" altLang="zh-CN" dirty="0"/>
+          </a:p>
+          <a:p>
+            <a:pPr marL="285750" indent="-285750">
+              <a:buFont typeface="Arial" panose="020B0604020202020204" pitchFamily="34" charset="0"/>
+              <a:buChar char="•"/>
+            </a:pPr>
+            <a:endParaRPr lang="en-US" altLang="zh-CN" dirty="0"/>
+          </a:p>
+          <a:p>
+            <a:endParaRPr lang="en-US" altLang="zh-CN" dirty="0"/>
+          </a:p>
+        </p:txBody>
+      </p:sp>
+      <p:sp>
+        <p:nvSpPr>
+          <p:cNvPr id="3" name="标题 2"/>
+          <p:cNvSpPr>
+            <a:spLocks noGrp="1"/>
+          </p:cNvSpPr>
+          <p:nvPr>
+            <p:ph type="title"/>
+          </p:nvPr>
+        </p:nvSpPr>
+        <p:spPr/>
+        <p:txBody>
+          <a:bodyPr/>
+          <a:lstStyle/>
+          <a:p>
+            <a:r>
+              <a:rPr lang="zh-CN" altLang="en-US" dirty="0"/>
+              <a:t>为什么要</a:t>
+            </a:r>
+            <a:r>
+              <a:rPr lang="zh-CN" altLang="en-US" dirty="0">
+                <a:sym typeface="+mn-ea"/>
+              </a:rPr>
+              <a:t>推导</a:t>
+            </a:r>
+            <a:r>
+              <a:rPr lang="zh-CN" altLang="en-US" dirty="0"/>
+              <a:t>全连接层的后向传播？</a:t>
+            </a:r>
+            <a:endParaRPr dirty="0">
+              <a:sym typeface="+mn-ea"/>
+            </a:endParaRPr>
+          </a:p>
+        </p:txBody>
+      </p:sp>
+      <p:sp>
+        <p:nvSpPr>
+          <p:cNvPr id="6" name="文本占位符 1">
+            <a:extLst>
+              <a:ext uri="{FF2B5EF4-FFF2-40B4-BE49-F238E27FC236}">
+                <a16:creationId xmlns:a16="http://schemas.microsoft.com/office/drawing/2014/main" id="{BA88068A-4FDC-6963-46A5-ADEC46CDA15E}"/>
+              </a:ext>
+            </a:extLst>
+          </p:cNvPr>
+          <p:cNvSpPr txBox="1">
+            <a:spLocks/>
+          </p:cNvSpPr>
+          <p:nvPr/>
+        </p:nvSpPr>
+        <p:spPr>
+          <a:xfrm>
+            <a:off x="822325" y="1778635"/>
+            <a:ext cx="10852150" cy="4553585"/>
+          </a:xfrm>
+        </p:spPr>
+        <p:txBody>
+          <a:bodyPr lIns="101600" tIns="38100" rIns="76200" bIns="38100">
+            <a:noAutofit/>
+          </a:bodyPr>
+          <a:lstStyle>
+            <a:lvl1pPr marL="0" indent="0" algn="l" defTabSz="914400" rtl="0" eaLnBrk="1" fontAlgn="auto" latinLnBrk="0" hangingPunct="1">
+              <a:lnSpc>
+                <a:spcPct val="130000"/>
+              </a:lnSpc>
+              <a:spcBef>
+                <a:spcPts val="0"/>
+              </a:spcBef>
+              <a:spcAft>
+                <a:spcPts val="1000"/>
+              </a:spcAft>
+              <a:buFont typeface="Arial" panose="020B0604020202020204" pitchFamily="34" charset="0"/>
+              <a:buNone/>
+              <a:defRPr kumimoji="0" lang="zh-CN" altLang="en-US" sz="1600" b="0" i="0" u="none" strike="noStrike" kern="1200" cap="none" spc="150" normalizeH="0" baseline="0" noProof="1">
+                <a:solidFill>
+                  <a:schemeClr val="tx1"/>
+                </a:solidFill>
+                <a:uFillTx/>
+                <a:latin typeface="+mn-lt"/>
+                <a:ea typeface="+mn-ea"/>
+                <a:cs typeface="+mn-cs"/>
+                <a:sym typeface="+mn-ea"/>
+              </a:defRPr>
+            </a:lvl1pPr>
+            <a:lvl2pPr marL="457200" indent="0" algn="l" defTabSz="914400" rtl="0" eaLnBrk="1" fontAlgn="auto" latinLnBrk="0" hangingPunct="1">
+              <a:lnSpc>
+                <a:spcPct val="130000"/>
+              </a:lnSpc>
+              <a:spcBef>
+                <a:spcPts val="0"/>
+              </a:spcBef>
+              <a:spcAft>
+                <a:spcPts val="1000"/>
+              </a:spcAft>
+              <a:buFont typeface="Arial" panose="020B0604020202020204" pitchFamily="34" charset="0"/>
+              <a:buNone/>
+              <a:tabLst>
+                <a:tab pos="1609725" algn="l"/>
+              </a:tabLst>
+              <a:defRPr sz="2000" u="none" strike="noStrike" kern="1200" cap="none" spc="150" normalizeH="0" baseline="0">
+                <a:solidFill>
+                  <a:schemeClr val="tx1">
+                    <a:tint val="75000"/>
+                  </a:schemeClr>
+                </a:solidFill>
+                <a:uFillTx/>
+                <a:latin typeface="+mn-lt"/>
+                <a:ea typeface="+mn-ea"/>
+                <a:cs typeface="+mn-cs"/>
+              </a:defRPr>
+            </a:lvl2pPr>
+            <a:lvl3pPr marL="914400" indent="0" algn="l" defTabSz="914400" rtl="0" eaLnBrk="1" fontAlgn="auto" latinLnBrk="0" hangingPunct="1">
+              <a:lnSpc>
+                <a:spcPct val="130000"/>
+              </a:lnSpc>
+              <a:spcBef>
+                <a:spcPts val="0"/>
+              </a:spcBef>
+              <a:spcAft>
+                <a:spcPts val="1000"/>
+              </a:spcAft>
+              <a:buFont typeface="Arial" panose="020B0604020202020204" pitchFamily="34" charset="0"/>
+              <a:buNone/>
+              <a:defRPr sz="1800" u="none" strike="noStrike" kern="1200" cap="none" spc="150" normalizeH="0" baseline="0">
+                <a:solidFill>
+                  <a:schemeClr val="tx1">
+                    <a:tint val="75000"/>
+                  </a:schemeClr>
+                </a:solidFill>
+                <a:uFillTx/>
+                <a:latin typeface="+mn-lt"/>
+                <a:ea typeface="+mn-ea"/>
+                <a:cs typeface="+mn-cs"/>
+              </a:defRPr>
+            </a:lvl3pPr>
+            <a:lvl4pPr marL="1371600" indent="0" algn="l" defTabSz="914400" rtl="0" eaLnBrk="1" fontAlgn="auto" latinLnBrk="0" hangingPunct="1">
+              <a:lnSpc>
+                <a:spcPct val="130000"/>
+              </a:lnSpc>
+              <a:spcBef>
+                <a:spcPts val="0"/>
+              </a:spcBef>
+              <a:spcAft>
+                <a:spcPts val="1000"/>
+              </a:spcAft>
+              <a:buFont typeface="Arial" panose="020B0604020202020204" pitchFamily="34" charset="0"/>
+              <a:buNone/>
+              <a:defRPr sz="1600" u="none" strike="noStrike" kern="1200" cap="none" spc="150" normalizeH="0" baseline="0">
+                <a:solidFill>
+                  <a:schemeClr val="tx1">
+                    <a:tint val="75000"/>
+                  </a:schemeClr>
+                </a:solidFill>
+                <a:uFillTx/>
+                <a:latin typeface="+mn-lt"/>
+                <a:ea typeface="+mn-ea"/>
+                <a:cs typeface="+mn-cs"/>
+              </a:defRPr>
+            </a:lvl4pPr>
+            <a:lvl5pPr marL="1828800" indent="0" algn="l" defTabSz="914400" rtl="0" eaLnBrk="1" fontAlgn="auto" latinLnBrk="0" hangingPunct="1">
+              <a:lnSpc>
+                <a:spcPct val="130000"/>
+              </a:lnSpc>
+              <a:spcBef>
+                <a:spcPts val="0"/>
+              </a:spcBef>
+              <a:spcAft>
+                <a:spcPts val="1000"/>
+              </a:spcAft>
+              <a:buFont typeface="Arial" panose="020B0604020202020204" pitchFamily="34" charset="0"/>
+              <a:buNone/>
+              <a:defRPr sz="1600" u="none" strike="noStrike" kern="1200" cap="none" spc="150" normalizeH="0" baseline="0">
+                <a:solidFill>
+                  <a:schemeClr val="tx1">
+                    <a:tint val="75000"/>
+                  </a:schemeClr>
+                </a:solidFill>
+                <a:uFillTx/>
+                <a:latin typeface="+mn-lt"/>
+                <a:ea typeface="+mn-ea"/>
+                <a:cs typeface="+mn-cs"/>
+              </a:defRPr>
+            </a:lvl5pPr>
+            <a:lvl6pPr marL="2286000" indent="0" algn="l" defTabSz="914400" rtl="0" eaLnBrk="1" latinLnBrk="0" hangingPunct="1">
+              <a:lnSpc>
+                <a:spcPct val="90000"/>
+              </a:lnSpc>
+              <a:spcBef>
+                <a:spcPts val="500"/>
+              </a:spcBef>
+              <a:buFont typeface="Arial" panose="020B0604020202020204" pitchFamily="34" charset="0"/>
+              <a:buNone/>
+              <a:defRPr sz="1600" kern="1200">
+                <a:solidFill>
+                  <a:schemeClr val="tx1">
+                    <a:tint val="75000"/>
+                  </a:schemeClr>
+                </a:solidFill>
+                <a:latin typeface="+mn-lt"/>
+                <a:ea typeface="+mn-ea"/>
+                <a:cs typeface="+mn-cs"/>
+              </a:defRPr>
+            </a:lvl6pPr>
+            <a:lvl7pPr marL="2743200" indent="0" algn="l" defTabSz="914400" rtl="0" eaLnBrk="1" latinLnBrk="0" hangingPunct="1">
+              <a:lnSpc>
+                <a:spcPct val="90000"/>
+              </a:lnSpc>
+              <a:spcBef>
+                <a:spcPts val="500"/>
+              </a:spcBef>
+              <a:buFont typeface="Arial" panose="020B0604020202020204" pitchFamily="34" charset="0"/>
+              <a:buNone/>
+              <a:defRPr sz="1600" kern="1200">
+                <a:solidFill>
+                  <a:schemeClr val="tx1">
+                    <a:tint val="75000"/>
+                  </a:schemeClr>
+                </a:solidFill>
+                <a:latin typeface="+mn-lt"/>
+                <a:ea typeface="+mn-ea"/>
+                <a:cs typeface="+mn-cs"/>
+              </a:defRPr>
+            </a:lvl7pPr>
+            <a:lvl8pPr marL="3200400" indent="0" algn="l" defTabSz="914400" rtl="0" eaLnBrk="1" latinLnBrk="0" hangingPunct="1">
+              <a:lnSpc>
+                <a:spcPct val="90000"/>
+              </a:lnSpc>
+              <a:spcBef>
+                <a:spcPts val="500"/>
+              </a:spcBef>
+              <a:buFont typeface="Arial" panose="020B0604020202020204" pitchFamily="34" charset="0"/>
+              <a:buNone/>
+              <a:defRPr sz="1600" kern="1200">
+                <a:solidFill>
+                  <a:schemeClr val="tx1">
+                    <a:tint val="75000"/>
+                  </a:schemeClr>
+                </a:solidFill>
+                <a:latin typeface="+mn-lt"/>
+                <a:ea typeface="+mn-ea"/>
+                <a:cs typeface="+mn-cs"/>
+              </a:defRPr>
+            </a:lvl8pPr>
+            <a:lvl9pPr marL="3657600" indent="0" algn="l" defTabSz="914400" rtl="0" eaLnBrk="1" latinLnBrk="0" hangingPunct="1">
+              <a:lnSpc>
+                <a:spcPct val="90000"/>
+              </a:lnSpc>
+              <a:spcBef>
+                <a:spcPts val="500"/>
+              </a:spcBef>
+              <a:buFont typeface="Arial" panose="020B0604020202020204" pitchFamily="34" charset="0"/>
+              <a:buNone/>
+              <a:defRPr sz="1600" kern="1200">
+                <a:solidFill>
+                  <a:schemeClr val="tx1">
+                    <a:tint val="75000"/>
+                  </a:schemeClr>
+                </a:solidFill>
+                <a:latin typeface="+mn-lt"/>
+                <a:ea typeface="+mn-ea"/>
+                <a:cs typeface="+mn-cs"/>
+              </a:defRPr>
+            </a:lvl9pPr>
+          </a:lstStyle>
+          <a:p>
+            <a:pPr marL="285750" indent="-285750">
+              <a:buFont typeface="Arial" panose="020B0604020202020204" pitchFamily="34" charset="0"/>
+              <a:buChar char="•"/>
+            </a:pPr>
+            <a:r>
+              <a:rPr lang="zh-CN" altLang="en-US" dirty="0"/>
+              <a:t>通过训练，我们希望得到什么？</a:t>
+            </a:r>
+            <a:endParaRPr lang="en-US" altLang="zh-CN" dirty="0"/>
+          </a:p>
+          <a:p>
+            <a:pPr marL="285750" indent="-285750">
+              <a:buFont typeface="Arial" panose="020B0604020202020204" pitchFamily="34" charset="0"/>
+              <a:buChar char="•"/>
+            </a:pPr>
+            <a:r>
+              <a:rPr lang="zh-CN" altLang="en-US" dirty="0"/>
+              <a:t>为了得到更新后的权重和偏移，需要知道什么？</a:t>
+            </a:r>
+            <a:endParaRPr lang="en-US" altLang="zh-CN" dirty="0"/>
+          </a:p>
+          <a:p>
+            <a:pPr marL="285750" indent="-285750">
+              <a:buFont typeface="Arial" panose="020B0604020202020204" pitchFamily="34" charset="0"/>
+              <a:buChar char="•"/>
+            </a:pPr>
+            <a:r>
+              <a:rPr lang="zh-CN" altLang="en-US" dirty="0"/>
+              <a:t>“判断性别</a:t>
+            </a:r>
+            <a:r>
+              <a:rPr lang="en-US" altLang="zh-CN" dirty="0"/>
+              <a:t>Demo</a:t>
+            </a:r>
+            <a:r>
+              <a:rPr lang="zh-CN" altLang="en-US" dirty="0"/>
+              <a:t>”是如何实现训练的？</a:t>
+            </a:r>
+            <a:endParaRPr lang="en-US" altLang="zh-CN" dirty="0"/>
+          </a:p>
+          <a:p>
+            <a:pPr marL="285750" indent="-285750">
+              <a:buFont typeface="Arial" panose="020B0604020202020204" pitchFamily="34" charset="0"/>
+              <a:buChar char="•"/>
+            </a:pPr>
+            <a:r>
+              <a:rPr lang="zh-CN" altLang="en-US" dirty="0"/>
+              <a:t>如何将梯度向量化？</a:t>
+            </a:r>
+            <a:endParaRPr lang="en-US" altLang="zh-CN" dirty="0"/>
+          </a:p>
+          <a:p>
+            <a:pPr marL="285750" indent="-285750">
+              <a:buFont typeface="Arial" panose="020B0604020202020204" pitchFamily="34" charset="0"/>
+              <a:buChar char="•"/>
+            </a:pPr>
+            <a:r>
+              <a:rPr lang="zh-CN" altLang="en-US" dirty="0"/>
+              <a:t>如何推广为计算全连接层的每层的梯度向量来实现训练？</a:t>
+            </a:r>
+            <a:endParaRPr lang="en-US" altLang="zh-CN" dirty="0"/>
+          </a:p>
+          <a:p>
+            <a:pPr marL="285750" indent="-285750">
+              <a:buFont typeface="Arial" panose="020B0604020202020204" pitchFamily="34" charset="0"/>
+              <a:buChar char="•"/>
+            </a:pPr>
+            <a:endParaRPr lang="en-US" altLang="zh-CN" dirty="0"/>
+          </a:p>
+          <a:p>
+            <a:pPr marL="285750" indent="-285750">
+              <a:buFont typeface="Arial" panose="020B0604020202020204" pitchFamily="34" charset="0"/>
+              <a:buChar char="•"/>
+            </a:pPr>
+            <a:endParaRPr lang="zh-CN" altLang="en-US" dirty="0"/>
+          </a:p>
+          <a:p>
+            <a:pPr marL="285750" indent="-285750">
+              <a:buFont typeface="Arial" panose="020B0604020202020204" pitchFamily="34" charset="0"/>
+              <a:buChar char="•"/>
+            </a:pPr>
+            <a:endParaRPr lang="zh-CN" altLang="en-US" dirty="0"/>
+          </a:p>
+          <a:p>
+            <a:pPr marL="285750" indent="-285750">
+              <a:buFont typeface="Arial" panose="020B0604020202020204" pitchFamily="34" charset="0"/>
+              <a:buChar char="•"/>
+            </a:pPr>
+            <a:endParaRPr lang="zh-CN" altLang="en-US" dirty="0"/>
+          </a:p>
+          <a:p>
+            <a:pPr marL="285750" indent="-285750">
+              <a:buFont typeface="Arial" panose="020B0604020202020204" pitchFamily="34" charset="0"/>
+              <a:buChar char="•"/>
+            </a:pPr>
+            <a:endParaRPr lang="zh-CN" altLang="en-US" dirty="0"/>
+          </a:p>
+          <a:p>
+            <a:pPr marL="285750" indent="-285750">
+              <a:buFont typeface="Arial" panose="020B0604020202020204" pitchFamily="34" charset="0"/>
+              <a:buChar char="•"/>
+            </a:pPr>
+            <a:endParaRPr lang="zh-CN" altLang="en-US" dirty="0"/>
+          </a:p>
+          <a:p>
+            <a:pPr marL="285750" indent="-285750">
+              <a:buFont typeface="Arial" panose="020B0604020202020204" pitchFamily="34" charset="0"/>
+              <a:buChar char="•"/>
+            </a:pPr>
+            <a:endParaRPr lang="zh-CN" altLang="en-US" dirty="0"/>
+          </a:p>
+          <a:p>
+            <a:pPr marL="285750" indent="-285750">
+              <a:buFont typeface="Arial" panose="020B0604020202020204" pitchFamily="34" charset="0"/>
+              <a:buChar char="•"/>
+            </a:pPr>
+            <a:endParaRPr lang="zh-CN" altLang="en-US" dirty="0"/>
+          </a:p>
+        </p:txBody>
+      </p:sp>
+      <p:pic>
+        <p:nvPicPr>
+          <p:cNvPr id="4" name="图片 3">
+            <a:extLst>
+              <a:ext uri="{FF2B5EF4-FFF2-40B4-BE49-F238E27FC236}">
+                <a16:creationId xmlns:a16="http://schemas.microsoft.com/office/drawing/2014/main" id="{A935C97E-7EB8-9B96-BB20-5B44DF40EA98}"/>
+              </a:ext>
+            </a:extLst>
+          </p:cNvPr>
+          <p:cNvPicPr>
+            <a:picLocks noChangeAspect="1"/>
+          </p:cNvPicPr>
+          <p:nvPr/>
+        </p:nvPicPr>
+        <p:blipFill>
+          <a:blip r:embed="rId3">
+            <a:extLst>
+              <a:ext uri="{28A0092B-C50C-407E-A947-70E740481C1C}">
+                <a14:useLocalDpi xmlns:a14="http://schemas.microsoft.com/office/drawing/2010/main" val="0"/>
+              </a:ext>
+            </a:extLst>
+          </a:blip>
+          <a:stretch>
+            <a:fillRect/>
+          </a:stretch>
+        </p:blipFill>
+        <p:spPr>
+          <a:xfrm>
+            <a:off x="7242175" y="2569527"/>
+            <a:ext cx="4127500" cy="2667000"/>
+          </a:xfrm>
+          <a:prstGeom prst="rect">
+            <a:avLst/>
+          </a:prstGeom>
+        </p:spPr>
+      </p:pic>
+    </p:spTree>
+    <p:custDataLst>
+      <p:tags r:id="rId1"/>
+    </p:custDataLst>
+    <p:extLst>
+      <p:ext uri="{BB962C8B-B14F-4D97-AF65-F5344CB8AC3E}">
+        <p14:creationId xmlns:p14="http://schemas.microsoft.com/office/powerpoint/2010/main" val="3744396298"/>
+      </p:ext>
+    </p:extLst>
+  </p:cSld>
+  <p:clrMapOvr>
+    <a:masterClrMapping/>
+  </p:clrMapOvr>
+  <p:timing>
+    <p:tnLst>
+      <p:par>
+        <p:cTn id="1" dur="indefinite" restart="never" nodeType="tmRoot">
+          <p:childTnLst>
+            <p:seq concurrent="1" nextAc="seek">
+              <p:cTn id="2" dur="indefinite" nodeType="mainSeq">
+                <p:childTnLst>
+                  <p:par>
+                    <p:cTn id="3" fill="hold">
+                      <p:stCondLst>
+                        <p:cond delay="indefinite"/>
+                      </p:stCondLst>
+                      <p:childTnLst>
+                        <p:par>
+                          <p:cTn id="4" fill="hold">
+                            <p:stCondLst>
+                              <p:cond delay="0"/>
+                            </p:stCondLst>
+                            <p:childTnLst>
+                              <p:par>
+                                <p:cTn id="5" presetID="1" presetClass="entr" presetSubtype="0" fill="hold" grpId="0" nodeType="clickEffect" nodePh="1">
+                                  <p:stCondLst>
+                                    <p:cond delay="0"/>
+                                  </p:stCondLst>
+                                  <p:endCondLst>
+                                    <p:cond evt="begin" delay="0">
+                                      <p:tn val="5"/>
+                                    </p:cond>
+                                  </p:endCondLst>
+                                  <p:childTnLst>
+                                    <p:set>
+                                      <p:cBhvr>
+                                        <p:cTn id="6" dur="1" fill="hold">
+                                          <p:stCondLst>
+                                            <p:cond delay="0"/>
+                                          </p:stCondLst>
+                                        </p:cTn>
+                                        <p:tgtEl>
+                                          <p:spTgt spid="2">
+                                            <p:txEl>
+                                              <p:pRg st="0" end="0"/>
+                                            </p:txEl>
+                                          </p:spTgt>
+                                        </p:tgtEl>
+                                        <p:attrNameLst>
+                                          <p:attrName>style.visibility</p:attrName>
+                                        </p:attrNameLst>
+                                      </p:cBhvr>
+                                      <p:to>
+                                        <p:strVal val="visible"/>
+                                      </p:to>
+                                    </p:set>
+                                  </p:childTnLst>
+                                </p:cTn>
+                              </p:par>
+                            </p:childTnLst>
+                          </p:cTn>
+                        </p:par>
+                      </p:childTnLst>
+                    </p:cTn>
+                  </p:par>
+                </p:childTnLst>
+              </p:cTn>
+              <p:prevCondLst>
+                <p:cond evt="onPrev" delay="0">
+                  <p:tgtEl>
+                    <p:sldTgt/>
+                  </p:tgtEl>
+                </p:cond>
+              </p:prevCondLst>
+              <p:nextCondLst>
+                <p:cond evt="onNext" delay="0">
+                  <p:tgtEl>
+                    <p:sldTgt/>
+                  </p:tgtEl>
+                </p:cond>
+              </p:nextCondLst>
+            </p:seq>
+          </p:childTnLst>
+        </p:cTn>
+      </p:par>
+    </p:tnLst>
+    <p:bldLst>
+      <p:bldP spid="2" grpId="0" build="p"/>
+    </p:bldLst>
+  </p:timing>
+</p:sld>
+</file>
+
+<file path=ppt/slides/slide11.xml><?xml version="1.0" encoding="utf-8"?>
+<p:sld xmlns:a="http://schemas.openxmlformats.org/drawingml/2006/main" xmlns:r="http://schemas.openxmlformats.org/officeDocument/2006/relationships" xmlns:p="http://schemas.openxmlformats.org/presentationml/2006/main">
+  <p:cSld>
+    <p:spTree>
+      <p:nvGrpSpPr>
+        <p:cNvPr id="1" name=""/>
+        <p:cNvGrpSpPr/>
+        <p:nvPr/>
+      </p:nvGrpSpPr>
+      <p:grpSpPr>
+        <a:xfrm>
+          <a:off x="0" y="0"/>
+          <a:ext cx="0" cy="0"/>
+          <a:chOff x="0" y="0"/>
+          <a:chExt cx="0" cy="0"/>
+        </a:xfrm>
+      </p:grpSpPr>
       <mc:AlternateContent xmlns:mc="http://schemas.openxmlformats.org/markup-compatibility/2006" xmlns:a14="http://schemas.microsoft.com/office/drawing/2010/main">
         <mc:Choice Requires="a14">
           <p:sp>
@@ -6856,7 +7461,7 @@
 </p:sld>
 </file>
 
-<file path=ppt/slides/slide11.xml><?xml version="1.0" encoding="utf-8"?>
+<file path=ppt/slides/slide12.xml><?xml version="1.0" encoding="utf-8"?>
 <p:sld xmlns:a="http://schemas.openxmlformats.org/drawingml/2006/main" xmlns:r="http://schemas.openxmlformats.org/officeDocument/2006/relationships" xmlns:p="http://schemas.openxmlformats.org/presentationml/2006/main">
   <p:cSld>
     <p:spTree>
@@ -6944,7 +7549,7 @@
 </p:sld>
 </file>
 
-<file path=ppt/slides/slide12.xml><?xml version="1.0" encoding="utf-8"?>
+<file path=ppt/slides/slide13.xml><?xml version="1.0" encoding="utf-8"?>
 <p:sld xmlns:a="http://schemas.openxmlformats.org/drawingml/2006/main" xmlns:r="http://schemas.openxmlformats.org/officeDocument/2006/relationships" xmlns:p="http://schemas.openxmlformats.org/presentationml/2006/main">
   <p:cSld>
     <p:spTree>
@@ -6961,8 +7566,8 @@
           <a:chExt cx="0" cy="0"/>
         </a:xfrm>
       </p:grpSpPr>
-      <mc:AlternateContent xmlns:mc="http://schemas.openxmlformats.org/markup-compatibility/2006" xmlns:a14="http://schemas.microsoft.com/office/drawing/2010/main">
-        <mc:Choice Requires="a14">
+      <mc:AlternateContent xmlns:mc="http://schemas.openxmlformats.org/markup-compatibility/2006">
+        <mc:Choice xmlns:a14="http://schemas.microsoft.com/office/drawing/2010/main" Requires="a14">
           <p:sp>
             <p:nvSpPr>
               <p:cNvPr id="2" name="文本占位符 1"/>
@@ -6983,9 +7588,294 @@
                   <a:buChar char="•"/>
                 </a:pPr>
                 <a:r>
-                  <a:rPr lang="en-US" altLang="zh-CN" dirty="0"/>
-                  <a:t>TODO </a:t>
+                  <a:rPr lang="zh-CN" altLang="en-US" dirty="0"/>
+                  <a:t>同理，对于隐藏层，如何求</a:t>
                 </a:r>
+                <a14:m>
+                  <m:oMath xmlns:m="http://schemas.openxmlformats.org/officeDocument/2006/math">
+                    <m:f>
+                      <m:fPr>
+                        <m:ctrlPr>
+                          <a:rPr lang="en-US" altLang="zh-CN" i="1">
+                            <a:latin typeface="Cambria Math" panose="02040503050406030204" pitchFamily="18" charset="0"/>
+                          </a:rPr>
+                        </m:ctrlPr>
+                      </m:fPr>
+                      <m:num>
+                        <m:r>
+                          <a:rPr lang="en-US" altLang="zh-CN" i="1">
+                            <a:latin typeface="Cambria Math" panose="02040503050406030204" pitchFamily="18" charset="0"/>
+                          </a:rPr>
+                          <m:t>𝑑𝐸</m:t>
+                        </m:r>
+                      </m:num>
+                      <m:den>
+                        <m:r>
+                          <a:rPr lang="en-US" altLang="zh-CN" i="1">
+                            <a:latin typeface="Cambria Math" panose="02040503050406030204" pitchFamily="18" charset="0"/>
+                          </a:rPr>
+                          <m:t>𝑑</m:t>
+                        </m:r>
+                        <m:sSub>
+                          <m:sSubPr>
+                            <m:ctrlPr>
+                              <a:rPr lang="en-US" altLang="zh-CN" i="1">
+                                <a:latin typeface="Cambria Math" panose="02040503050406030204" pitchFamily="18" charset="0"/>
+                              </a:rPr>
+                            </m:ctrlPr>
+                          </m:sSubPr>
+                          <m:e>
+                            <m:r>
+                              <a:rPr lang="en-US" altLang="zh-CN" i="1">
+                                <a:latin typeface="Cambria Math" panose="02040503050406030204" pitchFamily="18" charset="0"/>
+                              </a:rPr>
+                              <m:t>𝑤</m:t>
+                            </m:r>
+                          </m:e>
+                          <m:sub>
+                            <m:r>
+                              <a:rPr lang="en-US" altLang="zh-CN" b="0" i="1" smtClean="0">
+                                <a:latin typeface="Cambria Math" panose="02040503050406030204" pitchFamily="18" charset="0"/>
+                              </a:rPr>
+                              <m:t>53</m:t>
+                            </m:r>
+                          </m:sub>
+                        </m:sSub>
+                      </m:den>
+                    </m:f>
+                  </m:oMath>
+                </a14:m>
+                <a:r>
+                  <a:rPr lang="zh-CN" altLang="en-US" dirty="0"/>
+                  <a:t>，并且去掉激活函数？</a:t>
+                </a:r>
+              </a:p>
+              <a:p>
+                <a:pPr marL="285750" indent="-285750">
+                  <a:buFont typeface="Arial" panose="020B0604020202020204" pitchFamily="34" charset="0"/>
+                  <a:buChar char="•"/>
+                </a:pPr>
+                <a:endParaRPr lang="en-US" altLang="zh-CN" dirty="0"/>
+              </a:p>
+              <a:p>
+                <a:pPr marL="285750" indent="-285750">
+                  <a:buFont typeface="Arial" panose="020B0604020202020204" pitchFamily="34" charset="0"/>
+                  <a:buChar char="•"/>
+                </a:pPr>
+                <a:endParaRPr lang="en-US" altLang="zh-CN" dirty="0"/>
+              </a:p>
+              <a:p>
+                <a:pPr marL="285750" indent="-285750">
+                  <a:buFont typeface="Arial" panose="020B0604020202020204" pitchFamily="34" charset="0"/>
+                  <a:buChar char="•"/>
+                </a:pPr>
+                <a:endParaRPr lang="en-US" altLang="zh-CN" dirty="0"/>
+              </a:p>
+              <a:p>
+                <a:pPr marL="285750" indent="-285750">
+                  <a:buFont typeface="Arial" panose="020B0604020202020204" pitchFamily="34" charset="0"/>
+                  <a:buChar char="•"/>
+                </a:pPr>
+                <a:endParaRPr lang="en-US" altLang="zh-CN" dirty="0"/>
+              </a:p>
+              <a:p>
+                <a:pPr marL="285750" indent="-285750">
+                  <a:buFont typeface="Arial" panose="020B0604020202020204" pitchFamily="34" charset="0"/>
+                  <a:buChar char="•"/>
+                </a:pPr>
+                <a:endParaRPr lang="en-US" altLang="zh-CN" dirty="0"/>
+              </a:p>
+            </p:txBody>
+          </p:sp>
+        </mc:Choice>
+        <mc:Fallback>
+          <p:sp>
+            <p:nvSpPr>
+              <p:cNvPr id="2" name="文本占位符 1"/>
+              <p:cNvSpPr>
+                <a:spLocks noGrp="1" noRot="1" noChangeAspect="1" noMove="1" noResize="1" noEditPoints="1" noAdjustHandles="1" noChangeArrowheads="1" noChangeShapeType="1" noTextEdit="1"/>
+              </p:cNvSpPr>
+              <p:nvPr>
+                <p:ph type="body" idx="1"/>
+              </p:nvPr>
+            </p:nvSpPr>
+            <p:spPr>
+              <a:blipFill>
+                <a:blip r:embed="rId3"/>
+                <a:stretch>
+                  <a:fillRect/>
+                </a:stretch>
+              </a:blipFill>
+            </p:spPr>
+            <p:txBody>
+              <a:bodyPr/>
+              <a:lstStyle/>
+              <a:p>
+                <a:r>
+                  <a:rPr lang="zh-CN" altLang="en-US">
+                    <a:noFill/>
+                  </a:rPr>
+                  <a:t> </a:t>
+                </a:r>
+              </a:p>
+            </p:txBody>
+          </p:sp>
+        </mc:Fallback>
+      </mc:AlternateContent>
+      <p:sp>
+        <p:nvSpPr>
+          <p:cNvPr id="3" name="标题 2"/>
+          <p:cNvSpPr>
+            <a:spLocks noGrp="1"/>
+          </p:cNvSpPr>
+          <p:nvPr>
+            <p:ph type="title"/>
+          </p:nvPr>
+        </p:nvSpPr>
+        <p:spPr/>
+        <p:txBody>
+          <a:bodyPr/>
+          <a:lstStyle/>
+          <a:p>
+            <a:r>
+              <a:rPr lang="zh-CN" altLang="en-US" dirty="0">
+                <a:sym typeface="+mn-ea"/>
+              </a:rPr>
+              <a:t>主问题：如何推导</a:t>
+            </a:r>
+            <a:r>
+              <a:rPr lang="zh-CN" altLang="en-US" dirty="0"/>
+              <a:t>全连接层的后向传播？</a:t>
+            </a:r>
+          </a:p>
+        </p:txBody>
+      </p:sp>
+      <p:pic>
+        <p:nvPicPr>
+          <p:cNvPr id="4" name="图片 3">
+            <a:extLst>
+              <a:ext uri="{FF2B5EF4-FFF2-40B4-BE49-F238E27FC236}">
+                <a16:creationId xmlns:a16="http://schemas.microsoft.com/office/drawing/2014/main" id="{51DA87FF-3146-7180-01FA-8EEA21F9C661}"/>
+              </a:ext>
+            </a:extLst>
+          </p:cNvPr>
+          <p:cNvPicPr>
+            <a:picLocks noChangeAspect="1"/>
+          </p:cNvPicPr>
+          <p:nvPr/>
+        </p:nvPicPr>
+        <p:blipFill>
+          <a:blip r:embed="rId4">
+            <a:extLst>
+              <a:ext uri="{28A0092B-C50C-407E-A947-70E740481C1C}">
+                <a14:useLocalDpi xmlns:a14="http://schemas.microsoft.com/office/drawing/2010/main" val="0"/>
+              </a:ext>
+            </a:extLst>
+          </a:blip>
+          <a:stretch>
+            <a:fillRect/>
+          </a:stretch>
+        </p:blipFill>
+        <p:spPr>
+          <a:xfrm>
+            <a:off x="7666801" y="1585658"/>
+            <a:ext cx="4127500" cy="2667000"/>
+          </a:xfrm>
+          <a:prstGeom prst="rect">
+            <a:avLst/>
+          </a:prstGeom>
+        </p:spPr>
+      </p:pic>
+      <p:pic>
+        <p:nvPicPr>
+          <p:cNvPr id="8" name="图片 7">
+            <a:extLst>
+              <a:ext uri="{FF2B5EF4-FFF2-40B4-BE49-F238E27FC236}">
+                <a16:creationId xmlns:a16="http://schemas.microsoft.com/office/drawing/2014/main" id="{F97A3781-7453-0AEA-FA4B-3BA242F85294}"/>
+              </a:ext>
+            </a:extLst>
+          </p:cNvPr>
+          <p:cNvPicPr>
+            <a:picLocks noChangeAspect="1"/>
+          </p:cNvPicPr>
+          <p:nvPr/>
+        </p:nvPicPr>
+        <p:blipFill>
+          <a:blip r:embed="rId5">
+            <a:extLst>
+              <a:ext uri="{28A0092B-C50C-407E-A947-70E740481C1C}">
+                <a14:useLocalDpi xmlns:a14="http://schemas.microsoft.com/office/drawing/2010/main" val="0"/>
+              </a:ext>
+            </a:extLst>
+          </a:blip>
+          <a:stretch>
+            <a:fillRect/>
+          </a:stretch>
+        </p:blipFill>
+        <p:spPr>
+          <a:xfrm>
+            <a:off x="793819" y="2684454"/>
+            <a:ext cx="6461879" cy="2953166"/>
+          </a:xfrm>
+          <a:prstGeom prst="rect">
+            <a:avLst/>
+          </a:prstGeom>
+        </p:spPr>
+      </p:pic>
+    </p:spTree>
+    <p:custDataLst>
+      <p:tags r:id="rId1"/>
+    </p:custDataLst>
+    <p:extLst>
+      <p:ext uri="{BB962C8B-B14F-4D97-AF65-F5344CB8AC3E}">
+        <p14:creationId xmlns:p14="http://schemas.microsoft.com/office/powerpoint/2010/main" val="305155510"/>
+      </p:ext>
+    </p:extLst>
+  </p:cSld>
+  <p:clrMapOvr>
+    <a:masterClrMapping/>
+  </p:clrMapOvr>
+</p:sld>
+</file>
+
+<file path=ppt/slides/slide14.xml><?xml version="1.0" encoding="utf-8"?>
+<p:sld xmlns:a="http://schemas.openxmlformats.org/drawingml/2006/main" xmlns:r="http://schemas.openxmlformats.org/officeDocument/2006/relationships" xmlns:p="http://schemas.openxmlformats.org/presentationml/2006/main">
+  <p:cSld>
+    <p:spTree>
+      <p:nvGrpSpPr>
+        <p:cNvPr id="1" name=""/>
+        <p:cNvGrpSpPr/>
+        <p:nvPr/>
+      </p:nvGrpSpPr>
+      <p:grpSpPr>
+        <a:xfrm>
+          <a:off x="0" y="0"/>
+          <a:ext cx="0" cy="0"/>
+          <a:chOff x="0" y="0"/>
+          <a:chExt cx="0" cy="0"/>
+        </a:xfrm>
+      </p:grpSpPr>
+      <mc:AlternateContent xmlns:mc="http://schemas.openxmlformats.org/markup-compatibility/2006">
+        <mc:Choice xmlns:a14="http://schemas.microsoft.com/office/drawing/2010/main" Requires="a14">
+          <p:sp>
+            <p:nvSpPr>
+              <p:cNvPr id="2" name="文本占位符 1"/>
+              <p:cNvSpPr>
+                <a:spLocks noGrp="1"/>
+              </p:cNvSpPr>
+              <p:nvPr>
+                <p:ph type="body" idx="1"/>
+              </p:nvPr>
+            </p:nvSpPr>
+            <p:spPr/>
+            <p:txBody>
+              <a:bodyPr/>
+              <a:lstStyle/>
+              <a:p>
+                <a:pPr marL="285750" indent="-285750">
+                  <a:buFont typeface="Arial" panose="020B0604020202020204" pitchFamily="34" charset="0"/>
+                  <a:buChar char="•"/>
+                </a:pPr>
                 <a:r>
                   <a:rPr lang="zh-CN" altLang="en-US" dirty="0"/>
                   <a:t>隐藏层的梯度下降公式是什么？</a:t>
@@ -7150,7 +8040,7 @@
             </p:txBody>
           </p:sp>
         </mc:Choice>
-        <mc:Fallback xmlns="">
+        <mc:Fallback>
           <p:sp>
             <p:nvSpPr>
               <p:cNvPr id="2" name="文本占位符 1"/>
@@ -7218,290 +8108,7 @@
     </p:custDataLst>
     <p:extLst>
       <p:ext uri="{BB962C8B-B14F-4D97-AF65-F5344CB8AC3E}">
-        <p14:creationId xmlns:p14="http://schemas.microsoft.com/office/powerpoint/2010/main" val="305155510"/>
-      </p:ext>
-    </p:extLst>
-  </p:cSld>
-  <p:clrMapOvr>
-    <a:masterClrMapping/>
-  </p:clrMapOvr>
-</p:sld>
-</file>
-
-<file path=ppt/slides/slide13.xml><?xml version="1.0" encoding="utf-8"?>
-<p:sld xmlns:a="http://schemas.openxmlformats.org/drawingml/2006/main" xmlns:r="http://schemas.openxmlformats.org/officeDocument/2006/relationships" xmlns:p="http://schemas.openxmlformats.org/presentationml/2006/main">
-  <p:cSld>
-    <p:spTree>
-      <p:nvGrpSpPr>
-        <p:cNvPr id="1" name=""/>
-        <p:cNvGrpSpPr/>
-        <p:nvPr/>
-      </p:nvGrpSpPr>
-      <p:grpSpPr>
-        <a:xfrm>
-          <a:off x="0" y="0"/>
-          <a:ext cx="0" cy="0"/>
-          <a:chOff x="0" y="0"/>
-          <a:chExt cx="0" cy="0"/>
-        </a:xfrm>
-      </p:grpSpPr>
-      <p:sp>
-        <p:nvSpPr>
-          <p:cNvPr id="2" name="文本占位符 1"/>
-          <p:cNvSpPr>
-            <a:spLocks noGrp="1"/>
-          </p:cNvSpPr>
-          <p:nvPr>
-            <p:ph type="body" idx="1"/>
-          </p:nvPr>
-        </p:nvSpPr>
-        <p:spPr/>
-        <p:txBody>
-          <a:bodyPr/>
-          <a:lstStyle/>
-          <a:p>
-            <a:pPr marL="285750" indent="-285750">
-              <a:buFont typeface="Arial" panose="020B0604020202020204" pitchFamily="34" charset="0"/>
-              <a:buChar char="•"/>
-            </a:pPr>
-            <a:r>
-              <a:rPr lang="zh-CN" altLang="en-US" dirty="0"/>
-              <a:t>推导输出层的误差项</a:t>
-            </a:r>
-            <a:endParaRPr lang="en-US" altLang="zh-CN" dirty="0"/>
-          </a:p>
-          <a:p>
-            <a:pPr marL="285750" indent="-285750">
-              <a:buFont typeface="Arial" panose="020B0604020202020204" pitchFamily="34" charset="0"/>
-              <a:buChar char="•"/>
-            </a:pPr>
-            <a:endParaRPr lang="en-US" altLang="zh-CN" dirty="0"/>
-          </a:p>
-          <a:p>
-            <a:pPr marL="285750" indent="-285750">
-              <a:buFont typeface="Arial" panose="020B0604020202020204" pitchFamily="34" charset="0"/>
-              <a:buChar char="•"/>
-            </a:pPr>
-            <a:endParaRPr lang="en-US" altLang="zh-CN" dirty="0"/>
-          </a:p>
-          <a:p>
-            <a:pPr marL="285750" indent="-285750">
-              <a:buFont typeface="Arial" panose="020B0604020202020204" pitchFamily="34" charset="0"/>
-              <a:buChar char="•"/>
-            </a:pPr>
-            <a:r>
-              <a:rPr lang="zh-CN" altLang="en-US" dirty="0"/>
-              <a:t>自学、展学</a:t>
-            </a:r>
-          </a:p>
-          <a:p>
-            <a:pPr marL="285750" indent="-285750">
-              <a:buFont typeface="Arial" panose="020B0604020202020204" pitchFamily="34" charset="0"/>
-              <a:buChar char="•"/>
-            </a:pPr>
-            <a:endParaRPr lang="en-US" altLang="zh-CN" dirty="0"/>
-          </a:p>
-          <a:p>
-            <a:pPr marL="285750" indent="-285750">
-              <a:buFont typeface="Arial" panose="020B0604020202020204" pitchFamily="34" charset="0"/>
-              <a:buChar char="•"/>
-            </a:pPr>
-            <a:endParaRPr lang="en-US" altLang="zh-CN" dirty="0"/>
-          </a:p>
-          <a:p>
-            <a:pPr marL="285750" indent="-285750">
-              <a:buFont typeface="Arial" panose="020B0604020202020204" pitchFamily="34" charset="0"/>
-              <a:buChar char="•"/>
-            </a:pPr>
-            <a:endParaRPr lang="en-US" altLang="zh-CN" dirty="0"/>
-          </a:p>
-        </p:txBody>
-      </p:sp>
-      <p:sp>
-        <p:nvSpPr>
-          <p:cNvPr id="3" name="标题 2"/>
-          <p:cNvSpPr>
-            <a:spLocks noGrp="1"/>
-          </p:cNvSpPr>
-          <p:nvPr>
-            <p:ph type="title"/>
-          </p:nvPr>
-        </p:nvSpPr>
-        <p:spPr/>
-        <p:txBody>
-          <a:bodyPr/>
-          <a:lstStyle/>
-          <a:p>
-            <a:r>
-              <a:rPr lang="zh-CN" altLang="en-US" dirty="0">
-                <a:sym typeface="+mn-ea"/>
-              </a:rPr>
-              <a:t>主问题：如何推导</a:t>
-            </a:r>
-            <a:r>
-              <a:rPr lang="zh-CN" altLang="en-US" dirty="0"/>
-              <a:t>全连接层的后向传播？</a:t>
-            </a:r>
-          </a:p>
-        </p:txBody>
-      </p:sp>
-    </p:spTree>
-    <p:custDataLst>
-      <p:tags r:id="rId1"/>
-    </p:custDataLst>
-    <p:extLst>
-      <p:ext uri="{BB962C8B-B14F-4D97-AF65-F5344CB8AC3E}">
-        <p14:creationId xmlns:p14="http://schemas.microsoft.com/office/powerpoint/2010/main" val="95354785"/>
-      </p:ext>
-    </p:extLst>
-  </p:cSld>
-  <p:clrMapOvr>
-    <a:masterClrMapping/>
-  </p:clrMapOvr>
-</p:sld>
-</file>
-
-<file path=ppt/slides/slide14.xml><?xml version="1.0" encoding="utf-8"?>
-<p:sld xmlns:a="http://schemas.openxmlformats.org/drawingml/2006/main" xmlns:r="http://schemas.openxmlformats.org/officeDocument/2006/relationships" xmlns:p="http://schemas.openxmlformats.org/presentationml/2006/main">
-  <p:cSld>
-    <p:spTree>
-      <p:nvGrpSpPr>
-        <p:cNvPr id="1" name=""/>
-        <p:cNvGrpSpPr/>
-        <p:nvPr/>
-      </p:nvGrpSpPr>
-      <p:grpSpPr>
-        <a:xfrm>
-          <a:off x="0" y="0"/>
-          <a:ext cx="0" cy="0"/>
-          <a:chOff x="0" y="0"/>
-          <a:chExt cx="0" cy="0"/>
-        </a:xfrm>
-      </p:grpSpPr>
-      <p:sp>
-        <p:nvSpPr>
-          <p:cNvPr id="2" name="文本占位符 1"/>
-          <p:cNvSpPr>
-            <a:spLocks noGrp="1"/>
-          </p:cNvSpPr>
-          <p:nvPr>
-            <p:ph type="body" idx="1"/>
-          </p:nvPr>
-        </p:nvSpPr>
-        <p:spPr/>
-        <p:txBody>
-          <a:bodyPr/>
-          <a:lstStyle/>
-          <a:p>
-            <a:pPr marL="285750" indent="-285750">
-              <a:buFont typeface="Arial" panose="020B0604020202020204" pitchFamily="34" charset="0"/>
-              <a:buChar char="•"/>
-            </a:pPr>
-            <a:r>
-              <a:rPr lang="zh-CN" altLang="en-US" dirty="0"/>
-              <a:t>推导隐藏层的误差项</a:t>
-            </a:r>
-            <a:endParaRPr lang="en-US" altLang="zh-CN" dirty="0"/>
-          </a:p>
-          <a:p>
-            <a:pPr marL="285750" indent="-285750">
-              <a:buFont typeface="Arial" panose="020B0604020202020204" pitchFamily="34" charset="0"/>
-              <a:buChar char="•"/>
-            </a:pPr>
-            <a:br>
-              <a:rPr lang="zh-CN" altLang="en-US" dirty="0"/>
-            </a:br>
-            <a:endParaRPr lang="en-US" altLang="zh-CN" dirty="0"/>
-          </a:p>
-          <a:p>
-            <a:pPr marL="285750" indent="-285750">
-              <a:buFont typeface="Arial" panose="020B0604020202020204" pitchFamily="34" charset="0"/>
-              <a:buChar char="•"/>
-            </a:pPr>
-            <a:endParaRPr lang="en-US" altLang="zh-CN" dirty="0"/>
-          </a:p>
-          <a:p>
-            <a:pPr marL="285750" indent="-285750">
-              <a:buFont typeface="Arial" panose="020B0604020202020204" pitchFamily="34" charset="0"/>
-              <a:buChar char="•"/>
-            </a:pPr>
-            <a:endParaRPr lang="en-US" altLang="zh-CN" dirty="0"/>
-          </a:p>
-          <a:p>
-            <a:pPr marL="285750" indent="-285750">
-              <a:buFont typeface="Arial" panose="020B0604020202020204" pitchFamily="34" charset="0"/>
-              <a:buChar char="•"/>
-            </a:pPr>
-            <a:endParaRPr lang="en-US" altLang="zh-CN" dirty="0"/>
-          </a:p>
-          <a:p>
-            <a:pPr marL="285750" indent="-285750">
-              <a:buFont typeface="Arial" panose="020B0604020202020204" pitchFamily="34" charset="0"/>
-              <a:buChar char="•"/>
-            </a:pPr>
-            <a:r>
-              <a:rPr lang="zh-CN" altLang="en-US" dirty="0"/>
-              <a:t>自学、展学</a:t>
-            </a:r>
-          </a:p>
-          <a:p>
-            <a:pPr marL="285750" indent="-285750">
-              <a:buFont typeface="Arial" panose="020B0604020202020204" pitchFamily="34" charset="0"/>
-              <a:buChar char="•"/>
-            </a:pPr>
-            <a:endParaRPr lang="en-US" altLang="zh-CN" dirty="0"/>
-          </a:p>
-          <a:p>
-            <a:pPr marL="285750" indent="-285750">
-              <a:buFont typeface="Arial" panose="020B0604020202020204" pitchFamily="34" charset="0"/>
-              <a:buChar char="•"/>
-            </a:pPr>
-            <a:endParaRPr lang="en-US" altLang="zh-CN" dirty="0"/>
-          </a:p>
-          <a:p>
-            <a:pPr marL="285750" indent="-285750">
-              <a:buFont typeface="Arial" panose="020B0604020202020204" pitchFamily="34" charset="0"/>
-              <a:buChar char="•"/>
-            </a:pPr>
-            <a:endParaRPr lang="en-US" altLang="zh-CN" dirty="0"/>
-          </a:p>
-        </p:txBody>
-      </p:sp>
-      <p:sp>
-        <p:nvSpPr>
-          <p:cNvPr id="3" name="标题 2"/>
-          <p:cNvSpPr>
-            <a:spLocks noGrp="1"/>
-          </p:cNvSpPr>
-          <p:nvPr>
-            <p:ph type="title"/>
-          </p:nvPr>
-        </p:nvSpPr>
-        <p:spPr/>
-        <p:txBody>
-          <a:bodyPr/>
-          <a:lstStyle/>
-          <a:p>
-            <a:r>
-              <a:rPr lang="zh-CN" altLang="en-US" dirty="0">
-                <a:sym typeface="+mn-ea"/>
-              </a:rPr>
-              <a:t>主问题：如何推导</a:t>
-            </a:r>
-            <a:r>
-              <a:rPr lang="zh-CN" altLang="en-US" dirty="0"/>
-              <a:t>全连接层的后向传播？</a:t>
-            </a:r>
-          </a:p>
-        </p:txBody>
-      </p:sp>
-    </p:spTree>
-    <p:custDataLst>
-      <p:tags r:id="rId1"/>
-    </p:custDataLst>
-    <p:extLst>
-      <p:ext uri="{BB962C8B-B14F-4D97-AF65-F5344CB8AC3E}">
-        <p14:creationId xmlns:p14="http://schemas.microsoft.com/office/powerpoint/2010/main" val="2373764034"/>
+        <p14:creationId xmlns:p14="http://schemas.microsoft.com/office/powerpoint/2010/main" val="1165925500"/>
       </p:ext>
     </p:extLst>
   </p:cSld>
@@ -7549,7 +8156,18 @@
             </a:pPr>
             <a:r>
               <a:rPr lang="zh-CN" altLang="en-US" dirty="0"/>
-              <a:t>更新梯度下降算法</a:t>
+              <a:t>所以求梯度的问题转换为求什么？</a:t>
+            </a:r>
+            <a:endParaRPr lang="en-US" altLang="zh-CN" dirty="0"/>
+          </a:p>
+          <a:p>
+            <a:pPr marL="285750" indent="-285750">
+              <a:buFont typeface="Arial" panose="020B0604020202020204" pitchFamily="34" charset="0"/>
+              <a:buChar char="•"/>
+            </a:pPr>
+            <a:r>
+              <a:rPr lang="zh-CN" altLang="en-US" dirty="0"/>
+              <a:t>如何推导输出层的误差项？</a:t>
             </a:r>
             <a:endParaRPr lang="en-US" altLang="zh-CN" dirty="0"/>
           </a:p>
@@ -7565,9 +8183,16 @@
               <a:buFont typeface="Arial" panose="020B0604020202020204" pitchFamily="34" charset="0"/>
               <a:buChar char="•"/>
             </a:pPr>
+            <a:endParaRPr lang="en-US" altLang="zh-CN" dirty="0"/>
+          </a:p>
+          <a:p>
+            <a:pPr marL="285750" indent="-285750">
+              <a:buFont typeface="Arial" panose="020B0604020202020204" pitchFamily="34" charset="0"/>
+              <a:buChar char="•"/>
+            </a:pPr>
             <a:r>
               <a:rPr lang="zh-CN" altLang="en-US" dirty="0"/>
-              <a:t>自学、展学</a:t>
+              <a:t>自学、互学、展学</a:t>
             </a:r>
           </a:p>
           <a:p>
@@ -7621,13 +8246,124 @@
           </a:p>
         </p:txBody>
       </p:sp>
+      <p:sp>
+        <p:nvSpPr>
+          <p:cNvPr id="4" name="文本框 3">
+            <a:extLst>
+              <a:ext uri="{FF2B5EF4-FFF2-40B4-BE49-F238E27FC236}">
+                <a16:creationId xmlns:a16="http://schemas.microsoft.com/office/drawing/2014/main" id="{77EEC303-4548-755A-07AD-E9168FAD41EB}"/>
+              </a:ext>
+            </a:extLst>
+          </p:cNvPr>
+          <p:cNvSpPr txBox="1"/>
+          <p:nvPr/>
+        </p:nvSpPr>
+        <p:spPr>
+          <a:xfrm>
+            <a:off x="7275007" y="1606138"/>
+            <a:ext cx="3647152" cy="646331"/>
+          </a:xfrm>
+          <a:prstGeom prst="rect">
+            <a:avLst/>
+          </a:prstGeom>
+          <a:noFill/>
+        </p:spPr>
+        <p:txBody>
+          <a:bodyPr wrap="none" rtlCol="0">
+            <a:spAutoFit/>
+          </a:bodyPr>
+          <a:lstStyle/>
+          <a:p>
+            <a:r>
+              <a:rPr lang="zh-CN" altLang="en-US" dirty="0"/>
+              <a:t>转换为求输出层和隐藏层的误差项</a:t>
+            </a:r>
+            <a:endParaRPr lang="en-US" altLang="zh-CN" dirty="0"/>
+          </a:p>
+          <a:p>
+            <a:endParaRPr kumimoji="1" lang="zh-CN" altLang="en-US" dirty="0"/>
+          </a:p>
+        </p:txBody>
+      </p:sp>
+      <p:pic>
+        <p:nvPicPr>
+          <p:cNvPr id="6" name="图片 5">
+            <a:extLst>
+              <a:ext uri="{FF2B5EF4-FFF2-40B4-BE49-F238E27FC236}">
+                <a16:creationId xmlns:a16="http://schemas.microsoft.com/office/drawing/2014/main" id="{B1D2DCE0-1216-AF8A-2922-65FC319E583D}"/>
+              </a:ext>
+            </a:extLst>
+          </p:cNvPr>
+          <p:cNvPicPr>
+            <a:picLocks noChangeAspect="1"/>
+          </p:cNvPicPr>
+          <p:nvPr/>
+        </p:nvPicPr>
+        <p:blipFill>
+          <a:blip r:embed="rId3">
+            <a:extLst>
+              <a:ext uri="{28A0092B-C50C-407E-A947-70E740481C1C}">
+                <a14:useLocalDpi xmlns:a14="http://schemas.microsoft.com/office/drawing/2010/main" val="0"/>
+              </a:ext>
+            </a:extLst>
+          </a:blip>
+          <a:stretch>
+            <a:fillRect/>
+          </a:stretch>
+        </p:blipFill>
+        <p:spPr>
+          <a:xfrm>
+            <a:off x="4772966" y="1858945"/>
+            <a:ext cx="1652117" cy="899486"/>
+          </a:xfrm>
+          <a:prstGeom prst="rect">
+            <a:avLst/>
+          </a:prstGeom>
+        </p:spPr>
+      </p:pic>
+      <p:pic>
+        <p:nvPicPr>
+          <p:cNvPr id="9" name="图片 8">
+            <a:extLst>
+              <a:ext uri="{FF2B5EF4-FFF2-40B4-BE49-F238E27FC236}">
+                <a16:creationId xmlns:a16="http://schemas.microsoft.com/office/drawing/2014/main" id="{E569DD36-8959-4FF4-1ACF-E9D6F259CA66}"/>
+              </a:ext>
+            </a:extLst>
+          </p:cNvPr>
+          <p:cNvPicPr>
+            <a:picLocks noChangeAspect="1"/>
+          </p:cNvPicPr>
+          <p:nvPr/>
+        </p:nvPicPr>
+        <p:blipFill>
+          <a:blip r:embed="rId4">
+            <a:extLst>
+              <a:ext uri="{28A0092B-C50C-407E-A947-70E740481C1C}">
+                <a14:useLocalDpi xmlns:a14="http://schemas.microsoft.com/office/drawing/2010/main" val="0"/>
+              </a:ext>
+            </a:extLst>
+          </a:blip>
+          <a:stretch>
+            <a:fillRect/>
+          </a:stretch>
+        </p:blipFill>
+        <p:spPr>
+          <a:xfrm>
+            <a:off x="6824339" y="2252469"/>
+            <a:ext cx="1892300" cy="457200"/>
+          </a:xfrm>
+          <a:prstGeom prst="rect">
+            <a:avLst/>
+          </a:prstGeom>
+        </p:spPr>
+      </p:pic>
     </p:spTree>
     <p:custDataLst>
       <p:tags r:id="rId1"/>
     </p:custDataLst>
     <p:extLst>
       <p:ext uri="{BB962C8B-B14F-4D97-AF65-F5344CB8AC3E}">
-        <p14:creationId xmlns:p14="http://schemas.microsoft.com/office/powerpoint/2010/main" val="2915200876"/>
+        <p14:creationId xmlns:p14="http://schemas.microsoft.com/office/powerpoint/2010/main" val="95354785"/>
       </p:ext>
     </p:extLst>
   </p:cSld>
@@ -7638,6 +8374,130 @@
 </file>
 
 <file path=ppt/slides/slide16.xml><?xml version="1.0" encoding="utf-8"?>
+<p:sld xmlns:a="http://schemas.openxmlformats.org/drawingml/2006/main" xmlns:r="http://schemas.openxmlformats.org/officeDocument/2006/relationships" xmlns:p="http://schemas.openxmlformats.org/presentationml/2006/main">
+  <p:cSld>
+    <p:spTree>
+      <p:nvGrpSpPr>
+        <p:cNvPr id="1" name=""/>
+        <p:cNvGrpSpPr/>
+        <p:nvPr/>
+      </p:nvGrpSpPr>
+      <p:grpSpPr>
+        <a:xfrm>
+          <a:off x="0" y="0"/>
+          <a:ext cx="0" cy="0"/>
+          <a:chOff x="0" y="0"/>
+          <a:chExt cx="0" cy="0"/>
+        </a:xfrm>
+      </p:grpSpPr>
+      <p:sp>
+        <p:nvSpPr>
+          <p:cNvPr id="3" name="标题 2"/>
+          <p:cNvSpPr>
+            <a:spLocks noGrp="1"/>
+          </p:cNvSpPr>
+          <p:nvPr>
+            <p:ph type="title"/>
+          </p:nvPr>
+        </p:nvSpPr>
+        <p:spPr/>
+        <p:txBody>
+          <a:bodyPr/>
+          <a:lstStyle/>
+          <a:p>
+            <a:endParaRPr lang="zh-CN" altLang="en-US" dirty="0"/>
+          </a:p>
+        </p:txBody>
+      </p:sp>
+      <p:pic>
+        <p:nvPicPr>
+          <p:cNvPr id="6" name="图片 5">
+            <a:extLst>
+              <a:ext uri="{FF2B5EF4-FFF2-40B4-BE49-F238E27FC236}">
+                <a16:creationId xmlns:a16="http://schemas.microsoft.com/office/drawing/2014/main" id="{6A1DA31D-DACC-B9CE-1D6E-90439B69B742}"/>
+              </a:ext>
+            </a:extLst>
+          </p:cNvPr>
+          <p:cNvPicPr>
+            <a:picLocks noChangeAspect="1"/>
+          </p:cNvPicPr>
+          <p:nvPr/>
+        </p:nvPicPr>
+        <p:blipFill>
+          <a:blip r:embed="rId3">
+            <a:extLst>
+              <a:ext uri="{28A0092B-C50C-407E-A947-70E740481C1C}">
+                <a14:useLocalDpi xmlns:a14="http://schemas.microsoft.com/office/drawing/2010/main" val="0"/>
+              </a:ext>
+            </a:extLst>
+          </a:blip>
+          <a:stretch>
+            <a:fillRect/>
+          </a:stretch>
+        </p:blipFill>
+        <p:spPr>
+          <a:xfrm>
+            <a:off x="9036965" y="896001"/>
+            <a:ext cx="1892300" cy="457200"/>
+          </a:xfrm>
+          <a:prstGeom prst="rect">
+            <a:avLst/>
+          </a:prstGeom>
+        </p:spPr>
+      </p:pic>
+      <p:pic>
+        <p:nvPicPr>
+          <p:cNvPr id="8" name="图片 7">
+            <a:extLst>
+              <a:ext uri="{FF2B5EF4-FFF2-40B4-BE49-F238E27FC236}">
+                <a16:creationId xmlns:a16="http://schemas.microsoft.com/office/drawing/2014/main" id="{00698EA7-4D8E-0AB4-B25A-275849BAB5F4}"/>
+              </a:ext>
+            </a:extLst>
+          </p:cNvPr>
+          <p:cNvPicPr>
+            <a:picLocks noChangeAspect="1"/>
+          </p:cNvPicPr>
+          <p:nvPr/>
+        </p:nvPicPr>
+        <p:blipFill>
+          <a:blip r:embed="rId4">
+            <a:extLst>
+              <a:ext uri="{28A0092B-C50C-407E-A947-70E740481C1C}">
+                <a14:useLocalDpi xmlns:a14="http://schemas.microsoft.com/office/drawing/2010/main" val="0"/>
+              </a:ext>
+            </a:extLst>
+          </a:blip>
+          <a:stretch>
+            <a:fillRect/>
+          </a:stretch>
+        </p:blipFill>
+        <p:spPr>
+          <a:xfrm>
+            <a:off x="1607736" y="641550"/>
+            <a:ext cx="6268760" cy="5466841"/>
+          </a:xfrm>
+          <a:prstGeom prst="rect">
+            <a:avLst/>
+          </a:prstGeom>
+        </p:spPr>
+      </p:pic>
+    </p:spTree>
+    <p:custDataLst>
+      <p:tags r:id="rId1"/>
+    </p:custDataLst>
+    <p:extLst>
+      <p:ext uri="{BB962C8B-B14F-4D97-AF65-F5344CB8AC3E}">
+        <p14:creationId xmlns:p14="http://schemas.microsoft.com/office/powerpoint/2010/main" val="733817897"/>
+      </p:ext>
+    </p:extLst>
+  </p:cSld>
+  <p:clrMapOvr>
+    <a:masterClrMapping/>
+  </p:clrMapOvr>
+</p:sld>
+</file>
+
+<file path=ppt/slides/slide17.xml><?xml version="1.0" encoding="utf-8"?>
 <p:sld xmlns:a="http://schemas.openxmlformats.org/drawingml/2006/main" xmlns:r="http://schemas.openxmlformats.org/officeDocument/2006/relationships" xmlns:p="http://schemas.openxmlformats.org/presentationml/2006/main">
   <p:cSld>
     <p:spTree>
@@ -7675,8 +8535,14 @@
             </a:pPr>
             <a:r>
               <a:rPr lang="zh-CN" altLang="en-US" dirty="0"/>
-              <a:t>什么是后向传播算法？</a:t>
-            </a:r>
+              <a:t>如何推导隐藏层的误差项</a:t>
+            </a:r>
+            <a:endParaRPr lang="en-US" altLang="zh-CN" dirty="0"/>
+          </a:p>
+          <a:p>
+            <a:br>
+              <a:rPr lang="zh-CN" altLang="en-US" dirty="0"/>
+            </a:br>
             <a:endParaRPr lang="en-US" altLang="zh-CN" dirty="0"/>
           </a:p>
           <a:p>
@@ -7691,9 +8557,23 @@
               <a:buFont typeface="Arial" panose="020B0604020202020204" pitchFamily="34" charset="0"/>
               <a:buChar char="•"/>
             </a:pPr>
+            <a:endParaRPr lang="en-US" altLang="zh-CN" dirty="0"/>
+          </a:p>
+          <a:p>
+            <a:pPr marL="285750" indent="-285750">
+              <a:buFont typeface="Arial" panose="020B0604020202020204" pitchFamily="34" charset="0"/>
+              <a:buChar char="•"/>
+            </a:pPr>
+            <a:endParaRPr lang="en-US" altLang="zh-CN" dirty="0"/>
+          </a:p>
+          <a:p>
+            <a:pPr marL="285750" indent="-285750">
+              <a:buFont typeface="Arial" panose="020B0604020202020204" pitchFamily="34" charset="0"/>
+              <a:buChar char="•"/>
+            </a:pPr>
             <a:r>
               <a:rPr lang="zh-CN" altLang="en-US" dirty="0"/>
-              <a:t>自学、展学</a:t>
+              <a:t>自学、互学、展学</a:t>
             </a:r>
           </a:p>
           <a:p>
@@ -7744,6 +8624,696 @@
               <a:rPr lang="zh-CN" altLang="en-US" dirty="0"/>
               <a:t>全连接层的后向传播？</a:t>
             </a:r>
+          </a:p>
+        </p:txBody>
+      </p:sp>
+      <p:pic>
+        <p:nvPicPr>
+          <p:cNvPr id="6" name="图片 5">
+            <a:extLst>
+              <a:ext uri="{FF2B5EF4-FFF2-40B4-BE49-F238E27FC236}">
+                <a16:creationId xmlns:a16="http://schemas.microsoft.com/office/drawing/2014/main" id="{960B2212-5649-23A3-5207-8D87585264FD}"/>
+              </a:ext>
+            </a:extLst>
+          </p:cNvPr>
+          <p:cNvPicPr>
+            <a:picLocks noChangeAspect="1"/>
+          </p:cNvPicPr>
+          <p:nvPr/>
+        </p:nvPicPr>
+        <p:blipFill>
+          <a:blip r:embed="rId3">
+            <a:extLst>
+              <a:ext uri="{28A0092B-C50C-407E-A947-70E740481C1C}">
+                <a14:useLocalDpi xmlns:a14="http://schemas.microsoft.com/office/drawing/2010/main" val="0"/>
+              </a:ext>
+            </a:extLst>
+          </a:blip>
+          <a:stretch>
+            <a:fillRect/>
+          </a:stretch>
+        </p:blipFill>
+        <p:spPr>
+          <a:xfrm>
+            <a:off x="5446486" y="1750018"/>
+            <a:ext cx="2082800" cy="1308100"/>
+          </a:xfrm>
+          <a:prstGeom prst="rect">
+            <a:avLst/>
+          </a:prstGeom>
+        </p:spPr>
+      </p:pic>
+    </p:spTree>
+    <p:custDataLst>
+      <p:tags r:id="rId1"/>
+    </p:custDataLst>
+    <p:extLst>
+      <p:ext uri="{BB962C8B-B14F-4D97-AF65-F5344CB8AC3E}">
+        <p14:creationId xmlns:p14="http://schemas.microsoft.com/office/powerpoint/2010/main" val="2373764034"/>
+      </p:ext>
+    </p:extLst>
+  </p:cSld>
+  <p:clrMapOvr>
+    <a:masterClrMapping/>
+  </p:clrMapOvr>
+</p:sld>
+</file>
+
+<file path=ppt/slides/slide18.xml><?xml version="1.0" encoding="utf-8"?>
+<p:sld xmlns:a="http://schemas.openxmlformats.org/drawingml/2006/main" xmlns:r="http://schemas.openxmlformats.org/officeDocument/2006/relationships" xmlns:p="http://schemas.openxmlformats.org/presentationml/2006/main">
+  <p:cSld>
+    <p:spTree>
+      <p:nvGrpSpPr>
+        <p:cNvPr id="1" name=""/>
+        <p:cNvGrpSpPr/>
+        <p:nvPr/>
+      </p:nvGrpSpPr>
+      <p:grpSpPr>
+        <a:xfrm>
+          <a:off x="0" y="0"/>
+          <a:ext cx="0" cy="0"/>
+          <a:chOff x="0" y="0"/>
+          <a:chExt cx="0" cy="0"/>
+        </a:xfrm>
+      </p:grpSpPr>
+      <p:sp>
+        <p:nvSpPr>
+          <p:cNvPr id="3" name="标题 2"/>
+          <p:cNvSpPr>
+            <a:spLocks noGrp="1"/>
+          </p:cNvSpPr>
+          <p:nvPr>
+            <p:ph type="title"/>
+          </p:nvPr>
+        </p:nvSpPr>
+        <p:spPr/>
+        <p:txBody>
+          <a:bodyPr/>
+          <a:lstStyle/>
+          <a:p>
+            <a:endParaRPr lang="zh-CN" altLang="en-US" dirty="0"/>
+          </a:p>
+        </p:txBody>
+      </p:sp>
+      <p:pic>
+        <p:nvPicPr>
+          <p:cNvPr id="4" name="图片 3">
+            <a:extLst>
+              <a:ext uri="{FF2B5EF4-FFF2-40B4-BE49-F238E27FC236}">
+                <a16:creationId xmlns:a16="http://schemas.microsoft.com/office/drawing/2014/main" id="{183A46EC-01B8-DDF1-1051-4458C51A3BD9}"/>
+              </a:ext>
+            </a:extLst>
+          </p:cNvPr>
+          <p:cNvPicPr>
+            <a:picLocks noChangeAspect="1"/>
+          </p:cNvPicPr>
+          <p:nvPr/>
+        </p:nvPicPr>
+        <p:blipFill>
+          <a:blip r:embed="rId3">
+            <a:extLst>
+              <a:ext uri="{28A0092B-C50C-407E-A947-70E740481C1C}">
+                <a14:useLocalDpi xmlns:a14="http://schemas.microsoft.com/office/drawing/2010/main" val="0"/>
+              </a:ext>
+            </a:extLst>
+          </a:blip>
+          <a:stretch>
+            <a:fillRect/>
+          </a:stretch>
+        </p:blipFill>
+        <p:spPr>
+          <a:xfrm>
+            <a:off x="4013061" y="414618"/>
+            <a:ext cx="7883770" cy="6028764"/>
+          </a:xfrm>
+          <a:prstGeom prst="rect">
+            <a:avLst/>
+          </a:prstGeom>
+        </p:spPr>
+      </p:pic>
+      <p:pic>
+        <p:nvPicPr>
+          <p:cNvPr id="5" name="图片 4">
+            <a:extLst>
+              <a:ext uri="{FF2B5EF4-FFF2-40B4-BE49-F238E27FC236}">
+                <a16:creationId xmlns:a16="http://schemas.microsoft.com/office/drawing/2014/main" id="{ADCE856A-4B2E-35BF-76FD-842177EE35DA}"/>
+              </a:ext>
+            </a:extLst>
+          </p:cNvPr>
+          <p:cNvPicPr>
+            <a:picLocks noChangeAspect="1"/>
+          </p:cNvPicPr>
+          <p:nvPr/>
+        </p:nvPicPr>
+        <p:blipFill>
+          <a:blip r:embed="rId4">
+            <a:extLst>
+              <a:ext uri="{28A0092B-C50C-407E-A947-70E740481C1C}">
+                <a14:useLocalDpi xmlns:a14="http://schemas.microsoft.com/office/drawing/2010/main" val="0"/>
+              </a:ext>
+            </a:extLst>
+          </a:blip>
+          <a:stretch>
+            <a:fillRect/>
+          </a:stretch>
+        </p:blipFill>
+        <p:spPr>
+          <a:xfrm>
+            <a:off x="80386" y="1516482"/>
+            <a:ext cx="3640207" cy="2352134"/>
+          </a:xfrm>
+          <a:prstGeom prst="rect">
+            <a:avLst/>
+          </a:prstGeom>
+        </p:spPr>
+      </p:pic>
+    </p:spTree>
+    <p:custDataLst>
+      <p:tags r:id="rId1"/>
+    </p:custDataLst>
+    <p:extLst>
+      <p:ext uri="{BB962C8B-B14F-4D97-AF65-F5344CB8AC3E}">
+        <p14:creationId xmlns:p14="http://schemas.microsoft.com/office/powerpoint/2010/main" val="525655129"/>
+      </p:ext>
+    </p:extLst>
+  </p:cSld>
+  <p:clrMapOvr>
+    <a:masterClrMapping/>
+  </p:clrMapOvr>
+</p:sld>
+</file>
+
+<file path=ppt/slides/slide19.xml><?xml version="1.0" encoding="utf-8"?>
+<p:sld xmlns:a="http://schemas.openxmlformats.org/drawingml/2006/main" xmlns:r="http://schemas.openxmlformats.org/officeDocument/2006/relationships" xmlns:p="http://schemas.openxmlformats.org/presentationml/2006/main">
+  <p:cSld>
+    <p:spTree>
+      <p:nvGrpSpPr>
+        <p:cNvPr id="1" name=""/>
+        <p:cNvGrpSpPr/>
+        <p:nvPr/>
+      </p:nvGrpSpPr>
+      <p:grpSpPr>
+        <a:xfrm>
+          <a:off x="0" y="0"/>
+          <a:ext cx="0" cy="0"/>
+          <a:chOff x="0" y="0"/>
+          <a:chExt cx="0" cy="0"/>
+        </a:xfrm>
+      </p:grpSpPr>
+      <p:sp>
+        <p:nvSpPr>
+          <p:cNvPr id="2" name="文本占位符 1"/>
+          <p:cNvSpPr>
+            <a:spLocks noGrp="1"/>
+          </p:cNvSpPr>
+          <p:nvPr>
+            <p:ph type="body" idx="1"/>
+          </p:nvPr>
+        </p:nvSpPr>
+        <p:spPr/>
+        <p:txBody>
+          <a:bodyPr/>
+          <a:lstStyle/>
+          <a:p>
+            <a:pPr marL="285750" indent="-285750">
+              <a:buFont typeface="Arial" panose="020B0604020202020204" pitchFamily="34" charset="0"/>
+              <a:buChar char="•"/>
+            </a:pPr>
+            <a:r>
+              <a:rPr lang="zh-CN" altLang="en-US" dirty="0"/>
+              <a:t>更新</a:t>
+            </a:r>
+            <a:r>
+              <a:rPr lang="zh-CN" altLang="en-US" b="0" i="0" dirty="0">
+                <a:solidFill>
+                  <a:srgbClr val="333333"/>
+                </a:solidFill>
+                <a:effectLst/>
+                <a:latin typeface="verdana" panose="020B0604030504040204" pitchFamily="34" charset="0"/>
+              </a:rPr>
+              <a:t>输出层的</a:t>
+            </a:r>
+            <a:r>
+              <a:rPr lang="zh-CN" altLang="en-US" dirty="0"/>
+              <a:t>梯度下降算法</a:t>
+            </a:r>
+            <a:endParaRPr lang="en-US" altLang="zh-CN" dirty="0"/>
+          </a:p>
+          <a:p>
+            <a:pPr marL="285750" indent="-285750">
+              <a:buFont typeface="Arial" panose="020B0604020202020204" pitchFamily="34" charset="0"/>
+              <a:buChar char="•"/>
+            </a:pPr>
+            <a:r>
+              <a:rPr lang="zh-CN" altLang="en-US" dirty="0"/>
+              <a:t>更新</a:t>
+            </a:r>
+            <a:r>
+              <a:rPr lang="zh-CN" altLang="en-US" dirty="0">
+                <a:solidFill>
+                  <a:srgbClr val="333333"/>
+                </a:solidFill>
+                <a:latin typeface="verdana" panose="020B0604030504040204" pitchFamily="34" charset="0"/>
+              </a:rPr>
+              <a:t>隐藏</a:t>
+            </a:r>
+            <a:r>
+              <a:rPr lang="zh-CN" altLang="en-US" b="0" i="0" dirty="0">
+                <a:solidFill>
+                  <a:srgbClr val="333333"/>
+                </a:solidFill>
+                <a:effectLst/>
+                <a:latin typeface="verdana" panose="020B0604030504040204" pitchFamily="34" charset="0"/>
+              </a:rPr>
+              <a:t>层的</a:t>
+            </a:r>
+            <a:r>
+              <a:rPr lang="zh-CN" altLang="en-US" dirty="0"/>
+              <a:t>梯度下降算法</a:t>
+            </a:r>
+            <a:endParaRPr lang="en-US" altLang="zh-CN" dirty="0"/>
+          </a:p>
+          <a:p>
+            <a:pPr marL="285750" indent="-285750">
+              <a:buFont typeface="Arial" panose="020B0604020202020204" pitchFamily="34" charset="0"/>
+              <a:buChar char="•"/>
+            </a:pPr>
+            <a:endParaRPr lang="en-US" altLang="zh-CN" dirty="0"/>
+          </a:p>
+          <a:p>
+            <a:pPr marL="285750" indent="-285750">
+              <a:buFont typeface="Arial" panose="020B0604020202020204" pitchFamily="34" charset="0"/>
+              <a:buChar char="•"/>
+            </a:pPr>
+            <a:endParaRPr lang="en-US" altLang="zh-CN" dirty="0"/>
+          </a:p>
+          <a:p>
+            <a:pPr marL="285750" indent="-285750">
+              <a:buFont typeface="Arial" panose="020B0604020202020204" pitchFamily="34" charset="0"/>
+              <a:buChar char="•"/>
+            </a:pPr>
+            <a:r>
+              <a:rPr lang="zh-CN" altLang="en-US" dirty="0"/>
+              <a:t>自学、展学</a:t>
+            </a:r>
+          </a:p>
+          <a:p>
+            <a:pPr marL="285750" indent="-285750">
+              <a:buFont typeface="Arial" panose="020B0604020202020204" pitchFamily="34" charset="0"/>
+              <a:buChar char="•"/>
+            </a:pPr>
+            <a:endParaRPr lang="en-US" altLang="zh-CN" dirty="0"/>
+          </a:p>
+          <a:p>
+            <a:pPr marL="285750" indent="-285750">
+              <a:buFont typeface="Arial" panose="020B0604020202020204" pitchFamily="34" charset="0"/>
+              <a:buChar char="•"/>
+            </a:pPr>
+            <a:endParaRPr lang="en-US" altLang="zh-CN" dirty="0"/>
+          </a:p>
+          <a:p>
+            <a:pPr marL="285750" indent="-285750">
+              <a:buFont typeface="Arial" panose="020B0604020202020204" pitchFamily="34" charset="0"/>
+              <a:buChar char="•"/>
+            </a:pPr>
+            <a:endParaRPr lang="en-US" altLang="zh-CN" dirty="0"/>
+          </a:p>
+        </p:txBody>
+      </p:sp>
+      <p:sp>
+        <p:nvSpPr>
+          <p:cNvPr id="3" name="标题 2"/>
+          <p:cNvSpPr>
+            <a:spLocks noGrp="1"/>
+          </p:cNvSpPr>
+          <p:nvPr>
+            <p:ph type="title"/>
+          </p:nvPr>
+        </p:nvSpPr>
+        <p:spPr/>
+        <p:txBody>
+          <a:bodyPr/>
+          <a:lstStyle/>
+          <a:p>
+            <a:r>
+              <a:rPr lang="zh-CN" altLang="en-US" dirty="0">
+                <a:sym typeface="+mn-ea"/>
+              </a:rPr>
+              <a:t>主问题：如何推导</a:t>
+            </a:r>
+            <a:r>
+              <a:rPr lang="zh-CN" altLang="en-US" dirty="0"/>
+              <a:t>全连接层的后向传播？</a:t>
+            </a:r>
+          </a:p>
+        </p:txBody>
+      </p:sp>
+      <p:pic>
+        <p:nvPicPr>
+          <p:cNvPr id="4" name="Picture 6" descr="image">
+            <a:extLst>
+              <a:ext uri="{FF2B5EF4-FFF2-40B4-BE49-F238E27FC236}">
+                <a16:creationId xmlns:a16="http://schemas.microsoft.com/office/drawing/2014/main" id="{3B7D865A-94D7-D540-93A3-D11851BD67DD}"/>
+              </a:ext>
+            </a:extLst>
+          </p:cNvPr>
+          <p:cNvPicPr>
+            <a:picLocks noChangeAspect="1" noChangeArrowheads="1"/>
+          </p:cNvPicPr>
+          <p:nvPr/>
+        </p:nvPicPr>
+        <p:blipFill>
+          <a:blip r:embed="rId3">
+            <a:extLst>
+              <a:ext uri="{28A0092B-C50C-407E-A947-70E740481C1C}">
+                <a14:useLocalDpi xmlns:a14="http://schemas.microsoft.com/office/drawing/2010/main" val="0"/>
+              </a:ext>
+            </a:extLst>
+          </a:blip>
+          <a:srcRect/>
+          <a:stretch>
+            <a:fillRect/>
+          </a:stretch>
+        </p:blipFill>
+        <p:spPr bwMode="auto">
+          <a:xfrm>
+            <a:off x="8815970" y="1413684"/>
+            <a:ext cx="1971710" cy="1355551"/>
+          </a:xfrm>
+          <a:prstGeom prst="rect">
+            <a:avLst/>
+          </a:prstGeom>
+          <a:noFill/>
+          <a:extLst>
+            <a:ext uri="{909E8E84-426E-40DD-AFC4-6F175D3DCCD1}">
+              <a14:hiddenFill xmlns:a14="http://schemas.microsoft.com/office/drawing/2010/main">
+                <a:solidFill>
+                  <a:srgbClr val="FFFFFF"/>
+                </a:solidFill>
+              </a14:hiddenFill>
+            </a:ext>
+          </a:extLst>
+        </p:spPr>
+      </p:pic>
+      <p:pic>
+        <p:nvPicPr>
+          <p:cNvPr id="6" name="图片 5">
+            <a:extLst>
+              <a:ext uri="{FF2B5EF4-FFF2-40B4-BE49-F238E27FC236}">
+                <a16:creationId xmlns:a16="http://schemas.microsoft.com/office/drawing/2014/main" id="{FBC7E484-F07B-5FEC-42AF-7B433F09884B}"/>
+              </a:ext>
+            </a:extLst>
+          </p:cNvPr>
+          <p:cNvPicPr>
+            <a:picLocks noChangeAspect="1"/>
+          </p:cNvPicPr>
+          <p:nvPr/>
+        </p:nvPicPr>
+        <p:blipFill>
+          <a:blip r:embed="rId4">
+            <a:extLst>
+              <a:ext uri="{28A0092B-C50C-407E-A947-70E740481C1C}">
+                <a14:useLocalDpi xmlns:a14="http://schemas.microsoft.com/office/drawing/2010/main" val="0"/>
+              </a:ext>
+            </a:extLst>
+          </a:blip>
+          <a:stretch>
+            <a:fillRect/>
+          </a:stretch>
+        </p:blipFill>
+        <p:spPr>
+          <a:xfrm>
+            <a:off x="5147058" y="1626235"/>
+            <a:ext cx="2400300" cy="584200"/>
+          </a:xfrm>
+          <a:prstGeom prst="rect">
+            <a:avLst/>
+          </a:prstGeom>
+        </p:spPr>
+      </p:pic>
+      <p:pic>
+        <p:nvPicPr>
+          <p:cNvPr id="8" name="图片 7">
+            <a:extLst>
+              <a:ext uri="{FF2B5EF4-FFF2-40B4-BE49-F238E27FC236}">
+                <a16:creationId xmlns:a16="http://schemas.microsoft.com/office/drawing/2014/main" id="{DF86CFCA-99ED-AFEA-B924-BB6C1A077253}"/>
+              </a:ext>
+            </a:extLst>
+          </p:cNvPr>
+          <p:cNvPicPr>
+            <a:picLocks noChangeAspect="1"/>
+          </p:cNvPicPr>
+          <p:nvPr/>
+        </p:nvPicPr>
+        <p:blipFill>
+          <a:blip r:embed="rId5">
+            <a:extLst>
+              <a:ext uri="{28A0092B-C50C-407E-A947-70E740481C1C}">
+                <a14:useLocalDpi xmlns:a14="http://schemas.microsoft.com/office/drawing/2010/main" val="0"/>
+              </a:ext>
+            </a:extLst>
+          </a:blip>
+          <a:stretch>
+            <a:fillRect/>
+          </a:stretch>
+        </p:blipFill>
+        <p:spPr>
+          <a:xfrm>
+            <a:off x="5103515" y="2210435"/>
+            <a:ext cx="2311400" cy="558800"/>
+          </a:xfrm>
+          <a:prstGeom prst="rect">
+            <a:avLst/>
+          </a:prstGeom>
+        </p:spPr>
+      </p:pic>
+    </p:spTree>
+    <p:custDataLst>
+      <p:tags r:id="rId1"/>
+    </p:custDataLst>
+    <p:extLst>
+      <p:ext uri="{BB962C8B-B14F-4D97-AF65-F5344CB8AC3E}">
+        <p14:creationId xmlns:p14="http://schemas.microsoft.com/office/powerpoint/2010/main" val="2915200876"/>
+      </p:ext>
+    </p:extLst>
+  </p:cSld>
+  <p:clrMapOvr>
+    <a:masterClrMapping/>
+  </p:clrMapOvr>
+</p:sld>
+</file>
+
+<file path=ppt/slides/slide2.xml><?xml version="1.0" encoding="utf-8"?>
+<p:sld xmlns:a="http://schemas.openxmlformats.org/drawingml/2006/main" xmlns:r="http://schemas.openxmlformats.org/officeDocument/2006/relationships" xmlns:p="http://schemas.openxmlformats.org/presentationml/2006/main">
+  <p:cSld>
+    <p:spTree>
+      <p:nvGrpSpPr>
+        <p:cNvPr id="1" name=""/>
+        <p:cNvGrpSpPr/>
+        <p:nvPr/>
+      </p:nvGrpSpPr>
+      <p:grpSpPr>
+        <a:xfrm>
+          <a:off x="0" y="0"/>
+          <a:ext cx="0" cy="0"/>
+          <a:chOff x="0" y="0"/>
+          <a:chExt cx="0" cy="0"/>
+        </a:xfrm>
+      </p:grpSpPr>
+      <p:sp>
+        <p:nvSpPr>
+          <p:cNvPr id="2" name="标题 1"/>
+          <p:cNvSpPr>
+            <a:spLocks noGrp="1"/>
+          </p:cNvSpPr>
+          <p:nvPr>
+            <p:ph type="title"/>
+          </p:nvPr>
+        </p:nvSpPr>
+        <p:spPr>
+          <a:xfrm>
+            <a:off x="669882" y="2108221"/>
+            <a:ext cx="10852237" cy="899167"/>
+          </a:xfrm>
+        </p:spPr>
+        <p:txBody>
+          <a:bodyPr/>
+          <a:lstStyle/>
+          <a:p>
+            <a:r>
+              <a:rPr lang="zh-CN" altLang="en-US" dirty="0"/>
+              <a:t>第三节课：</a:t>
+            </a:r>
+            <a:br>
+              <a:rPr lang="en-US" altLang="zh-CN" dirty="0"/>
+            </a:br>
+            <a:r>
+              <a:rPr lang="zh-CN" altLang="en-US" dirty="0"/>
+              <a:t>全连接层的前向和后向传播推导（下）</a:t>
+            </a:r>
+          </a:p>
+        </p:txBody>
+      </p:sp>
+    </p:spTree>
+    <p:custDataLst>
+      <p:tags r:id="rId1"/>
+    </p:custDataLst>
+  </p:cSld>
+  <p:clrMapOvr>
+    <a:masterClrMapping/>
+  </p:clrMapOvr>
+</p:sld>
+</file>
+
+<file path=ppt/slides/slide20.xml><?xml version="1.0" encoding="utf-8"?>
+<p:sld xmlns:a="http://schemas.openxmlformats.org/drawingml/2006/main" xmlns:r="http://schemas.openxmlformats.org/officeDocument/2006/relationships" xmlns:p="http://schemas.openxmlformats.org/presentationml/2006/main">
+  <p:cSld>
+    <p:spTree>
+      <p:nvGrpSpPr>
+        <p:cNvPr id="1" name=""/>
+        <p:cNvGrpSpPr/>
+        <p:nvPr/>
+      </p:nvGrpSpPr>
+      <p:grpSpPr>
+        <a:xfrm>
+          <a:off x="0" y="0"/>
+          <a:ext cx="0" cy="0"/>
+          <a:chOff x="0" y="0"/>
+          <a:chExt cx="0" cy="0"/>
+        </a:xfrm>
+      </p:grpSpPr>
+      <p:sp>
+        <p:nvSpPr>
+          <p:cNvPr id="2" name="文本占位符 1"/>
+          <p:cNvSpPr>
+            <a:spLocks noGrp="1"/>
+          </p:cNvSpPr>
+          <p:nvPr>
+            <p:ph type="body" idx="1"/>
+          </p:nvPr>
+        </p:nvSpPr>
+        <p:spPr/>
+        <p:txBody>
+          <a:bodyPr/>
+          <a:lstStyle/>
+          <a:p>
+            <a:pPr marL="285750" indent="-285750">
+              <a:buFont typeface="Arial" panose="020B0604020202020204" pitchFamily="34" charset="0"/>
+              <a:buChar char="•"/>
+            </a:pPr>
+            <a:r>
+              <a:rPr lang="zh-CN" altLang="en-US" dirty="0"/>
+              <a:t>什么是后向传播算法？</a:t>
+            </a:r>
+            <a:endParaRPr lang="en-US" altLang="zh-CN" dirty="0"/>
+          </a:p>
+          <a:p>
+            <a:pPr marL="285750" indent="-285750">
+              <a:buFont typeface="Arial" panose="020B0604020202020204" pitchFamily="34" charset="0"/>
+              <a:buChar char="•"/>
+            </a:pPr>
+            <a:endParaRPr lang="en-US" altLang="zh-CN" dirty="0"/>
+          </a:p>
+          <a:p>
+            <a:pPr marL="285750" indent="-285750">
+              <a:buFont typeface="Arial" panose="020B0604020202020204" pitchFamily="34" charset="0"/>
+              <a:buChar char="•"/>
+            </a:pPr>
+            <a:r>
+              <a:rPr lang="zh-CN" altLang="en-US" dirty="0"/>
+              <a:t>自学、展学</a:t>
+            </a:r>
+          </a:p>
+          <a:p>
+            <a:pPr marL="285750" indent="-285750">
+              <a:buFont typeface="Arial" panose="020B0604020202020204" pitchFamily="34" charset="0"/>
+              <a:buChar char="•"/>
+            </a:pPr>
+            <a:endParaRPr lang="en-US" altLang="zh-CN" dirty="0"/>
+          </a:p>
+          <a:p>
+            <a:pPr marL="285750" indent="-285750">
+              <a:buFont typeface="Arial" panose="020B0604020202020204" pitchFamily="34" charset="0"/>
+              <a:buChar char="•"/>
+            </a:pPr>
+            <a:endParaRPr lang="en-US" altLang="zh-CN" dirty="0"/>
+          </a:p>
+          <a:p>
+            <a:pPr marL="285750" indent="-285750">
+              <a:buFont typeface="Arial" panose="020B0604020202020204" pitchFamily="34" charset="0"/>
+              <a:buChar char="•"/>
+            </a:pPr>
+            <a:endParaRPr lang="en-US" altLang="zh-CN" dirty="0"/>
+          </a:p>
+        </p:txBody>
+      </p:sp>
+      <p:sp>
+        <p:nvSpPr>
+          <p:cNvPr id="3" name="标题 2"/>
+          <p:cNvSpPr>
+            <a:spLocks noGrp="1"/>
+          </p:cNvSpPr>
+          <p:nvPr>
+            <p:ph type="title"/>
+          </p:nvPr>
+        </p:nvSpPr>
+        <p:spPr/>
+        <p:txBody>
+          <a:bodyPr/>
+          <a:lstStyle/>
+          <a:p>
+            <a:r>
+              <a:rPr lang="zh-CN" altLang="en-US" dirty="0">
+                <a:sym typeface="+mn-ea"/>
+              </a:rPr>
+              <a:t>主问题：如何推导</a:t>
+            </a:r>
+            <a:r>
+              <a:rPr lang="zh-CN" altLang="en-US" dirty="0"/>
+              <a:t>全连接层的后向传播？</a:t>
+            </a:r>
+          </a:p>
+        </p:txBody>
+      </p:sp>
+      <p:sp>
+        <p:nvSpPr>
+          <p:cNvPr id="4" name="文本框 3">
+            <a:extLst>
+              <a:ext uri="{FF2B5EF4-FFF2-40B4-BE49-F238E27FC236}">
+                <a16:creationId xmlns:a16="http://schemas.microsoft.com/office/drawing/2014/main" id="{7146340C-0545-7B42-4027-B58034F9A5F5}"/>
+              </a:ext>
+            </a:extLst>
+          </p:cNvPr>
+          <p:cNvSpPr txBox="1"/>
+          <p:nvPr/>
+        </p:nvSpPr>
+        <p:spPr>
+          <a:xfrm>
+            <a:off x="2341267" y="3244334"/>
+            <a:ext cx="9495692" cy="369332"/>
+          </a:xfrm>
+          <a:prstGeom prst="rect">
+            <a:avLst/>
+          </a:prstGeom>
+          <a:noFill/>
+        </p:spPr>
+        <p:txBody>
+          <a:bodyPr wrap="square" rtlCol="0">
+            <a:spAutoFit/>
+          </a:bodyPr>
+          <a:lstStyle/>
+          <a:p>
+            <a:r>
+              <a:rPr lang="zh-CN" altLang="en-US" b="0" i="0" dirty="0">
+                <a:solidFill>
+                  <a:srgbClr val="333333"/>
+                </a:solidFill>
+                <a:effectLst/>
+                <a:latin typeface="verdana" panose="020B0604030504040204" pitchFamily="34" charset="0"/>
+              </a:rPr>
+              <a:t>需要先计算输出层的误差项，然后反向依次计算每层的误差项，直到与输入层相连的层</a:t>
+            </a:r>
+            <a:endParaRPr kumimoji="1" lang="zh-CN" altLang="en-US" dirty="0"/>
           </a:p>
         </p:txBody>
       </p:sp>
@@ -7842,7 +9412,7 @@
 </p:sld>
 </file>
 
-<file path=ppt/slides/slide17.xml><?xml version="1.0" encoding="utf-8"?>
+<file path=ppt/slides/slide21.xml><?xml version="1.0" encoding="utf-8"?>
 <p:sld xmlns:a="http://schemas.openxmlformats.org/drawingml/2006/main" xmlns:r="http://schemas.openxmlformats.org/officeDocument/2006/relationships" xmlns:p="http://schemas.openxmlformats.org/presentationml/2006/main">
   <p:cSld>
     <p:spTree>
@@ -8197,7 +9767,7 @@
 </p:sld>
 </file>
 
-<file path=ppt/slides/slide18.xml><?xml version="1.0" encoding="utf-8"?>
+<file path=ppt/slides/slide22.xml><?xml version="1.0" encoding="utf-8"?>
 <p:sld xmlns:a="http://schemas.openxmlformats.org/drawingml/2006/main" xmlns:r="http://schemas.openxmlformats.org/officeDocument/2006/relationships" xmlns:p="http://schemas.openxmlformats.org/presentationml/2006/main">
   <p:cSld>
     <p:spTree>
@@ -8266,7 +9836,7 @@
 </p:sld>
 </file>
 
-<file path=ppt/slides/slide19.xml><?xml version="1.0" encoding="utf-8"?>
+<file path=ppt/slides/slide23.xml><?xml version="1.0" encoding="utf-8"?>
 <p:sld xmlns:a="http://schemas.openxmlformats.org/drawingml/2006/main" xmlns:r="http://schemas.openxmlformats.org/officeDocument/2006/relationships" xmlns:p="http://schemas.openxmlformats.org/presentationml/2006/main">
   <p:cSld>
     <p:spTree>
@@ -8586,69 +10156,7 @@
 </p:sld>
 </file>
 
-<file path=ppt/slides/slide2.xml><?xml version="1.0" encoding="utf-8"?>
-<p:sld xmlns:a="http://schemas.openxmlformats.org/drawingml/2006/main" xmlns:r="http://schemas.openxmlformats.org/officeDocument/2006/relationships" xmlns:p="http://schemas.openxmlformats.org/presentationml/2006/main">
-  <p:cSld>
-    <p:spTree>
-      <p:nvGrpSpPr>
-        <p:cNvPr id="1" name=""/>
-        <p:cNvGrpSpPr/>
-        <p:nvPr/>
-      </p:nvGrpSpPr>
-      <p:grpSpPr>
-        <a:xfrm>
-          <a:off x="0" y="0"/>
-          <a:ext cx="0" cy="0"/>
-          <a:chOff x="0" y="0"/>
-          <a:chExt cx="0" cy="0"/>
-        </a:xfrm>
-      </p:grpSpPr>
-      <p:sp>
-        <p:nvSpPr>
-          <p:cNvPr id="2" name="标题 1"/>
-          <p:cNvSpPr>
-            <a:spLocks noGrp="1"/>
-          </p:cNvSpPr>
-          <p:nvPr>
-            <p:ph type="title"/>
-          </p:nvPr>
-        </p:nvSpPr>
-        <p:spPr>
-          <a:xfrm>
-            <a:off x="669882" y="2108221"/>
-            <a:ext cx="10852237" cy="899167"/>
-          </a:xfrm>
-        </p:spPr>
-        <p:txBody>
-          <a:bodyPr/>
-          <a:lstStyle/>
-          <a:p>
-            <a:r>
-              <a:rPr lang="zh-CN" altLang="en-US" dirty="0"/>
-              <a:t>第三节课：</a:t>
-            </a:r>
-            <a:br>
-              <a:rPr lang="en-US" altLang="zh-CN" dirty="0"/>
-            </a:br>
-            <a:r>
-              <a:rPr lang="zh-CN" altLang="en-US" dirty="0"/>
-              <a:t>全连接层的前向和后向传播推导（下）</a:t>
-            </a:r>
-          </a:p>
-        </p:txBody>
-      </p:sp>
-    </p:spTree>
-    <p:custDataLst>
-      <p:tags r:id="rId1"/>
-    </p:custDataLst>
-  </p:cSld>
-  <p:clrMapOvr>
-    <a:masterClrMapping/>
-  </p:clrMapOvr>
-</p:sld>
-</file>
-
-<file path=ppt/slides/slide20.xml><?xml version="1.0" encoding="utf-8"?>
+<file path=ppt/slides/slide24.xml><?xml version="1.0" encoding="utf-8"?>
 <p:sld xmlns:a="http://schemas.openxmlformats.org/drawingml/2006/main" xmlns:r="http://schemas.openxmlformats.org/officeDocument/2006/relationships" xmlns:p="http://schemas.openxmlformats.org/presentationml/2006/main">
   <p:cSld>
     <p:spTree>
@@ -8698,7 +10206,7 @@
 </p:sld>
 </file>
 
-<file path=ppt/slides/slide21.xml><?xml version="1.0" encoding="utf-8"?>
+<file path=ppt/slides/slide25.xml><?xml version="1.0" encoding="utf-8"?>
 <p:sld xmlns:a="http://schemas.openxmlformats.org/drawingml/2006/main" xmlns:r="http://schemas.openxmlformats.org/officeDocument/2006/relationships" xmlns:p="http://schemas.openxmlformats.org/presentationml/2006/main">
   <p:cSld>
     <p:spTree>
@@ -8864,7 +10372,7 @@
 </p:sld>
 </file>
 
-<file path=ppt/slides/slide22.xml><?xml version="1.0" encoding="utf-8"?>
+<file path=ppt/slides/slide26.xml><?xml version="1.0" encoding="utf-8"?>
 <p:sld xmlns:a="http://schemas.openxmlformats.org/drawingml/2006/main" xmlns:r="http://schemas.openxmlformats.org/officeDocument/2006/relationships" xmlns:p="http://schemas.openxmlformats.org/presentationml/2006/main">
   <p:cSld>
     <p:spTree>
@@ -8999,7 +10507,7 @@
 </p:sld>
 </file>
 
-<file path=ppt/slides/slide23.xml><?xml version="1.0" encoding="utf-8"?>
+<file path=ppt/slides/slide27.xml><?xml version="1.0" encoding="utf-8"?>
 <p:sld xmlns:a="http://schemas.openxmlformats.org/drawingml/2006/main" xmlns:r="http://schemas.openxmlformats.org/officeDocument/2006/relationships" xmlns:p="http://schemas.openxmlformats.org/presentationml/2006/main">
   <p:cSld>
     <p:spTree>
@@ -9078,7 +10586,7 @@
 </p:sld>
 </file>
 
-<file path=ppt/slides/slide24.xml><?xml version="1.0" encoding="utf-8"?>
+<file path=ppt/slides/slide28.xml><?xml version="1.0" encoding="utf-8"?>
 <p:sld xmlns:a="http://schemas.openxmlformats.org/drawingml/2006/main" xmlns:r="http://schemas.openxmlformats.org/officeDocument/2006/relationships" xmlns:p="http://schemas.openxmlformats.org/presentationml/2006/main">
   <p:cSld>
     <p:spTree>
@@ -9106,7 +10614,7 @@
 </p:sld>
 </file>
 
-<file path=ppt/slides/slide25.xml><?xml version="1.0" encoding="utf-8"?>
+<file path=ppt/slides/slide29.xml><?xml version="1.0" encoding="utf-8"?>
 <p:sld xmlns:a="http://schemas.openxmlformats.org/drawingml/2006/main" xmlns:r="http://schemas.openxmlformats.org/officeDocument/2006/relationships" xmlns:p="http://schemas.openxmlformats.org/presentationml/2006/main">
   <p:cSld>
     <p:spTree>
@@ -9168,34 +10676,6 @@
           </a:p>
         </p:txBody>
       </p:sp>
-    </p:spTree>
-    <p:custDataLst>
-      <p:tags r:id="rId1"/>
-    </p:custDataLst>
-  </p:cSld>
-  <p:clrMapOvr>
-    <a:masterClrMapping/>
-  </p:clrMapOvr>
-</p:sld>
-</file>
-
-<file path=ppt/slides/slide26.xml><?xml version="1.0" encoding="utf-8"?>
-<p:sld xmlns:a="http://schemas.openxmlformats.org/drawingml/2006/main" xmlns:r="http://schemas.openxmlformats.org/officeDocument/2006/relationships" xmlns:p="http://schemas.openxmlformats.org/presentationml/2006/main">
-  <p:cSld>
-    <p:spTree>
-      <p:nvGrpSpPr>
-        <p:cNvPr id="1" name=""/>
-        <p:cNvGrpSpPr/>
-        <p:nvPr/>
-      </p:nvGrpSpPr>
-      <p:grpSpPr>
-        <a:xfrm>
-          <a:off x="0" y="0"/>
-          <a:ext cx="0" cy="0"/>
-          <a:chOff x="0" y="0"/>
-          <a:chExt cx="0" cy="0"/>
-        </a:xfrm>
-      </p:grpSpPr>
     </p:spTree>
     <p:custDataLst>
       <p:tags r:id="rId1"/>
@@ -9425,6 +10905,34 @@
 </p:sld>
 </file>
 
+<file path=ppt/slides/slide30.xml><?xml version="1.0" encoding="utf-8"?>
+<p:sld xmlns:a="http://schemas.openxmlformats.org/drawingml/2006/main" xmlns:r="http://schemas.openxmlformats.org/officeDocument/2006/relationships" xmlns:p="http://schemas.openxmlformats.org/presentationml/2006/main">
+  <p:cSld>
+    <p:spTree>
+      <p:nvGrpSpPr>
+        <p:cNvPr id="1" name=""/>
+        <p:cNvGrpSpPr/>
+        <p:nvPr/>
+      </p:nvGrpSpPr>
+      <p:grpSpPr>
+        <a:xfrm>
+          <a:off x="0" y="0"/>
+          <a:ext cx="0" cy="0"/>
+          <a:chOff x="0" y="0"/>
+          <a:chExt cx="0" cy="0"/>
+        </a:xfrm>
+      </p:grpSpPr>
+    </p:spTree>
+    <p:custDataLst>
+      <p:tags r:id="rId1"/>
+    </p:custDataLst>
+  </p:cSld>
+  <p:clrMapOvr>
+    <a:masterClrMapping/>
+  </p:clrMapOvr>
+</p:sld>
+</file>
+
 <file path=ppt/slides/slide4.xml><?xml version="1.0" encoding="utf-8"?>
 <p:sld xmlns:a="http://schemas.openxmlformats.org/drawingml/2006/main" xmlns:r="http://schemas.openxmlformats.org/officeDocument/2006/relationships" xmlns:p="http://schemas.openxmlformats.org/presentationml/2006/main">
   <p:cSld>
@@ -9481,6 +10989,17 @@
               <a:rPr lang="zh-CN" altLang="en-US" dirty="0"/>
               <a:t>） </a:t>
             </a:r>
+          </a:p>
+          <a:p>
+            <a:pPr marL="742950" lvl="1" indent="-285750">
+              <a:buFont typeface="Arial" panose="020B0604020202020204" pitchFamily="34" charset="0"/>
+              <a:buChar char="•"/>
+            </a:pPr>
+            <a:r>
+              <a:rPr lang="zh-CN" altLang="en-US" dirty="0"/>
+              <a:t>损失函数的表达式是什么？</a:t>
+            </a:r>
+            <a:endParaRPr lang="en-US" altLang="zh-CN" dirty="0"/>
           </a:p>
           <a:p>
             <a:pPr marL="742950" lvl="1" indent="-285750">
@@ -9647,7 +11166,7 @@
         </p:blipFill>
         <p:spPr bwMode="auto">
           <a:xfrm>
-            <a:off x="2969709" y="3698411"/>
+            <a:off x="3986090" y="4836274"/>
             <a:ext cx="4219820" cy="1125858"/>
           </a:xfrm>
           <a:prstGeom prst="rect">
@@ -9694,7 +11213,7 @@
         </p:blipFill>
         <p:spPr bwMode="auto">
           <a:xfrm>
-            <a:off x="1001348" y="4860899"/>
+            <a:off x="1380190" y="5118841"/>
             <a:ext cx="1971710" cy="1355551"/>
           </a:xfrm>
           <a:prstGeom prst="rect">
@@ -9710,6 +11229,42 @@
               </a14:hiddenFill>
             </a:ext>
           </a:extLst>
+        </p:spPr>
+      </p:pic>
+      <p:pic>
+        <p:nvPicPr>
+          <p:cNvPr id="4" name="图片 3">
+            <a:extLst>
+              <a:ext uri="{FF2B5EF4-FFF2-40B4-BE49-F238E27FC236}">
+                <a16:creationId xmlns:a16="http://schemas.microsoft.com/office/drawing/2014/main" id="{12BA6C06-99CC-BED5-1FA4-9667FAF33D63}"/>
+              </a:ext>
+            </a:extLst>
+          </p:cNvPr>
+          <p:cNvPicPr>
+            <a:picLocks noChangeAspect="1"/>
+          </p:cNvPicPr>
+          <p:nvPr/>
+        </p:nvPicPr>
+        <p:blipFill>
+          <a:blip r:embed="rId7">
+            <a:extLst>
+              <a:ext uri="{28A0092B-C50C-407E-A947-70E740481C1C}">
+                <a14:useLocalDpi xmlns:a14="http://schemas.microsoft.com/office/drawing/2010/main" val="0"/>
+              </a:ext>
+            </a:extLst>
+          </a:blip>
+          <a:stretch>
+            <a:fillRect/>
+          </a:stretch>
+        </p:blipFill>
+        <p:spPr>
+          <a:xfrm>
+            <a:off x="5176410" y="2111748"/>
+            <a:ext cx="1892300" cy="457200"/>
+          </a:xfrm>
+          <a:prstGeom prst="rect">
+            <a:avLst/>
+          </a:prstGeom>
         </p:spPr>
       </p:pic>
     </p:spTree>
@@ -9762,6 +11317,55 @@
                                           <p:spTgt spid="2">
                                             <p:txEl>
                                               <p:pRg st="0" end="0"/>
+                                            </p:txEl>
+                                          </p:spTgt>
+                                        </p:tgtEl>
+                                        <p:attrNameLst>
+                                          <p:attrName>style.visibility</p:attrName>
+                                        </p:attrNameLst>
+                                      </p:cBhvr>
+                                      <p:to>
+                                        <p:strVal val="visible"/>
+                                      </p:to>
+                                    </p:set>
+                                  </p:childTnLst>
+                                </p:cTn>
+                              </p:par>
+                            </p:childTnLst>
+                          </p:cTn>
+                        </p:par>
+                      </p:childTnLst>
+                    </p:cTn>
+                  </p:par>
+                  <p:par>
+                    <p:cTn id="7" fill="hold">
+                      <p:stCondLst>
+                        <p:cond delay="indefinite"/>
+                      </p:stCondLst>
+                      <p:childTnLst>
+                        <p:par>
+                          <p:cTn id="8" fill="hold">
+                            <p:stCondLst>
+                              <p:cond delay="0"/>
+                            </p:stCondLst>
+                            <p:childTnLst>
+                              <p:par>
+                                <p:cTn id="9" presetID="1" presetClass="entr" presetSubtype="0" fill="hold" nodeType="clickEffect">
+                                  <p:stCondLst>
+                                    <p:cond delay="0"/>
+                                  </p:stCondLst>
+                                  <p:childTnLst>
+                                    <p:set>
+                                      <p:cBhvr>
+                                        <p:cTn id="10" dur="1" fill="hold">
+                                          <p:stCondLst>
+                                            <p:cond delay="0"/>
+                                          </p:stCondLst>
+                                        </p:cTn>
+                                        <p:tgtEl>
+                                          <p:spTgt spid="2">
+                                            <p:txEl>
+                                              <p:pRg st="1" end="1"/>
                                             </p:txEl>
                                           </p:spTgt>
                                         </p:tgtEl>
@@ -10267,7 +11871,7 @@
           <p:nvPr/>
         </p:nvPicPr>
         <p:blipFill>
-          <a:blip r:embed="rId5">
+          <a:blip r:embed="rId4">
             <a:extLst>
               <a:ext uri="{28A0092B-C50C-407E-A947-70E740481C1C}">
                 <a14:useLocalDpi xmlns:a14="http://schemas.microsoft.com/office/drawing/2010/main" val="0"/>
@@ -10303,7 +11907,7 @@
           <p:nvPr/>
         </p:nvPicPr>
         <p:blipFill>
-          <a:blip r:embed="rId6">
+          <a:blip r:embed="rId5">
             <a:extLst>
               <a:ext uri="{28A0092B-C50C-407E-A947-70E740481C1C}">
                 <a14:useLocalDpi xmlns:a14="http://schemas.microsoft.com/office/drawing/2010/main" val="0"/>
@@ -11223,73 +12827,6 @@
       </p:grpSpPr>
       <p:sp>
         <p:nvSpPr>
-          <p:cNvPr id="2" name="标题 1"/>
-          <p:cNvSpPr>
-            <a:spLocks noGrp="1"/>
-          </p:cNvSpPr>
-          <p:nvPr>
-            <p:ph type="title"/>
-          </p:nvPr>
-        </p:nvSpPr>
-        <p:spPr/>
-        <p:txBody>
-          <a:bodyPr/>
-          <a:lstStyle/>
-          <a:p>
-            <a:r>
-              <a:rPr dirty="0">
-                <a:sym typeface="+mn-ea"/>
-              </a:rPr>
-              <a:t>主问题：</a:t>
-            </a:r>
-            <a:r>
-              <a:rPr lang="zh-CN" altLang="en-US" dirty="0">
-                <a:sym typeface="+mn-ea"/>
-              </a:rPr>
-              <a:t>如何推导</a:t>
-            </a:r>
-            <a:r>
-              <a:rPr lang="zh-CN" altLang="en-US" dirty="0"/>
-              <a:t>全连接层的后向传播？</a:t>
-            </a:r>
-          </a:p>
-        </p:txBody>
-      </p:sp>
-    </p:spTree>
-    <p:custDataLst>
-      <p:tags r:id="rId1"/>
-    </p:custDataLst>
-    <p:extLst>
-      <p:ext uri="{BB962C8B-B14F-4D97-AF65-F5344CB8AC3E}">
-        <p14:creationId xmlns:p14="http://schemas.microsoft.com/office/powerpoint/2010/main" val="1962956007"/>
-      </p:ext>
-    </p:extLst>
-  </p:cSld>
-  <p:clrMapOvr>
-    <a:masterClrMapping/>
-  </p:clrMapOvr>
-</p:sld>
-</file>
-
-<file path=ppt/slides/slide9.xml><?xml version="1.0" encoding="utf-8"?>
-<p:sld xmlns:a="http://schemas.openxmlformats.org/drawingml/2006/main" xmlns:r="http://schemas.openxmlformats.org/officeDocument/2006/relationships" xmlns:p="http://schemas.openxmlformats.org/presentationml/2006/main">
-  <p:cSld>
-    <p:spTree>
-      <p:nvGrpSpPr>
-        <p:cNvPr id="1" name=""/>
-        <p:cNvGrpSpPr/>
-        <p:nvPr/>
-      </p:nvGrpSpPr>
-      <p:grpSpPr>
-        <a:xfrm>
-          <a:off x="0" y="0"/>
-          <a:ext cx="0" cy="0"/>
-          <a:chOff x="0" y="0"/>
-          <a:chExt cx="0" cy="0"/>
-        </a:xfrm>
-      </p:grpSpPr>
-      <p:sp>
-        <p:nvSpPr>
           <p:cNvPr id="2" name="文本占位符 1"/>
           <p:cNvSpPr>
             <a:spLocks noGrp="1"/>
@@ -11307,7 +12844,40 @@
               <a:buFont typeface="Arial" panose="020B0604020202020204" pitchFamily="34" charset="0"/>
               <a:buChar char="•"/>
             </a:pPr>
-            <a:endParaRPr lang="en-US" altLang="zh-CN" dirty="0"/>
+            <a:r>
+              <a:rPr lang="zh-CN" altLang="en-US" dirty="0"/>
+              <a:t>第二节课“判断性别”</a:t>
+            </a:r>
+            <a:r>
+              <a:rPr lang="en" altLang="zh-CN" dirty="0"/>
+              <a:t>Demo</a:t>
+            </a:r>
+            <a:r>
+              <a:rPr lang="zh-CN" altLang="en-US" dirty="0"/>
+              <a:t>需求分析和初步设计（下</a:t>
+            </a:r>
+            <a:r>
+              <a:rPr lang="en-US" altLang="zh-CN" dirty="0"/>
+              <a:t>2</a:t>
+            </a:r>
+            <a:r>
+              <a:rPr lang="zh-CN" altLang="en-US" dirty="0"/>
+              <a:t>） </a:t>
+            </a:r>
+          </a:p>
+          <a:p>
+            <a:pPr marL="742950" lvl="1" indent="-285750">
+              <a:buFont typeface="Arial" panose="020B0604020202020204" pitchFamily="34" charset="0"/>
+              <a:buChar char="•"/>
+            </a:pPr>
+            <a:r>
+              <a:rPr lang="zh-CN" altLang="en-US" dirty="0"/>
+              <a:t>如何训练</a:t>
+            </a:r>
+            <a:r>
+              <a:rPr lang="en-US" altLang="zh-CN" dirty="0"/>
+              <a:t>?</a:t>
+            </a:r>
           </a:p>
           <a:p>
             <a:pPr marL="285750" indent="-285750">
@@ -11321,31 +12891,25 @@
               <a:buFont typeface="Arial" panose="020B0604020202020204" pitchFamily="34" charset="0"/>
               <a:buChar char="•"/>
             </a:pPr>
-            <a:endParaRPr lang="en-US" altLang="zh-CN" dirty="0"/>
+            <a:r>
+              <a:rPr lang="zh-CN" altLang="en-US" dirty="0"/>
+              <a:t>自学、展学</a:t>
+            </a:r>
+          </a:p>
+          <a:p>
+            <a:br>
+              <a:rPr lang="zh-CN" altLang="en-US" dirty="0"/>
+            </a:br>
+            <a:endParaRPr lang="zh-CN" altLang="en-US" dirty="0">
+              <a:hlinkClick r:id="rId3" action="ppaction://hlinkfile"/>
+            </a:endParaRPr>
           </a:p>
           <a:p>
             <a:pPr marL="285750" indent="-285750">
               <a:buFont typeface="Arial" panose="020B0604020202020204" pitchFamily="34" charset="0"/>
               <a:buChar char="•"/>
             </a:pPr>
-            <a:endParaRPr lang="en-US" altLang="zh-CN" dirty="0"/>
-          </a:p>
-          <a:p>
-            <a:pPr marL="285750" indent="-285750">
-              <a:buFont typeface="Arial" panose="020B0604020202020204" pitchFamily="34" charset="0"/>
-              <a:buChar char="•"/>
-            </a:pPr>
-            <a:endParaRPr lang="en-US" altLang="zh-CN" dirty="0"/>
-          </a:p>
-          <a:p>
-            <a:pPr marL="285750" indent="-285750">
-              <a:buFont typeface="Arial" panose="020B0604020202020204" pitchFamily="34" charset="0"/>
-              <a:buChar char="•"/>
-            </a:pPr>
-            <a:endParaRPr lang="en-US" altLang="zh-CN" dirty="0"/>
-          </a:p>
-          <a:p>
-            <a:endParaRPr lang="en-US" altLang="zh-CN" dirty="0"/>
+            <a:endParaRPr lang="zh-CN" altLang="en-US" dirty="0"/>
           </a:p>
         </p:txBody>
       </p:sp>
@@ -11366,370 +12930,11 @@
           <a:p>
             <a:r>
               <a:rPr lang="zh-CN" altLang="en-US" dirty="0"/>
-              <a:t>为什么要</a:t>
-            </a:r>
-            <a:r>
-              <a:rPr lang="zh-CN" altLang="en-US" dirty="0">
-                <a:sym typeface="+mn-ea"/>
-              </a:rPr>
-              <a:t>推导</a:t>
-            </a:r>
-            <a:r>
-              <a:rPr lang="zh-CN" altLang="en-US" dirty="0"/>
-              <a:t>全连接层的后向传播？</a:t>
+              <a:t>回顾相关课程内容</a:t>
             </a:r>
             <a:endParaRPr dirty="0">
               <a:sym typeface="+mn-ea"/>
             </a:endParaRPr>
-          </a:p>
-        </p:txBody>
-      </p:sp>
-      <p:sp>
-        <p:nvSpPr>
-          <p:cNvPr id="6" name="文本占位符 1">
-            <a:extLst>
-              <a:ext uri="{FF2B5EF4-FFF2-40B4-BE49-F238E27FC236}">
-                <a16:creationId xmlns:a16="http://schemas.microsoft.com/office/drawing/2014/main" id="{BA88068A-4FDC-6963-46A5-ADEC46CDA15E}"/>
-              </a:ext>
-            </a:extLst>
-          </p:cNvPr>
-          <p:cNvSpPr txBox="1">
-            <a:spLocks/>
-          </p:cNvSpPr>
-          <p:nvPr/>
-        </p:nvSpPr>
-        <p:spPr>
-          <a:xfrm>
-            <a:off x="822325" y="1778635"/>
-            <a:ext cx="10852150" cy="4553585"/>
-          </a:xfrm>
-        </p:spPr>
-        <p:txBody>
-          <a:bodyPr lIns="101600" tIns="38100" rIns="76200" bIns="38100">
-            <a:noAutofit/>
-          </a:bodyPr>
-          <a:lstStyle>
-            <a:lvl1pPr marL="0" indent="0" algn="l" defTabSz="914400" rtl="0" eaLnBrk="1" fontAlgn="auto" latinLnBrk="0" hangingPunct="1">
-              <a:lnSpc>
-                <a:spcPct val="130000"/>
-              </a:lnSpc>
-              <a:spcBef>
-                <a:spcPts val="0"/>
-              </a:spcBef>
-              <a:spcAft>
-                <a:spcPts val="1000"/>
-              </a:spcAft>
-              <a:buFont typeface="Arial" panose="020B0604020202020204" pitchFamily="34" charset="0"/>
-              <a:buNone/>
-              <a:defRPr kumimoji="0" lang="zh-CN" altLang="en-US" sz="1600" b="0" i="0" u="none" strike="noStrike" kern="1200" cap="none" spc="150" normalizeH="0" baseline="0" noProof="1">
-                <a:solidFill>
-                  <a:schemeClr val="tx1"/>
-                </a:solidFill>
-                <a:uFillTx/>
-                <a:latin typeface="+mn-lt"/>
-                <a:ea typeface="+mn-ea"/>
-                <a:cs typeface="+mn-cs"/>
-                <a:sym typeface="+mn-ea"/>
-              </a:defRPr>
-            </a:lvl1pPr>
-            <a:lvl2pPr marL="457200" indent="0" algn="l" defTabSz="914400" rtl="0" eaLnBrk="1" fontAlgn="auto" latinLnBrk="0" hangingPunct="1">
-              <a:lnSpc>
-                <a:spcPct val="130000"/>
-              </a:lnSpc>
-              <a:spcBef>
-                <a:spcPts val="0"/>
-              </a:spcBef>
-              <a:spcAft>
-                <a:spcPts val="1000"/>
-              </a:spcAft>
-              <a:buFont typeface="Arial" panose="020B0604020202020204" pitchFamily="34" charset="0"/>
-              <a:buNone/>
-              <a:tabLst>
-                <a:tab pos="1609725" algn="l"/>
-              </a:tabLst>
-              <a:defRPr sz="2000" u="none" strike="noStrike" kern="1200" cap="none" spc="150" normalizeH="0" baseline="0">
-                <a:solidFill>
-                  <a:schemeClr val="tx1">
-                    <a:tint val="75000"/>
-                  </a:schemeClr>
-                </a:solidFill>
-                <a:uFillTx/>
-                <a:latin typeface="+mn-lt"/>
-                <a:ea typeface="+mn-ea"/>
-                <a:cs typeface="+mn-cs"/>
-              </a:defRPr>
-            </a:lvl2pPr>
-            <a:lvl3pPr marL="914400" indent="0" algn="l" defTabSz="914400" rtl="0" eaLnBrk="1" fontAlgn="auto" latinLnBrk="0" hangingPunct="1">
-              <a:lnSpc>
-                <a:spcPct val="130000"/>
-              </a:lnSpc>
-              <a:spcBef>
-                <a:spcPts val="0"/>
-              </a:spcBef>
-              <a:spcAft>
-                <a:spcPts val="1000"/>
-              </a:spcAft>
-              <a:buFont typeface="Arial" panose="020B0604020202020204" pitchFamily="34" charset="0"/>
-              <a:buNone/>
-              <a:defRPr sz="1800" u="none" strike="noStrike" kern="1200" cap="none" spc="150" normalizeH="0" baseline="0">
-                <a:solidFill>
-                  <a:schemeClr val="tx1">
-                    <a:tint val="75000"/>
-                  </a:schemeClr>
-                </a:solidFill>
-                <a:uFillTx/>
-                <a:latin typeface="+mn-lt"/>
-                <a:ea typeface="+mn-ea"/>
-                <a:cs typeface="+mn-cs"/>
-              </a:defRPr>
-            </a:lvl3pPr>
-            <a:lvl4pPr marL="1371600" indent="0" algn="l" defTabSz="914400" rtl="0" eaLnBrk="1" fontAlgn="auto" latinLnBrk="0" hangingPunct="1">
-              <a:lnSpc>
-                <a:spcPct val="130000"/>
-              </a:lnSpc>
-              <a:spcBef>
-                <a:spcPts val="0"/>
-              </a:spcBef>
-              <a:spcAft>
-                <a:spcPts val="1000"/>
-              </a:spcAft>
-              <a:buFont typeface="Arial" panose="020B0604020202020204" pitchFamily="34" charset="0"/>
-              <a:buNone/>
-              <a:defRPr sz="1600" u="none" strike="noStrike" kern="1200" cap="none" spc="150" normalizeH="0" baseline="0">
-                <a:solidFill>
-                  <a:schemeClr val="tx1">
-                    <a:tint val="75000"/>
-                  </a:schemeClr>
-                </a:solidFill>
-                <a:uFillTx/>
-                <a:latin typeface="+mn-lt"/>
-                <a:ea typeface="+mn-ea"/>
-                <a:cs typeface="+mn-cs"/>
-              </a:defRPr>
-            </a:lvl4pPr>
-            <a:lvl5pPr marL="1828800" indent="0" algn="l" defTabSz="914400" rtl="0" eaLnBrk="1" fontAlgn="auto" latinLnBrk="0" hangingPunct="1">
-              <a:lnSpc>
-                <a:spcPct val="130000"/>
-              </a:lnSpc>
-              <a:spcBef>
-                <a:spcPts val="0"/>
-              </a:spcBef>
-              <a:spcAft>
-                <a:spcPts val="1000"/>
-              </a:spcAft>
-              <a:buFont typeface="Arial" panose="020B0604020202020204" pitchFamily="34" charset="0"/>
-              <a:buNone/>
-              <a:defRPr sz="1600" u="none" strike="noStrike" kern="1200" cap="none" spc="150" normalizeH="0" baseline="0">
-                <a:solidFill>
-                  <a:schemeClr val="tx1">
-                    <a:tint val="75000"/>
-                  </a:schemeClr>
-                </a:solidFill>
-                <a:uFillTx/>
-                <a:latin typeface="+mn-lt"/>
-                <a:ea typeface="+mn-ea"/>
-                <a:cs typeface="+mn-cs"/>
-              </a:defRPr>
-            </a:lvl5pPr>
-            <a:lvl6pPr marL="2286000" indent="0" algn="l" defTabSz="914400" rtl="0" eaLnBrk="1" latinLnBrk="0" hangingPunct="1">
-              <a:lnSpc>
-                <a:spcPct val="90000"/>
-              </a:lnSpc>
-              <a:spcBef>
-                <a:spcPts val="500"/>
-              </a:spcBef>
-              <a:buFont typeface="Arial" panose="020B0604020202020204" pitchFamily="34" charset="0"/>
-              <a:buNone/>
-              <a:defRPr sz="1600" kern="1200">
-                <a:solidFill>
-                  <a:schemeClr val="tx1">
-                    <a:tint val="75000"/>
-                  </a:schemeClr>
-                </a:solidFill>
-                <a:latin typeface="+mn-lt"/>
-                <a:ea typeface="+mn-ea"/>
-                <a:cs typeface="+mn-cs"/>
-              </a:defRPr>
-            </a:lvl6pPr>
-            <a:lvl7pPr marL="2743200" indent="0" algn="l" defTabSz="914400" rtl="0" eaLnBrk="1" latinLnBrk="0" hangingPunct="1">
-              <a:lnSpc>
-                <a:spcPct val="90000"/>
-              </a:lnSpc>
-              <a:spcBef>
-                <a:spcPts val="500"/>
-              </a:spcBef>
-              <a:buFont typeface="Arial" panose="020B0604020202020204" pitchFamily="34" charset="0"/>
-              <a:buNone/>
-              <a:defRPr sz="1600" kern="1200">
-                <a:solidFill>
-                  <a:schemeClr val="tx1">
-                    <a:tint val="75000"/>
-                  </a:schemeClr>
-                </a:solidFill>
-                <a:latin typeface="+mn-lt"/>
-                <a:ea typeface="+mn-ea"/>
-                <a:cs typeface="+mn-cs"/>
-              </a:defRPr>
-            </a:lvl7pPr>
-            <a:lvl8pPr marL="3200400" indent="0" algn="l" defTabSz="914400" rtl="0" eaLnBrk="1" latinLnBrk="0" hangingPunct="1">
-              <a:lnSpc>
-                <a:spcPct val="90000"/>
-              </a:lnSpc>
-              <a:spcBef>
-                <a:spcPts val="500"/>
-              </a:spcBef>
-              <a:buFont typeface="Arial" panose="020B0604020202020204" pitchFamily="34" charset="0"/>
-              <a:buNone/>
-              <a:defRPr sz="1600" kern="1200">
-                <a:solidFill>
-                  <a:schemeClr val="tx1">
-                    <a:tint val="75000"/>
-                  </a:schemeClr>
-                </a:solidFill>
-                <a:latin typeface="+mn-lt"/>
-                <a:ea typeface="+mn-ea"/>
-                <a:cs typeface="+mn-cs"/>
-              </a:defRPr>
-            </a:lvl8pPr>
-            <a:lvl9pPr marL="3657600" indent="0" algn="l" defTabSz="914400" rtl="0" eaLnBrk="1" latinLnBrk="0" hangingPunct="1">
-              <a:lnSpc>
-                <a:spcPct val="90000"/>
-              </a:lnSpc>
-              <a:spcBef>
-                <a:spcPts val="500"/>
-              </a:spcBef>
-              <a:buFont typeface="Arial" panose="020B0604020202020204" pitchFamily="34" charset="0"/>
-              <a:buNone/>
-              <a:defRPr sz="1600" kern="1200">
-                <a:solidFill>
-                  <a:schemeClr val="tx1">
-                    <a:tint val="75000"/>
-                  </a:schemeClr>
-                </a:solidFill>
-                <a:latin typeface="+mn-lt"/>
-                <a:ea typeface="+mn-ea"/>
-                <a:cs typeface="+mn-cs"/>
-              </a:defRPr>
-            </a:lvl9pPr>
-          </a:lstStyle>
-          <a:p>
-            <a:pPr marL="285750" indent="-285750">
-              <a:buFont typeface="Arial" panose="020B0604020202020204" pitchFamily="34" charset="0"/>
-              <a:buChar char="•"/>
-            </a:pPr>
-            <a:r>
-              <a:rPr lang="zh-CN" altLang="en-US" dirty="0"/>
-              <a:t>通过训练，我们希望得到什么？</a:t>
-            </a:r>
-            <a:endParaRPr lang="en-US" altLang="zh-CN" dirty="0"/>
-          </a:p>
-          <a:p>
-            <a:pPr marL="285750" indent="-285750">
-              <a:buFont typeface="Arial" panose="020B0604020202020204" pitchFamily="34" charset="0"/>
-              <a:buChar char="•"/>
-            </a:pPr>
-            <a:r>
-              <a:rPr lang="zh-CN" altLang="en-US" dirty="0"/>
-              <a:t>为了得到更新后的权重和偏移，需要知道什么？</a:t>
-            </a:r>
-            <a:endParaRPr lang="en-US" altLang="zh-CN" dirty="0"/>
-          </a:p>
-          <a:p>
-            <a:pPr marL="285750" indent="-285750">
-              <a:buFont typeface="Arial" panose="020B0604020202020204" pitchFamily="34" charset="0"/>
-              <a:buChar char="•"/>
-            </a:pPr>
-            <a:r>
-              <a:rPr lang="zh-CN" altLang="en-US" dirty="0"/>
-              <a:t>“判断性别</a:t>
-            </a:r>
-            <a:r>
-              <a:rPr lang="en-US" altLang="zh-CN" dirty="0"/>
-              <a:t>Demo</a:t>
-            </a:r>
-            <a:r>
-              <a:rPr lang="zh-CN" altLang="en-US" dirty="0"/>
-              <a:t>”是如何实现训练的？</a:t>
-            </a:r>
-            <a:endParaRPr lang="en-US" altLang="zh-CN" dirty="0"/>
-          </a:p>
-          <a:p>
-            <a:pPr marL="285750" indent="-285750">
-              <a:buFont typeface="Arial" panose="020B0604020202020204" pitchFamily="34" charset="0"/>
-              <a:buChar char="•"/>
-            </a:pPr>
-            <a:r>
-              <a:rPr lang="zh-CN" altLang="en-US" dirty="0"/>
-              <a:t>如何将梯度向量化？</a:t>
-            </a:r>
-            <a:endParaRPr lang="en-US" altLang="zh-CN" dirty="0"/>
-          </a:p>
-          <a:p>
-            <a:pPr marL="285750" indent="-285750">
-              <a:buFont typeface="Arial" panose="020B0604020202020204" pitchFamily="34" charset="0"/>
-              <a:buChar char="•"/>
-            </a:pPr>
-            <a:r>
-              <a:rPr lang="zh-CN" altLang="en-US" dirty="0"/>
-              <a:t>如何推广为计算全连接层的每层的梯度向量？</a:t>
-            </a:r>
-            <a:endParaRPr lang="en-US" altLang="zh-CN" dirty="0"/>
-          </a:p>
-          <a:p>
-            <a:pPr marL="285750" indent="-285750">
-              <a:buFont typeface="Arial" panose="020B0604020202020204" pitchFamily="34" charset="0"/>
-              <a:buChar char="•"/>
-            </a:pPr>
-            <a:endParaRPr lang="en-US" altLang="zh-CN" dirty="0"/>
-          </a:p>
-          <a:p>
-            <a:pPr marL="285750" indent="-285750">
-              <a:buFont typeface="Arial" panose="020B0604020202020204" pitchFamily="34" charset="0"/>
-              <a:buChar char="•"/>
-            </a:pPr>
-            <a:endParaRPr lang="zh-CN" altLang="en-US" dirty="0"/>
-          </a:p>
-          <a:p>
-            <a:pPr marL="285750" indent="-285750">
-              <a:buFont typeface="Arial" panose="020B0604020202020204" pitchFamily="34" charset="0"/>
-              <a:buChar char="•"/>
-            </a:pPr>
-            <a:endParaRPr lang="zh-CN" altLang="en-US" dirty="0"/>
-          </a:p>
-          <a:p>
-            <a:pPr marL="285750" indent="-285750">
-              <a:buFont typeface="Arial" panose="020B0604020202020204" pitchFamily="34" charset="0"/>
-              <a:buChar char="•"/>
-            </a:pPr>
-            <a:endParaRPr lang="zh-CN" altLang="en-US" dirty="0"/>
-          </a:p>
-          <a:p>
-            <a:pPr marL="285750" indent="-285750">
-              <a:buFont typeface="Arial" panose="020B0604020202020204" pitchFamily="34" charset="0"/>
-              <a:buChar char="•"/>
-            </a:pPr>
-            <a:endParaRPr lang="zh-CN" altLang="en-US" dirty="0"/>
-          </a:p>
-          <a:p>
-            <a:pPr marL="285750" indent="-285750">
-              <a:buFont typeface="Arial" panose="020B0604020202020204" pitchFamily="34" charset="0"/>
-              <a:buChar char="•"/>
-            </a:pPr>
-            <a:endParaRPr lang="zh-CN" altLang="en-US" dirty="0"/>
-          </a:p>
-          <a:p>
-            <a:pPr marL="285750" indent="-285750">
-              <a:buFont typeface="Arial" panose="020B0604020202020204" pitchFamily="34" charset="0"/>
-              <a:buChar char="•"/>
-            </a:pPr>
-            <a:endParaRPr lang="zh-CN" altLang="en-US" dirty="0"/>
-          </a:p>
-          <a:p>
-            <a:pPr marL="285750" indent="-285750">
-              <a:buFont typeface="Arial" panose="020B0604020202020204" pitchFamily="34" charset="0"/>
-              <a:buChar char="•"/>
-            </a:pPr>
-            <a:endParaRPr lang="zh-CN" altLang="en-US" dirty="0"/>
           </a:p>
         </p:txBody>
       </p:sp>
@@ -11738,7 +12943,7 @@
           <p:cNvPr id="4" name="图片 3">
             <a:extLst>
               <a:ext uri="{FF2B5EF4-FFF2-40B4-BE49-F238E27FC236}">
-                <a16:creationId xmlns:a16="http://schemas.microsoft.com/office/drawing/2014/main" id="{A935C97E-7EB8-9B96-BB20-5B44DF40EA98}"/>
+                <a16:creationId xmlns:a16="http://schemas.microsoft.com/office/drawing/2014/main" id="{1A07B951-8A8D-8A64-B9AB-6647924B3781}"/>
               </a:ext>
             </a:extLst>
           </p:cNvPr>
@@ -11748,7 +12953,7 @@
           <p:nvPr/>
         </p:nvPicPr>
         <p:blipFill>
-          <a:blip r:embed="rId3">
+          <a:blip r:embed="rId4">
             <a:extLst>
               <a:ext uri="{28A0092B-C50C-407E-A947-70E740481C1C}">
                 <a14:useLocalDpi xmlns:a14="http://schemas.microsoft.com/office/drawing/2010/main" val="0"/>
@@ -11761,7 +12966,7 @@
         </p:blipFill>
         <p:spPr>
           <a:xfrm>
-            <a:off x="7242175" y="2569527"/>
+            <a:off x="7394575" y="1622146"/>
             <a:ext cx="4127500" cy="2667000"/>
           </a:xfrm>
           <a:prstGeom prst="rect">
@@ -11775,7 +12980,7 @@
     </p:custDataLst>
     <p:extLst>
       <p:ext uri="{BB962C8B-B14F-4D97-AF65-F5344CB8AC3E}">
-        <p14:creationId xmlns:p14="http://schemas.microsoft.com/office/powerpoint/2010/main" val="3744396298"/>
+        <p14:creationId xmlns:p14="http://schemas.microsoft.com/office/powerpoint/2010/main" val="4197568849"/>
       </p:ext>
     </p:extLst>
   </p:cSld>
@@ -11803,15 +13008,10 @@
                             </p:stCondLst>
                             <p:childTnLst>
                               <p:par>
-                                <p:cTn id="5" presetID="1" presetClass="entr" presetSubtype="0" fill="hold" grpId="0" nodeType="clickEffect" nodePh="1">
+                                <p:cTn id="5" presetID="1" presetClass="entr" presetSubtype="0" fill="hold" nodeType="clickEffect">
                                   <p:stCondLst>
                                     <p:cond delay="0"/>
                                   </p:stCondLst>
-                                  <p:endCondLst>
-                                    <p:cond evt="begin" delay="0">
-                                      <p:tn val="5"/>
-                                    </p:cond>
-                                  </p:endCondLst>
                                   <p:childTnLst>
                                     <p:set>
                                       <p:cBhvr>
@@ -11824,6 +13024,153 @@
                                           <p:spTgt spid="2">
                                             <p:txEl>
                                               <p:pRg st="0" end="0"/>
+                                            </p:txEl>
+                                          </p:spTgt>
+                                        </p:tgtEl>
+                                        <p:attrNameLst>
+                                          <p:attrName>style.visibility</p:attrName>
+                                        </p:attrNameLst>
+                                      </p:cBhvr>
+                                      <p:to>
+                                        <p:strVal val="visible"/>
+                                      </p:to>
+                                    </p:set>
+                                  </p:childTnLst>
+                                </p:cTn>
+                              </p:par>
+                            </p:childTnLst>
+                          </p:cTn>
+                        </p:par>
+                      </p:childTnLst>
+                    </p:cTn>
+                  </p:par>
+                  <p:par>
+                    <p:cTn id="7" fill="hold">
+                      <p:stCondLst>
+                        <p:cond delay="indefinite"/>
+                      </p:stCondLst>
+                      <p:childTnLst>
+                        <p:par>
+                          <p:cTn id="8" fill="hold">
+                            <p:stCondLst>
+                              <p:cond delay="0"/>
+                            </p:stCondLst>
+                            <p:childTnLst>
+                              <p:par>
+                                <p:cTn id="9" presetID="1" presetClass="entr" presetSubtype="0" fill="hold" nodeType="clickEffect">
+                                  <p:stCondLst>
+                                    <p:cond delay="0"/>
+                                  </p:stCondLst>
+                                  <p:childTnLst>
+                                    <p:set>
+                                      <p:cBhvr>
+                                        <p:cTn id="10" dur="1" fill="hold">
+                                          <p:stCondLst>
+                                            <p:cond delay="0"/>
+                                          </p:stCondLst>
+                                        </p:cTn>
+                                        <p:tgtEl>
+                                          <p:spTgt spid="2">
+                                            <p:txEl>
+                                              <p:pRg st="1" end="1"/>
+                                            </p:txEl>
+                                          </p:spTgt>
+                                        </p:tgtEl>
+                                        <p:attrNameLst>
+                                          <p:attrName>style.visibility</p:attrName>
+                                        </p:attrNameLst>
+                                      </p:cBhvr>
+                                      <p:to>
+                                        <p:strVal val="visible"/>
+                                      </p:to>
+                                    </p:set>
+                                  </p:childTnLst>
+                                </p:cTn>
+                              </p:par>
+                            </p:childTnLst>
+                          </p:cTn>
+                        </p:par>
+                      </p:childTnLst>
+                    </p:cTn>
+                  </p:par>
+                  <p:par>
+                    <p:cTn id="11" fill="hold">
+                      <p:stCondLst>
+                        <p:cond delay="indefinite"/>
+                      </p:stCondLst>
+                      <p:childTnLst>
+                        <p:par>
+                          <p:cTn id="12" fill="hold">
+                            <p:stCondLst>
+                              <p:cond delay="0"/>
+                            </p:stCondLst>
+                            <p:childTnLst>
+                              <p:par>
+                                <p:cTn id="13" presetID="1" presetClass="entr" presetSubtype="0" fill="hold" nodeType="clickEffect">
+                                  <p:stCondLst>
+                                    <p:cond delay="0"/>
+                                  </p:stCondLst>
+                                  <p:childTnLst>
+                                    <p:set>
+                                      <p:cBhvr>
+                                        <p:cTn id="14" dur="1" fill="hold">
+                                          <p:stCondLst>
+                                            <p:cond delay="0"/>
+                                          </p:stCondLst>
+                                        </p:cTn>
+                                        <p:tgtEl>
+                                          <p:spTgt spid="2">
+                                            <p:txEl>
+                                              <p:pRg st="3" end="3"/>
+                                            </p:txEl>
+                                          </p:spTgt>
+                                        </p:tgtEl>
+                                        <p:attrNameLst>
+                                          <p:attrName>style.visibility</p:attrName>
+                                        </p:attrNameLst>
+                                      </p:cBhvr>
+                                      <p:to>
+                                        <p:strVal val="visible"/>
+                                      </p:to>
+                                    </p:set>
+                                  </p:childTnLst>
+                                </p:cTn>
+                              </p:par>
+                            </p:childTnLst>
+                          </p:cTn>
+                        </p:par>
+                      </p:childTnLst>
+                    </p:cTn>
+                  </p:par>
+                  <p:par>
+                    <p:cTn id="15" fill="hold">
+                      <p:stCondLst>
+                        <p:cond delay="indefinite"/>
+                      </p:stCondLst>
+                      <p:childTnLst>
+                        <p:par>
+                          <p:cTn id="16" fill="hold">
+                            <p:stCondLst>
+                              <p:cond delay="0"/>
+                            </p:stCondLst>
+                            <p:childTnLst>
+                              <p:par>
+                                <p:cTn id="17" presetID="1" presetClass="entr" presetSubtype="0" fill="hold" nodeType="clickEffect">
+                                  <p:stCondLst>
+                                    <p:cond delay="0"/>
+                                  </p:stCondLst>
+                                  <p:childTnLst>
+                                    <p:set>
+                                      <p:cBhvr>
+                                        <p:cTn id="18" dur="1" fill="hold">
+                                          <p:stCondLst>
+                                            <p:cond delay="0"/>
+                                          </p:stCondLst>
+                                        </p:cTn>
+                                        <p:tgtEl>
+                                          <p:spTgt spid="2">
+                                            <p:txEl>
+                                              <p:pRg st="4" end="4"/>
                                             </p:txEl>
                                           </p:spTgt>
                                         </p:tgtEl>
@@ -11865,10 +13212,74 @@
         </p:cTn>
       </p:par>
     </p:tnLst>
-    <p:bldLst>
-      <p:bldP spid="2" grpId="0" build="p"/>
-    </p:bldLst>
   </p:timing>
+</p:sld>
+</file>
+
+<file path=ppt/slides/slide9.xml><?xml version="1.0" encoding="utf-8"?>
+<p:sld xmlns:a="http://schemas.openxmlformats.org/drawingml/2006/main" xmlns:r="http://schemas.openxmlformats.org/officeDocument/2006/relationships" xmlns:p="http://schemas.openxmlformats.org/presentationml/2006/main">
+  <p:cSld>
+    <p:spTree>
+      <p:nvGrpSpPr>
+        <p:cNvPr id="1" name=""/>
+        <p:cNvGrpSpPr/>
+        <p:nvPr/>
+      </p:nvGrpSpPr>
+      <p:grpSpPr>
+        <a:xfrm>
+          <a:off x="0" y="0"/>
+          <a:ext cx="0" cy="0"/>
+          <a:chOff x="0" y="0"/>
+          <a:chExt cx="0" cy="0"/>
+        </a:xfrm>
+      </p:grpSpPr>
+      <p:sp>
+        <p:nvSpPr>
+          <p:cNvPr id="2" name="标题 1"/>
+          <p:cNvSpPr>
+            <a:spLocks noGrp="1"/>
+          </p:cNvSpPr>
+          <p:nvPr>
+            <p:ph type="title"/>
+          </p:nvPr>
+        </p:nvSpPr>
+        <p:spPr/>
+        <p:txBody>
+          <a:bodyPr/>
+          <a:lstStyle/>
+          <a:p>
+            <a:r>
+              <a:rPr dirty="0">
+                <a:sym typeface="+mn-ea"/>
+              </a:rPr>
+              <a:t>主问题：</a:t>
+            </a:r>
+            <a:r>
+              <a:rPr lang="zh-CN" altLang="en-US" dirty="0">
+                <a:sym typeface="+mn-ea"/>
+              </a:rPr>
+              <a:t>如何推导</a:t>
+            </a:r>
+            <a:r>
+              <a:rPr lang="zh-CN" altLang="en-US" dirty="0"/>
+              <a:t>全连接层的后向传播？</a:t>
+            </a:r>
+          </a:p>
+        </p:txBody>
+      </p:sp>
+    </p:spTree>
+    <p:custDataLst>
+      <p:tags r:id="rId1"/>
+    </p:custDataLst>
+    <p:extLst>
+      <p:ext uri="{BB962C8B-B14F-4D97-AF65-F5344CB8AC3E}">
+        <p14:creationId xmlns:p14="http://schemas.microsoft.com/office/powerpoint/2010/main" val="1962956007"/>
+      </p:ext>
+    </p:extLst>
+  </p:cSld>
+  <p:clrMapOvr>
+    <a:masterClrMapping/>
+  </p:clrMapOvr>
 </p:sld>
 </file>
 
@@ -12997,6 +14408,42 @@
 </file>
 
 <file path=ppt/tags/tag95.xml><?xml version="1.0" encoding="utf-8"?>
+<p:tagLst xmlns:a="http://schemas.openxmlformats.org/drawingml/2006/main" xmlns:r="http://schemas.openxmlformats.org/officeDocument/2006/relationships" xmlns:p="http://schemas.openxmlformats.org/presentationml/2006/main">
+  <p:tag name="KSO_WM_BEAUTIFY_FLAG" val="#wm#"/>
+  <p:tag name="KSO_WM_TEMPLATE_CATEGORY" val="custom"/>
+  <p:tag name="KSO_WM_TEMPLATE_INDEX" val="20187308"/>
+  <p:tag name="KSO_WM_SPECIAL_SOURCE" val="bdnull"/>
+</p:tagLst>
+</file>
+
+<file path=ppt/tags/tag96.xml><?xml version="1.0" encoding="utf-8"?>
+<p:tagLst xmlns:a="http://schemas.openxmlformats.org/drawingml/2006/main" xmlns:r="http://schemas.openxmlformats.org/officeDocument/2006/relationships" xmlns:p="http://schemas.openxmlformats.org/presentationml/2006/main">
+  <p:tag name="KSO_WM_BEAUTIFY_FLAG" val="#wm#"/>
+  <p:tag name="KSO_WM_TEMPLATE_CATEGORY" val="custom"/>
+  <p:tag name="KSO_WM_TEMPLATE_INDEX" val="20187308"/>
+  <p:tag name="KSO_WM_SPECIAL_SOURCE" val="bdnull"/>
+</p:tagLst>
+</file>
+
+<file path=ppt/tags/tag97.xml><?xml version="1.0" encoding="utf-8"?>
+<p:tagLst xmlns:a="http://schemas.openxmlformats.org/drawingml/2006/main" xmlns:r="http://schemas.openxmlformats.org/officeDocument/2006/relationships" xmlns:p="http://schemas.openxmlformats.org/presentationml/2006/main">
+  <p:tag name="KSO_WM_BEAUTIFY_FLAG" val="#wm#"/>
+  <p:tag name="KSO_WM_TEMPLATE_CATEGORY" val="custom"/>
+  <p:tag name="KSO_WM_TEMPLATE_INDEX" val="20187308"/>
+  <p:tag name="KSO_WM_SPECIAL_SOURCE" val="bdnull"/>
+</p:tagLst>
+</file>
+
+<file path=ppt/tags/tag98.xml><?xml version="1.0" encoding="utf-8"?>
+<p:tagLst xmlns:a="http://schemas.openxmlformats.org/drawingml/2006/main" xmlns:r="http://schemas.openxmlformats.org/officeDocument/2006/relationships" xmlns:p="http://schemas.openxmlformats.org/presentationml/2006/main">
+  <p:tag name="KSO_WM_BEAUTIFY_FLAG" val="#wm#"/>
+  <p:tag name="KSO_WM_TEMPLATE_CATEGORY" val="custom"/>
+  <p:tag name="KSO_WM_TEMPLATE_INDEX" val="20187308"/>
+  <p:tag name="KSO_WM_SPECIAL_SOURCE" val="bdnull"/>
+</p:tagLst>
+</file>
+
+<file path=ppt/tags/tag99.xml><?xml version="1.0" encoding="utf-8"?>
 <p:tagLst xmlns:a="http://schemas.openxmlformats.org/drawingml/2006/main" xmlns:r="http://schemas.openxmlformats.org/officeDocument/2006/relationships" xmlns:p="http://schemas.openxmlformats.org/presentationml/2006/main">
   <p:tag name="KSO_WM_BEAUTIFY_FLAG" val="#wm#"/>
   <p:tag name="KSO_WM_TEMPLATE_CATEGORY" val="custom"/>

--- a/lessons/3_derivation_3/ppt/全连接层的前向和后向传播推导（下）.pptx
+++ b/lessons/3_derivation_3/ppt/全连接层的前向和后向传播推导（下）.pptx
@@ -5,10 +5,10 @@
     <p:sldMasterId id="2147483648" r:id="rId1"/>
   </p:sldMasterIdLst>
   <p:notesMasterIdLst>
-    <p:notesMasterId r:id="rId32"/>
+    <p:notesMasterId r:id="rId33"/>
   </p:notesMasterIdLst>
   <p:handoutMasterIdLst>
-    <p:handoutMasterId r:id="rId33"/>
+    <p:handoutMasterId r:id="rId34"/>
   </p:handoutMasterIdLst>
   <p:sldIdLst>
     <p:sldId id="307" r:id="rId2"/>
@@ -24,28 +24,29 @@
     <p:sldId id="1002" r:id="rId12"/>
     <p:sldId id="1026" r:id="rId13"/>
     <p:sldId id="1027" r:id="rId14"/>
-    <p:sldId id="1029" r:id="rId15"/>
-    <p:sldId id="1016" r:id="rId16"/>
-    <p:sldId id="1030" r:id="rId17"/>
+    <p:sldId id="1016" r:id="rId15"/>
+    <p:sldId id="1030" r:id="rId16"/>
+    <p:sldId id="1033" r:id="rId17"/>
     <p:sldId id="1017" r:id="rId18"/>
     <p:sldId id="1032" r:id="rId19"/>
-    <p:sldId id="1018" r:id="rId20"/>
-    <p:sldId id="1015" r:id="rId21"/>
-    <p:sldId id="1019" r:id="rId22"/>
-    <p:sldId id="1023" r:id="rId23"/>
-    <p:sldId id="1024" r:id="rId24"/>
-    <p:sldId id="537" r:id="rId25"/>
-    <p:sldId id="536" r:id="rId26"/>
-    <p:sldId id="1014" r:id="rId27"/>
-    <p:sldId id="1013" r:id="rId28"/>
-    <p:sldId id="997" r:id="rId29"/>
-    <p:sldId id="998" r:id="rId30"/>
-    <p:sldId id="653" r:id="rId31"/>
+    <p:sldId id="1034" r:id="rId20"/>
+    <p:sldId id="1035" r:id="rId21"/>
+    <p:sldId id="1015" r:id="rId22"/>
+    <p:sldId id="1019" r:id="rId23"/>
+    <p:sldId id="1023" r:id="rId24"/>
+    <p:sldId id="1024" r:id="rId25"/>
+    <p:sldId id="537" r:id="rId26"/>
+    <p:sldId id="536" r:id="rId27"/>
+    <p:sldId id="1014" r:id="rId28"/>
+    <p:sldId id="1013" r:id="rId29"/>
+    <p:sldId id="997" r:id="rId30"/>
+    <p:sldId id="998" r:id="rId31"/>
+    <p:sldId id="653" r:id="rId32"/>
   </p:sldIdLst>
   <p:sldSz cx="12192000" cy="6858000"/>
   <p:notesSz cx="6858000" cy="9144000"/>
   <p:custDataLst>
-    <p:tags r:id="rId34"/>
+    <p:tags r:id="rId35"/>
   </p:custDataLst>
   <p:defaultTextStyle>
     <a:defPPr>
@@ -7649,6 +7650,86 @@
                   <a:rPr lang="zh-CN" altLang="en-US" dirty="0"/>
                   <a:t>，并且去掉激活函数？</a:t>
                 </a:r>
+                <a:endParaRPr lang="en-US" altLang="zh-CN" dirty="0"/>
+              </a:p>
+              <a:p>
+                <a:pPr marL="285750" indent="-285750">
+                  <a:buFont typeface="Arial" panose="020B0604020202020204" pitchFamily="34" charset="0"/>
+                  <a:buChar char="•"/>
+                </a:pPr>
+                <a:r>
+                  <a:rPr lang="en-US" altLang="zh-CN" dirty="0"/>
+                  <a:t>TODO </a:t>
+                </a:r>
+                <a:r>
+                  <a:rPr lang="zh-CN" altLang="en-US" dirty="0"/>
+                  <a:t>求</a:t>
+                </a:r>
+                <a14:m>
+                  <m:oMath xmlns:m="http://schemas.openxmlformats.org/officeDocument/2006/math">
+                    <m:f>
+                      <m:fPr>
+                        <m:ctrlPr>
+                          <a:rPr lang="en-US" altLang="zh-CN" i="1">
+                            <a:latin typeface="Cambria Math" panose="02040503050406030204" pitchFamily="18" charset="0"/>
+                          </a:rPr>
+                        </m:ctrlPr>
+                      </m:fPr>
+                      <m:num>
+                        <m:r>
+                          <a:rPr lang="en-US" altLang="zh-CN" i="1">
+                            <a:latin typeface="Cambria Math" panose="02040503050406030204" pitchFamily="18" charset="0"/>
+                          </a:rPr>
+                          <m:t>𝑑𝐸</m:t>
+                        </m:r>
+                      </m:num>
+                      <m:den>
+                        <m:r>
+                          <a:rPr lang="en-US" altLang="zh-CN" i="1">
+                            <a:latin typeface="Cambria Math" panose="02040503050406030204" pitchFamily="18" charset="0"/>
+                          </a:rPr>
+                          <m:t>𝑑</m:t>
+                        </m:r>
+                        <m:sSub>
+                          <m:sSubPr>
+                            <m:ctrlPr>
+                              <a:rPr lang="en-US" altLang="zh-CN" i="1">
+                                <a:latin typeface="Cambria Math" panose="02040503050406030204" pitchFamily="18" charset="0"/>
+                              </a:rPr>
+                            </m:ctrlPr>
+                          </m:sSubPr>
+                          <m:e>
+                            <m:r>
+                              <a:rPr lang="en-US" altLang="zh-CN" i="1">
+                                <a:latin typeface="Cambria Math" panose="02040503050406030204" pitchFamily="18" charset="0"/>
+                              </a:rPr>
+                              <m:t>𝑤</m:t>
+                            </m:r>
+                          </m:e>
+                          <m:sub>
+                            <m:r>
+                              <a:rPr lang="en-US" altLang="zh-CN" b="0" i="1" smtClean="0">
+                                <a:latin typeface="Cambria Math" panose="02040503050406030204" pitchFamily="18" charset="0"/>
+                              </a:rPr>
+                              <m:t>53</m:t>
+                            </m:r>
+                          </m:sub>
+                        </m:sSub>
+                      </m:den>
+                    </m:f>
+                  </m:oMath>
+                </a14:m>
+                <a:r>
+                  <a:rPr lang="en-US" altLang="zh-CN" dirty="0"/>
+                  <a:t> tu</a:t>
+                </a:r>
+              </a:p>
+              <a:p>
+                <a:pPr marL="285750" indent="-285750">
+                  <a:buFont typeface="Arial" panose="020B0604020202020204" pitchFamily="34" charset="0"/>
+                  <a:buChar char="•"/>
+                </a:pPr>
+                <a:endParaRPr lang="zh-CN" altLang="en-US" dirty="0"/>
               </a:p>
               <a:p>
                 <a:pPr marL="285750" indent="-285750">
@@ -7814,7 +7895,7 @@
         </p:blipFill>
         <p:spPr>
           <a:xfrm>
-            <a:off x="793819" y="2684454"/>
+            <a:off x="1296237" y="2919158"/>
             <a:ext cx="6461879" cy="2953166"/>
           </a:xfrm>
           <a:prstGeom prst="rect">
@@ -7839,286 +7920,6 @@
 </file>
 
 <file path=ppt/slides/slide14.xml><?xml version="1.0" encoding="utf-8"?>
-<p:sld xmlns:a="http://schemas.openxmlformats.org/drawingml/2006/main" xmlns:r="http://schemas.openxmlformats.org/officeDocument/2006/relationships" xmlns:p="http://schemas.openxmlformats.org/presentationml/2006/main">
-  <p:cSld>
-    <p:spTree>
-      <p:nvGrpSpPr>
-        <p:cNvPr id="1" name=""/>
-        <p:cNvGrpSpPr/>
-        <p:nvPr/>
-      </p:nvGrpSpPr>
-      <p:grpSpPr>
-        <a:xfrm>
-          <a:off x="0" y="0"/>
-          <a:ext cx="0" cy="0"/>
-          <a:chOff x="0" y="0"/>
-          <a:chExt cx="0" cy="0"/>
-        </a:xfrm>
-      </p:grpSpPr>
-      <mc:AlternateContent xmlns:mc="http://schemas.openxmlformats.org/markup-compatibility/2006">
-        <mc:Choice xmlns:a14="http://schemas.microsoft.com/office/drawing/2010/main" Requires="a14">
-          <p:sp>
-            <p:nvSpPr>
-              <p:cNvPr id="2" name="文本占位符 1"/>
-              <p:cNvSpPr>
-                <a:spLocks noGrp="1"/>
-              </p:cNvSpPr>
-              <p:nvPr>
-                <p:ph type="body" idx="1"/>
-              </p:nvPr>
-            </p:nvSpPr>
-            <p:spPr/>
-            <p:txBody>
-              <a:bodyPr/>
-              <a:lstStyle/>
-              <a:p>
-                <a:pPr marL="285750" indent="-285750">
-                  <a:buFont typeface="Arial" panose="020B0604020202020204" pitchFamily="34" charset="0"/>
-                  <a:buChar char="•"/>
-                </a:pPr>
-                <a:r>
-                  <a:rPr lang="zh-CN" altLang="en-US" dirty="0"/>
-                  <a:t>隐藏层的梯度下降公式是什么？</a:t>
-                </a:r>
-                <a:endParaRPr lang="en-US" altLang="zh-CN" dirty="0"/>
-              </a:p>
-              <a:p>
-                <a:pPr marL="285750" indent="-285750">
-                  <a:buFont typeface="Arial" panose="020B0604020202020204" pitchFamily="34" charset="0"/>
-                  <a:buChar char="•"/>
-                </a:pPr>
-                <a:endParaRPr lang="en-US" altLang="zh-CN" dirty="0"/>
-              </a:p>
-              <a:p>
-                <a:pPr marL="285750" indent="-285750">
-                  <a:buFont typeface="Arial" panose="020B0604020202020204" pitchFamily="34" charset="0"/>
-                  <a:buChar char="•"/>
-                </a:pPr>
-                <a:endParaRPr lang="en-US" altLang="zh-CN" dirty="0"/>
-              </a:p>
-              <a:p>
-                <a:pPr marL="285750" indent="-285750">
-                  <a:buFont typeface="Arial" panose="020B0604020202020204" pitchFamily="34" charset="0"/>
-                  <a:buChar char="•"/>
-                </a:pPr>
-                <a:endParaRPr lang="en-US" altLang="zh-CN" dirty="0"/>
-              </a:p>
-              <a:p>
-                <a:pPr marL="285750" indent="-285750">
-                  <a:buFont typeface="Arial" panose="020B0604020202020204" pitchFamily="34" charset="0"/>
-                  <a:buChar char="•"/>
-                </a:pPr>
-                <a:endParaRPr lang="en-US" altLang="zh-CN" dirty="0"/>
-              </a:p>
-              <a:p>
-                <a:pPr marL="285750" indent="-285750">
-                  <a:buFont typeface="Arial" panose="020B0604020202020204" pitchFamily="34" charset="0"/>
-                  <a:buChar char="•"/>
-                </a:pPr>
-                <a:r>
-                  <a:rPr lang="zh-CN" altLang="en-US" dirty="0"/>
-                  <a:t>如何求</a:t>
-                </a:r>
-                <a14:m>
-                  <m:oMath xmlns:m="http://schemas.openxmlformats.org/officeDocument/2006/math">
-                    <m:f>
-                      <m:fPr>
-                        <m:ctrlPr>
-                          <a:rPr lang="en-US" altLang="zh-CN" i="1">
-                            <a:latin typeface="Cambria Math" panose="02040503050406030204" pitchFamily="18" charset="0"/>
-                          </a:rPr>
-                        </m:ctrlPr>
-                      </m:fPr>
-                      <m:num>
-                        <m:r>
-                          <a:rPr lang="en-US" altLang="zh-CN" i="1">
-                            <a:latin typeface="Cambria Math" panose="02040503050406030204" pitchFamily="18" charset="0"/>
-                          </a:rPr>
-                          <m:t>𝑑𝐸</m:t>
-                        </m:r>
-                      </m:num>
-                      <m:den>
-                        <m:r>
-                          <a:rPr lang="en-US" altLang="zh-CN" i="1">
-                            <a:latin typeface="Cambria Math" panose="02040503050406030204" pitchFamily="18" charset="0"/>
-                          </a:rPr>
-                          <m:t>𝑑</m:t>
-                        </m:r>
-                        <m:sSub>
-                          <m:sSubPr>
-                            <m:ctrlPr>
-                              <a:rPr lang="en-US" altLang="zh-CN" i="1">
-                                <a:latin typeface="Cambria Math" panose="02040503050406030204" pitchFamily="18" charset="0"/>
-                              </a:rPr>
-                            </m:ctrlPr>
-                          </m:sSubPr>
-                          <m:e>
-                            <m:r>
-                              <a:rPr lang="en-US" altLang="zh-CN" i="1">
-                                <a:latin typeface="Cambria Math" panose="02040503050406030204" pitchFamily="18" charset="0"/>
-                              </a:rPr>
-                              <m:t>𝑤</m:t>
-                            </m:r>
-                          </m:e>
-                          <m:sub>
-                            <m:r>
-                              <a:rPr lang="en-US" altLang="zh-CN" b="0" i="1" smtClean="0">
-                                <a:latin typeface="Cambria Math" panose="02040503050406030204" pitchFamily="18" charset="0"/>
-                              </a:rPr>
-                              <m:t>31</m:t>
-                            </m:r>
-                          </m:sub>
-                        </m:sSub>
-                      </m:den>
-                    </m:f>
-                  </m:oMath>
-                </a14:m>
-                <a:r>
-                  <a:rPr lang="zh-CN" altLang="en-US" dirty="0"/>
-                  <a:t>？</a:t>
-                </a:r>
-              </a:p>
-              <a:p>
-                <a:pPr marL="285750" indent="-285750">
-                  <a:buFont typeface="Arial" panose="020B0604020202020204" pitchFamily="34" charset="0"/>
-                  <a:buChar char="•"/>
-                </a:pPr>
-                <a:r>
-                  <a:rPr lang="zh-CN" altLang="en-US" dirty="0"/>
-                  <a:t>如何去掉激活函数</a:t>
-                </a:r>
-                <a:r>
-                  <a:rPr lang="en-US" altLang="zh-CN" dirty="0"/>
-                  <a:t>?</a:t>
-                </a:r>
-              </a:p>
-              <a:p>
-                <a:pPr marL="285750" indent="-285750">
-                  <a:buFont typeface="Arial" panose="020B0604020202020204" pitchFamily="34" charset="0"/>
-                  <a:buChar char="•"/>
-                </a:pPr>
-                <a:endParaRPr lang="en-US" altLang="zh-CN" dirty="0"/>
-              </a:p>
-              <a:p>
-                <a:pPr marL="285750" indent="-285750">
-                  <a:buFont typeface="Arial" panose="020B0604020202020204" pitchFamily="34" charset="0"/>
-                  <a:buChar char="•"/>
-                </a:pPr>
-                <a:endParaRPr lang="en-US" altLang="zh-CN" dirty="0"/>
-              </a:p>
-              <a:p>
-                <a:pPr marL="285750" indent="-285750">
-                  <a:buFont typeface="Arial" panose="020B0604020202020204" pitchFamily="34" charset="0"/>
-                  <a:buChar char="•"/>
-                </a:pPr>
-                <a:r>
-                  <a:rPr lang="zh-CN" altLang="en-US" dirty="0"/>
-                  <a:t>自学、展学</a:t>
-                </a:r>
-              </a:p>
-              <a:p>
-                <a:pPr marL="285750" indent="-285750">
-                  <a:buFont typeface="Arial" panose="020B0604020202020204" pitchFamily="34" charset="0"/>
-                  <a:buChar char="•"/>
-                </a:pPr>
-                <a:endParaRPr lang="en-US" altLang="zh-CN" dirty="0"/>
-              </a:p>
-              <a:p>
-                <a:pPr marL="285750" indent="-285750">
-                  <a:buFont typeface="Arial" panose="020B0604020202020204" pitchFamily="34" charset="0"/>
-                  <a:buChar char="•"/>
-                </a:pPr>
-                <a:endParaRPr lang="en-US" altLang="zh-CN" dirty="0"/>
-              </a:p>
-              <a:p>
-                <a:pPr marL="285750" indent="-285750">
-                  <a:buFont typeface="Arial" panose="020B0604020202020204" pitchFamily="34" charset="0"/>
-                  <a:buChar char="•"/>
-                </a:pPr>
-                <a:endParaRPr lang="en-US" altLang="zh-CN" dirty="0"/>
-              </a:p>
-            </p:txBody>
-          </p:sp>
-        </mc:Choice>
-        <mc:Fallback>
-          <p:sp>
-            <p:nvSpPr>
-              <p:cNvPr id="2" name="文本占位符 1"/>
-              <p:cNvSpPr>
-                <a:spLocks noGrp="1" noRot="1" noChangeAspect="1" noMove="1" noResize="1" noEditPoints="1" noAdjustHandles="1" noChangeArrowheads="1" noChangeShapeType="1" noTextEdit="1"/>
-              </p:cNvSpPr>
-              <p:nvPr>
-                <p:ph type="body" idx="1"/>
-              </p:nvPr>
-            </p:nvSpPr>
-            <p:spPr>
-              <a:blipFill>
-                <a:blip r:embed="rId3"/>
-                <a:stretch>
-                  <a:fillRect/>
-                </a:stretch>
-              </a:blipFill>
-            </p:spPr>
-            <p:txBody>
-              <a:bodyPr/>
-              <a:lstStyle/>
-              <a:p>
-                <a:r>
-                  <a:rPr lang="zh-CN" altLang="en-US">
-                    <a:noFill/>
-                  </a:rPr>
-                  <a:t> </a:t>
-                </a:r>
-              </a:p>
-            </p:txBody>
-          </p:sp>
-        </mc:Fallback>
-      </mc:AlternateContent>
-      <p:sp>
-        <p:nvSpPr>
-          <p:cNvPr id="3" name="标题 2"/>
-          <p:cNvSpPr>
-            <a:spLocks noGrp="1"/>
-          </p:cNvSpPr>
-          <p:nvPr>
-            <p:ph type="title"/>
-          </p:nvPr>
-        </p:nvSpPr>
-        <p:spPr/>
-        <p:txBody>
-          <a:bodyPr/>
-          <a:lstStyle/>
-          <a:p>
-            <a:r>
-              <a:rPr lang="zh-CN" altLang="en-US" dirty="0">
-                <a:sym typeface="+mn-ea"/>
-              </a:rPr>
-              <a:t>主问题：如何推导</a:t>
-            </a:r>
-            <a:r>
-              <a:rPr lang="zh-CN" altLang="en-US" dirty="0"/>
-              <a:t>全连接层的后向传播？</a:t>
-            </a:r>
-          </a:p>
-        </p:txBody>
-      </p:sp>
-    </p:spTree>
-    <p:custDataLst>
-      <p:tags r:id="rId1"/>
-    </p:custDataLst>
-    <p:extLst>
-      <p:ext uri="{BB962C8B-B14F-4D97-AF65-F5344CB8AC3E}">
-        <p14:creationId xmlns:p14="http://schemas.microsoft.com/office/powerpoint/2010/main" val="1165925500"/>
-      </p:ext>
-    </p:extLst>
-  </p:cSld>
-  <p:clrMapOvr>
-    <a:masterClrMapping/>
-  </p:clrMapOvr>
-</p:sld>
-</file>
-
-<file path=ppt/slides/slide15.xml><?xml version="1.0" encoding="utf-8"?>
 <p:sld xmlns:a="http://schemas.openxmlformats.org/drawingml/2006/main" xmlns:r="http://schemas.openxmlformats.org/officeDocument/2006/relationships" xmlns:p="http://schemas.openxmlformats.org/presentationml/2006/main">
   <p:cSld>
     <p:spTree>
@@ -8373,7 +8174,7 @@
 </p:sld>
 </file>
 
-<file path=ppt/slides/slide16.xml><?xml version="1.0" encoding="utf-8"?>
+<file path=ppt/slides/slide15.xml><?xml version="1.0" encoding="utf-8"?>
 <p:sld xmlns:a="http://schemas.openxmlformats.org/drawingml/2006/main" xmlns:r="http://schemas.openxmlformats.org/officeDocument/2006/relationships" xmlns:p="http://schemas.openxmlformats.org/presentationml/2006/main">
   <p:cSld>
     <p:spTree>
@@ -8481,6 +8282,42 @@
           </a:prstGeom>
         </p:spPr>
       </p:pic>
+      <p:pic>
+        <p:nvPicPr>
+          <p:cNvPr id="9" name="图片 8">
+            <a:extLst>
+              <a:ext uri="{FF2B5EF4-FFF2-40B4-BE49-F238E27FC236}">
+                <a16:creationId xmlns:a16="http://schemas.microsoft.com/office/drawing/2014/main" id="{BF6E8693-4405-91C5-40E0-5CEBB752635D}"/>
+              </a:ext>
+            </a:extLst>
+          </p:cNvPr>
+          <p:cNvPicPr>
+            <a:picLocks noChangeAspect="1"/>
+          </p:cNvPicPr>
+          <p:nvPr/>
+        </p:nvPicPr>
+        <p:blipFill>
+          <a:blip r:embed="rId5">
+            <a:extLst>
+              <a:ext uri="{28A0092B-C50C-407E-A947-70E740481C1C}">
+                <a14:useLocalDpi xmlns:a14="http://schemas.microsoft.com/office/drawing/2010/main" val="0"/>
+              </a:ext>
+            </a:extLst>
+          </a:blip>
+          <a:stretch>
+            <a:fillRect/>
+          </a:stretch>
+        </p:blipFill>
+        <p:spPr>
+          <a:xfrm>
+            <a:off x="7881912" y="2252933"/>
+            <a:ext cx="3640207" cy="2352134"/>
+          </a:xfrm>
+          <a:prstGeom prst="rect">
+            <a:avLst/>
+          </a:prstGeom>
+        </p:spPr>
+      </p:pic>
     </p:spTree>
     <p:custDataLst>
       <p:tags r:id="rId1"/>
@@ -8488,6 +8325,224 @@
     <p:extLst>
       <p:ext uri="{BB962C8B-B14F-4D97-AF65-F5344CB8AC3E}">
         <p14:creationId xmlns:p14="http://schemas.microsoft.com/office/powerpoint/2010/main" val="733817897"/>
+      </p:ext>
+    </p:extLst>
+  </p:cSld>
+  <p:clrMapOvr>
+    <a:masterClrMapping/>
+  </p:clrMapOvr>
+</p:sld>
+</file>
+
+<file path=ppt/slides/slide16.xml><?xml version="1.0" encoding="utf-8"?>
+<p:sld xmlns:a="http://schemas.openxmlformats.org/drawingml/2006/main" xmlns:r="http://schemas.openxmlformats.org/officeDocument/2006/relationships" xmlns:p="http://schemas.openxmlformats.org/presentationml/2006/main">
+  <p:cSld>
+    <p:spTree>
+      <p:nvGrpSpPr>
+        <p:cNvPr id="1" name=""/>
+        <p:cNvGrpSpPr/>
+        <p:nvPr/>
+      </p:nvGrpSpPr>
+      <p:grpSpPr>
+        <a:xfrm>
+          <a:off x="0" y="0"/>
+          <a:ext cx="0" cy="0"/>
+          <a:chOff x="0" y="0"/>
+          <a:chExt cx="0" cy="0"/>
+        </a:xfrm>
+      </p:grpSpPr>
+      <p:sp>
+        <p:nvSpPr>
+          <p:cNvPr id="2" name="文本占位符 1"/>
+          <p:cNvSpPr>
+            <a:spLocks noGrp="1"/>
+          </p:cNvSpPr>
+          <p:nvPr>
+            <p:ph type="body" idx="1"/>
+          </p:nvPr>
+        </p:nvSpPr>
+        <p:spPr/>
+        <p:txBody>
+          <a:bodyPr/>
+          <a:lstStyle/>
+          <a:p>
+            <a:pPr marL="285750" indent="-285750">
+              <a:buFont typeface="Arial" panose="020B0604020202020204" pitchFamily="34" charset="0"/>
+              <a:buChar char="•"/>
+            </a:pPr>
+            <a:r>
+              <a:rPr lang="zh-CN" altLang="en-US" dirty="0"/>
+              <a:t>如何向量化输出层的误差项？</a:t>
+            </a:r>
+            <a:endParaRPr lang="en-US" altLang="zh-CN" dirty="0"/>
+          </a:p>
+          <a:p>
+            <a:br>
+              <a:rPr lang="zh-CN" altLang="en-US" dirty="0"/>
+            </a:br>
+            <a:endParaRPr lang="en-US" altLang="zh-CN" dirty="0"/>
+          </a:p>
+          <a:p>
+            <a:pPr marL="285750" indent="-285750">
+              <a:buFont typeface="Arial" panose="020B0604020202020204" pitchFamily="34" charset="0"/>
+              <a:buChar char="•"/>
+            </a:pPr>
+            <a:endParaRPr lang="en-US" altLang="zh-CN" dirty="0"/>
+          </a:p>
+          <a:p>
+            <a:pPr marL="285750" indent="-285750">
+              <a:buFont typeface="Arial" panose="020B0604020202020204" pitchFamily="34" charset="0"/>
+              <a:buChar char="•"/>
+            </a:pPr>
+            <a:endParaRPr lang="en-US" altLang="zh-CN" dirty="0"/>
+          </a:p>
+          <a:p>
+            <a:pPr marL="285750" indent="-285750">
+              <a:buFont typeface="Arial" panose="020B0604020202020204" pitchFamily="34" charset="0"/>
+              <a:buChar char="•"/>
+            </a:pPr>
+            <a:endParaRPr lang="en-US" altLang="zh-CN" dirty="0"/>
+          </a:p>
+          <a:p>
+            <a:pPr marL="285750" indent="-285750">
+              <a:buFont typeface="Arial" panose="020B0604020202020204" pitchFamily="34" charset="0"/>
+              <a:buChar char="•"/>
+            </a:pPr>
+            <a:r>
+              <a:rPr lang="zh-CN" altLang="en-US" dirty="0"/>
+              <a:t>自学、互学、展学</a:t>
+            </a:r>
+          </a:p>
+          <a:p>
+            <a:pPr marL="285750" indent="-285750">
+              <a:buFont typeface="Arial" panose="020B0604020202020204" pitchFamily="34" charset="0"/>
+              <a:buChar char="•"/>
+            </a:pPr>
+            <a:endParaRPr lang="en-US" altLang="zh-CN" dirty="0"/>
+          </a:p>
+          <a:p>
+            <a:pPr marL="285750" indent="-285750">
+              <a:buFont typeface="Arial" panose="020B0604020202020204" pitchFamily="34" charset="0"/>
+              <a:buChar char="•"/>
+            </a:pPr>
+            <a:endParaRPr lang="en-US" altLang="zh-CN" dirty="0"/>
+          </a:p>
+          <a:p>
+            <a:pPr marL="285750" indent="-285750">
+              <a:buFont typeface="Arial" panose="020B0604020202020204" pitchFamily="34" charset="0"/>
+              <a:buChar char="•"/>
+            </a:pPr>
+            <a:endParaRPr lang="en-US" altLang="zh-CN" dirty="0"/>
+          </a:p>
+        </p:txBody>
+      </p:sp>
+      <p:sp>
+        <p:nvSpPr>
+          <p:cNvPr id="3" name="标题 2"/>
+          <p:cNvSpPr>
+            <a:spLocks noGrp="1"/>
+          </p:cNvSpPr>
+          <p:nvPr>
+            <p:ph type="title"/>
+          </p:nvPr>
+        </p:nvSpPr>
+        <p:spPr/>
+        <p:txBody>
+          <a:bodyPr/>
+          <a:lstStyle/>
+          <a:p>
+            <a:r>
+              <a:rPr lang="zh-CN" altLang="en-US" dirty="0">
+                <a:sym typeface="+mn-ea"/>
+              </a:rPr>
+              <a:t>主问题：如何推导</a:t>
+            </a:r>
+            <a:r>
+              <a:rPr lang="zh-CN" altLang="en-US" dirty="0"/>
+              <a:t>全连接层的后向传播？</a:t>
+            </a:r>
+          </a:p>
+        </p:txBody>
+      </p:sp>
+      <p:pic>
+        <p:nvPicPr>
+          <p:cNvPr id="5" name="图片 4">
+            <a:extLst>
+              <a:ext uri="{FF2B5EF4-FFF2-40B4-BE49-F238E27FC236}">
+                <a16:creationId xmlns:a16="http://schemas.microsoft.com/office/drawing/2014/main" id="{C75BD8F3-A0F0-D54E-3E21-2368DE12F078}"/>
+              </a:ext>
+            </a:extLst>
+          </p:cNvPr>
+          <p:cNvPicPr>
+            <a:picLocks noChangeAspect="1"/>
+          </p:cNvPicPr>
+          <p:nvPr/>
+        </p:nvPicPr>
+        <p:blipFill>
+          <a:blip r:embed="rId3">
+            <a:extLst>
+              <a:ext uri="{28A0092B-C50C-407E-A947-70E740481C1C}">
+                <a14:useLocalDpi xmlns:a14="http://schemas.microsoft.com/office/drawing/2010/main" val="0"/>
+              </a:ext>
+            </a:extLst>
+          </a:blip>
+          <a:stretch>
+            <a:fillRect/>
+          </a:stretch>
+        </p:blipFill>
+        <p:spPr>
+          <a:xfrm>
+            <a:off x="7881912" y="2252933"/>
+            <a:ext cx="3640207" cy="2352134"/>
+          </a:xfrm>
+          <a:prstGeom prst="rect">
+            <a:avLst/>
+          </a:prstGeom>
+        </p:spPr>
+      </p:pic>
+      <p:pic>
+        <p:nvPicPr>
+          <p:cNvPr id="8" name="图片 7">
+            <a:extLst>
+              <a:ext uri="{FF2B5EF4-FFF2-40B4-BE49-F238E27FC236}">
+                <a16:creationId xmlns:a16="http://schemas.microsoft.com/office/drawing/2014/main" id="{E10E213D-9543-8EAC-B4AE-D0B024A9561F}"/>
+              </a:ext>
+            </a:extLst>
+          </p:cNvPr>
+          <p:cNvPicPr>
+            <a:picLocks noChangeAspect="1"/>
+          </p:cNvPicPr>
+          <p:nvPr/>
+        </p:nvPicPr>
+        <p:blipFill>
+          <a:blip r:embed="rId4">
+            <a:extLst>
+              <a:ext uri="{28A0092B-C50C-407E-A947-70E740481C1C}">
+                <a14:useLocalDpi xmlns:a14="http://schemas.microsoft.com/office/drawing/2010/main" val="0"/>
+              </a:ext>
+            </a:extLst>
+          </a:blip>
+          <a:stretch>
+            <a:fillRect/>
+          </a:stretch>
+        </p:blipFill>
+        <p:spPr>
+          <a:xfrm>
+            <a:off x="3890666" y="2432957"/>
+            <a:ext cx="1778000" cy="685800"/>
+          </a:xfrm>
+          <a:prstGeom prst="rect">
+            <a:avLst/>
+          </a:prstGeom>
+        </p:spPr>
+      </p:pic>
+    </p:spTree>
+    <p:custDataLst>
+      <p:tags r:id="rId1"/>
+    </p:custDataLst>
+    <p:extLst>
+      <p:ext uri="{BB962C8B-B14F-4D97-AF65-F5344CB8AC3E}">
+        <p14:creationId xmlns:p14="http://schemas.microsoft.com/office/powerpoint/2010/main" val="123697361"/>
       </p:ext>
     </p:extLst>
   </p:cSld>
@@ -8535,7 +8590,7 @@
             </a:pPr>
             <a:r>
               <a:rPr lang="zh-CN" altLang="en-US" dirty="0"/>
-              <a:t>如何推导隐藏层的误差项</a:t>
+              <a:t>如何推导隐藏层的误差项？</a:t>
             </a:r>
             <a:endParaRPr lang="en-US" altLang="zh-CN" dirty="0"/>
           </a:p>
@@ -8743,7 +8798,7 @@
         </p:blipFill>
         <p:spPr>
           <a:xfrm>
-            <a:off x="4013061" y="414618"/>
+            <a:off x="958362" y="374426"/>
             <a:ext cx="7883770" cy="6028764"/>
           </a:xfrm>
           <a:prstGeom prst="rect">
@@ -8753,10 +8808,10 @@
       </p:pic>
       <p:pic>
         <p:nvPicPr>
-          <p:cNvPr id="5" name="图片 4">
+          <p:cNvPr id="7" name="图片 6">
             <a:extLst>
               <a:ext uri="{FF2B5EF4-FFF2-40B4-BE49-F238E27FC236}">
-                <a16:creationId xmlns:a16="http://schemas.microsoft.com/office/drawing/2014/main" id="{ADCE856A-4B2E-35BF-76FD-842177EE35DA}"/>
+                <a16:creationId xmlns:a16="http://schemas.microsoft.com/office/drawing/2014/main" id="{B403864F-F15C-DE6A-3513-1ED6FE1AC387}"/>
               </a:ext>
             </a:extLst>
           </p:cNvPr>
@@ -8779,7 +8834,7 @@
         </p:blipFill>
         <p:spPr>
           <a:xfrm>
-            <a:off x="80386" y="1516482"/>
+            <a:off x="7881912" y="2252933"/>
             <a:ext cx="3640207" cy="2352134"/>
           </a:xfrm>
           <a:prstGeom prst="rect">
@@ -8841,7 +8896,287 @@
             </a:pPr>
             <a:r>
               <a:rPr lang="zh-CN" altLang="en-US" dirty="0"/>
-              <a:t>更新</a:t>
+              <a:t>如何向量化隐藏层的误差项？</a:t>
+            </a:r>
+            <a:endParaRPr lang="en-US" altLang="zh-CN" dirty="0"/>
+          </a:p>
+          <a:p>
+            <a:br>
+              <a:rPr lang="zh-CN" altLang="en-US" dirty="0"/>
+            </a:br>
+            <a:endParaRPr lang="en-US" altLang="zh-CN" dirty="0"/>
+          </a:p>
+          <a:p>
+            <a:pPr marL="285750" indent="-285750">
+              <a:buFont typeface="Arial" panose="020B0604020202020204" pitchFamily="34" charset="0"/>
+              <a:buChar char="•"/>
+            </a:pPr>
+            <a:endParaRPr lang="en-US" altLang="zh-CN" dirty="0"/>
+          </a:p>
+          <a:p>
+            <a:pPr marL="285750" indent="-285750">
+              <a:buFont typeface="Arial" panose="020B0604020202020204" pitchFamily="34" charset="0"/>
+              <a:buChar char="•"/>
+            </a:pPr>
+            <a:endParaRPr lang="en-US" altLang="zh-CN" dirty="0"/>
+          </a:p>
+          <a:p>
+            <a:pPr marL="285750" indent="-285750">
+              <a:buFont typeface="Arial" panose="020B0604020202020204" pitchFamily="34" charset="0"/>
+              <a:buChar char="•"/>
+            </a:pPr>
+            <a:endParaRPr lang="en-US" altLang="zh-CN" dirty="0"/>
+          </a:p>
+          <a:p>
+            <a:pPr marL="285750" indent="-285750">
+              <a:buFont typeface="Arial" panose="020B0604020202020204" pitchFamily="34" charset="0"/>
+              <a:buChar char="•"/>
+            </a:pPr>
+            <a:r>
+              <a:rPr lang="zh-CN" altLang="en-US" dirty="0"/>
+              <a:t>自学、互学、展学</a:t>
+            </a:r>
+          </a:p>
+          <a:p>
+            <a:pPr marL="285750" indent="-285750">
+              <a:buFont typeface="Arial" panose="020B0604020202020204" pitchFamily="34" charset="0"/>
+              <a:buChar char="•"/>
+            </a:pPr>
+            <a:endParaRPr lang="en-US" altLang="zh-CN" dirty="0"/>
+          </a:p>
+          <a:p>
+            <a:pPr marL="285750" indent="-285750">
+              <a:buFont typeface="Arial" panose="020B0604020202020204" pitchFamily="34" charset="0"/>
+              <a:buChar char="•"/>
+            </a:pPr>
+            <a:endParaRPr lang="en-US" altLang="zh-CN" dirty="0"/>
+          </a:p>
+          <a:p>
+            <a:pPr marL="285750" indent="-285750">
+              <a:buFont typeface="Arial" panose="020B0604020202020204" pitchFamily="34" charset="0"/>
+              <a:buChar char="•"/>
+            </a:pPr>
+            <a:endParaRPr lang="en-US" altLang="zh-CN" dirty="0"/>
+          </a:p>
+        </p:txBody>
+      </p:sp>
+      <p:sp>
+        <p:nvSpPr>
+          <p:cNvPr id="3" name="标题 2"/>
+          <p:cNvSpPr>
+            <a:spLocks noGrp="1"/>
+          </p:cNvSpPr>
+          <p:nvPr>
+            <p:ph type="title"/>
+          </p:nvPr>
+        </p:nvSpPr>
+        <p:spPr/>
+        <p:txBody>
+          <a:bodyPr/>
+          <a:lstStyle/>
+          <a:p>
+            <a:r>
+              <a:rPr lang="zh-CN" altLang="en-US" dirty="0">
+                <a:sym typeface="+mn-ea"/>
+              </a:rPr>
+              <a:t>主问题：如何推导</a:t>
+            </a:r>
+            <a:r>
+              <a:rPr lang="zh-CN" altLang="en-US" dirty="0"/>
+              <a:t>全连接层的后向传播？</a:t>
+            </a:r>
+          </a:p>
+        </p:txBody>
+      </p:sp>
+      <p:pic>
+        <p:nvPicPr>
+          <p:cNvPr id="4" name="图片 3">
+            <a:extLst>
+              <a:ext uri="{FF2B5EF4-FFF2-40B4-BE49-F238E27FC236}">
+                <a16:creationId xmlns:a16="http://schemas.microsoft.com/office/drawing/2014/main" id="{7DEA81A0-F073-C7D2-3C65-C1B2B7F3AA98}"/>
+              </a:ext>
+            </a:extLst>
+          </p:cNvPr>
+          <p:cNvPicPr>
+            <a:picLocks noChangeAspect="1"/>
+          </p:cNvPicPr>
+          <p:nvPr/>
+        </p:nvPicPr>
+        <p:blipFill>
+          <a:blip r:embed="rId3">
+            <a:extLst>
+              <a:ext uri="{28A0092B-C50C-407E-A947-70E740481C1C}">
+                <a14:useLocalDpi xmlns:a14="http://schemas.microsoft.com/office/drawing/2010/main" val="0"/>
+              </a:ext>
+            </a:extLst>
+          </a:blip>
+          <a:stretch>
+            <a:fillRect/>
+          </a:stretch>
+        </p:blipFill>
+        <p:spPr>
+          <a:xfrm>
+            <a:off x="7881912" y="2252933"/>
+            <a:ext cx="3640207" cy="2352134"/>
+          </a:xfrm>
+          <a:prstGeom prst="rect">
+            <a:avLst/>
+          </a:prstGeom>
+        </p:spPr>
+      </p:pic>
+      <p:pic>
+        <p:nvPicPr>
+          <p:cNvPr id="6" name="图片 5">
+            <a:extLst>
+              <a:ext uri="{FF2B5EF4-FFF2-40B4-BE49-F238E27FC236}">
+                <a16:creationId xmlns:a16="http://schemas.microsoft.com/office/drawing/2014/main" id="{3F58A770-6B13-539A-A16F-134626D715C4}"/>
+              </a:ext>
+            </a:extLst>
+          </p:cNvPr>
+          <p:cNvPicPr>
+            <a:picLocks noChangeAspect="1"/>
+          </p:cNvPicPr>
+          <p:nvPr/>
+        </p:nvPicPr>
+        <p:blipFill>
+          <a:blip r:embed="rId4">
+            <a:extLst>
+              <a:ext uri="{28A0092B-C50C-407E-A947-70E740481C1C}">
+                <a14:useLocalDpi xmlns:a14="http://schemas.microsoft.com/office/drawing/2010/main" val="0"/>
+              </a:ext>
+            </a:extLst>
+          </a:blip>
+          <a:stretch>
+            <a:fillRect/>
+          </a:stretch>
+        </p:blipFill>
+        <p:spPr>
+          <a:xfrm>
+            <a:off x="2903136" y="2279650"/>
+            <a:ext cx="4114800" cy="2298700"/>
+          </a:xfrm>
+          <a:prstGeom prst="rect">
+            <a:avLst/>
+          </a:prstGeom>
+        </p:spPr>
+      </p:pic>
+    </p:spTree>
+    <p:custDataLst>
+      <p:tags r:id="rId1"/>
+    </p:custDataLst>
+    <p:extLst>
+      <p:ext uri="{BB962C8B-B14F-4D97-AF65-F5344CB8AC3E}">
+        <p14:creationId xmlns:p14="http://schemas.microsoft.com/office/powerpoint/2010/main" val="3155368487"/>
+      </p:ext>
+    </p:extLst>
+  </p:cSld>
+  <p:clrMapOvr>
+    <a:masterClrMapping/>
+  </p:clrMapOvr>
+</p:sld>
+</file>
+
+<file path=ppt/slides/slide2.xml><?xml version="1.0" encoding="utf-8"?>
+<p:sld xmlns:a="http://schemas.openxmlformats.org/drawingml/2006/main" xmlns:r="http://schemas.openxmlformats.org/officeDocument/2006/relationships" xmlns:p="http://schemas.openxmlformats.org/presentationml/2006/main">
+  <p:cSld>
+    <p:spTree>
+      <p:nvGrpSpPr>
+        <p:cNvPr id="1" name=""/>
+        <p:cNvGrpSpPr/>
+        <p:nvPr/>
+      </p:nvGrpSpPr>
+      <p:grpSpPr>
+        <a:xfrm>
+          <a:off x="0" y="0"/>
+          <a:ext cx="0" cy="0"/>
+          <a:chOff x="0" y="0"/>
+          <a:chExt cx="0" cy="0"/>
+        </a:xfrm>
+      </p:grpSpPr>
+      <p:sp>
+        <p:nvSpPr>
+          <p:cNvPr id="2" name="标题 1"/>
+          <p:cNvSpPr>
+            <a:spLocks noGrp="1"/>
+          </p:cNvSpPr>
+          <p:nvPr>
+            <p:ph type="title"/>
+          </p:nvPr>
+        </p:nvSpPr>
+        <p:spPr>
+          <a:xfrm>
+            <a:off x="669882" y="2108221"/>
+            <a:ext cx="10852237" cy="899167"/>
+          </a:xfrm>
+        </p:spPr>
+        <p:txBody>
+          <a:bodyPr/>
+          <a:lstStyle/>
+          <a:p>
+            <a:r>
+              <a:rPr lang="zh-CN" altLang="en-US" dirty="0"/>
+              <a:t>第三节课：</a:t>
+            </a:r>
+            <a:br>
+              <a:rPr lang="en-US" altLang="zh-CN" dirty="0"/>
+            </a:br>
+            <a:r>
+              <a:rPr lang="zh-CN" altLang="en-US" dirty="0"/>
+              <a:t>全连接层的前向和后向传播推导（下）</a:t>
+            </a:r>
+          </a:p>
+        </p:txBody>
+      </p:sp>
+    </p:spTree>
+    <p:custDataLst>
+      <p:tags r:id="rId1"/>
+    </p:custDataLst>
+  </p:cSld>
+  <p:clrMapOvr>
+    <a:masterClrMapping/>
+  </p:clrMapOvr>
+</p:sld>
+</file>
+
+<file path=ppt/slides/slide20.xml><?xml version="1.0" encoding="utf-8"?>
+<p:sld xmlns:a="http://schemas.openxmlformats.org/drawingml/2006/main" xmlns:r="http://schemas.openxmlformats.org/officeDocument/2006/relationships" xmlns:p="http://schemas.openxmlformats.org/presentationml/2006/main">
+  <p:cSld>
+    <p:spTree>
+      <p:nvGrpSpPr>
+        <p:cNvPr id="1" name=""/>
+        <p:cNvGrpSpPr/>
+        <p:nvPr/>
+      </p:nvGrpSpPr>
+      <p:grpSpPr>
+        <a:xfrm>
+          <a:off x="0" y="0"/>
+          <a:ext cx="0" cy="0"/>
+          <a:chOff x="0" y="0"/>
+          <a:chExt cx="0" cy="0"/>
+        </a:xfrm>
+      </p:grpSpPr>
+      <p:sp>
+        <p:nvSpPr>
+          <p:cNvPr id="2" name="文本占位符 1"/>
+          <p:cNvSpPr>
+            <a:spLocks noGrp="1"/>
+          </p:cNvSpPr>
+          <p:nvPr>
+            <p:ph type="body" idx="1"/>
+          </p:nvPr>
+        </p:nvSpPr>
+        <p:spPr/>
+        <p:txBody>
+          <a:bodyPr/>
+          <a:lstStyle/>
+          <a:p>
+            <a:pPr marL="285750" indent="-285750">
+              <a:buFont typeface="Arial" panose="020B0604020202020204" pitchFamily="34" charset="0"/>
+              <a:buChar char="•"/>
+            </a:pPr>
+            <a:r>
+              <a:rPr lang="zh-CN" altLang="en-US" dirty="0"/>
+              <a:t>如何更新</a:t>
             </a:r>
             <a:r>
               <a:rPr lang="zh-CN" altLang="en-US" b="0" i="0" dirty="0">
@@ -8851,22 +9186,7 @@
                 <a:effectLst/>
                 <a:latin typeface="verdana" panose="020B0604030504040204" pitchFamily="34" charset="0"/>
               </a:rPr>
-              <a:t>输出层的</a:t>
-            </a:r>
-            <a:r>
-              <a:rPr lang="zh-CN" altLang="en-US" dirty="0"/>
-              <a:t>梯度下降算法</a:t>
-            </a:r>
-            <a:endParaRPr lang="en-US" altLang="zh-CN" dirty="0"/>
-          </a:p>
-          <a:p>
-            <a:pPr marL="285750" indent="-285750">
-              <a:buFont typeface="Arial" panose="020B0604020202020204" pitchFamily="34" charset="0"/>
-              <a:buChar char="•"/>
-            </a:pPr>
-            <a:r>
-              <a:rPr lang="zh-CN" altLang="en-US" dirty="0"/>
-              <a:t>更新</a:t>
+              <a:t>输出层和</a:t>
             </a:r>
             <a:r>
               <a:rPr lang="zh-CN" altLang="en-US" dirty="0">
@@ -8889,8 +9209,59 @@
             </a:r>
             <a:r>
               <a:rPr lang="zh-CN" altLang="en-US" dirty="0"/>
-              <a:t>梯度下降算法</a:t>
-            </a:r>
+              <a:t>梯度下降算法？</a:t>
+            </a:r>
+            <a:endParaRPr lang="en-US" altLang="zh-CN" dirty="0"/>
+          </a:p>
+          <a:p>
+            <a:pPr marL="285750" indent="-285750">
+              <a:buFont typeface="Arial" panose="020B0604020202020204" pitchFamily="34" charset="0"/>
+              <a:buChar char="•"/>
+            </a:pPr>
+            <a:r>
+              <a:rPr lang="zh-CN" altLang="en-US" dirty="0"/>
+              <a:t>如何向量化</a:t>
+            </a:r>
+            <a:r>
+              <a:rPr lang="zh-CN" altLang="en-US" b="0" i="0" dirty="0">
+                <a:solidFill>
+                  <a:srgbClr val="333333"/>
+                </a:solidFill>
+                <a:effectLst/>
+                <a:latin typeface="verdana" panose="020B0604030504040204" pitchFamily="34" charset="0"/>
+              </a:rPr>
+              <a:t>输出层和</a:t>
+            </a:r>
+            <a:r>
+              <a:rPr lang="zh-CN" altLang="en-US" dirty="0">
+                <a:solidFill>
+                  <a:srgbClr val="333333"/>
+                </a:solidFill>
+                <a:latin typeface="verdana" panose="020B0604030504040204" pitchFamily="34" charset="0"/>
+              </a:rPr>
+              <a:t>隐藏</a:t>
+            </a:r>
+            <a:r>
+              <a:rPr lang="zh-CN" altLang="en-US" b="0" i="0" dirty="0">
+                <a:solidFill>
+                  <a:srgbClr val="333333"/>
+                </a:solidFill>
+                <a:effectLst/>
+                <a:latin typeface="verdana" panose="020B0604030504040204" pitchFamily="34" charset="0"/>
+              </a:rPr>
+              <a:t>层的</a:t>
+            </a:r>
+            <a:r>
+              <a:rPr lang="zh-CN" altLang="en-US" dirty="0"/>
+              <a:t>梯度下降算法？</a:t>
+            </a:r>
+            <a:endParaRPr lang="en-US" altLang="zh-CN" dirty="0"/>
+          </a:p>
+          <a:p>
+            <a:pPr marL="285750" indent="-285750">
+              <a:buFont typeface="Arial" panose="020B0604020202020204" pitchFamily="34" charset="0"/>
+              <a:buChar char="•"/>
+            </a:pPr>
             <a:endParaRPr lang="en-US" altLang="zh-CN" dirty="0"/>
           </a:p>
           <a:p>
@@ -9043,7 +9414,7 @@
         </p:blipFill>
         <p:spPr>
           <a:xfrm>
-            <a:off x="5147058" y="1626235"/>
+            <a:off x="5789105" y="1459363"/>
             <a:ext cx="2400300" cy="584200"/>
           </a:xfrm>
           <a:prstGeom prst="rect">
@@ -9079,8 +9450,152 @@
         </p:blipFill>
         <p:spPr>
           <a:xfrm>
-            <a:off x="5103515" y="2210435"/>
+            <a:off x="5770175" y="1988320"/>
             <a:ext cx="2311400" cy="558800"/>
+          </a:xfrm>
+          <a:prstGeom prst="rect">
+            <a:avLst/>
+          </a:prstGeom>
+        </p:spPr>
+      </p:pic>
+      <p:pic>
+        <p:nvPicPr>
+          <p:cNvPr id="16" name="图片 15">
+            <a:extLst>
+              <a:ext uri="{FF2B5EF4-FFF2-40B4-BE49-F238E27FC236}">
+                <a16:creationId xmlns:a16="http://schemas.microsoft.com/office/drawing/2014/main" id="{D269BFC0-B4CA-75D7-0A10-F756FA9533FD}"/>
+              </a:ext>
+            </a:extLst>
+          </p:cNvPr>
+          <p:cNvPicPr>
+            <a:picLocks noChangeAspect="1"/>
+          </p:cNvPicPr>
+          <p:nvPr/>
+        </p:nvPicPr>
+        <p:blipFill>
+          <a:blip r:embed="rId6">
+            <a:extLst>
+              <a:ext uri="{28A0092B-C50C-407E-A947-70E740481C1C}">
+                <a14:useLocalDpi xmlns:a14="http://schemas.microsoft.com/office/drawing/2010/main" val="0"/>
+              </a:ext>
+            </a:extLst>
+          </a:blip>
+          <a:stretch>
+            <a:fillRect/>
+          </a:stretch>
+        </p:blipFill>
+        <p:spPr>
+          <a:xfrm>
+            <a:off x="6081325" y="2752135"/>
+            <a:ext cx="1689100" cy="762000"/>
+          </a:xfrm>
+          <a:prstGeom prst="rect">
+            <a:avLst/>
+          </a:prstGeom>
+        </p:spPr>
+      </p:pic>
+      <p:pic>
+        <p:nvPicPr>
+          <p:cNvPr id="17" name="图片 16">
+            <a:extLst>
+              <a:ext uri="{FF2B5EF4-FFF2-40B4-BE49-F238E27FC236}">
+                <a16:creationId xmlns:a16="http://schemas.microsoft.com/office/drawing/2014/main" id="{6BDA8B97-2151-C22F-841E-8C38A7A035B2}"/>
+              </a:ext>
+            </a:extLst>
+          </p:cNvPr>
+          <p:cNvPicPr>
+            <a:picLocks noChangeAspect="1"/>
+          </p:cNvPicPr>
+          <p:nvPr/>
+        </p:nvPicPr>
+        <p:blipFill>
+          <a:blip r:embed="rId7">
+            <a:extLst>
+              <a:ext uri="{28A0092B-C50C-407E-A947-70E740481C1C}">
+                <a14:useLocalDpi xmlns:a14="http://schemas.microsoft.com/office/drawing/2010/main" val="0"/>
+              </a:ext>
+            </a:extLst>
+          </a:blip>
+          <a:stretch>
+            <a:fillRect/>
+          </a:stretch>
+        </p:blipFill>
+        <p:spPr>
+          <a:xfrm>
+            <a:off x="8189405" y="3418952"/>
+            <a:ext cx="3640207" cy="2352134"/>
+          </a:xfrm>
+          <a:prstGeom prst="rect">
+            <a:avLst/>
+          </a:prstGeom>
+        </p:spPr>
+      </p:pic>
+      <p:pic>
+        <p:nvPicPr>
+          <p:cNvPr id="7" name="图片 6">
+            <a:extLst>
+              <a:ext uri="{FF2B5EF4-FFF2-40B4-BE49-F238E27FC236}">
+                <a16:creationId xmlns:a16="http://schemas.microsoft.com/office/drawing/2014/main" id="{2AC5D996-A895-0AE5-7268-43AB37A1C050}"/>
+              </a:ext>
+            </a:extLst>
+          </p:cNvPr>
+          <p:cNvPicPr>
+            <a:picLocks noChangeAspect="1"/>
+          </p:cNvPicPr>
+          <p:nvPr/>
+        </p:nvPicPr>
+        <p:blipFill>
+          <a:blip r:embed="rId8">
+            <a:extLst>
+              <a:ext uri="{28A0092B-C50C-407E-A947-70E740481C1C}">
+                <a14:useLocalDpi xmlns:a14="http://schemas.microsoft.com/office/drawing/2010/main" val="0"/>
+              </a:ext>
+            </a:extLst>
+          </a:blip>
+          <a:stretch>
+            <a:fillRect/>
+          </a:stretch>
+        </p:blipFill>
+        <p:spPr>
+          <a:xfrm>
+            <a:off x="2394173" y="2812252"/>
+            <a:ext cx="2933470" cy="1571147"/>
+          </a:xfrm>
+          <a:prstGeom prst="rect">
+            <a:avLst/>
+          </a:prstGeom>
+        </p:spPr>
+      </p:pic>
+      <p:pic>
+        <p:nvPicPr>
+          <p:cNvPr id="10" name="图片 9">
+            <a:extLst>
+              <a:ext uri="{FF2B5EF4-FFF2-40B4-BE49-F238E27FC236}">
+                <a16:creationId xmlns:a16="http://schemas.microsoft.com/office/drawing/2014/main" id="{ADD43434-0AAF-DADB-9FE3-83E469E804CD}"/>
+              </a:ext>
+            </a:extLst>
+          </p:cNvPr>
+          <p:cNvPicPr>
+            <a:picLocks noChangeAspect="1"/>
+          </p:cNvPicPr>
+          <p:nvPr/>
+        </p:nvPicPr>
+        <p:blipFill>
+          <a:blip r:embed="rId9">
+            <a:extLst>
+              <a:ext uri="{28A0092B-C50C-407E-A947-70E740481C1C}">
+                <a14:useLocalDpi xmlns:a14="http://schemas.microsoft.com/office/drawing/2010/main" val="0"/>
+              </a:ext>
+            </a:extLst>
+          </a:blip>
+          <a:stretch>
+            <a:fillRect/>
+          </a:stretch>
+        </p:blipFill>
+        <p:spPr>
+          <a:xfrm>
+            <a:off x="4873976" y="4648531"/>
+            <a:ext cx="2414698" cy="1867974"/>
           </a:xfrm>
           <a:prstGeom prst="rect">
             <a:avLst/>
@@ -9093,7 +9608,7 @@
     </p:custDataLst>
     <p:extLst>
       <p:ext uri="{BB962C8B-B14F-4D97-AF65-F5344CB8AC3E}">
-        <p14:creationId xmlns:p14="http://schemas.microsoft.com/office/powerpoint/2010/main" val="2915200876"/>
+        <p14:creationId xmlns:p14="http://schemas.microsoft.com/office/powerpoint/2010/main" val="2655851473"/>
       </p:ext>
     </p:extLst>
   </p:cSld>
@@ -9103,69 +9618,7 @@
 </p:sld>
 </file>
 
-<file path=ppt/slides/slide2.xml><?xml version="1.0" encoding="utf-8"?>
-<p:sld xmlns:a="http://schemas.openxmlformats.org/drawingml/2006/main" xmlns:r="http://schemas.openxmlformats.org/officeDocument/2006/relationships" xmlns:p="http://schemas.openxmlformats.org/presentationml/2006/main">
-  <p:cSld>
-    <p:spTree>
-      <p:nvGrpSpPr>
-        <p:cNvPr id="1" name=""/>
-        <p:cNvGrpSpPr/>
-        <p:nvPr/>
-      </p:nvGrpSpPr>
-      <p:grpSpPr>
-        <a:xfrm>
-          <a:off x="0" y="0"/>
-          <a:ext cx="0" cy="0"/>
-          <a:chOff x="0" y="0"/>
-          <a:chExt cx="0" cy="0"/>
-        </a:xfrm>
-      </p:grpSpPr>
-      <p:sp>
-        <p:nvSpPr>
-          <p:cNvPr id="2" name="标题 1"/>
-          <p:cNvSpPr>
-            <a:spLocks noGrp="1"/>
-          </p:cNvSpPr>
-          <p:nvPr>
-            <p:ph type="title"/>
-          </p:nvPr>
-        </p:nvSpPr>
-        <p:spPr>
-          <a:xfrm>
-            <a:off x="669882" y="2108221"/>
-            <a:ext cx="10852237" cy="899167"/>
-          </a:xfrm>
-        </p:spPr>
-        <p:txBody>
-          <a:bodyPr/>
-          <a:lstStyle/>
-          <a:p>
-            <a:r>
-              <a:rPr lang="zh-CN" altLang="en-US" dirty="0"/>
-              <a:t>第三节课：</a:t>
-            </a:r>
-            <a:br>
-              <a:rPr lang="en-US" altLang="zh-CN" dirty="0"/>
-            </a:br>
-            <a:r>
-              <a:rPr lang="zh-CN" altLang="en-US" dirty="0"/>
-              <a:t>全连接层的前向和后向传播推导（下）</a:t>
-            </a:r>
-          </a:p>
-        </p:txBody>
-      </p:sp>
-    </p:spTree>
-    <p:custDataLst>
-      <p:tags r:id="rId1"/>
-    </p:custDataLst>
-  </p:cSld>
-  <p:clrMapOvr>
-    <a:masterClrMapping/>
-  </p:clrMapOvr>
-</p:sld>
-</file>
-
-<file path=ppt/slides/slide20.xml><?xml version="1.0" encoding="utf-8"?>
+<file path=ppt/slides/slide21.xml><?xml version="1.0" encoding="utf-8"?>
 <p:sld xmlns:a="http://schemas.openxmlformats.org/drawingml/2006/main" xmlns:r="http://schemas.openxmlformats.org/officeDocument/2006/relationships" xmlns:p="http://schemas.openxmlformats.org/presentationml/2006/main">
   <p:cSld>
     <p:spTree>
@@ -9289,8 +9742,8 @@
         </p:nvSpPr>
         <p:spPr>
           <a:xfrm>
-            <a:off x="2341267" y="3244334"/>
-            <a:ext cx="9495692" cy="369332"/>
+            <a:off x="1999622" y="3244334"/>
+            <a:ext cx="9837337" cy="369332"/>
           </a:xfrm>
           <a:prstGeom prst="rect">
             <a:avLst/>
@@ -9311,7 +9764,7 @@
                 <a:effectLst/>
                 <a:latin typeface="verdana" panose="020B0604030504040204" pitchFamily="34" charset="0"/>
               </a:rPr>
-              <a:t>需要先计算输出层的误差项，然后反向依次计算每层的误差项，直到与输入层相连的层</a:t>
+              <a:t>先计算输出层的误差项和梯度，然后反向依次计算每层的误差项和梯度，直到与输入层相连的层</a:t>
             </a:r>
             <a:endParaRPr kumimoji="1" lang="zh-CN" altLang="en-US" dirty="0"/>
           </a:p>
@@ -9412,7 +9865,7 @@
 </p:sld>
 </file>
 
-<file path=ppt/slides/slide21.xml><?xml version="1.0" encoding="utf-8"?>
+<file path=ppt/slides/slide22.xml><?xml version="1.0" encoding="utf-8"?>
 <p:sld xmlns:a="http://schemas.openxmlformats.org/drawingml/2006/main" xmlns:r="http://schemas.openxmlformats.org/officeDocument/2006/relationships" xmlns:p="http://schemas.openxmlformats.org/presentationml/2006/main">
   <p:cSld>
     <p:spTree>
@@ -9456,7 +9909,15 @@
             </a:r>
             <a:r>
               <a:rPr lang="zh-CN" altLang="en-US" dirty="0"/>
-              <a:t>全连接层的后向传播的代码</a:t>
+              <a:t>全连接层的后向传播的代码（损失函数和激活函数与判断性别</a:t>
+            </a:r>
+            <a:r>
+              <a:rPr lang="en-US" altLang="zh-CN" dirty="0"/>
+              <a:t>Demo</a:t>
+            </a:r>
+            <a:r>
+              <a:rPr lang="zh-CN" altLang="en-US" dirty="0"/>
+              <a:t>一样）</a:t>
             </a:r>
             <a:endParaRPr lang="en-US" altLang="zh-CN" dirty="0">
               <a:sym typeface="+mn-ea"/>
@@ -9471,6 +9932,45 @@
               <a:rPr lang="zh-CN" altLang="en-US" dirty="0"/>
               <a:t>使用下图的神经网络结构，运行代码</a:t>
             </a:r>
+            <a:endParaRPr lang="en-US" altLang="zh-CN" dirty="0"/>
+          </a:p>
+          <a:p>
+            <a:pPr marL="285750" indent="-285750">
+              <a:buFont typeface="Arial" panose="020B0604020202020204" pitchFamily="34" charset="0"/>
+              <a:buChar char="•"/>
+            </a:pPr>
+            <a:endParaRPr lang="en-US" altLang="zh-CN" dirty="0">
+              <a:sym typeface="+mn-ea"/>
+            </a:endParaRPr>
+          </a:p>
+          <a:p>
+            <a:pPr marL="285750" indent="-285750">
+              <a:buFont typeface="Arial" panose="020B0604020202020204" pitchFamily="34" charset="0"/>
+              <a:buChar char="•"/>
+            </a:pPr>
+            <a:r>
+              <a:rPr lang="en-US" altLang="zh-CN" dirty="0"/>
+              <a:t>TODO </a:t>
+            </a:r>
+            <a:r>
+              <a:rPr lang="zh-CN" altLang="en-US" dirty="0"/>
+              <a:t>请使用下图的神经网络结构，实现后向传播的代码（损失函数和激活函数与判断性别</a:t>
+            </a:r>
+            <a:r>
+              <a:rPr lang="en-US" altLang="zh-CN" dirty="0"/>
+              <a:t>Demo</a:t>
+            </a:r>
+            <a:r>
+              <a:rPr lang="zh-CN" altLang="en-US" dirty="0"/>
+              <a:t>一样）</a:t>
+            </a:r>
+            <a:endParaRPr lang="en-US" altLang="zh-CN" dirty="0"/>
+          </a:p>
+          <a:p>
+            <a:pPr marL="285750" indent="-285750">
+              <a:buFont typeface="Arial" panose="020B0604020202020204" pitchFamily="34" charset="0"/>
+              <a:buChar char="•"/>
+            </a:pPr>
             <a:endParaRPr lang="zh-CN" altLang="en-US" dirty="0">
               <a:sym typeface="+mn-ea"/>
             </a:endParaRPr>
@@ -9560,7 +10060,7 @@
         </p:blipFill>
         <p:spPr bwMode="auto">
           <a:xfrm>
-            <a:off x="5890099" y="2054741"/>
+            <a:off x="6704016" y="2389878"/>
             <a:ext cx="4680766" cy="3026298"/>
           </a:xfrm>
           <a:prstGeom prst="rect">
@@ -9576,6 +10076,42 @@
               </a14:hiddenFill>
             </a:ext>
           </a:extLst>
+        </p:spPr>
+      </p:pic>
+      <p:pic>
+        <p:nvPicPr>
+          <p:cNvPr id="5" name="图片 4">
+            <a:extLst>
+              <a:ext uri="{FF2B5EF4-FFF2-40B4-BE49-F238E27FC236}">
+                <a16:creationId xmlns:a16="http://schemas.microsoft.com/office/drawing/2014/main" id="{98833659-BC4A-FD05-31EC-47CAE8C0F8D0}"/>
+              </a:ext>
+            </a:extLst>
+          </p:cNvPr>
+          <p:cNvPicPr>
+            <a:picLocks noChangeAspect="1"/>
+          </p:cNvPicPr>
+          <p:nvPr/>
+        </p:nvPicPr>
+        <p:blipFill>
+          <a:blip r:embed="rId4">
+            <a:extLst>
+              <a:ext uri="{28A0092B-C50C-407E-A947-70E740481C1C}">
+                <a14:useLocalDpi xmlns:a14="http://schemas.microsoft.com/office/drawing/2010/main" val="0"/>
+              </a:ext>
+            </a:extLst>
+          </a:blip>
+          <a:stretch>
+            <a:fillRect/>
+          </a:stretch>
+        </p:blipFill>
+        <p:spPr>
+          <a:xfrm>
+            <a:off x="1415234" y="3953680"/>
+            <a:ext cx="4680766" cy="780128"/>
+          </a:xfrm>
+          <a:prstGeom prst="rect">
+            <a:avLst/>
+          </a:prstGeom>
         </p:spPr>
       </p:pic>
     </p:spTree>
@@ -9723,6 +10259,55 @@
                                           </p:stCondLst>
                                         </p:cTn>
                                         <p:tgtEl>
+                                          <p:spTgt spid="2">
+                                            <p:txEl>
+                                              <p:pRg st="3" end="3"/>
+                                            </p:txEl>
+                                          </p:spTgt>
+                                        </p:tgtEl>
+                                        <p:attrNameLst>
+                                          <p:attrName>style.visibility</p:attrName>
+                                        </p:attrNameLst>
+                                      </p:cBhvr>
+                                      <p:to>
+                                        <p:strVal val="visible"/>
+                                      </p:to>
+                                    </p:set>
+                                  </p:childTnLst>
+                                </p:cTn>
+                              </p:par>
+                            </p:childTnLst>
+                          </p:cTn>
+                        </p:par>
+                      </p:childTnLst>
+                    </p:cTn>
+                  </p:par>
+                  <p:par>
+                    <p:cTn id="15" fill="hold">
+                      <p:stCondLst>
+                        <p:cond delay="indefinite"/>
+                      </p:stCondLst>
+                      <p:childTnLst>
+                        <p:par>
+                          <p:cTn id="16" fill="hold">
+                            <p:stCondLst>
+                              <p:cond delay="0"/>
+                            </p:stCondLst>
+                            <p:childTnLst>
+                              <p:par>
+                                <p:cTn id="17" presetID="1" presetClass="entr" presetSubtype="0" fill="hold" nodeType="clickEffect">
+                                  <p:stCondLst>
+                                    <p:cond delay="0"/>
+                                  </p:stCondLst>
+                                  <p:childTnLst>
+                                    <p:set>
+                                      <p:cBhvr>
+                                        <p:cTn id="18" dur="1" fill="hold">
+                                          <p:stCondLst>
+                                            <p:cond delay="0"/>
+                                          </p:stCondLst>
+                                        </p:cTn>
+                                        <p:tgtEl>
                                           <p:spTgt spid="4"/>
                                         </p:tgtEl>
                                         <p:attrNameLst>
@@ -9767,7 +10352,7 @@
 </p:sld>
 </file>
 
-<file path=ppt/slides/slide22.xml><?xml version="1.0" encoding="utf-8"?>
+<file path=ppt/slides/slide23.xml><?xml version="1.0" encoding="utf-8"?>
 <p:sld xmlns:a="http://schemas.openxmlformats.org/drawingml/2006/main" xmlns:r="http://schemas.openxmlformats.org/officeDocument/2006/relationships" xmlns:p="http://schemas.openxmlformats.org/presentationml/2006/main">
   <p:cSld>
     <p:spTree>
@@ -9836,7 +10421,7 @@
 </p:sld>
 </file>
 
-<file path=ppt/slides/slide23.xml><?xml version="1.0" encoding="utf-8"?>
+<file path=ppt/slides/slide24.xml><?xml version="1.0" encoding="utf-8"?>
 <p:sld xmlns:a="http://schemas.openxmlformats.org/drawingml/2006/main" xmlns:r="http://schemas.openxmlformats.org/officeDocument/2006/relationships" xmlns:p="http://schemas.openxmlformats.org/presentationml/2006/main">
   <p:cSld>
     <p:spTree>
@@ -10156,7 +10741,7 @@
 </p:sld>
 </file>
 
-<file path=ppt/slides/slide24.xml><?xml version="1.0" encoding="utf-8"?>
+<file path=ppt/slides/slide25.xml><?xml version="1.0" encoding="utf-8"?>
 <p:sld xmlns:a="http://schemas.openxmlformats.org/drawingml/2006/main" xmlns:r="http://schemas.openxmlformats.org/officeDocument/2006/relationships" xmlns:p="http://schemas.openxmlformats.org/presentationml/2006/main">
   <p:cSld>
     <p:spTree>
@@ -10206,7 +10791,7 @@
 </p:sld>
 </file>
 
-<file path=ppt/slides/slide25.xml><?xml version="1.0" encoding="utf-8"?>
+<file path=ppt/slides/slide26.xml><?xml version="1.0" encoding="utf-8"?>
 <p:sld xmlns:a="http://schemas.openxmlformats.org/drawingml/2006/main" xmlns:r="http://schemas.openxmlformats.org/officeDocument/2006/relationships" xmlns:p="http://schemas.openxmlformats.org/presentationml/2006/main">
   <p:cSld>
     <p:spTree>
@@ -10372,7 +10957,7 @@
 </p:sld>
 </file>
 
-<file path=ppt/slides/slide26.xml><?xml version="1.0" encoding="utf-8"?>
+<file path=ppt/slides/slide27.xml><?xml version="1.0" encoding="utf-8"?>
 <p:sld xmlns:a="http://schemas.openxmlformats.org/drawingml/2006/main" xmlns:r="http://schemas.openxmlformats.org/officeDocument/2006/relationships" xmlns:p="http://schemas.openxmlformats.org/presentationml/2006/main">
   <p:cSld>
     <p:spTree>
@@ -10507,7 +11092,7 @@
 </p:sld>
 </file>
 
-<file path=ppt/slides/slide27.xml><?xml version="1.0" encoding="utf-8"?>
+<file path=ppt/slides/slide28.xml><?xml version="1.0" encoding="utf-8"?>
 <p:sld xmlns:a="http://schemas.openxmlformats.org/drawingml/2006/main" xmlns:r="http://schemas.openxmlformats.org/officeDocument/2006/relationships" xmlns:p="http://schemas.openxmlformats.org/presentationml/2006/main">
   <p:cSld>
     <p:spTree>
@@ -10586,34 +11171,6 @@
 </p:sld>
 </file>
 
-<file path=ppt/slides/slide28.xml><?xml version="1.0" encoding="utf-8"?>
-<p:sld xmlns:a="http://schemas.openxmlformats.org/drawingml/2006/main" xmlns:r="http://schemas.openxmlformats.org/officeDocument/2006/relationships" xmlns:p="http://schemas.openxmlformats.org/presentationml/2006/main">
-  <p:cSld>
-    <p:spTree>
-      <p:nvGrpSpPr>
-        <p:cNvPr id="1" name=""/>
-        <p:cNvGrpSpPr/>
-        <p:nvPr/>
-      </p:nvGrpSpPr>
-      <p:grpSpPr>
-        <a:xfrm>
-          <a:off x="0" y="0"/>
-          <a:ext cx="0" cy="0"/>
-          <a:chOff x="0" y="0"/>
-          <a:chExt cx="0" cy="0"/>
-        </a:xfrm>
-      </p:grpSpPr>
-    </p:spTree>
-    <p:custDataLst>
-      <p:tags r:id="rId1"/>
-    </p:custDataLst>
-  </p:cSld>
-  <p:clrMapOvr>
-    <a:masterClrMapping/>
-  </p:clrMapOvr>
-</p:sld>
-</file>
-
 <file path=ppt/slides/slide29.xml><?xml version="1.0" encoding="utf-8"?>
 <p:sld xmlns:a="http://schemas.openxmlformats.org/drawingml/2006/main" xmlns:r="http://schemas.openxmlformats.org/officeDocument/2006/relationships" xmlns:p="http://schemas.openxmlformats.org/presentationml/2006/main">
   <p:cSld>
@@ -10631,51 +11188,6 @@
           <a:chExt cx="0" cy="0"/>
         </a:xfrm>
       </p:grpSpPr>
-      <p:sp>
-        <p:nvSpPr>
-          <p:cNvPr id="2" name="文本占位符 1"/>
-          <p:cNvSpPr>
-            <a:spLocks noGrp="1"/>
-          </p:cNvSpPr>
-          <p:nvPr>
-            <p:ph type="body" idx="1"/>
-          </p:nvPr>
-        </p:nvSpPr>
-        <p:spPr/>
-        <p:txBody>
-          <a:bodyPr/>
-          <a:lstStyle/>
-          <a:p>
-            <a:pPr marL="285750" indent="-285750">
-              <a:buFont typeface="Arial" panose="020B0604020202020204" pitchFamily="34" charset="0"/>
-              <a:buChar char="•"/>
-            </a:pPr>
-            <a:endParaRPr lang="en-US" altLang="zh-CN" dirty="0"/>
-          </a:p>
-        </p:txBody>
-      </p:sp>
-      <p:sp>
-        <p:nvSpPr>
-          <p:cNvPr id="3" name="标题 2"/>
-          <p:cNvSpPr>
-            <a:spLocks noGrp="1"/>
-          </p:cNvSpPr>
-          <p:nvPr>
-            <p:ph type="title"/>
-          </p:nvPr>
-        </p:nvSpPr>
-        <p:spPr/>
-        <p:txBody>
-          <a:bodyPr/>
-          <a:lstStyle/>
-          <a:p>
-            <a:r>
-              <a:rPr lang="zh-CN" altLang="en-US"/>
-              <a:t>问答</a:t>
-            </a:r>
-          </a:p>
-        </p:txBody>
-      </p:sp>
     </p:spTree>
     <p:custDataLst>
       <p:tags r:id="rId1"/>
@@ -10906,6 +11418,79 @@
 </file>
 
 <file path=ppt/slides/slide30.xml><?xml version="1.0" encoding="utf-8"?>
+<p:sld xmlns:a="http://schemas.openxmlformats.org/drawingml/2006/main" xmlns:r="http://schemas.openxmlformats.org/officeDocument/2006/relationships" xmlns:p="http://schemas.openxmlformats.org/presentationml/2006/main">
+  <p:cSld>
+    <p:spTree>
+      <p:nvGrpSpPr>
+        <p:cNvPr id="1" name=""/>
+        <p:cNvGrpSpPr/>
+        <p:nvPr/>
+      </p:nvGrpSpPr>
+      <p:grpSpPr>
+        <a:xfrm>
+          <a:off x="0" y="0"/>
+          <a:ext cx="0" cy="0"/>
+          <a:chOff x="0" y="0"/>
+          <a:chExt cx="0" cy="0"/>
+        </a:xfrm>
+      </p:grpSpPr>
+      <p:sp>
+        <p:nvSpPr>
+          <p:cNvPr id="2" name="文本占位符 1"/>
+          <p:cNvSpPr>
+            <a:spLocks noGrp="1"/>
+          </p:cNvSpPr>
+          <p:nvPr>
+            <p:ph type="body" idx="1"/>
+          </p:nvPr>
+        </p:nvSpPr>
+        <p:spPr/>
+        <p:txBody>
+          <a:bodyPr/>
+          <a:lstStyle/>
+          <a:p>
+            <a:pPr marL="285750" indent="-285750">
+              <a:buFont typeface="Arial" panose="020B0604020202020204" pitchFamily="34" charset="0"/>
+              <a:buChar char="•"/>
+            </a:pPr>
+            <a:endParaRPr lang="en-US" altLang="zh-CN" dirty="0"/>
+          </a:p>
+        </p:txBody>
+      </p:sp>
+      <p:sp>
+        <p:nvSpPr>
+          <p:cNvPr id="3" name="标题 2"/>
+          <p:cNvSpPr>
+            <a:spLocks noGrp="1"/>
+          </p:cNvSpPr>
+          <p:nvPr>
+            <p:ph type="title"/>
+          </p:nvPr>
+        </p:nvSpPr>
+        <p:spPr/>
+        <p:txBody>
+          <a:bodyPr/>
+          <a:lstStyle/>
+          <a:p>
+            <a:r>
+              <a:rPr lang="zh-CN" altLang="en-US"/>
+              <a:t>问答</a:t>
+            </a:r>
+          </a:p>
+        </p:txBody>
+      </p:sp>
+    </p:spTree>
+    <p:custDataLst>
+      <p:tags r:id="rId1"/>
+    </p:custDataLst>
+  </p:cSld>
+  <p:clrMapOvr>
+    <a:masterClrMapping/>
+  </p:clrMapOvr>
+</p:sld>
+</file>
+
+<file path=ppt/slides/slide31.xml><?xml version="1.0" encoding="utf-8"?>
 <p:sld xmlns:a="http://schemas.openxmlformats.org/drawingml/2006/main" xmlns:r="http://schemas.openxmlformats.org/officeDocument/2006/relationships" xmlns:p="http://schemas.openxmlformats.org/presentationml/2006/main">
   <p:cSld>
     <p:spTree>
@@ -13303,6 +13888,15 @@
 </p:tagLst>
 </file>
 
+<file path=ppt/tags/tag100.xml><?xml version="1.0" encoding="utf-8"?>
+<p:tagLst xmlns:a="http://schemas.openxmlformats.org/drawingml/2006/main" xmlns:r="http://schemas.openxmlformats.org/officeDocument/2006/relationships" xmlns:p="http://schemas.openxmlformats.org/presentationml/2006/main">
+  <p:tag name="KSO_WM_BEAUTIFY_FLAG" val="#wm#"/>
+  <p:tag name="KSO_WM_TEMPLATE_CATEGORY" val="custom"/>
+  <p:tag name="KSO_WM_TEMPLATE_INDEX" val="20187308"/>
+  <p:tag name="KSO_WM_SPECIAL_SOURCE" val="bdnull"/>
+</p:tagLst>
+</file>
+
 <file path=ppt/tags/tag11.xml><?xml version="1.0" encoding="utf-8"?>
 <p:tagLst xmlns:a="http://schemas.openxmlformats.org/drawingml/2006/main" xmlns:r="http://schemas.openxmlformats.org/officeDocument/2006/relationships" xmlns:p="http://schemas.openxmlformats.org/presentationml/2006/main">
   <p:tag name="KSO_WM_UNIT_HIGHLIGHT" val="0"/>

--- a/lessons/3_derivation_3/ppt/全连接层的前向和后向传播推导（下）.pptx
+++ b/lessons/3_derivation_3/ppt/全连接层的前向和后向传播推导（下）.pptx
@@ -5,10 +5,10 @@
     <p:sldMasterId id="2147483648" r:id="rId1"/>
   </p:sldMasterIdLst>
   <p:notesMasterIdLst>
-    <p:notesMasterId r:id="rId33"/>
+    <p:notesMasterId r:id="rId35"/>
   </p:notesMasterIdLst>
   <p:handoutMasterIdLst>
-    <p:handoutMasterId r:id="rId34"/>
+    <p:handoutMasterId r:id="rId36"/>
   </p:handoutMasterIdLst>
   <p:sldIdLst>
     <p:sldId id="307" r:id="rId2"/>
@@ -16,37 +16,39 @@
     <p:sldId id="284" r:id="rId4"/>
     <p:sldId id="1004" r:id="rId5"/>
     <p:sldId id="1022" r:id="rId6"/>
-    <p:sldId id="1020" r:id="rId7"/>
-    <p:sldId id="1021" r:id="rId8"/>
-    <p:sldId id="1028" r:id="rId9"/>
+    <p:sldId id="1028" r:id="rId7"/>
+    <p:sldId id="1020" r:id="rId8"/>
+    <p:sldId id="1021" r:id="rId9"/>
     <p:sldId id="1001" r:id="rId10"/>
     <p:sldId id="1005" r:id="rId11"/>
-    <p:sldId id="1002" r:id="rId12"/>
-    <p:sldId id="1026" r:id="rId13"/>
-    <p:sldId id="1027" r:id="rId14"/>
-    <p:sldId id="1016" r:id="rId15"/>
-    <p:sldId id="1030" r:id="rId16"/>
-    <p:sldId id="1033" r:id="rId17"/>
-    <p:sldId id="1017" r:id="rId18"/>
-    <p:sldId id="1032" r:id="rId19"/>
-    <p:sldId id="1034" r:id="rId20"/>
-    <p:sldId id="1035" r:id="rId21"/>
-    <p:sldId id="1015" r:id="rId22"/>
-    <p:sldId id="1019" r:id="rId23"/>
-    <p:sldId id="1023" r:id="rId24"/>
-    <p:sldId id="1024" r:id="rId25"/>
-    <p:sldId id="537" r:id="rId26"/>
-    <p:sldId id="536" r:id="rId27"/>
-    <p:sldId id="1014" r:id="rId28"/>
-    <p:sldId id="1013" r:id="rId29"/>
-    <p:sldId id="997" r:id="rId30"/>
-    <p:sldId id="998" r:id="rId31"/>
-    <p:sldId id="653" r:id="rId32"/>
+    <p:sldId id="1036" r:id="rId12"/>
+    <p:sldId id="1037" r:id="rId13"/>
+    <p:sldId id="1038" r:id="rId14"/>
+    <p:sldId id="1039" r:id="rId15"/>
+    <p:sldId id="1040" r:id="rId16"/>
+    <p:sldId id="1041" r:id="rId17"/>
+    <p:sldId id="1030" r:id="rId18"/>
+    <p:sldId id="1033" r:id="rId19"/>
+    <p:sldId id="1017" r:id="rId20"/>
+    <p:sldId id="1032" r:id="rId21"/>
+    <p:sldId id="1034" r:id="rId22"/>
+    <p:sldId id="1035" r:id="rId23"/>
+    <p:sldId id="1015" r:id="rId24"/>
+    <p:sldId id="1019" r:id="rId25"/>
+    <p:sldId id="1023" r:id="rId26"/>
+    <p:sldId id="1024" r:id="rId27"/>
+    <p:sldId id="537" r:id="rId28"/>
+    <p:sldId id="536" r:id="rId29"/>
+    <p:sldId id="1014" r:id="rId30"/>
+    <p:sldId id="1013" r:id="rId31"/>
+    <p:sldId id="997" r:id="rId32"/>
+    <p:sldId id="998" r:id="rId33"/>
+    <p:sldId id="653" r:id="rId34"/>
   </p:sldIdLst>
   <p:sldSz cx="12192000" cy="6858000"/>
   <p:notesSz cx="6858000" cy="9144000"/>
   <p:custDataLst>
-    <p:tags r:id="rId35"/>
+    <p:tags r:id="rId37"/>
   </p:custDataLst>
   <p:defaultTextStyle>
     <a:defPPr>
@@ -6862,9 +6864,8 @@
             </a:pPr>
             <a:r>
               <a:rPr lang="zh-CN" altLang="en-US" dirty="0"/>
-              <a:t>如何将梯度向量化？</a:t>
-            </a:r>
-            <a:endParaRPr lang="en-US" altLang="zh-CN" dirty="0"/>
+              <a:t>梯度的数量太多，导致计算很臃肿，如何优化？</a:t>
+            </a:r>
           </a:p>
           <a:p>
             <a:pPr marL="285750" indent="-285750">
@@ -6873,9 +6874,18 @@
             </a:pPr>
             <a:r>
               <a:rPr lang="zh-CN" altLang="en-US" dirty="0"/>
-              <a:t>如何推广为计算全连接层的每层的梯度向量来实现训练？</a:t>
-            </a:r>
-            <a:endParaRPr lang="en-US" altLang="zh-CN" dirty="0"/>
+              <a:t>如果增加隐藏层中的神经元数量，是否会修改梯度计算的代码？</a:t>
+            </a:r>
+          </a:p>
+          <a:p>
+            <a:pPr marL="285750" indent="-285750">
+              <a:buFont typeface="Arial" panose="020B0604020202020204" pitchFamily="34" charset="0"/>
+              <a:buChar char="•"/>
+            </a:pPr>
+            <a:r>
+              <a:rPr lang="zh-CN" altLang="en-US" dirty="0"/>
+              <a:t>如何才能不修改代码，只调整参数即可？</a:t>
+            </a:r>
           </a:p>
           <a:p>
             <a:pPr marL="285750" indent="-285750">
@@ -6963,7 +6973,7 @@
         </p:blipFill>
         <p:spPr>
           <a:xfrm>
-            <a:off x="7242175" y="2569527"/>
+            <a:off x="7546975" y="2564765"/>
             <a:ext cx="4127500" cy="2667000"/>
           </a:xfrm>
           <a:prstGeom prst="rect">
@@ -6971,6 +6981,42 @@
           </a:prstGeom>
         </p:spPr>
       </p:pic>
+      <p:sp>
+        <p:nvSpPr>
+          <p:cNvPr id="5" name="文本框 4">
+            <a:extLst>
+              <a:ext uri="{FF2B5EF4-FFF2-40B4-BE49-F238E27FC236}">
+                <a16:creationId xmlns:a16="http://schemas.microsoft.com/office/drawing/2014/main" id="{3645E706-D32D-A5EE-C992-24998AD78440}"/>
+              </a:ext>
+            </a:extLst>
+          </p:cNvPr>
+          <p:cNvSpPr txBox="1"/>
+          <p:nvPr/>
+        </p:nvSpPr>
+        <p:spPr>
+          <a:xfrm>
+            <a:off x="5104563" y="4973934"/>
+            <a:ext cx="1569660" cy="369332"/>
+          </a:xfrm>
+          <a:prstGeom prst="rect">
+            <a:avLst/>
+          </a:prstGeom>
+          <a:noFill/>
+        </p:spPr>
+        <p:txBody>
+          <a:bodyPr wrap="none" rtlCol="0">
+            <a:spAutoFit/>
+          </a:bodyPr>
+          <a:lstStyle/>
+          <a:p>
+            <a:r>
+              <a:rPr lang="zh-CN" altLang="en-US" dirty="0"/>
+              <a:t>将梯度向量化</a:t>
+            </a:r>
+            <a:endParaRPr kumimoji="1" lang="zh-CN" altLang="en-US" dirty="0"/>
+          </a:p>
+        </p:txBody>
+      </p:sp>
     </p:spTree>
     <p:custDataLst>
       <p:tags r:id="rId1"/>
@@ -7005,15 +7051,10 @@
                             </p:stCondLst>
                             <p:childTnLst>
                               <p:par>
-                                <p:cTn id="5" presetID="1" presetClass="entr" presetSubtype="0" fill="hold" grpId="0" nodeType="clickEffect" nodePh="1">
+                                <p:cTn id="5" presetID="1" presetClass="entr" presetSubtype="0" fill="hold" grpId="0" nodeType="clickEffect">
                                   <p:stCondLst>
                                     <p:cond delay="0"/>
                                   </p:stCondLst>
-                                  <p:endCondLst>
-                                    <p:cond evt="begin" delay="0">
-                                      <p:tn val="5"/>
-                                    </p:cond>
-                                  </p:endCondLst>
                                   <p:childTnLst>
                                     <p:set>
                                       <p:cBhvr>
@@ -7023,11 +7064,297 @@
                                           </p:stCondLst>
                                         </p:cTn>
                                         <p:tgtEl>
-                                          <p:spTgt spid="2">
+                                          <p:spTgt spid="6"/>
+                                        </p:tgtEl>
+                                        <p:attrNameLst>
+                                          <p:attrName>style.visibility</p:attrName>
+                                        </p:attrNameLst>
+                                      </p:cBhvr>
+                                      <p:to>
+                                        <p:strVal val="visible"/>
+                                      </p:to>
+                                    </p:set>
+                                  </p:childTnLst>
+                                </p:cTn>
+                              </p:par>
+                            </p:childTnLst>
+                          </p:cTn>
+                        </p:par>
+                      </p:childTnLst>
+                    </p:cTn>
+                  </p:par>
+                  <p:par>
+                    <p:cTn id="7" fill="hold">
+                      <p:stCondLst>
+                        <p:cond delay="indefinite"/>
+                      </p:stCondLst>
+                      <p:childTnLst>
+                        <p:par>
+                          <p:cTn id="8" fill="hold">
+                            <p:stCondLst>
+                              <p:cond delay="0"/>
+                            </p:stCondLst>
+                            <p:childTnLst>
+                              <p:par>
+                                <p:cTn id="9" presetID="1" presetClass="entr" presetSubtype="0" fill="hold" nodeType="clickEffect">
+                                  <p:stCondLst>
+                                    <p:cond delay="0"/>
+                                  </p:stCondLst>
+                                  <p:childTnLst>
+                                    <p:set>
+                                      <p:cBhvr>
+                                        <p:cTn id="10" dur="1" fill="hold">
+                                          <p:stCondLst>
+                                            <p:cond delay="0"/>
+                                          </p:stCondLst>
+                                        </p:cTn>
+                                        <p:tgtEl>
+                                          <p:spTgt spid="6">
                                             <p:txEl>
-                                              <p:pRg st="0" end="0"/>
+                                              <p:pRg st="1" end="1"/>
                                             </p:txEl>
                                           </p:spTgt>
+                                        </p:tgtEl>
+                                        <p:attrNameLst>
+                                          <p:attrName>style.visibility</p:attrName>
+                                        </p:attrNameLst>
+                                      </p:cBhvr>
+                                      <p:to>
+                                        <p:strVal val="visible"/>
+                                      </p:to>
+                                    </p:set>
+                                  </p:childTnLst>
+                                </p:cTn>
+                              </p:par>
+                            </p:childTnLst>
+                          </p:cTn>
+                        </p:par>
+                      </p:childTnLst>
+                    </p:cTn>
+                  </p:par>
+                  <p:par>
+                    <p:cTn id="11" fill="hold">
+                      <p:stCondLst>
+                        <p:cond delay="indefinite"/>
+                      </p:stCondLst>
+                      <p:childTnLst>
+                        <p:par>
+                          <p:cTn id="12" fill="hold">
+                            <p:stCondLst>
+                              <p:cond delay="0"/>
+                            </p:stCondLst>
+                            <p:childTnLst>
+                              <p:par>
+                                <p:cTn id="13" presetID="1" presetClass="entr" presetSubtype="0" fill="hold" nodeType="clickEffect">
+                                  <p:stCondLst>
+                                    <p:cond delay="0"/>
+                                  </p:stCondLst>
+                                  <p:childTnLst>
+                                    <p:set>
+                                      <p:cBhvr>
+                                        <p:cTn id="14" dur="1" fill="hold">
+                                          <p:stCondLst>
+                                            <p:cond delay="0"/>
+                                          </p:stCondLst>
+                                        </p:cTn>
+                                        <p:tgtEl>
+                                          <p:spTgt spid="6">
+                                            <p:txEl>
+                                              <p:pRg st="2" end="2"/>
+                                            </p:txEl>
+                                          </p:spTgt>
+                                        </p:tgtEl>
+                                        <p:attrNameLst>
+                                          <p:attrName>style.visibility</p:attrName>
+                                        </p:attrNameLst>
+                                      </p:cBhvr>
+                                      <p:to>
+                                        <p:strVal val="visible"/>
+                                      </p:to>
+                                    </p:set>
+                                  </p:childTnLst>
+                                </p:cTn>
+                              </p:par>
+                            </p:childTnLst>
+                          </p:cTn>
+                        </p:par>
+                      </p:childTnLst>
+                    </p:cTn>
+                  </p:par>
+                  <p:par>
+                    <p:cTn id="15" fill="hold">
+                      <p:stCondLst>
+                        <p:cond delay="indefinite"/>
+                      </p:stCondLst>
+                      <p:childTnLst>
+                        <p:par>
+                          <p:cTn id="16" fill="hold">
+                            <p:stCondLst>
+                              <p:cond delay="0"/>
+                            </p:stCondLst>
+                            <p:childTnLst>
+                              <p:par>
+                                <p:cTn id="17" presetID="1" presetClass="entr" presetSubtype="0" fill="hold" nodeType="clickEffect">
+                                  <p:stCondLst>
+                                    <p:cond delay="0"/>
+                                  </p:stCondLst>
+                                  <p:childTnLst>
+                                    <p:set>
+                                      <p:cBhvr>
+                                        <p:cTn id="18" dur="1" fill="hold">
+                                          <p:stCondLst>
+                                            <p:cond delay="0"/>
+                                          </p:stCondLst>
+                                        </p:cTn>
+                                        <p:tgtEl>
+                                          <p:spTgt spid="6">
+                                            <p:txEl>
+                                              <p:pRg st="3" end="3"/>
+                                            </p:txEl>
+                                          </p:spTgt>
+                                        </p:tgtEl>
+                                        <p:attrNameLst>
+                                          <p:attrName>style.visibility</p:attrName>
+                                        </p:attrNameLst>
+                                      </p:cBhvr>
+                                      <p:to>
+                                        <p:strVal val="visible"/>
+                                      </p:to>
+                                    </p:set>
+                                  </p:childTnLst>
+                                </p:cTn>
+                              </p:par>
+                            </p:childTnLst>
+                          </p:cTn>
+                        </p:par>
+                      </p:childTnLst>
+                    </p:cTn>
+                  </p:par>
+                  <p:par>
+                    <p:cTn id="19" fill="hold">
+                      <p:stCondLst>
+                        <p:cond delay="indefinite"/>
+                      </p:stCondLst>
+                      <p:childTnLst>
+                        <p:par>
+                          <p:cTn id="20" fill="hold">
+                            <p:stCondLst>
+                              <p:cond delay="0"/>
+                            </p:stCondLst>
+                            <p:childTnLst>
+                              <p:par>
+                                <p:cTn id="21" presetID="1" presetClass="entr" presetSubtype="0" fill="hold" nodeType="clickEffect">
+                                  <p:stCondLst>
+                                    <p:cond delay="0"/>
+                                  </p:stCondLst>
+                                  <p:childTnLst>
+                                    <p:set>
+                                      <p:cBhvr>
+                                        <p:cTn id="22" dur="1" fill="hold">
+                                          <p:stCondLst>
+                                            <p:cond delay="0"/>
+                                          </p:stCondLst>
+                                        </p:cTn>
+                                        <p:tgtEl>
+                                          <p:spTgt spid="6">
+                                            <p:txEl>
+                                              <p:pRg st="4" end="4"/>
+                                            </p:txEl>
+                                          </p:spTgt>
+                                        </p:tgtEl>
+                                        <p:attrNameLst>
+                                          <p:attrName>style.visibility</p:attrName>
+                                        </p:attrNameLst>
+                                      </p:cBhvr>
+                                      <p:to>
+                                        <p:strVal val="visible"/>
+                                      </p:to>
+                                    </p:set>
+                                  </p:childTnLst>
+                                </p:cTn>
+                              </p:par>
+                            </p:childTnLst>
+                          </p:cTn>
+                        </p:par>
+                      </p:childTnLst>
+                    </p:cTn>
+                  </p:par>
+                  <p:par>
+                    <p:cTn id="23" fill="hold">
+                      <p:stCondLst>
+                        <p:cond delay="indefinite"/>
+                      </p:stCondLst>
+                      <p:childTnLst>
+                        <p:par>
+                          <p:cTn id="24" fill="hold">
+                            <p:stCondLst>
+                              <p:cond delay="0"/>
+                            </p:stCondLst>
+                            <p:childTnLst>
+                              <p:par>
+                                <p:cTn id="25" presetID="1" presetClass="entr" presetSubtype="0" fill="hold" nodeType="clickEffect">
+                                  <p:stCondLst>
+                                    <p:cond delay="0"/>
+                                  </p:stCondLst>
+                                  <p:childTnLst>
+                                    <p:set>
+                                      <p:cBhvr>
+                                        <p:cTn id="26" dur="1" fill="hold">
+                                          <p:stCondLst>
+                                            <p:cond delay="0"/>
+                                          </p:stCondLst>
+                                        </p:cTn>
+                                        <p:tgtEl>
+                                          <p:spTgt spid="6">
+                                            <p:txEl>
+                                              <p:pRg st="5" end="5"/>
+                                            </p:txEl>
+                                          </p:spTgt>
+                                        </p:tgtEl>
+                                        <p:attrNameLst>
+                                          <p:attrName>style.visibility</p:attrName>
+                                        </p:attrNameLst>
+                                      </p:cBhvr>
+                                      <p:to>
+                                        <p:strVal val="visible"/>
+                                      </p:to>
+                                    </p:set>
+                                  </p:childTnLst>
+                                </p:cTn>
+                              </p:par>
+                            </p:childTnLst>
+                          </p:cTn>
+                        </p:par>
+                      </p:childTnLst>
+                    </p:cTn>
+                  </p:par>
+                  <p:par>
+                    <p:cTn id="27" fill="hold">
+                      <p:stCondLst>
+                        <p:cond delay="indefinite"/>
+                      </p:stCondLst>
+                      <p:childTnLst>
+                        <p:par>
+                          <p:cTn id="28" fill="hold">
+                            <p:stCondLst>
+                              <p:cond delay="0"/>
+                            </p:stCondLst>
+                            <p:childTnLst>
+                              <p:par>
+                                <p:cTn id="29" presetID="1" presetClass="entr" presetSubtype="0" fill="hold" grpId="0" nodeType="clickEffect">
+                                  <p:stCondLst>
+                                    <p:cond delay="0"/>
+                                  </p:stCondLst>
+                                  <p:childTnLst>
+                                    <p:set>
+                                      <p:cBhvr>
+                                        <p:cTn id="30" dur="1" fill="hold">
+                                          <p:stCondLst>
+                                            <p:cond delay="0"/>
+                                          </p:stCondLst>
+                                        </p:cTn>
+                                        <p:tgtEl>
+                                          <p:spTgt spid="5"/>
                                         </p:tgtEl>
                                         <p:attrNameLst>
                                           <p:attrName>style.visibility</p:attrName>
@@ -7068,7 +7395,8 @@
       </p:par>
     </p:tnLst>
     <p:bldLst>
-      <p:bldP spid="2" grpId="0" build="p"/>
+      <p:bldP spid="6" grpId="0"/>
+      <p:bldP spid="5" grpId="0"/>
     </p:bldLst>
   </p:timing>
 </p:sld>
@@ -7091,225 +7419,67 @@
           <a:chExt cx="0" cy="0"/>
         </a:xfrm>
       </p:grpSpPr>
-      <mc:AlternateContent xmlns:mc="http://schemas.openxmlformats.org/markup-compatibility/2006" xmlns:a14="http://schemas.microsoft.com/office/drawing/2010/main">
-        <mc:Choice Requires="a14">
-          <p:sp>
-            <p:nvSpPr>
-              <p:cNvPr id="2" name="文本占位符 1"/>
-              <p:cNvSpPr>
-                <a:spLocks noGrp="1"/>
-              </p:cNvSpPr>
-              <p:nvPr>
-                <p:ph type="body" idx="1"/>
-              </p:nvPr>
-            </p:nvSpPr>
-            <p:spPr/>
-            <p:txBody>
-              <a:bodyPr/>
-              <a:lstStyle/>
-              <a:p>
-                <a:pPr marL="285750" indent="-285750">
-                  <a:buFont typeface="Arial" panose="020B0604020202020204" pitchFamily="34" charset="0"/>
-                  <a:buChar char="•"/>
-                </a:pPr>
-                <a:r>
-                  <a:rPr lang="zh-CN" altLang="en-US" dirty="0"/>
-                  <a:t>输出层的梯度下降公式是什么？</a:t>
-                </a:r>
-                <a:endParaRPr lang="en-US" altLang="zh-CN" dirty="0"/>
-              </a:p>
-              <a:p>
-                <a:pPr marL="285750" indent="-285750">
-                  <a:buFont typeface="Arial" panose="020B0604020202020204" pitchFamily="34" charset="0"/>
-                  <a:buChar char="•"/>
-                </a:pPr>
-                <a:endParaRPr lang="en-US" altLang="zh-CN" dirty="0"/>
-              </a:p>
-              <a:p>
-                <a:pPr marL="285750" indent="-285750">
-                  <a:buFont typeface="Arial" panose="020B0604020202020204" pitchFamily="34" charset="0"/>
-                  <a:buChar char="•"/>
-                </a:pPr>
-                <a:endParaRPr lang="en-US" altLang="zh-CN" dirty="0"/>
-              </a:p>
-              <a:p>
-                <a:pPr marL="285750" indent="-285750">
-                  <a:buFont typeface="Arial" panose="020B0604020202020204" pitchFamily="34" charset="0"/>
-                  <a:buChar char="•"/>
-                </a:pPr>
-                <a:endParaRPr lang="en-US" altLang="zh-CN" dirty="0"/>
-              </a:p>
-              <a:p>
-                <a:pPr marL="285750" indent="-285750">
-                  <a:buFont typeface="Arial" panose="020B0604020202020204" pitchFamily="34" charset="0"/>
-                  <a:buChar char="•"/>
-                </a:pPr>
-                <a:endParaRPr lang="en-US" altLang="zh-CN" dirty="0"/>
-              </a:p>
-              <a:p>
-                <a:pPr marL="285750" indent="-285750">
-                  <a:buFont typeface="Arial" panose="020B0604020202020204" pitchFamily="34" charset="0"/>
-                  <a:buChar char="•"/>
-                </a:pPr>
-                <a:r>
-                  <a:rPr lang="zh-CN" altLang="en-US" dirty="0"/>
-                  <a:t>如何求</a:t>
-                </a:r>
-                <a14:m>
-                  <m:oMath xmlns:m="http://schemas.openxmlformats.org/officeDocument/2006/math">
-                    <m:f>
-                      <m:fPr>
-                        <m:ctrlPr>
-                          <a:rPr lang="en-US" altLang="zh-CN" i="1">
-                            <a:latin typeface="Cambria Math" panose="02040503050406030204" pitchFamily="18" charset="0"/>
-                          </a:rPr>
-                        </m:ctrlPr>
-                      </m:fPr>
-                      <m:num>
-                        <m:r>
-                          <a:rPr lang="en-US" altLang="zh-CN" i="1">
-                            <a:latin typeface="Cambria Math" panose="02040503050406030204" pitchFamily="18" charset="0"/>
-                          </a:rPr>
-                          <m:t>𝑑𝐸</m:t>
-                        </m:r>
-                      </m:num>
-                      <m:den>
-                        <m:r>
-                          <a:rPr lang="en-US" altLang="zh-CN" i="1">
-                            <a:latin typeface="Cambria Math" panose="02040503050406030204" pitchFamily="18" charset="0"/>
-                          </a:rPr>
-                          <m:t>𝑑</m:t>
-                        </m:r>
-                        <m:sSub>
-                          <m:sSubPr>
-                            <m:ctrlPr>
-                              <a:rPr lang="en-US" altLang="zh-CN" i="1">
-                                <a:latin typeface="Cambria Math" panose="02040503050406030204" pitchFamily="18" charset="0"/>
-                              </a:rPr>
-                            </m:ctrlPr>
-                          </m:sSubPr>
-                          <m:e>
-                            <m:r>
-                              <a:rPr lang="en-US" altLang="zh-CN" i="1">
-                                <a:latin typeface="Cambria Math" panose="02040503050406030204" pitchFamily="18" charset="0"/>
-                              </a:rPr>
-                              <m:t>𝑤</m:t>
-                            </m:r>
-                          </m:e>
-                          <m:sub>
-                            <m:r>
-                              <a:rPr lang="en-US" altLang="zh-CN" b="0" i="1" smtClean="0">
-                                <a:latin typeface="Cambria Math" panose="02040503050406030204" pitchFamily="18" charset="0"/>
-                              </a:rPr>
-                              <m:t>53</m:t>
-                            </m:r>
-                          </m:sub>
-                        </m:sSub>
-                      </m:den>
-                    </m:f>
-                  </m:oMath>
-                </a14:m>
-                <a:r>
-                  <a:rPr lang="zh-CN" altLang="en-US" dirty="0"/>
-                  <a:t>？</a:t>
-                </a:r>
-              </a:p>
-              <a:p>
-                <a:pPr marL="285750" indent="-285750">
-                  <a:buFont typeface="Arial" panose="020B0604020202020204" pitchFamily="34" charset="0"/>
-                  <a:buChar char="•"/>
-                </a:pPr>
-                <a:r>
-                  <a:rPr lang="zh-CN" altLang="en-US" dirty="0"/>
-                  <a:t>如何去掉激活函数</a:t>
-                </a:r>
-                <a:r>
-                  <a:rPr lang="en-US" altLang="zh-CN" dirty="0"/>
-                  <a:t>?</a:t>
-                </a:r>
-              </a:p>
-              <a:p>
-                <a:pPr marL="285750" indent="-285750">
-                  <a:buFont typeface="Arial" panose="020B0604020202020204" pitchFamily="34" charset="0"/>
-                  <a:buChar char="•"/>
-                </a:pPr>
-                <a:endParaRPr lang="en-US" altLang="zh-CN" dirty="0"/>
-              </a:p>
-              <a:p>
-                <a:pPr marL="285750" indent="-285750">
-                  <a:buFont typeface="Arial" panose="020B0604020202020204" pitchFamily="34" charset="0"/>
-                  <a:buChar char="•"/>
-                </a:pPr>
-                <a:endParaRPr lang="en-US" altLang="zh-CN" dirty="0"/>
-              </a:p>
-              <a:p>
-                <a:pPr marL="285750" indent="-285750">
-                  <a:buFont typeface="Arial" panose="020B0604020202020204" pitchFamily="34" charset="0"/>
-                  <a:buChar char="•"/>
-                </a:pPr>
-                <a:r>
-                  <a:rPr lang="zh-CN" altLang="en-US" dirty="0"/>
-                  <a:t>自学、展学</a:t>
-                </a:r>
-              </a:p>
-              <a:p>
-                <a:pPr marL="285750" indent="-285750">
-                  <a:buFont typeface="Arial" panose="020B0604020202020204" pitchFamily="34" charset="0"/>
-                  <a:buChar char="•"/>
-                </a:pPr>
-                <a:endParaRPr lang="en-US" altLang="zh-CN" dirty="0"/>
-              </a:p>
-              <a:p>
-                <a:pPr marL="285750" indent="-285750">
-                  <a:buFont typeface="Arial" panose="020B0604020202020204" pitchFamily="34" charset="0"/>
-                  <a:buChar char="•"/>
-                </a:pPr>
-                <a:endParaRPr lang="en-US" altLang="zh-CN" dirty="0"/>
-              </a:p>
-              <a:p>
-                <a:pPr marL="285750" indent="-285750">
-                  <a:buFont typeface="Arial" panose="020B0604020202020204" pitchFamily="34" charset="0"/>
-                  <a:buChar char="•"/>
-                </a:pPr>
-                <a:endParaRPr lang="en-US" altLang="zh-CN" dirty="0"/>
-              </a:p>
-            </p:txBody>
-          </p:sp>
-        </mc:Choice>
-        <mc:Fallback xmlns="">
-          <p:sp>
-            <p:nvSpPr>
-              <p:cNvPr id="2" name="文本占位符 1"/>
-              <p:cNvSpPr>
-                <a:spLocks noGrp="1" noRot="1" noChangeAspect="1" noMove="1" noResize="1" noEditPoints="1" noAdjustHandles="1" noChangeArrowheads="1" noChangeShapeType="1" noTextEdit="1"/>
-              </p:cNvSpPr>
-              <p:nvPr>
-                <p:ph type="body" idx="1"/>
-              </p:nvPr>
-            </p:nvSpPr>
-            <p:spPr>
-              <a:blipFill>
-                <a:blip r:embed="rId3"/>
-                <a:stretch>
-                  <a:fillRect/>
-                </a:stretch>
-              </a:blipFill>
-            </p:spPr>
-            <p:txBody>
-              <a:bodyPr/>
-              <a:lstStyle/>
-              <a:p>
-                <a:r>
-                  <a:rPr lang="zh-CN" altLang="en-US">
-                    <a:noFill/>
-                  </a:rPr>
-                  <a:t> </a:t>
-                </a:r>
-              </a:p>
-            </p:txBody>
-          </p:sp>
-        </mc:Fallback>
-      </mc:AlternateContent>
+      <p:sp>
+        <p:nvSpPr>
+          <p:cNvPr id="2" name="文本占位符 1"/>
+          <p:cNvSpPr>
+            <a:spLocks noGrp="1"/>
+          </p:cNvSpPr>
+          <p:nvPr>
+            <p:ph type="body" idx="1"/>
+          </p:nvPr>
+        </p:nvSpPr>
+        <p:spPr/>
+        <p:txBody>
+          <a:bodyPr/>
+          <a:lstStyle/>
+          <a:p>
+            <a:pPr marL="285750" indent="-285750">
+              <a:buFont typeface="Arial" panose="020B0604020202020204" pitchFamily="34" charset="0"/>
+              <a:buChar char="•"/>
+            </a:pPr>
+            <a:endParaRPr lang="en-US" altLang="zh-CN" dirty="0"/>
+          </a:p>
+          <a:p>
+            <a:pPr marL="285750" indent="-285750">
+              <a:buFont typeface="Arial" panose="020B0604020202020204" pitchFamily="34" charset="0"/>
+              <a:buChar char="•"/>
+            </a:pPr>
+            <a:endParaRPr lang="en-US" altLang="zh-CN" dirty="0"/>
+          </a:p>
+          <a:p>
+            <a:pPr marL="285750" indent="-285750">
+              <a:buFont typeface="Arial" panose="020B0604020202020204" pitchFamily="34" charset="0"/>
+              <a:buChar char="•"/>
+            </a:pPr>
+            <a:endParaRPr lang="en-US" altLang="zh-CN" dirty="0"/>
+          </a:p>
+          <a:p>
+            <a:pPr marL="285750" indent="-285750">
+              <a:buFont typeface="Arial" panose="020B0604020202020204" pitchFamily="34" charset="0"/>
+              <a:buChar char="•"/>
+            </a:pPr>
+            <a:endParaRPr lang="en-US" altLang="zh-CN" dirty="0"/>
+          </a:p>
+          <a:p>
+            <a:pPr marL="285750" indent="-285750">
+              <a:buFont typeface="Arial" panose="020B0604020202020204" pitchFamily="34" charset="0"/>
+              <a:buChar char="•"/>
+            </a:pPr>
+            <a:endParaRPr lang="en-US" altLang="zh-CN" dirty="0"/>
+          </a:p>
+          <a:p>
+            <a:pPr marL="285750" indent="-285750">
+              <a:buFont typeface="Arial" panose="020B0604020202020204" pitchFamily="34" charset="0"/>
+              <a:buChar char="•"/>
+            </a:pPr>
+            <a:endParaRPr lang="en-US" altLang="zh-CN" dirty="0"/>
+          </a:p>
+          <a:p>
+            <a:endParaRPr lang="en-US" altLang="zh-CN" dirty="0"/>
+          </a:p>
+        </p:txBody>
+      </p:sp>
       <p:sp>
         <p:nvSpPr>
           <p:cNvPr id="3" name="标题 2"/>
@@ -7326,133 +7496,787 @@
           <a:lstStyle/>
           <a:p>
             <a:r>
+              <a:rPr lang="zh-CN" altLang="en-US" dirty="0"/>
+              <a:t>为什么要</a:t>
+            </a:r>
+            <a:r>
               <a:rPr lang="zh-CN" altLang="en-US" dirty="0">
                 <a:sym typeface="+mn-ea"/>
               </a:rPr>
-              <a:t>主问题：如何推导</a:t>
+              <a:t>推导</a:t>
             </a:r>
             <a:r>
               <a:rPr lang="zh-CN" altLang="en-US" dirty="0"/>
               <a:t>全连接层的后向传播？</a:t>
             </a:r>
+            <a:endParaRPr dirty="0">
+              <a:sym typeface="+mn-ea"/>
+            </a:endParaRPr>
           </a:p>
         </p:txBody>
       </p:sp>
-      <p:pic>
-        <p:nvPicPr>
-          <p:cNvPr id="9" name="图片 8">
+      <p:sp>
+        <p:nvSpPr>
+          <p:cNvPr id="6" name="文本占位符 1">
             <a:extLst>
               <a:ext uri="{FF2B5EF4-FFF2-40B4-BE49-F238E27FC236}">
-                <a16:creationId xmlns:a16="http://schemas.microsoft.com/office/drawing/2014/main" id="{F98C3358-A1EA-9B40-3A0D-C7EB3CC55847}"/>
+                <a16:creationId xmlns:a16="http://schemas.microsoft.com/office/drawing/2014/main" id="{BA88068A-4FDC-6963-46A5-ADEC46CDA15E}"/>
               </a:ext>
             </a:extLst>
           </p:cNvPr>
-          <p:cNvPicPr>
-            <a:picLocks noChangeAspect="1"/>
-          </p:cNvPicPr>
+          <p:cNvSpPr txBox="1">
+            <a:spLocks/>
+          </p:cNvSpPr>
           <p:nvPr/>
-        </p:nvPicPr>
-        <p:blipFill>
-          <a:blip r:embed="rId4">
+        </p:nvSpPr>
+        <p:spPr>
+          <a:xfrm>
+            <a:off x="822325" y="1778635"/>
+            <a:ext cx="10852150" cy="4553585"/>
+          </a:xfrm>
+        </p:spPr>
+        <p:txBody>
+          <a:bodyPr lIns="101600" tIns="38100" rIns="76200" bIns="38100">
+            <a:noAutofit/>
+          </a:bodyPr>
+          <a:lstStyle>
+            <a:lvl1pPr marL="0" indent="0" algn="l" defTabSz="914400" rtl="0" eaLnBrk="1" fontAlgn="auto" latinLnBrk="0" hangingPunct="1">
+              <a:lnSpc>
+                <a:spcPct val="130000"/>
+              </a:lnSpc>
+              <a:spcBef>
+                <a:spcPts val="0"/>
+              </a:spcBef>
+              <a:spcAft>
+                <a:spcPts val="1000"/>
+              </a:spcAft>
+              <a:buFont typeface="Arial" panose="020B0604020202020204" pitchFamily="34" charset="0"/>
+              <a:buNone/>
+              <a:defRPr kumimoji="0" lang="zh-CN" altLang="en-US" sz="1600" b="0" i="0" u="none" strike="noStrike" kern="1200" cap="none" spc="150" normalizeH="0" baseline="0" noProof="1">
+                <a:solidFill>
+                  <a:schemeClr val="tx1"/>
+                </a:solidFill>
+                <a:uFillTx/>
+                <a:latin typeface="+mn-lt"/>
+                <a:ea typeface="+mn-ea"/>
+                <a:cs typeface="+mn-cs"/>
+                <a:sym typeface="+mn-ea"/>
+              </a:defRPr>
+            </a:lvl1pPr>
+            <a:lvl2pPr marL="457200" indent="0" algn="l" defTabSz="914400" rtl="0" eaLnBrk="1" fontAlgn="auto" latinLnBrk="0" hangingPunct="1">
+              <a:lnSpc>
+                <a:spcPct val="130000"/>
+              </a:lnSpc>
+              <a:spcBef>
+                <a:spcPts val="0"/>
+              </a:spcBef>
+              <a:spcAft>
+                <a:spcPts val="1000"/>
+              </a:spcAft>
+              <a:buFont typeface="Arial" panose="020B0604020202020204" pitchFamily="34" charset="0"/>
+              <a:buNone/>
+              <a:tabLst>
+                <a:tab pos="1609725" algn="l"/>
+              </a:tabLst>
+              <a:defRPr sz="2000" u="none" strike="noStrike" kern="1200" cap="none" spc="150" normalizeH="0" baseline="0">
+                <a:solidFill>
+                  <a:schemeClr val="tx1">
+                    <a:tint val="75000"/>
+                  </a:schemeClr>
+                </a:solidFill>
+                <a:uFillTx/>
+                <a:latin typeface="+mn-lt"/>
+                <a:ea typeface="+mn-ea"/>
+                <a:cs typeface="+mn-cs"/>
+              </a:defRPr>
+            </a:lvl2pPr>
+            <a:lvl3pPr marL="914400" indent="0" algn="l" defTabSz="914400" rtl="0" eaLnBrk="1" fontAlgn="auto" latinLnBrk="0" hangingPunct="1">
+              <a:lnSpc>
+                <a:spcPct val="130000"/>
+              </a:lnSpc>
+              <a:spcBef>
+                <a:spcPts val="0"/>
+              </a:spcBef>
+              <a:spcAft>
+                <a:spcPts val="1000"/>
+              </a:spcAft>
+              <a:buFont typeface="Arial" panose="020B0604020202020204" pitchFamily="34" charset="0"/>
+              <a:buNone/>
+              <a:defRPr sz="1800" u="none" strike="noStrike" kern="1200" cap="none" spc="150" normalizeH="0" baseline="0">
+                <a:solidFill>
+                  <a:schemeClr val="tx1">
+                    <a:tint val="75000"/>
+                  </a:schemeClr>
+                </a:solidFill>
+                <a:uFillTx/>
+                <a:latin typeface="+mn-lt"/>
+                <a:ea typeface="+mn-ea"/>
+                <a:cs typeface="+mn-cs"/>
+              </a:defRPr>
+            </a:lvl3pPr>
+            <a:lvl4pPr marL="1371600" indent="0" algn="l" defTabSz="914400" rtl="0" eaLnBrk="1" fontAlgn="auto" latinLnBrk="0" hangingPunct="1">
+              <a:lnSpc>
+                <a:spcPct val="130000"/>
+              </a:lnSpc>
+              <a:spcBef>
+                <a:spcPts val="0"/>
+              </a:spcBef>
+              <a:spcAft>
+                <a:spcPts val="1000"/>
+              </a:spcAft>
+              <a:buFont typeface="Arial" panose="020B0604020202020204" pitchFamily="34" charset="0"/>
+              <a:buNone/>
+              <a:defRPr sz="1600" u="none" strike="noStrike" kern="1200" cap="none" spc="150" normalizeH="0" baseline="0">
+                <a:solidFill>
+                  <a:schemeClr val="tx1">
+                    <a:tint val="75000"/>
+                  </a:schemeClr>
+                </a:solidFill>
+                <a:uFillTx/>
+                <a:latin typeface="+mn-lt"/>
+                <a:ea typeface="+mn-ea"/>
+                <a:cs typeface="+mn-cs"/>
+              </a:defRPr>
+            </a:lvl4pPr>
+            <a:lvl5pPr marL="1828800" indent="0" algn="l" defTabSz="914400" rtl="0" eaLnBrk="1" fontAlgn="auto" latinLnBrk="0" hangingPunct="1">
+              <a:lnSpc>
+                <a:spcPct val="130000"/>
+              </a:lnSpc>
+              <a:spcBef>
+                <a:spcPts val="0"/>
+              </a:spcBef>
+              <a:spcAft>
+                <a:spcPts val="1000"/>
+              </a:spcAft>
+              <a:buFont typeface="Arial" panose="020B0604020202020204" pitchFamily="34" charset="0"/>
+              <a:buNone/>
+              <a:defRPr sz="1600" u="none" strike="noStrike" kern="1200" cap="none" spc="150" normalizeH="0" baseline="0">
+                <a:solidFill>
+                  <a:schemeClr val="tx1">
+                    <a:tint val="75000"/>
+                  </a:schemeClr>
+                </a:solidFill>
+                <a:uFillTx/>
+                <a:latin typeface="+mn-lt"/>
+                <a:ea typeface="+mn-ea"/>
+                <a:cs typeface="+mn-cs"/>
+              </a:defRPr>
+            </a:lvl5pPr>
+            <a:lvl6pPr marL="2286000" indent="0" algn="l" defTabSz="914400" rtl="0" eaLnBrk="1" latinLnBrk="0" hangingPunct="1">
+              <a:lnSpc>
+                <a:spcPct val="90000"/>
+              </a:lnSpc>
+              <a:spcBef>
+                <a:spcPts val="500"/>
+              </a:spcBef>
+              <a:buFont typeface="Arial" panose="020B0604020202020204" pitchFamily="34" charset="0"/>
+              <a:buNone/>
+              <a:defRPr sz="1600" kern="1200">
+                <a:solidFill>
+                  <a:schemeClr val="tx1">
+                    <a:tint val="75000"/>
+                  </a:schemeClr>
+                </a:solidFill>
+                <a:latin typeface="+mn-lt"/>
+                <a:ea typeface="+mn-ea"/>
+                <a:cs typeface="+mn-cs"/>
+              </a:defRPr>
+            </a:lvl6pPr>
+            <a:lvl7pPr marL="2743200" indent="0" algn="l" defTabSz="914400" rtl="0" eaLnBrk="1" latinLnBrk="0" hangingPunct="1">
+              <a:lnSpc>
+                <a:spcPct val="90000"/>
+              </a:lnSpc>
+              <a:spcBef>
+                <a:spcPts val="500"/>
+              </a:spcBef>
+              <a:buFont typeface="Arial" panose="020B0604020202020204" pitchFamily="34" charset="0"/>
+              <a:buNone/>
+              <a:defRPr sz="1600" kern="1200">
+                <a:solidFill>
+                  <a:schemeClr val="tx1">
+                    <a:tint val="75000"/>
+                  </a:schemeClr>
+                </a:solidFill>
+                <a:latin typeface="+mn-lt"/>
+                <a:ea typeface="+mn-ea"/>
+                <a:cs typeface="+mn-cs"/>
+              </a:defRPr>
+            </a:lvl7pPr>
+            <a:lvl8pPr marL="3200400" indent="0" algn="l" defTabSz="914400" rtl="0" eaLnBrk="1" latinLnBrk="0" hangingPunct="1">
+              <a:lnSpc>
+                <a:spcPct val="90000"/>
+              </a:lnSpc>
+              <a:spcBef>
+                <a:spcPts val="500"/>
+              </a:spcBef>
+              <a:buFont typeface="Arial" panose="020B0604020202020204" pitchFamily="34" charset="0"/>
+              <a:buNone/>
+              <a:defRPr sz="1600" kern="1200">
+                <a:solidFill>
+                  <a:schemeClr val="tx1">
+                    <a:tint val="75000"/>
+                  </a:schemeClr>
+                </a:solidFill>
+                <a:latin typeface="+mn-lt"/>
+                <a:ea typeface="+mn-ea"/>
+                <a:cs typeface="+mn-cs"/>
+              </a:defRPr>
+            </a:lvl8pPr>
+            <a:lvl9pPr marL="3657600" indent="0" algn="l" defTabSz="914400" rtl="0" eaLnBrk="1" latinLnBrk="0" hangingPunct="1">
+              <a:lnSpc>
+                <a:spcPct val="90000"/>
+              </a:lnSpc>
+              <a:spcBef>
+                <a:spcPts val="500"/>
+              </a:spcBef>
+              <a:buFont typeface="Arial" panose="020B0604020202020204" pitchFamily="34" charset="0"/>
+              <a:buNone/>
+              <a:defRPr sz="1600" kern="1200">
+                <a:solidFill>
+                  <a:schemeClr val="tx1">
+                    <a:tint val="75000"/>
+                  </a:schemeClr>
+                </a:solidFill>
+                <a:latin typeface="+mn-lt"/>
+                <a:ea typeface="+mn-ea"/>
+                <a:cs typeface="+mn-cs"/>
+              </a:defRPr>
+            </a:lvl9pPr>
+          </a:lstStyle>
+          <a:p>
+            <a:pPr marL="285750" indent="-285750">
+              <a:buFont typeface="Arial" panose="020B0604020202020204" pitchFamily="34" charset="0"/>
+              <a:buChar char="•"/>
+            </a:pPr>
+            <a:r>
+              <a:rPr lang="zh-CN" altLang="en-US" dirty="0"/>
+              <a:t>回顾计算梯度的代码，有哪些是重复的计算？</a:t>
+            </a:r>
+          </a:p>
+          <a:p>
+            <a:pPr marL="285750" indent="-285750">
+              <a:buFont typeface="Arial" panose="020B0604020202020204" pitchFamily="34" charset="0"/>
+              <a:buChar char="•"/>
+            </a:pPr>
+            <a:r>
+              <a:rPr lang="zh-CN" altLang="en-US" dirty="0"/>
+              <a:t>能否在梯度向量化公式中，将重复计算提出来？</a:t>
+            </a:r>
+            <a:endParaRPr lang="en-US" altLang="zh-CN" dirty="0"/>
+          </a:p>
+          <a:p>
+            <a:pPr marL="285750" indent="-285750">
+              <a:buFont typeface="Arial" panose="020B0604020202020204" pitchFamily="34" charset="0"/>
+              <a:buChar char="•"/>
+            </a:pPr>
+            <a:endParaRPr lang="zh-CN" altLang="en-US" dirty="0"/>
+          </a:p>
+          <a:p>
+            <a:pPr marL="285750" indent="-285750">
+              <a:buFont typeface="Arial" panose="020B0604020202020204" pitchFamily="34" charset="0"/>
+              <a:buChar char="•"/>
+            </a:pPr>
+            <a:endParaRPr lang="zh-CN" altLang="en-US" dirty="0"/>
+          </a:p>
+          <a:p>
+            <a:pPr marL="285750" indent="-285750">
+              <a:buFont typeface="Arial" panose="020B0604020202020204" pitchFamily="34" charset="0"/>
+              <a:buChar char="•"/>
+            </a:pPr>
+            <a:endParaRPr lang="zh-CN" altLang="en-US" dirty="0"/>
+          </a:p>
+          <a:p>
+            <a:pPr marL="285750" indent="-285750">
+              <a:buFont typeface="Arial" panose="020B0604020202020204" pitchFamily="34" charset="0"/>
+              <a:buChar char="•"/>
+            </a:pPr>
+            <a:endParaRPr lang="zh-CN" altLang="en-US" dirty="0"/>
+          </a:p>
+          <a:p>
+            <a:pPr marL="285750" indent="-285750">
+              <a:buFont typeface="Arial" panose="020B0604020202020204" pitchFamily="34" charset="0"/>
+              <a:buChar char="•"/>
+            </a:pPr>
+            <a:endParaRPr lang="zh-CN" altLang="en-US" dirty="0"/>
+          </a:p>
+          <a:p>
+            <a:pPr marL="285750" indent="-285750">
+              <a:buFont typeface="Arial" panose="020B0604020202020204" pitchFamily="34" charset="0"/>
+              <a:buChar char="•"/>
+            </a:pPr>
+            <a:endParaRPr lang="zh-CN" altLang="en-US" dirty="0"/>
+          </a:p>
+          <a:p>
+            <a:pPr marL="285750" indent="-285750">
+              <a:buFont typeface="Arial" panose="020B0604020202020204" pitchFamily="34" charset="0"/>
+              <a:buChar char="•"/>
+            </a:pPr>
+            <a:endParaRPr lang="zh-CN" altLang="en-US" dirty="0"/>
+          </a:p>
+        </p:txBody>
+      </p:sp>
+      <p:sp>
+        <p:nvSpPr>
+          <p:cNvPr id="9" name="文本框 8">
             <a:extLst>
-              <a:ext uri="{28A0092B-C50C-407E-A947-70E740481C1C}">
-                <a14:useLocalDpi xmlns:a14="http://schemas.microsoft.com/office/drawing/2010/main" val="0"/>
+              <a:ext uri="{FF2B5EF4-FFF2-40B4-BE49-F238E27FC236}">
+                <a16:creationId xmlns:a16="http://schemas.microsoft.com/office/drawing/2014/main" id="{B19E6ADE-C054-985A-13AF-C5D12D487A2C}"/>
               </a:ext>
             </a:extLst>
-          </a:blip>
-          <a:stretch>
-            <a:fillRect/>
-          </a:stretch>
-        </p:blipFill>
+          </p:cNvPr>
+          <p:cNvSpPr txBox="1"/>
+          <p:nvPr/>
+        </p:nvSpPr>
         <p:spPr>
           <a:xfrm>
-            <a:off x="1597687" y="2120427"/>
-            <a:ext cx="5775446" cy="1597463"/>
+            <a:off x="1127125" y="3035912"/>
+            <a:ext cx="10547350" cy="1200329"/>
           </a:xfrm>
           <a:prstGeom prst="rect">
             <a:avLst/>
           </a:prstGeom>
+          <a:noFill/>
         </p:spPr>
-      </p:pic>
-      <p:pic>
-        <p:nvPicPr>
-          <p:cNvPr id="4" name="图片 3">
+        <p:txBody>
+          <a:bodyPr wrap="square" rtlCol="0">
+            <a:spAutoFit/>
+          </a:bodyPr>
+          <a:lstStyle/>
+          <a:p>
+            <a:r>
+              <a:rPr kumimoji="1" lang="zh-CN" altLang="en-US" dirty="0"/>
+              <a:t>其实对于已经计算完毕的节点我们完全可以直接拿来用，因此我们可以重新看待这个问题，从后往前更新。先更新后边的权重，之后再在此基础上利用更新后边的权重产生的中间值来更新较靠前的参数。</a:t>
+            </a:r>
+          </a:p>
+          <a:p>
+            <a:endParaRPr kumimoji="1" lang="en-US" altLang="zh-CN" dirty="0"/>
+          </a:p>
+          <a:p>
+            <a:r>
+              <a:rPr kumimoji="1" lang="zh-CN" altLang="en-US" dirty="0"/>
+              <a:t>这个中间变量就是本课要引入的误差项</a:t>
+            </a:r>
+          </a:p>
+        </p:txBody>
+      </p:sp>
+      <p:sp>
+        <p:nvSpPr>
+          <p:cNvPr id="10" name="文本框 9">
             <a:extLst>
               <a:ext uri="{FF2B5EF4-FFF2-40B4-BE49-F238E27FC236}">
-                <a16:creationId xmlns:a16="http://schemas.microsoft.com/office/drawing/2014/main" id="{ED7528D7-7EB6-9F05-05D4-C15DFBCB0D13}"/>
+                <a16:creationId xmlns:a16="http://schemas.microsoft.com/office/drawing/2014/main" id="{1FFAA488-2BA7-E057-8419-CE017D9C427E}"/>
               </a:ext>
             </a:extLst>
           </p:cNvPr>
-          <p:cNvPicPr>
-            <a:picLocks noChangeAspect="1"/>
-          </p:cNvPicPr>
+          <p:cNvSpPr txBox="1"/>
           <p:nvPr/>
-        </p:nvPicPr>
-        <p:blipFill>
-          <a:blip r:embed="rId5">
-            <a:extLst>
-              <a:ext uri="{28A0092B-C50C-407E-A947-70E740481C1C}">
-                <a14:useLocalDpi xmlns:a14="http://schemas.microsoft.com/office/drawing/2010/main" val="0"/>
-              </a:ext>
-            </a:extLst>
-          </a:blip>
-          <a:stretch>
-            <a:fillRect/>
-          </a:stretch>
-        </p:blipFill>
+        </p:nvSpPr>
         <p:spPr>
           <a:xfrm>
-            <a:off x="7666801" y="1585658"/>
-            <a:ext cx="4127500" cy="2667000"/>
+            <a:off x="1127125" y="4572926"/>
+            <a:ext cx="10852150" cy="923330"/>
           </a:xfrm>
           <a:prstGeom prst="rect">
             <a:avLst/>
           </a:prstGeom>
+          <a:noFill/>
         </p:spPr>
-      </p:pic>
-      <p:pic>
-        <p:nvPicPr>
-          <p:cNvPr id="6" name="图片 5">
-            <a:extLst>
-              <a:ext uri="{FF2B5EF4-FFF2-40B4-BE49-F238E27FC236}">
-                <a16:creationId xmlns:a16="http://schemas.microsoft.com/office/drawing/2014/main" id="{A94BF059-2675-6EC5-3CAF-02E3F8603453}"/>
-              </a:ext>
-            </a:extLst>
-          </p:cNvPr>
-          <p:cNvPicPr>
-            <a:picLocks noChangeAspect="1"/>
-          </p:cNvPicPr>
-          <p:nvPr/>
-        </p:nvPicPr>
-        <p:blipFill>
-          <a:blip r:embed="rId6">
-            <a:extLst>
-              <a:ext uri="{28A0092B-C50C-407E-A947-70E740481C1C}">
-                <a14:useLocalDpi xmlns:a14="http://schemas.microsoft.com/office/drawing/2010/main" val="0"/>
-              </a:ext>
-            </a:extLst>
-          </a:blip>
-          <a:stretch>
-            <a:fillRect/>
-          </a:stretch>
-        </p:blipFill>
-        <p:spPr>
-          <a:xfrm>
-            <a:off x="3336053" y="4078832"/>
-            <a:ext cx="4478354" cy="2274814"/>
-          </a:xfrm>
-          <a:prstGeom prst="rect">
-            <a:avLst/>
-          </a:prstGeom>
-        </p:spPr>
-      </p:pic>
+        <p:txBody>
+          <a:bodyPr wrap="square" rtlCol="0">
+            <a:spAutoFit/>
+          </a:bodyPr>
+          <a:lstStyle/>
+          <a:p>
+            <a:r>
+              <a:rPr kumimoji="1" lang="zh-CN" altLang="en-US" dirty="0"/>
+              <a:t>因此，我们需要先计算出输出层的误差项；</a:t>
+            </a:r>
+            <a:endParaRPr kumimoji="1" lang="en-US" altLang="zh-CN" dirty="0"/>
+          </a:p>
+          <a:p>
+            <a:r>
+              <a:rPr kumimoji="1" lang="zh-CN" altLang="en-US" dirty="0"/>
+              <a:t>再根据它来计算出隐藏层的误差项；</a:t>
+            </a:r>
+            <a:endParaRPr kumimoji="1" lang="en-US" altLang="zh-CN" dirty="0"/>
+          </a:p>
+          <a:p>
+            <a:r>
+              <a:rPr kumimoji="1" lang="zh-CN" altLang="en-US" dirty="0"/>
+              <a:t>最后根据它们分别计算出输出层和隐藏层的梯度</a:t>
+            </a:r>
+          </a:p>
+        </p:txBody>
+      </p:sp>
     </p:spTree>
     <p:custDataLst>
       <p:tags r:id="rId1"/>
     </p:custDataLst>
     <p:extLst>
       <p:ext uri="{BB962C8B-B14F-4D97-AF65-F5344CB8AC3E}">
-        <p14:creationId xmlns:p14="http://schemas.microsoft.com/office/powerpoint/2010/main" val="2451492181"/>
+        <p14:creationId xmlns:p14="http://schemas.microsoft.com/office/powerpoint/2010/main" val="1209235483"/>
+      </p:ext>
+    </p:extLst>
+  </p:cSld>
+  <p:clrMapOvr>
+    <a:masterClrMapping/>
+  </p:clrMapOvr>
+  <p:timing>
+    <p:tnLst>
+      <p:par>
+        <p:cTn id="1" dur="indefinite" restart="never" nodeType="tmRoot">
+          <p:childTnLst>
+            <p:seq concurrent="1" nextAc="seek">
+              <p:cTn id="2" dur="indefinite" nodeType="mainSeq">
+                <p:childTnLst>
+                  <p:par>
+                    <p:cTn id="3" fill="hold">
+                      <p:stCondLst>
+                        <p:cond delay="indefinite"/>
+                      </p:stCondLst>
+                      <p:childTnLst>
+                        <p:par>
+                          <p:cTn id="4" fill="hold">
+                            <p:stCondLst>
+                              <p:cond delay="0"/>
+                            </p:stCondLst>
+                            <p:childTnLst>
+                              <p:par>
+                                <p:cTn id="5" presetID="1" presetClass="entr" presetSubtype="0" fill="hold" nodeType="clickEffect">
+                                  <p:stCondLst>
+                                    <p:cond delay="0"/>
+                                  </p:stCondLst>
+                                  <p:childTnLst>
+                                    <p:set>
+                                      <p:cBhvr>
+                                        <p:cTn id="6" dur="1" fill="hold">
+                                          <p:stCondLst>
+                                            <p:cond delay="0"/>
+                                          </p:stCondLst>
+                                        </p:cTn>
+                                        <p:tgtEl>
+                                          <p:spTgt spid="6">
+                                            <p:txEl>
+                                              <p:pRg st="0" end="0"/>
+                                            </p:txEl>
+                                          </p:spTgt>
+                                        </p:tgtEl>
+                                        <p:attrNameLst>
+                                          <p:attrName>style.visibility</p:attrName>
+                                        </p:attrNameLst>
+                                      </p:cBhvr>
+                                      <p:to>
+                                        <p:strVal val="visible"/>
+                                      </p:to>
+                                    </p:set>
+                                  </p:childTnLst>
+                                </p:cTn>
+                              </p:par>
+                            </p:childTnLst>
+                          </p:cTn>
+                        </p:par>
+                      </p:childTnLst>
+                    </p:cTn>
+                  </p:par>
+                  <p:par>
+                    <p:cTn id="7" fill="hold">
+                      <p:stCondLst>
+                        <p:cond delay="indefinite"/>
+                      </p:stCondLst>
+                      <p:childTnLst>
+                        <p:par>
+                          <p:cTn id="8" fill="hold">
+                            <p:stCondLst>
+                              <p:cond delay="0"/>
+                            </p:stCondLst>
+                            <p:childTnLst>
+                              <p:par>
+                                <p:cTn id="9" presetID="1" presetClass="entr" presetSubtype="0" fill="hold" nodeType="clickEffect">
+                                  <p:stCondLst>
+                                    <p:cond delay="0"/>
+                                  </p:stCondLst>
+                                  <p:childTnLst>
+                                    <p:set>
+                                      <p:cBhvr>
+                                        <p:cTn id="10" dur="1" fill="hold">
+                                          <p:stCondLst>
+                                            <p:cond delay="0"/>
+                                          </p:stCondLst>
+                                        </p:cTn>
+                                        <p:tgtEl>
+                                          <p:spTgt spid="6">
+                                            <p:txEl>
+                                              <p:pRg st="1" end="1"/>
+                                            </p:txEl>
+                                          </p:spTgt>
+                                        </p:tgtEl>
+                                        <p:attrNameLst>
+                                          <p:attrName>style.visibility</p:attrName>
+                                        </p:attrNameLst>
+                                      </p:cBhvr>
+                                      <p:to>
+                                        <p:strVal val="visible"/>
+                                      </p:to>
+                                    </p:set>
+                                  </p:childTnLst>
+                                </p:cTn>
+                              </p:par>
+                            </p:childTnLst>
+                          </p:cTn>
+                        </p:par>
+                      </p:childTnLst>
+                    </p:cTn>
+                  </p:par>
+                  <p:par>
+                    <p:cTn id="11" fill="hold">
+                      <p:stCondLst>
+                        <p:cond delay="indefinite"/>
+                      </p:stCondLst>
+                      <p:childTnLst>
+                        <p:par>
+                          <p:cTn id="12" fill="hold">
+                            <p:stCondLst>
+                              <p:cond delay="0"/>
+                            </p:stCondLst>
+                            <p:childTnLst>
+                              <p:par>
+                                <p:cTn id="13" presetID="1" presetClass="entr" presetSubtype="0" fill="hold" grpId="0" nodeType="clickEffect">
+                                  <p:stCondLst>
+                                    <p:cond delay="0"/>
+                                  </p:stCondLst>
+                                  <p:childTnLst>
+                                    <p:set>
+                                      <p:cBhvr>
+                                        <p:cTn id="14" dur="1" fill="hold">
+                                          <p:stCondLst>
+                                            <p:cond delay="0"/>
+                                          </p:stCondLst>
+                                        </p:cTn>
+                                        <p:tgtEl>
+                                          <p:spTgt spid="9"/>
+                                        </p:tgtEl>
+                                        <p:attrNameLst>
+                                          <p:attrName>style.visibility</p:attrName>
+                                        </p:attrNameLst>
+                                      </p:cBhvr>
+                                      <p:to>
+                                        <p:strVal val="visible"/>
+                                      </p:to>
+                                    </p:set>
+                                  </p:childTnLst>
+                                </p:cTn>
+                              </p:par>
+                            </p:childTnLst>
+                          </p:cTn>
+                        </p:par>
+                      </p:childTnLst>
+                    </p:cTn>
+                  </p:par>
+                  <p:par>
+                    <p:cTn id="15" fill="hold">
+                      <p:stCondLst>
+                        <p:cond delay="indefinite"/>
+                      </p:stCondLst>
+                      <p:childTnLst>
+                        <p:par>
+                          <p:cTn id="16" fill="hold">
+                            <p:stCondLst>
+                              <p:cond delay="0"/>
+                            </p:stCondLst>
+                            <p:childTnLst>
+                              <p:par>
+                                <p:cTn id="17" presetID="1" presetClass="entr" presetSubtype="0" fill="hold" grpId="0" nodeType="clickEffect">
+                                  <p:stCondLst>
+                                    <p:cond delay="0"/>
+                                  </p:stCondLst>
+                                  <p:childTnLst>
+                                    <p:set>
+                                      <p:cBhvr>
+                                        <p:cTn id="18" dur="1" fill="hold">
+                                          <p:stCondLst>
+                                            <p:cond delay="0"/>
+                                          </p:stCondLst>
+                                        </p:cTn>
+                                        <p:tgtEl>
+                                          <p:spTgt spid="10"/>
+                                        </p:tgtEl>
+                                        <p:attrNameLst>
+                                          <p:attrName>style.visibility</p:attrName>
+                                        </p:attrNameLst>
+                                      </p:cBhvr>
+                                      <p:to>
+                                        <p:strVal val="visible"/>
+                                      </p:to>
+                                    </p:set>
+                                  </p:childTnLst>
+                                </p:cTn>
+                              </p:par>
+                            </p:childTnLst>
+                          </p:cTn>
+                        </p:par>
+                      </p:childTnLst>
+                    </p:cTn>
+                  </p:par>
+                </p:childTnLst>
+              </p:cTn>
+              <p:prevCondLst>
+                <p:cond evt="onPrev" delay="0">
+                  <p:tgtEl>
+                    <p:sldTgt/>
+                  </p:tgtEl>
+                </p:cond>
+              </p:prevCondLst>
+              <p:nextCondLst>
+                <p:cond evt="onNext" delay="0">
+                  <p:tgtEl>
+                    <p:sldTgt/>
+                  </p:tgtEl>
+                </p:cond>
+              </p:nextCondLst>
+            </p:seq>
+          </p:childTnLst>
+        </p:cTn>
+      </p:par>
+    </p:tnLst>
+    <p:bldLst>
+      <p:bldP spid="9" grpId="0"/>
+      <p:bldP spid="10" grpId="0"/>
+    </p:bldLst>
+  </p:timing>
+</p:sld>
+</file>
+
+<file path=ppt/slides/slide12.xml><?xml version="1.0" encoding="utf-8"?>
+<p:sld xmlns:a="http://schemas.openxmlformats.org/drawingml/2006/main" xmlns:r="http://schemas.openxmlformats.org/officeDocument/2006/relationships" xmlns:p="http://schemas.openxmlformats.org/presentationml/2006/main">
+  <p:cSld>
+    <p:spTree>
+      <p:nvGrpSpPr>
+        <p:cNvPr id="1" name=""/>
+        <p:cNvGrpSpPr/>
+        <p:nvPr/>
+      </p:nvGrpSpPr>
+      <p:grpSpPr>
+        <a:xfrm>
+          <a:off x="0" y="0"/>
+          <a:ext cx="0" cy="0"/>
+          <a:chOff x="0" y="0"/>
+          <a:chExt cx="0" cy="0"/>
+        </a:xfrm>
+      </p:grpSpPr>
+      <p:sp>
+        <p:nvSpPr>
+          <p:cNvPr id="2" name="文本占位符 1"/>
+          <p:cNvSpPr>
+            <a:spLocks noGrp="1"/>
+          </p:cNvSpPr>
+          <p:nvPr>
+            <p:ph type="body" idx="1"/>
+          </p:nvPr>
+        </p:nvSpPr>
+        <p:spPr/>
+        <p:txBody>
+          <a:bodyPr/>
+          <a:lstStyle/>
+          <a:p>
+            <a:pPr marL="285750" indent="-285750">
+              <a:buFont typeface="Arial" panose="020B0604020202020204" pitchFamily="34" charset="0"/>
+              <a:buChar char="•"/>
+            </a:pPr>
+            <a:r>
+              <a:rPr lang="zh-CN" altLang="en-US" dirty="0"/>
+              <a:t>输出层神经元的误差项是什么？</a:t>
+            </a:r>
+            <a:endParaRPr lang="en-US" altLang="zh-CN" dirty="0"/>
+          </a:p>
+          <a:p>
+            <a:pPr marL="285750" indent="-285750">
+              <a:buFont typeface="Arial" panose="020B0604020202020204" pitchFamily="34" charset="0"/>
+              <a:buChar char="•"/>
+            </a:pPr>
+            <a:endParaRPr lang="en-US" altLang="zh-CN" dirty="0"/>
+          </a:p>
+          <a:p>
+            <a:pPr marL="285750" indent="-285750">
+              <a:buFont typeface="Arial" panose="020B0604020202020204" pitchFamily="34" charset="0"/>
+              <a:buChar char="•"/>
+            </a:pPr>
+            <a:endParaRPr lang="en-US" altLang="zh-CN" dirty="0"/>
+          </a:p>
+          <a:p>
+            <a:pPr marL="285750" indent="-285750">
+              <a:buFont typeface="Arial" panose="020B0604020202020204" pitchFamily="34" charset="0"/>
+              <a:buChar char="•"/>
+            </a:pPr>
+            <a:endParaRPr lang="en-US" altLang="zh-CN" dirty="0"/>
+          </a:p>
+          <a:p>
+            <a:pPr marL="285750" indent="-285750">
+              <a:buFont typeface="Arial" panose="020B0604020202020204" pitchFamily="34" charset="0"/>
+              <a:buChar char="•"/>
+            </a:pPr>
+            <a:r>
+              <a:rPr lang="zh-CN" altLang="en-US" dirty="0"/>
+              <a:t>自学、展学</a:t>
+            </a:r>
+          </a:p>
+          <a:p>
+            <a:pPr marL="285750" indent="-285750">
+              <a:buFont typeface="Arial" panose="020B0604020202020204" pitchFamily="34" charset="0"/>
+              <a:buChar char="•"/>
+            </a:pPr>
+            <a:endParaRPr lang="en-US" altLang="zh-CN" dirty="0"/>
+          </a:p>
+          <a:p>
+            <a:pPr marL="285750" indent="-285750">
+              <a:buFont typeface="Arial" panose="020B0604020202020204" pitchFamily="34" charset="0"/>
+              <a:buChar char="•"/>
+            </a:pPr>
+            <a:endParaRPr lang="en-US" altLang="zh-CN" dirty="0"/>
+          </a:p>
+          <a:p>
+            <a:pPr marL="285750" indent="-285750">
+              <a:buFont typeface="Arial" panose="020B0604020202020204" pitchFamily="34" charset="0"/>
+              <a:buChar char="•"/>
+            </a:pPr>
+            <a:endParaRPr lang="en-US" altLang="zh-CN" dirty="0"/>
+          </a:p>
+        </p:txBody>
+      </p:sp>
+      <p:sp>
+        <p:nvSpPr>
+          <p:cNvPr id="3" name="标题 2"/>
+          <p:cNvSpPr>
+            <a:spLocks noGrp="1"/>
+          </p:cNvSpPr>
+          <p:nvPr>
+            <p:ph type="title"/>
+          </p:nvPr>
+        </p:nvSpPr>
+        <p:spPr/>
+        <p:txBody>
+          <a:bodyPr/>
+          <a:lstStyle/>
+          <a:p>
+            <a:r>
+              <a:rPr lang="zh-CN" altLang="en-US" dirty="0">
+                <a:sym typeface="+mn-ea"/>
+              </a:rPr>
+              <a:t>主问题：如何推导</a:t>
+            </a:r>
+            <a:r>
+              <a:rPr lang="zh-CN" altLang="en-US" dirty="0"/>
+              <a:t>全连接层的后向传播？</a:t>
+            </a:r>
+          </a:p>
+        </p:txBody>
+      </p:sp>
+    </p:spTree>
+    <p:custDataLst>
+      <p:tags r:id="rId1"/>
+    </p:custDataLst>
+    <p:extLst>
+      <p:ext uri="{BB962C8B-B14F-4D97-AF65-F5344CB8AC3E}">
+        <p14:creationId xmlns:p14="http://schemas.microsoft.com/office/powerpoint/2010/main" val="1829043449"/>
       </p:ext>
     </p:extLst>
   </p:cSld>
@@ -7462,7 +8286,7 @@
 </p:sld>
 </file>
 
-<file path=ppt/slides/slide12.xml><?xml version="1.0" encoding="utf-8"?>
+<file path=ppt/slides/slide13.xml><?xml version="1.0" encoding="utf-8"?>
 <p:sld xmlns:a="http://schemas.openxmlformats.org/drawingml/2006/main" xmlns:r="http://schemas.openxmlformats.org/officeDocument/2006/relationships" xmlns:p="http://schemas.openxmlformats.org/presentationml/2006/main">
   <p:cSld>
     <p:spTree>
@@ -7500,10 +8324,10 @@
       </p:sp>
       <p:pic>
         <p:nvPicPr>
-          <p:cNvPr id="4" name="图片 3">
+          <p:cNvPr id="2" name="图片 1">
             <a:extLst>
               <a:ext uri="{FF2B5EF4-FFF2-40B4-BE49-F238E27FC236}">
-                <a16:creationId xmlns:a16="http://schemas.microsoft.com/office/drawing/2014/main" id="{0149205B-B738-D702-735A-8F5F6C2A7C0F}"/>
+                <a16:creationId xmlns:a16="http://schemas.microsoft.com/office/drawing/2014/main" id="{20F0978C-45E2-8433-E507-3B964B66A8F3}"/>
               </a:ext>
             </a:extLst>
           </p:cNvPr>
@@ -7526,8 +8350,116 @@
         </p:blipFill>
         <p:spPr>
           <a:xfrm>
-            <a:off x="2662813" y="561127"/>
-            <a:ext cx="7144378" cy="5735746"/>
+            <a:off x="418542" y="714342"/>
+            <a:ext cx="7416747" cy="1669571"/>
+          </a:xfrm>
+          <a:prstGeom prst="rect">
+            <a:avLst/>
+          </a:prstGeom>
+        </p:spPr>
+      </p:pic>
+      <p:pic>
+        <p:nvPicPr>
+          <p:cNvPr id="6" name="图片 5">
+            <a:extLst>
+              <a:ext uri="{FF2B5EF4-FFF2-40B4-BE49-F238E27FC236}">
+                <a16:creationId xmlns:a16="http://schemas.microsoft.com/office/drawing/2014/main" id="{B5089A72-C427-FEB7-1F62-53575BDDEDB4}"/>
+              </a:ext>
+            </a:extLst>
+          </p:cNvPr>
+          <p:cNvPicPr>
+            <a:picLocks noChangeAspect="1"/>
+          </p:cNvPicPr>
+          <p:nvPr/>
+        </p:nvPicPr>
+        <p:blipFill>
+          <a:blip r:embed="rId4">
+            <a:extLst>
+              <a:ext uri="{28A0092B-C50C-407E-A947-70E740481C1C}">
+                <a14:useLocalDpi xmlns:a14="http://schemas.microsoft.com/office/drawing/2010/main" val="0"/>
+              </a:ext>
+            </a:extLst>
+          </a:blip>
+          <a:stretch>
+            <a:fillRect/>
+          </a:stretch>
+        </p:blipFill>
+        <p:spPr>
+          <a:xfrm>
+            <a:off x="418542" y="2698791"/>
+            <a:ext cx="5677458" cy="3224732"/>
+          </a:xfrm>
+          <a:prstGeom prst="rect">
+            <a:avLst/>
+          </a:prstGeom>
+        </p:spPr>
+      </p:pic>
+      <p:pic>
+        <p:nvPicPr>
+          <p:cNvPr id="8" name="图片 7">
+            <a:extLst>
+              <a:ext uri="{FF2B5EF4-FFF2-40B4-BE49-F238E27FC236}">
+                <a16:creationId xmlns:a16="http://schemas.microsoft.com/office/drawing/2014/main" id="{A05FCF55-6095-F335-E5FB-F05ABE69528B}"/>
+              </a:ext>
+            </a:extLst>
+          </p:cNvPr>
+          <p:cNvPicPr>
+            <a:picLocks noChangeAspect="1"/>
+          </p:cNvPicPr>
+          <p:nvPr/>
+        </p:nvPicPr>
+        <p:blipFill>
+          <a:blip r:embed="rId5">
+            <a:extLst>
+              <a:ext uri="{28A0092B-C50C-407E-A947-70E740481C1C}">
+                <a14:useLocalDpi xmlns:a14="http://schemas.microsoft.com/office/drawing/2010/main" val="0"/>
+              </a:ext>
+            </a:extLst>
+          </a:blip>
+          <a:stretch>
+            <a:fillRect/>
+          </a:stretch>
+        </p:blipFill>
+        <p:spPr>
+          <a:xfrm>
+            <a:off x="6759479" y="4020736"/>
+            <a:ext cx="4762640" cy="1390552"/>
+          </a:xfrm>
+          <a:prstGeom prst="rect">
+            <a:avLst/>
+          </a:prstGeom>
+        </p:spPr>
+      </p:pic>
+      <p:pic>
+        <p:nvPicPr>
+          <p:cNvPr id="9" name="图片 8">
+            <a:extLst>
+              <a:ext uri="{FF2B5EF4-FFF2-40B4-BE49-F238E27FC236}">
+                <a16:creationId xmlns:a16="http://schemas.microsoft.com/office/drawing/2014/main" id="{92DA7639-C489-2D50-5B93-D3D732D0545E}"/>
+              </a:ext>
+            </a:extLst>
+          </p:cNvPr>
+          <p:cNvPicPr>
+            <a:picLocks noChangeAspect="1"/>
+          </p:cNvPicPr>
+          <p:nvPr/>
+        </p:nvPicPr>
+        <p:blipFill>
+          <a:blip r:embed="rId6">
+            <a:extLst>
+              <a:ext uri="{28A0092B-C50C-407E-A947-70E740481C1C}">
+                <a14:useLocalDpi xmlns:a14="http://schemas.microsoft.com/office/drawing/2010/main" val="0"/>
+              </a:ext>
+            </a:extLst>
+          </a:blip>
+          <a:stretch>
+            <a:fillRect/>
+          </a:stretch>
+        </p:blipFill>
+        <p:spPr>
+          <a:xfrm>
+            <a:off x="8197162" y="714342"/>
+            <a:ext cx="3860582" cy="2494530"/>
           </a:xfrm>
           <a:prstGeom prst="rect">
             <a:avLst/>
@@ -7540,17 +8472,476 @@
     </p:custDataLst>
     <p:extLst>
       <p:ext uri="{BB962C8B-B14F-4D97-AF65-F5344CB8AC3E}">
-        <p14:creationId xmlns:p14="http://schemas.microsoft.com/office/powerpoint/2010/main" val="837312506"/>
+        <p14:creationId xmlns:p14="http://schemas.microsoft.com/office/powerpoint/2010/main" val="1954971935"/>
       </p:ext>
     </p:extLst>
   </p:cSld>
   <p:clrMapOvr>
     <a:masterClrMapping/>
   </p:clrMapOvr>
+  <p:timing>
+    <p:tnLst>
+      <p:par>
+        <p:cTn id="1" dur="indefinite" restart="never" nodeType="tmRoot">
+          <p:childTnLst>
+            <p:seq concurrent="1" nextAc="seek">
+              <p:cTn id="2" dur="indefinite" nodeType="mainSeq">
+                <p:childTnLst>
+                  <p:par>
+                    <p:cTn id="3" fill="hold">
+                      <p:stCondLst>
+                        <p:cond delay="indefinite"/>
+                      </p:stCondLst>
+                      <p:childTnLst>
+                        <p:par>
+                          <p:cTn id="4" fill="hold">
+                            <p:stCondLst>
+                              <p:cond delay="0"/>
+                            </p:stCondLst>
+                            <p:childTnLst>
+                              <p:par>
+                                <p:cTn id="5" presetID="1" presetClass="entr" presetSubtype="0" fill="hold" nodeType="clickEffect">
+                                  <p:stCondLst>
+                                    <p:cond delay="0"/>
+                                  </p:stCondLst>
+                                  <p:childTnLst>
+                                    <p:set>
+                                      <p:cBhvr>
+                                        <p:cTn id="6" dur="1" fill="hold">
+                                          <p:stCondLst>
+                                            <p:cond delay="0"/>
+                                          </p:stCondLst>
+                                        </p:cTn>
+                                        <p:tgtEl>
+                                          <p:spTgt spid="2"/>
+                                        </p:tgtEl>
+                                        <p:attrNameLst>
+                                          <p:attrName>style.visibility</p:attrName>
+                                        </p:attrNameLst>
+                                      </p:cBhvr>
+                                      <p:to>
+                                        <p:strVal val="visible"/>
+                                      </p:to>
+                                    </p:set>
+                                  </p:childTnLst>
+                                </p:cTn>
+                              </p:par>
+                            </p:childTnLst>
+                          </p:cTn>
+                        </p:par>
+                      </p:childTnLst>
+                    </p:cTn>
+                  </p:par>
+                  <p:par>
+                    <p:cTn id="7" fill="hold">
+                      <p:stCondLst>
+                        <p:cond delay="indefinite"/>
+                      </p:stCondLst>
+                      <p:childTnLst>
+                        <p:par>
+                          <p:cTn id="8" fill="hold">
+                            <p:stCondLst>
+                              <p:cond delay="0"/>
+                            </p:stCondLst>
+                            <p:childTnLst>
+                              <p:par>
+                                <p:cTn id="9" presetID="1" presetClass="entr" presetSubtype="0" fill="hold" nodeType="clickEffect">
+                                  <p:stCondLst>
+                                    <p:cond delay="0"/>
+                                  </p:stCondLst>
+                                  <p:childTnLst>
+                                    <p:set>
+                                      <p:cBhvr>
+                                        <p:cTn id="10" dur="1" fill="hold">
+                                          <p:stCondLst>
+                                            <p:cond delay="0"/>
+                                          </p:stCondLst>
+                                        </p:cTn>
+                                        <p:tgtEl>
+                                          <p:spTgt spid="6"/>
+                                        </p:tgtEl>
+                                        <p:attrNameLst>
+                                          <p:attrName>style.visibility</p:attrName>
+                                        </p:attrNameLst>
+                                      </p:cBhvr>
+                                      <p:to>
+                                        <p:strVal val="visible"/>
+                                      </p:to>
+                                    </p:set>
+                                  </p:childTnLst>
+                                </p:cTn>
+                              </p:par>
+                            </p:childTnLst>
+                          </p:cTn>
+                        </p:par>
+                      </p:childTnLst>
+                    </p:cTn>
+                  </p:par>
+                  <p:par>
+                    <p:cTn id="11" fill="hold">
+                      <p:stCondLst>
+                        <p:cond delay="indefinite"/>
+                      </p:stCondLst>
+                      <p:childTnLst>
+                        <p:par>
+                          <p:cTn id="12" fill="hold">
+                            <p:stCondLst>
+                              <p:cond delay="0"/>
+                            </p:stCondLst>
+                            <p:childTnLst>
+                              <p:par>
+                                <p:cTn id="13" presetID="1" presetClass="entr" presetSubtype="0" fill="hold" nodeType="clickEffect">
+                                  <p:stCondLst>
+                                    <p:cond delay="0"/>
+                                  </p:stCondLst>
+                                  <p:childTnLst>
+                                    <p:set>
+                                      <p:cBhvr>
+                                        <p:cTn id="14" dur="1" fill="hold">
+                                          <p:stCondLst>
+                                            <p:cond delay="0"/>
+                                          </p:stCondLst>
+                                        </p:cTn>
+                                        <p:tgtEl>
+                                          <p:spTgt spid="8"/>
+                                        </p:tgtEl>
+                                        <p:attrNameLst>
+                                          <p:attrName>style.visibility</p:attrName>
+                                        </p:attrNameLst>
+                                      </p:cBhvr>
+                                      <p:to>
+                                        <p:strVal val="visible"/>
+                                      </p:to>
+                                    </p:set>
+                                  </p:childTnLst>
+                                </p:cTn>
+                              </p:par>
+                            </p:childTnLst>
+                          </p:cTn>
+                        </p:par>
+                      </p:childTnLst>
+                    </p:cTn>
+                  </p:par>
+                </p:childTnLst>
+              </p:cTn>
+              <p:prevCondLst>
+                <p:cond evt="onPrev" delay="0">
+                  <p:tgtEl>
+                    <p:sldTgt/>
+                  </p:tgtEl>
+                </p:cond>
+              </p:prevCondLst>
+              <p:nextCondLst>
+                <p:cond evt="onNext" delay="0">
+                  <p:tgtEl>
+                    <p:sldTgt/>
+                  </p:tgtEl>
+                </p:cond>
+              </p:nextCondLst>
+            </p:seq>
+          </p:childTnLst>
+        </p:cTn>
+      </p:par>
+    </p:tnLst>
+  </p:timing>
 </p:sld>
 </file>
 
-<file path=ppt/slides/slide13.xml><?xml version="1.0" encoding="utf-8"?>
+<file path=ppt/slides/slide14.xml><?xml version="1.0" encoding="utf-8"?>
+<p:sld xmlns:a="http://schemas.openxmlformats.org/drawingml/2006/main" xmlns:r="http://schemas.openxmlformats.org/officeDocument/2006/relationships" xmlns:p="http://schemas.openxmlformats.org/presentationml/2006/main">
+  <p:cSld>
+    <p:spTree>
+      <p:nvGrpSpPr>
+        <p:cNvPr id="1" name=""/>
+        <p:cNvGrpSpPr/>
+        <p:nvPr/>
+      </p:nvGrpSpPr>
+      <p:grpSpPr>
+        <a:xfrm>
+          <a:off x="0" y="0"/>
+          <a:ext cx="0" cy="0"/>
+          <a:chOff x="0" y="0"/>
+          <a:chExt cx="0" cy="0"/>
+        </a:xfrm>
+      </p:grpSpPr>
+      <p:sp>
+        <p:nvSpPr>
+          <p:cNvPr id="2" name="文本占位符 1"/>
+          <p:cNvSpPr>
+            <a:spLocks noGrp="1"/>
+          </p:cNvSpPr>
+          <p:nvPr>
+            <p:ph type="body" idx="1"/>
+          </p:nvPr>
+        </p:nvSpPr>
+        <p:spPr/>
+        <p:txBody>
+          <a:bodyPr/>
+          <a:lstStyle/>
+          <a:p>
+            <a:pPr marL="285750" indent="-285750">
+              <a:buFont typeface="Arial" panose="020B0604020202020204" pitchFamily="34" charset="0"/>
+              <a:buChar char="•"/>
+            </a:pPr>
+            <a:r>
+              <a:rPr lang="zh-CN" altLang="en-US" dirty="0"/>
+              <a:t>隐藏层神经元的误差项是什么？</a:t>
+            </a:r>
+            <a:endParaRPr lang="en-US" altLang="zh-CN" dirty="0"/>
+          </a:p>
+          <a:p>
+            <a:pPr marL="285750" indent="-285750">
+              <a:buFont typeface="Arial" panose="020B0604020202020204" pitchFamily="34" charset="0"/>
+              <a:buChar char="•"/>
+            </a:pPr>
+            <a:endParaRPr lang="en-US" altLang="zh-CN" dirty="0"/>
+          </a:p>
+          <a:p>
+            <a:pPr marL="285750" indent="-285750">
+              <a:buFont typeface="Arial" panose="020B0604020202020204" pitchFamily="34" charset="0"/>
+              <a:buChar char="•"/>
+            </a:pPr>
+            <a:endParaRPr lang="en-US" altLang="zh-CN" dirty="0"/>
+          </a:p>
+          <a:p>
+            <a:pPr marL="285750" indent="-285750">
+              <a:buFont typeface="Arial" panose="020B0604020202020204" pitchFamily="34" charset="0"/>
+              <a:buChar char="•"/>
+            </a:pPr>
+            <a:endParaRPr lang="en-US" altLang="zh-CN" dirty="0"/>
+          </a:p>
+          <a:p>
+            <a:pPr marL="285750" indent="-285750">
+              <a:buFont typeface="Arial" panose="020B0604020202020204" pitchFamily="34" charset="0"/>
+              <a:buChar char="•"/>
+            </a:pPr>
+            <a:endParaRPr lang="en-US" altLang="zh-CN" dirty="0"/>
+          </a:p>
+          <a:p>
+            <a:pPr marL="285750" indent="-285750">
+              <a:buFont typeface="Arial" panose="020B0604020202020204" pitchFamily="34" charset="0"/>
+              <a:buChar char="•"/>
+            </a:pPr>
+            <a:r>
+              <a:rPr lang="zh-CN" altLang="en-US" dirty="0"/>
+              <a:t>自学、展学</a:t>
+            </a:r>
+          </a:p>
+          <a:p>
+            <a:pPr marL="285750" indent="-285750">
+              <a:buFont typeface="Arial" panose="020B0604020202020204" pitchFamily="34" charset="0"/>
+              <a:buChar char="•"/>
+            </a:pPr>
+            <a:endParaRPr lang="en-US" altLang="zh-CN" dirty="0"/>
+          </a:p>
+          <a:p>
+            <a:pPr marL="285750" indent="-285750">
+              <a:buFont typeface="Arial" panose="020B0604020202020204" pitchFamily="34" charset="0"/>
+              <a:buChar char="•"/>
+            </a:pPr>
+            <a:endParaRPr lang="en-US" altLang="zh-CN" dirty="0"/>
+          </a:p>
+          <a:p>
+            <a:pPr marL="285750" indent="-285750">
+              <a:buFont typeface="Arial" panose="020B0604020202020204" pitchFamily="34" charset="0"/>
+              <a:buChar char="•"/>
+            </a:pPr>
+            <a:endParaRPr lang="en-US" altLang="zh-CN" dirty="0"/>
+          </a:p>
+        </p:txBody>
+      </p:sp>
+      <p:sp>
+        <p:nvSpPr>
+          <p:cNvPr id="3" name="标题 2"/>
+          <p:cNvSpPr>
+            <a:spLocks noGrp="1"/>
+          </p:cNvSpPr>
+          <p:nvPr>
+            <p:ph type="title"/>
+          </p:nvPr>
+        </p:nvSpPr>
+        <p:spPr/>
+        <p:txBody>
+          <a:bodyPr/>
+          <a:lstStyle/>
+          <a:p>
+            <a:r>
+              <a:rPr lang="zh-CN" altLang="en-US" dirty="0">
+                <a:sym typeface="+mn-ea"/>
+              </a:rPr>
+              <a:t>主问题：如何推导</a:t>
+            </a:r>
+            <a:r>
+              <a:rPr lang="zh-CN" altLang="en-US" dirty="0"/>
+              <a:t>全连接层的后向传播？</a:t>
+            </a:r>
+          </a:p>
+        </p:txBody>
+      </p:sp>
+      <p:pic>
+        <p:nvPicPr>
+          <p:cNvPr id="4" name="图片 3">
+            <a:extLst>
+              <a:ext uri="{FF2B5EF4-FFF2-40B4-BE49-F238E27FC236}">
+                <a16:creationId xmlns:a16="http://schemas.microsoft.com/office/drawing/2014/main" id="{AB028322-2546-C591-7433-F00F4A53CCA1}"/>
+              </a:ext>
+            </a:extLst>
+          </p:cNvPr>
+          <p:cNvPicPr>
+            <a:picLocks noChangeAspect="1"/>
+          </p:cNvPicPr>
+          <p:nvPr/>
+        </p:nvPicPr>
+        <p:blipFill>
+          <a:blip r:embed="rId3">
+            <a:extLst>
+              <a:ext uri="{28A0092B-C50C-407E-A947-70E740481C1C}">
+                <a14:useLocalDpi xmlns:a14="http://schemas.microsoft.com/office/drawing/2010/main" val="0"/>
+              </a:ext>
+            </a:extLst>
+          </a:blip>
+          <a:stretch>
+            <a:fillRect/>
+          </a:stretch>
+        </p:blipFill>
+        <p:spPr>
+          <a:xfrm>
+            <a:off x="2607338" y="2900509"/>
+            <a:ext cx="7772400" cy="2837542"/>
+          </a:xfrm>
+          <a:prstGeom prst="rect">
+            <a:avLst/>
+          </a:prstGeom>
+        </p:spPr>
+      </p:pic>
+      <p:pic>
+        <p:nvPicPr>
+          <p:cNvPr id="5" name="图片 4">
+            <a:extLst>
+              <a:ext uri="{FF2B5EF4-FFF2-40B4-BE49-F238E27FC236}">
+                <a16:creationId xmlns:a16="http://schemas.microsoft.com/office/drawing/2014/main" id="{0AD24CA1-C2E7-8772-AABD-B817BF277310}"/>
+              </a:ext>
+            </a:extLst>
+          </p:cNvPr>
+          <p:cNvPicPr>
+            <a:picLocks noChangeAspect="1"/>
+          </p:cNvPicPr>
+          <p:nvPr/>
+        </p:nvPicPr>
+        <p:blipFill>
+          <a:blip r:embed="rId4">
+            <a:extLst>
+              <a:ext uri="{28A0092B-C50C-407E-A947-70E740481C1C}">
+                <a14:useLocalDpi xmlns:a14="http://schemas.microsoft.com/office/drawing/2010/main" val="0"/>
+              </a:ext>
+            </a:extLst>
+          </a:blip>
+          <a:stretch>
+            <a:fillRect/>
+          </a:stretch>
+        </p:blipFill>
+        <p:spPr>
+          <a:xfrm>
+            <a:off x="7661493" y="1488065"/>
+            <a:ext cx="3860582" cy="2494530"/>
+          </a:xfrm>
+          <a:prstGeom prst="rect">
+            <a:avLst/>
+          </a:prstGeom>
+        </p:spPr>
+      </p:pic>
+    </p:spTree>
+    <p:custDataLst>
+      <p:tags r:id="rId1"/>
+    </p:custDataLst>
+    <p:extLst>
+      <p:ext uri="{BB962C8B-B14F-4D97-AF65-F5344CB8AC3E}">
+        <p14:creationId xmlns:p14="http://schemas.microsoft.com/office/powerpoint/2010/main" val="3003865546"/>
+      </p:ext>
+    </p:extLst>
+  </p:cSld>
+  <p:clrMapOvr>
+    <a:masterClrMapping/>
+  </p:clrMapOvr>
+  <p:timing>
+    <p:tnLst>
+      <p:par>
+        <p:cTn id="1" dur="indefinite" restart="never" nodeType="tmRoot">
+          <p:childTnLst>
+            <p:seq concurrent="1" nextAc="seek">
+              <p:cTn id="2" dur="indefinite" nodeType="mainSeq">
+                <p:childTnLst>
+                  <p:par>
+                    <p:cTn id="3" fill="hold">
+                      <p:stCondLst>
+                        <p:cond delay="indefinite"/>
+                      </p:stCondLst>
+                      <p:childTnLst>
+                        <p:par>
+                          <p:cTn id="4" fill="hold">
+                            <p:stCondLst>
+                              <p:cond delay="0"/>
+                            </p:stCondLst>
+                            <p:childTnLst>
+                              <p:par>
+                                <p:cTn id="5" presetID="1" presetClass="entr" presetSubtype="0" fill="hold" nodeType="clickEffect">
+                                  <p:stCondLst>
+                                    <p:cond delay="0"/>
+                                  </p:stCondLst>
+                                  <p:childTnLst>
+                                    <p:set>
+                                      <p:cBhvr>
+                                        <p:cTn id="6" dur="1" fill="hold">
+                                          <p:stCondLst>
+                                            <p:cond delay="0"/>
+                                          </p:stCondLst>
+                                        </p:cTn>
+                                        <p:tgtEl>
+                                          <p:spTgt spid="4"/>
+                                        </p:tgtEl>
+                                        <p:attrNameLst>
+                                          <p:attrName>style.visibility</p:attrName>
+                                        </p:attrNameLst>
+                                      </p:cBhvr>
+                                      <p:to>
+                                        <p:strVal val="visible"/>
+                                      </p:to>
+                                    </p:set>
+                                  </p:childTnLst>
+                                </p:cTn>
+                              </p:par>
+                            </p:childTnLst>
+                          </p:cTn>
+                        </p:par>
+                      </p:childTnLst>
+                    </p:cTn>
+                  </p:par>
+                </p:childTnLst>
+              </p:cTn>
+              <p:prevCondLst>
+                <p:cond evt="onPrev" delay="0">
+                  <p:tgtEl>
+                    <p:sldTgt/>
+                  </p:tgtEl>
+                </p:cond>
+              </p:prevCondLst>
+              <p:nextCondLst>
+                <p:cond evt="onNext" delay="0">
+                  <p:tgtEl>
+                    <p:sldTgt/>
+                  </p:tgtEl>
+                </p:cond>
+              </p:nextCondLst>
+            </p:seq>
+          </p:childTnLst>
+        </p:cTn>
+      </p:par>
+    </p:tnLst>
+  </p:timing>
+</p:sld>
+</file>
+
+<file path=ppt/slides/slide15.xml><?xml version="1.0" encoding="utf-8"?>
 <p:sld xmlns:a="http://schemas.openxmlformats.org/drawingml/2006/main" xmlns:r="http://schemas.openxmlformats.org/officeDocument/2006/relationships" xmlns:p="http://schemas.openxmlformats.org/presentationml/2006/main">
   <p:cSld>
     <p:spTree>
@@ -7590,65 +8981,7 @@
                 </a:pPr>
                 <a:r>
                   <a:rPr lang="zh-CN" altLang="en-US" dirty="0"/>
-                  <a:t>同理，对于隐藏层，如何求</a:t>
-                </a:r>
-                <a14:m>
-                  <m:oMath xmlns:m="http://schemas.openxmlformats.org/officeDocument/2006/math">
-                    <m:f>
-                      <m:fPr>
-                        <m:ctrlPr>
-                          <a:rPr lang="en-US" altLang="zh-CN" i="1">
-                            <a:latin typeface="Cambria Math" panose="02040503050406030204" pitchFamily="18" charset="0"/>
-                          </a:rPr>
-                        </m:ctrlPr>
-                      </m:fPr>
-                      <m:num>
-                        <m:r>
-                          <a:rPr lang="en-US" altLang="zh-CN" i="1">
-                            <a:latin typeface="Cambria Math" panose="02040503050406030204" pitchFamily="18" charset="0"/>
-                          </a:rPr>
-                          <m:t>𝑑𝐸</m:t>
-                        </m:r>
-                      </m:num>
-                      <m:den>
-                        <m:r>
-                          <a:rPr lang="en-US" altLang="zh-CN" i="1">
-                            <a:latin typeface="Cambria Math" panose="02040503050406030204" pitchFamily="18" charset="0"/>
-                          </a:rPr>
-                          <m:t>𝑑</m:t>
-                        </m:r>
-                        <m:sSub>
-                          <m:sSubPr>
-                            <m:ctrlPr>
-                              <a:rPr lang="en-US" altLang="zh-CN" i="1">
-                                <a:latin typeface="Cambria Math" panose="02040503050406030204" pitchFamily="18" charset="0"/>
-                              </a:rPr>
-                            </m:ctrlPr>
-                          </m:sSubPr>
-                          <m:e>
-                            <m:r>
-                              <a:rPr lang="en-US" altLang="zh-CN" i="1">
-                                <a:latin typeface="Cambria Math" panose="02040503050406030204" pitchFamily="18" charset="0"/>
-                              </a:rPr>
-                              <m:t>𝑤</m:t>
-                            </m:r>
-                          </m:e>
-                          <m:sub>
-                            <m:r>
-                              <a:rPr lang="en-US" altLang="zh-CN" b="0" i="1" smtClean="0">
-                                <a:latin typeface="Cambria Math" panose="02040503050406030204" pitchFamily="18" charset="0"/>
-                              </a:rPr>
-                              <m:t>53</m:t>
-                            </m:r>
-                          </m:sub>
-                        </m:sSub>
-                      </m:den>
-                    </m:f>
-                  </m:oMath>
-                </a14:m>
-                <a:r>
-                  <a:rPr lang="zh-CN" altLang="en-US" dirty="0"/>
-                  <a:t>，并且去掉激活函数？</a:t>
+                  <a:t>所以每层神经元的误差项计算公式都是什么？</a:t>
                 </a:r>
                 <a:endParaRPr lang="en-US" altLang="zh-CN" dirty="0"/>
               </a:p>
@@ -7658,78 +8991,188 @@
                   <a:buChar char="•"/>
                 </a:pPr>
                 <a:r>
-                  <a:rPr lang="en-US" altLang="zh-CN" dirty="0"/>
-                  <a:t>TODO </a:t>
-                </a:r>
-                <a:r>
-                  <a:rPr lang="zh-CN" altLang="en-US" dirty="0"/>
-                  <a:t>求</a:t>
+                  <a:rPr lang="zh-CN" altLang="en-US" b="0" i="0" dirty="0">
+                    <a:solidFill>
+                      <a:srgbClr val="333333"/>
+                    </a:solidFill>
+                    <a:effectLst/>
+                    <a:latin typeface="PingFang SC" panose="020B0400000000000000" pitchFamily="34" charset="-122"/>
+                    <a:ea typeface="PingFang SC" panose="020B0400000000000000" pitchFamily="34" charset="-122"/>
+                  </a:rPr>
+                  <a:t>每个神经元权重</a:t>
                 </a:r>
                 <a14:m>
                   <m:oMath xmlns:m="http://schemas.openxmlformats.org/officeDocument/2006/math">
-                    <m:f>
-                      <m:fPr>
+                    <m:sSub>
+                      <m:sSubPr>
                         <m:ctrlPr>
-                          <a:rPr lang="en-US" altLang="zh-CN" i="1">
+                          <a:rPr lang="en-US" altLang="zh-CN" b="0" i="1" smtClean="0">
+                            <a:solidFill>
+                              <a:srgbClr val="333333"/>
+                            </a:solidFill>
+                            <a:effectLst/>
                             <a:latin typeface="Cambria Math" panose="02040503050406030204" pitchFamily="18" charset="0"/>
+                            <a:ea typeface="PingFang SC" panose="020B0400000000000000" pitchFamily="34" charset="-122"/>
                           </a:rPr>
                         </m:ctrlPr>
-                      </m:fPr>
-                      <m:num>
+                      </m:sSubPr>
+                      <m:e>
                         <m:r>
-                          <a:rPr lang="en-US" altLang="zh-CN" i="1">
+                          <a:rPr lang="en-US" altLang="zh-CN" b="0" i="1" smtClean="0">
+                            <a:solidFill>
+                              <a:srgbClr val="333333"/>
+                            </a:solidFill>
+                            <a:effectLst/>
                             <a:latin typeface="Cambria Math" panose="02040503050406030204" pitchFamily="18" charset="0"/>
+                            <a:ea typeface="PingFang SC" panose="020B0400000000000000" pitchFamily="34" charset="-122"/>
                           </a:rPr>
-                          <m:t>𝑑𝐸</m:t>
+                          <m:t>𝑤</m:t>
                         </m:r>
-                      </m:num>
-                      <m:den>
+                      </m:e>
+                      <m:sub>
                         <m:r>
-                          <a:rPr lang="en-US" altLang="zh-CN" i="1">
+                          <a:rPr lang="en-US" altLang="zh-CN" b="0" i="1" smtClean="0">
+                            <a:solidFill>
+                              <a:srgbClr val="333333"/>
+                            </a:solidFill>
+                            <a:effectLst/>
                             <a:latin typeface="Cambria Math" panose="02040503050406030204" pitchFamily="18" charset="0"/>
+                            <a:ea typeface="PingFang SC" panose="020B0400000000000000" pitchFamily="34" charset="-122"/>
                           </a:rPr>
-                          <m:t>𝑑</m:t>
+                          <m:t>𝑗𝑖</m:t>
                         </m:r>
-                        <m:sSub>
-                          <m:sSubPr>
-                            <m:ctrlPr>
-                              <a:rPr lang="en-US" altLang="zh-CN" i="1">
-                                <a:latin typeface="Cambria Math" panose="02040503050406030204" pitchFamily="18" charset="0"/>
-                              </a:rPr>
-                            </m:ctrlPr>
-                          </m:sSubPr>
-                          <m:e>
-                            <m:r>
-                              <a:rPr lang="en-US" altLang="zh-CN" i="1">
-                                <a:latin typeface="Cambria Math" panose="02040503050406030204" pitchFamily="18" charset="0"/>
-                              </a:rPr>
-                              <m:t>𝑤</m:t>
-                            </m:r>
-                          </m:e>
-                          <m:sub>
-                            <m:r>
-                              <a:rPr lang="en-US" altLang="zh-CN" b="0" i="1" smtClean="0">
-                                <a:latin typeface="Cambria Math" panose="02040503050406030204" pitchFamily="18" charset="0"/>
-                              </a:rPr>
-                              <m:t>53</m:t>
-                            </m:r>
-                          </m:sub>
-                        </m:sSub>
-                      </m:den>
-                    </m:f>
+                      </m:sub>
+                    </m:sSub>
                   </m:oMath>
                 </a14:m>
                 <a:r>
-                  <a:rPr lang="en-US" altLang="zh-CN" dirty="0"/>
-                  <a:t> tu</a:t>
+                  <a:rPr lang="zh-CN" altLang="en-US" b="0" i="0" dirty="0">
+                    <a:solidFill>
+                      <a:srgbClr val="333333"/>
+                    </a:solidFill>
+                    <a:effectLst/>
+                    <a:latin typeface="PingFang SC" panose="020B0400000000000000" pitchFamily="34" charset="-122"/>
+                    <a:ea typeface="PingFang SC" panose="020B0400000000000000" pitchFamily="34" charset="-122"/>
+                  </a:rPr>
+                  <a:t>的梯度（</a:t>
                 </a:r>
+                <a:r>
+                  <a:rPr lang="en-US" altLang="zh-CN" dirty="0">
+                    <a:solidFill>
+                      <a:srgbClr val="333333"/>
+                    </a:solidFill>
+                    <a:ea typeface="PingFang SC" panose="020B0400000000000000" pitchFamily="34" charset="-122"/>
+                  </a:rPr>
+                  <a:t> </a:t>
+                </a:r>
+                <a14:m>
+                  <m:oMath xmlns:m="http://schemas.openxmlformats.org/officeDocument/2006/math">
+                    <m:sSub>
+                      <m:sSubPr>
+                        <m:ctrlPr>
+                          <a:rPr lang="en-US" altLang="zh-CN" i="1">
+                            <a:solidFill>
+                              <a:srgbClr val="333333"/>
+                            </a:solidFill>
+                            <a:latin typeface="Cambria Math" panose="02040503050406030204" pitchFamily="18" charset="0"/>
+                            <a:ea typeface="PingFang SC" panose="020B0400000000000000" pitchFamily="34" charset="-122"/>
+                          </a:rPr>
+                        </m:ctrlPr>
+                      </m:sSubPr>
+                      <m:e>
+                        <m:r>
+                          <a:rPr lang="en-US" altLang="zh-CN" i="1">
+                            <a:solidFill>
+                              <a:srgbClr val="333333"/>
+                            </a:solidFill>
+                            <a:latin typeface="Cambria Math" panose="02040503050406030204" pitchFamily="18" charset="0"/>
+                            <a:ea typeface="PingFang SC" panose="020B0400000000000000" pitchFamily="34" charset="-122"/>
+                          </a:rPr>
+                          <m:t>𝑤</m:t>
+                        </m:r>
+                      </m:e>
+                      <m:sub>
+                        <m:r>
+                          <a:rPr lang="en-US" altLang="zh-CN" i="1">
+                            <a:solidFill>
+                              <a:srgbClr val="333333"/>
+                            </a:solidFill>
+                            <a:latin typeface="Cambria Math" panose="02040503050406030204" pitchFamily="18" charset="0"/>
+                            <a:ea typeface="PingFang SC" panose="020B0400000000000000" pitchFamily="34" charset="-122"/>
+                          </a:rPr>
+                          <m:t>𝑗𝑖</m:t>
+                        </m:r>
+                      </m:sub>
+                    </m:sSub>
+                  </m:oMath>
+                </a14:m>
+                <a:r>
+                  <a:rPr lang="zh-CN" altLang="en-US" b="0" i="0" dirty="0">
+                    <a:solidFill>
+                      <a:srgbClr val="333333"/>
+                    </a:solidFill>
+                    <a:effectLst/>
+                    <a:latin typeface="PingFang SC" panose="020B0400000000000000" pitchFamily="34" charset="-122"/>
+                    <a:ea typeface="PingFang SC" panose="020B0400000000000000" pitchFamily="34" charset="-122"/>
+                  </a:rPr>
+                  <a:t>表示从神经元</a:t>
+                </a:r>
+                <a:r>
+                  <a:rPr lang="en" altLang="zh-CN" b="0" i="0" dirty="0" err="1">
+                    <a:solidFill>
+                      <a:srgbClr val="333333"/>
+                    </a:solidFill>
+                    <a:effectLst/>
+                    <a:latin typeface="PingFang SC" panose="020B0400000000000000" pitchFamily="34" charset="-122"/>
+                    <a:ea typeface="PingFang SC" panose="020B0400000000000000" pitchFamily="34" charset="-122"/>
+                  </a:rPr>
+                  <a:t>i</a:t>
+                </a:r>
+                <a:r>
+                  <a:rPr lang="zh-CN" altLang="en-US" b="0" i="0" dirty="0">
+                    <a:solidFill>
+                      <a:srgbClr val="333333"/>
+                    </a:solidFill>
+                    <a:effectLst/>
+                    <a:latin typeface="PingFang SC" panose="020B0400000000000000" pitchFamily="34" charset="-122"/>
+                    <a:ea typeface="PingFang SC" panose="020B0400000000000000" pitchFamily="34" charset="-122"/>
+                  </a:rPr>
+                  <a:t>接到神经元</a:t>
+                </a:r>
+                <a:r>
+                  <a:rPr lang="en" altLang="zh-CN" b="0" i="0" dirty="0">
+                    <a:solidFill>
+                      <a:srgbClr val="333333"/>
+                    </a:solidFill>
+                    <a:effectLst/>
+                    <a:latin typeface="PingFang SC" panose="020B0400000000000000" pitchFamily="34" charset="-122"/>
+                    <a:ea typeface="PingFang SC" panose="020B0400000000000000" pitchFamily="34" charset="-122"/>
+                  </a:rPr>
+                  <a:t>j</a:t>
+                </a:r>
+                <a:r>
+                  <a:rPr lang="zh-CN" altLang="en-US" b="0" i="0" dirty="0">
+                    <a:solidFill>
+                      <a:srgbClr val="333333"/>
+                    </a:solidFill>
+                    <a:effectLst/>
+                    <a:latin typeface="PingFang SC" panose="020B0400000000000000" pitchFamily="34" charset="-122"/>
+                    <a:ea typeface="PingFang SC" panose="020B0400000000000000" pitchFamily="34" charset="-122"/>
+                  </a:rPr>
+                  <a:t>的权重）是什么？</a:t>
+                </a:r>
+                <a:endParaRPr lang="en-US" altLang="zh-CN" dirty="0"/>
               </a:p>
               <a:p>
                 <a:pPr marL="285750" indent="-285750">
                   <a:buFont typeface="Arial" panose="020B0604020202020204" pitchFamily="34" charset="0"/>
                   <a:buChar char="•"/>
                 </a:pPr>
-                <a:endParaRPr lang="zh-CN" altLang="en-US" dirty="0"/>
+                <a:r>
+                  <a:rPr lang="zh-CN" altLang="en-US" dirty="0"/>
+                  <a:t>所以求梯度的问题转换为求什么？</a:t>
+                </a:r>
+                <a:endParaRPr lang="en-US" altLang="zh-CN" dirty="0"/>
               </a:p>
               <a:p>
                 <a:pPr marL="285750" indent="-285750">
@@ -7744,6 +9187,23 @@
                   <a:buChar char="•"/>
                 </a:pPr>
                 <a:endParaRPr lang="en-US" altLang="zh-CN" dirty="0"/>
+              </a:p>
+              <a:p>
+                <a:pPr marL="285750" indent="-285750">
+                  <a:buFont typeface="Arial" panose="020B0604020202020204" pitchFamily="34" charset="0"/>
+                  <a:buChar char="•"/>
+                </a:pPr>
+                <a:endParaRPr lang="en-US" altLang="zh-CN" dirty="0"/>
+              </a:p>
+              <a:p>
+                <a:pPr marL="285750" indent="-285750">
+                  <a:buFont typeface="Arial" panose="020B0604020202020204" pitchFamily="34" charset="0"/>
+                  <a:buChar char="•"/>
+                </a:pPr>
+                <a:r>
+                  <a:rPr lang="zh-CN" altLang="en-US" dirty="0"/>
+                  <a:t>自学、互学、展学</a:t>
+                </a:r>
               </a:p>
               <a:p>
                 <a:pPr marL="285750" indent="-285750">
@@ -7833,10 +9293,10 @@
       </p:sp>
       <p:pic>
         <p:nvPicPr>
-          <p:cNvPr id="4" name="图片 3">
+          <p:cNvPr id="7" name="图片 6">
             <a:extLst>
               <a:ext uri="{FF2B5EF4-FFF2-40B4-BE49-F238E27FC236}">
-                <a16:creationId xmlns:a16="http://schemas.microsoft.com/office/drawing/2014/main" id="{51DA87FF-3146-7180-01FA-8EEA21F9C661}"/>
+                <a16:creationId xmlns:a16="http://schemas.microsoft.com/office/drawing/2014/main" id="{102A04C1-A0EF-8020-BCA4-8B974C2021E4}"/>
               </a:ext>
             </a:extLst>
           </p:cNvPr>
@@ -7859,8 +9319,8 @@
         </p:blipFill>
         <p:spPr>
           <a:xfrm>
-            <a:off x="7666801" y="1585658"/>
-            <a:ext cx="4127500" cy="2667000"/>
+            <a:off x="9014098" y="1459631"/>
+            <a:ext cx="1485900" cy="952500"/>
           </a:xfrm>
           <a:prstGeom prst="rect">
             <a:avLst/>
@@ -7869,10 +9329,10 @@
       </p:pic>
       <p:pic>
         <p:nvPicPr>
-          <p:cNvPr id="8" name="图片 7">
+          <p:cNvPr id="12" name="图片 11">
             <a:extLst>
               <a:ext uri="{FF2B5EF4-FFF2-40B4-BE49-F238E27FC236}">
-                <a16:creationId xmlns:a16="http://schemas.microsoft.com/office/drawing/2014/main" id="{F97A3781-7453-0AEA-FA4B-3BA242F85294}"/>
+                <a16:creationId xmlns:a16="http://schemas.microsoft.com/office/drawing/2014/main" id="{0C3342E7-FC77-F375-468F-10CCB7E4B998}"/>
               </a:ext>
             </a:extLst>
           </p:cNvPr>
@@ -7895,8 +9355,44 @@
         </p:blipFill>
         <p:spPr>
           <a:xfrm>
-            <a:off x="1296237" y="2919158"/>
-            <a:ext cx="6461879" cy="2953166"/>
+            <a:off x="8902491" y="2748816"/>
+            <a:ext cx="2425700" cy="1117600"/>
+          </a:xfrm>
+          <a:prstGeom prst="rect">
+            <a:avLst/>
+          </a:prstGeom>
+        </p:spPr>
+      </p:pic>
+      <p:pic>
+        <p:nvPicPr>
+          <p:cNvPr id="15" name="图片 14">
+            <a:extLst>
+              <a:ext uri="{FF2B5EF4-FFF2-40B4-BE49-F238E27FC236}">
+                <a16:creationId xmlns:a16="http://schemas.microsoft.com/office/drawing/2014/main" id="{7A5725D1-CCBE-6576-50B3-1B98A353DEF8}"/>
+              </a:ext>
+            </a:extLst>
+          </p:cNvPr>
+          <p:cNvPicPr>
+            <a:picLocks noChangeAspect="1"/>
+          </p:cNvPicPr>
+          <p:nvPr/>
+        </p:nvPicPr>
+        <p:blipFill>
+          <a:blip r:embed="rId6">
+            <a:extLst>
+              <a:ext uri="{28A0092B-C50C-407E-A947-70E740481C1C}">
+                <a14:useLocalDpi xmlns:a14="http://schemas.microsoft.com/office/drawing/2010/main" val="0"/>
+              </a:ext>
+            </a:extLst>
+          </a:blip>
+          <a:stretch>
+            <a:fillRect/>
+          </a:stretch>
+        </p:blipFill>
+        <p:spPr>
+          <a:xfrm>
+            <a:off x="5872241" y="4055698"/>
+            <a:ext cx="3640207" cy="2352134"/>
           </a:xfrm>
           <a:prstGeom prst="rect">
             <a:avLst/>
@@ -7909,17 +9405,235 @@
     </p:custDataLst>
     <p:extLst>
       <p:ext uri="{BB962C8B-B14F-4D97-AF65-F5344CB8AC3E}">
-        <p14:creationId xmlns:p14="http://schemas.microsoft.com/office/powerpoint/2010/main" val="305155510"/>
+        <p14:creationId xmlns:p14="http://schemas.microsoft.com/office/powerpoint/2010/main" val="4125801401"/>
       </p:ext>
     </p:extLst>
   </p:cSld>
   <p:clrMapOvr>
     <a:masterClrMapping/>
   </p:clrMapOvr>
+  <p:timing>
+    <p:tnLst>
+      <p:par>
+        <p:cTn id="1" dur="indefinite" restart="never" nodeType="tmRoot">
+          <p:childTnLst>
+            <p:seq concurrent="1" nextAc="seek">
+              <p:cTn id="2" dur="indefinite" nodeType="mainSeq">
+                <p:childTnLst>
+                  <p:par>
+                    <p:cTn id="3" fill="hold">
+                      <p:stCondLst>
+                        <p:cond delay="indefinite"/>
+                      </p:stCondLst>
+                      <p:childTnLst>
+                        <p:par>
+                          <p:cTn id="4" fill="hold">
+                            <p:stCondLst>
+                              <p:cond delay="0"/>
+                            </p:stCondLst>
+                            <p:childTnLst>
+                              <p:par>
+                                <p:cTn id="5" presetID="1" presetClass="entr" presetSubtype="0" fill="hold" nodeType="clickEffect">
+                                  <p:stCondLst>
+                                    <p:cond delay="0"/>
+                                  </p:stCondLst>
+                                  <p:childTnLst>
+                                    <p:set>
+                                      <p:cBhvr>
+                                        <p:cTn id="6" dur="1" fill="hold">
+                                          <p:stCondLst>
+                                            <p:cond delay="0"/>
+                                          </p:stCondLst>
+                                        </p:cTn>
+                                        <p:tgtEl>
+                                          <p:spTgt spid="7"/>
+                                        </p:tgtEl>
+                                        <p:attrNameLst>
+                                          <p:attrName>style.visibility</p:attrName>
+                                        </p:attrNameLst>
+                                      </p:cBhvr>
+                                      <p:to>
+                                        <p:strVal val="visible"/>
+                                      </p:to>
+                                    </p:set>
+                                  </p:childTnLst>
+                                </p:cTn>
+                              </p:par>
+                            </p:childTnLst>
+                          </p:cTn>
+                        </p:par>
+                      </p:childTnLst>
+                    </p:cTn>
+                  </p:par>
+                  <p:par>
+                    <p:cTn id="7" fill="hold">
+                      <p:stCondLst>
+                        <p:cond delay="indefinite"/>
+                      </p:stCondLst>
+                      <p:childTnLst>
+                        <p:par>
+                          <p:cTn id="8" fill="hold">
+                            <p:stCondLst>
+                              <p:cond delay="0"/>
+                            </p:stCondLst>
+                            <p:childTnLst>
+                              <p:par>
+                                <p:cTn id="9" presetID="1" presetClass="entr" presetSubtype="0" fill="hold" nodeType="clickEffect">
+                                  <p:stCondLst>
+                                    <p:cond delay="0"/>
+                                  </p:stCondLst>
+                                  <p:childTnLst>
+                                    <p:set>
+                                      <p:cBhvr>
+                                        <p:cTn id="10" dur="1" fill="hold">
+                                          <p:stCondLst>
+                                            <p:cond delay="0"/>
+                                          </p:stCondLst>
+                                        </p:cTn>
+                                        <p:tgtEl>
+                                          <p:spTgt spid="2">
+                                            <p:txEl>
+                                              <p:pRg st="1" end="1"/>
+                                            </p:txEl>
+                                          </p:spTgt>
+                                        </p:tgtEl>
+                                        <p:attrNameLst>
+                                          <p:attrName>style.visibility</p:attrName>
+                                        </p:attrNameLst>
+                                      </p:cBhvr>
+                                      <p:to>
+                                        <p:strVal val="visible"/>
+                                      </p:to>
+                                    </p:set>
+                                  </p:childTnLst>
+                                </p:cTn>
+                              </p:par>
+                            </p:childTnLst>
+                          </p:cTn>
+                        </p:par>
+                      </p:childTnLst>
+                    </p:cTn>
+                  </p:par>
+                  <p:par>
+                    <p:cTn id="11" fill="hold">
+                      <p:stCondLst>
+                        <p:cond delay="indefinite"/>
+                      </p:stCondLst>
+                      <p:childTnLst>
+                        <p:par>
+                          <p:cTn id="12" fill="hold">
+                            <p:stCondLst>
+                              <p:cond delay="0"/>
+                            </p:stCondLst>
+                            <p:childTnLst>
+                              <p:par>
+                                <p:cTn id="13" presetID="1" presetClass="entr" presetSubtype="0" fill="hold" nodeType="clickEffect">
+                                  <p:stCondLst>
+                                    <p:cond delay="0"/>
+                                  </p:stCondLst>
+                                  <p:childTnLst>
+                                    <p:set>
+                                      <p:cBhvr>
+                                        <p:cTn id="14" dur="1" fill="hold">
+                                          <p:stCondLst>
+                                            <p:cond delay="0"/>
+                                          </p:stCondLst>
+                                        </p:cTn>
+                                        <p:tgtEl>
+                                          <p:spTgt spid="12"/>
+                                        </p:tgtEl>
+                                        <p:attrNameLst>
+                                          <p:attrName>style.visibility</p:attrName>
+                                        </p:attrNameLst>
+                                      </p:cBhvr>
+                                      <p:to>
+                                        <p:strVal val="visible"/>
+                                      </p:to>
+                                    </p:set>
+                                  </p:childTnLst>
+                                </p:cTn>
+                              </p:par>
+                            </p:childTnLst>
+                          </p:cTn>
+                        </p:par>
+                      </p:childTnLst>
+                    </p:cTn>
+                  </p:par>
+                  <p:par>
+                    <p:cTn id="15" fill="hold">
+                      <p:stCondLst>
+                        <p:cond delay="indefinite"/>
+                      </p:stCondLst>
+                      <p:childTnLst>
+                        <p:par>
+                          <p:cTn id="16" fill="hold">
+                            <p:stCondLst>
+                              <p:cond delay="0"/>
+                            </p:stCondLst>
+                            <p:childTnLst>
+                              <p:par>
+                                <p:cTn id="17" presetID="1" presetClass="entr" presetSubtype="0" fill="hold" nodeType="clickEffect">
+                                  <p:stCondLst>
+                                    <p:cond delay="0"/>
+                                  </p:stCondLst>
+                                  <p:childTnLst>
+                                    <p:set>
+                                      <p:cBhvr>
+                                        <p:cTn id="18" dur="1" fill="hold">
+                                          <p:stCondLst>
+                                            <p:cond delay="0"/>
+                                          </p:stCondLst>
+                                        </p:cTn>
+                                        <p:tgtEl>
+                                          <p:spTgt spid="2">
+                                            <p:txEl>
+                                              <p:pRg st="2" end="2"/>
+                                            </p:txEl>
+                                          </p:spTgt>
+                                        </p:tgtEl>
+                                        <p:attrNameLst>
+                                          <p:attrName>style.visibility</p:attrName>
+                                        </p:attrNameLst>
+                                      </p:cBhvr>
+                                      <p:to>
+                                        <p:strVal val="visible"/>
+                                      </p:to>
+                                    </p:set>
+                                  </p:childTnLst>
+                                </p:cTn>
+                              </p:par>
+                            </p:childTnLst>
+                          </p:cTn>
+                        </p:par>
+                      </p:childTnLst>
+                    </p:cTn>
+                  </p:par>
+                </p:childTnLst>
+              </p:cTn>
+              <p:prevCondLst>
+                <p:cond evt="onPrev" delay="0">
+                  <p:tgtEl>
+                    <p:sldTgt/>
+                  </p:tgtEl>
+                </p:cond>
+              </p:prevCondLst>
+              <p:nextCondLst>
+                <p:cond evt="onNext" delay="0">
+                  <p:tgtEl>
+                    <p:sldTgt/>
+                  </p:tgtEl>
+                </p:cond>
+              </p:nextCondLst>
+            </p:seq>
+          </p:childTnLst>
+        </p:cTn>
+      </p:par>
+    </p:tnLst>
+  </p:timing>
 </p:sld>
 </file>
 
-<file path=ppt/slides/slide14.xml><?xml version="1.0" encoding="utf-8"?>
+<file path=ppt/slides/slide16.xml><?xml version="1.0" encoding="utf-8"?>
 <p:sld xmlns:a="http://schemas.openxmlformats.org/drawingml/2006/main" xmlns:r="http://schemas.openxmlformats.org/officeDocument/2006/relationships" xmlns:p="http://schemas.openxmlformats.org/presentationml/2006/main">
   <p:cSld>
     <p:spTree>
@@ -7957,18 +9671,7 @@
             </a:pPr>
             <a:r>
               <a:rPr lang="zh-CN" altLang="en-US" dirty="0"/>
-              <a:t>所以求梯度的问题转换为求什么？</a:t>
-            </a:r>
-            <a:endParaRPr lang="en-US" altLang="zh-CN" dirty="0"/>
-          </a:p>
-          <a:p>
-            <a:pPr marL="285750" indent="-285750">
-              <a:buFont typeface="Arial" panose="020B0604020202020204" pitchFamily="34" charset="0"/>
-              <a:buChar char="•"/>
-            </a:pPr>
-            <a:r>
-              <a:rPr lang="zh-CN" altLang="en-US" dirty="0"/>
-              <a:t>如何推导输出层的误差项？</a:t>
+              <a:t>如何计算输出层神经元的误差项？</a:t>
             </a:r>
             <a:endParaRPr lang="en-US" altLang="zh-CN" dirty="0"/>
           </a:p>
@@ -8047,51 +9750,12 @@
           </a:p>
         </p:txBody>
       </p:sp>
-      <p:sp>
-        <p:nvSpPr>
-          <p:cNvPr id="4" name="文本框 3">
+      <p:pic>
+        <p:nvPicPr>
+          <p:cNvPr id="14" name="图片 13">
             <a:extLst>
               <a:ext uri="{FF2B5EF4-FFF2-40B4-BE49-F238E27FC236}">
-                <a16:creationId xmlns:a16="http://schemas.microsoft.com/office/drawing/2014/main" id="{77EEC303-4548-755A-07AD-E9168FAD41EB}"/>
-              </a:ext>
-            </a:extLst>
-          </p:cNvPr>
-          <p:cNvSpPr txBox="1"/>
-          <p:nvPr/>
-        </p:nvSpPr>
-        <p:spPr>
-          <a:xfrm>
-            <a:off x="7275007" y="1606138"/>
-            <a:ext cx="3647152" cy="646331"/>
-          </a:xfrm>
-          <a:prstGeom prst="rect">
-            <a:avLst/>
-          </a:prstGeom>
-          <a:noFill/>
-        </p:spPr>
-        <p:txBody>
-          <a:bodyPr wrap="none" rtlCol="0">
-            <a:spAutoFit/>
-          </a:bodyPr>
-          <a:lstStyle/>
-          <a:p>
-            <a:r>
-              <a:rPr lang="zh-CN" altLang="en-US" dirty="0"/>
-              <a:t>转换为求输出层和隐藏层的误差项</a:t>
-            </a:r>
-            <a:endParaRPr lang="en-US" altLang="zh-CN" dirty="0"/>
-          </a:p>
-          <a:p>
-            <a:endParaRPr kumimoji="1" lang="zh-CN" altLang="en-US" dirty="0"/>
-          </a:p>
-        </p:txBody>
-      </p:sp>
-      <p:pic>
-        <p:nvPicPr>
-          <p:cNvPr id="6" name="图片 5">
-            <a:extLst>
-              <a:ext uri="{FF2B5EF4-FFF2-40B4-BE49-F238E27FC236}">
-                <a16:creationId xmlns:a16="http://schemas.microsoft.com/office/drawing/2014/main" id="{B1D2DCE0-1216-AF8A-2922-65FC319E583D}"/>
+                <a16:creationId xmlns:a16="http://schemas.microsoft.com/office/drawing/2014/main" id="{E86554B3-27BA-E3F1-5CE6-767A1677AA65}"/>
               </a:ext>
             </a:extLst>
           </p:cNvPr>
@@ -8114,8 +9778,8 @@
         </p:blipFill>
         <p:spPr>
           <a:xfrm>
-            <a:off x="4772966" y="1858945"/>
-            <a:ext cx="1652117" cy="899486"/>
+            <a:off x="5872241" y="1965680"/>
+            <a:ext cx="1663700" cy="774700"/>
           </a:xfrm>
           <a:prstGeom prst="rect">
             <a:avLst/>
@@ -8124,10 +9788,10 @@
       </p:pic>
       <p:pic>
         <p:nvPicPr>
-          <p:cNvPr id="9" name="图片 8">
+          <p:cNvPr id="15" name="图片 14">
             <a:extLst>
               <a:ext uri="{FF2B5EF4-FFF2-40B4-BE49-F238E27FC236}">
-                <a16:creationId xmlns:a16="http://schemas.microsoft.com/office/drawing/2014/main" id="{E569DD36-8959-4FF4-1ACF-E9D6F259CA66}"/>
+                <a16:creationId xmlns:a16="http://schemas.microsoft.com/office/drawing/2014/main" id="{7A5725D1-CCBE-6576-50B3-1B98A353DEF8}"/>
               </a:ext>
             </a:extLst>
           </p:cNvPr>
@@ -8150,8 +9814,8 @@
         </p:blipFill>
         <p:spPr>
           <a:xfrm>
-            <a:off x="6824339" y="2252469"/>
-            <a:ext cx="1892300" cy="457200"/>
+            <a:off x="5872241" y="4055698"/>
+            <a:ext cx="3640207" cy="2352134"/>
           </a:xfrm>
           <a:prstGeom prst="rect">
             <a:avLst/>
@@ -8164,17 +9828,141 @@
     </p:custDataLst>
     <p:extLst>
       <p:ext uri="{BB962C8B-B14F-4D97-AF65-F5344CB8AC3E}">
-        <p14:creationId xmlns:p14="http://schemas.microsoft.com/office/powerpoint/2010/main" val="95354785"/>
+        <p14:creationId xmlns:p14="http://schemas.microsoft.com/office/powerpoint/2010/main" val="2025532464"/>
       </p:ext>
     </p:extLst>
   </p:cSld>
   <p:clrMapOvr>
     <a:masterClrMapping/>
   </p:clrMapOvr>
+  <p:timing>
+    <p:tnLst>
+      <p:par>
+        <p:cTn id="1" dur="indefinite" restart="never" nodeType="tmRoot">
+          <p:childTnLst>
+            <p:seq concurrent="1" nextAc="seek">
+              <p:cTn id="2" dur="indefinite" nodeType="mainSeq">
+                <p:childTnLst>
+                  <p:par>
+                    <p:cTn id="3" fill="hold">
+                      <p:stCondLst>
+                        <p:cond delay="indefinite"/>
+                      </p:stCondLst>
+                      <p:childTnLst>
+                        <p:par>
+                          <p:cTn id="4" fill="hold">
+                            <p:stCondLst>
+                              <p:cond delay="0"/>
+                            </p:stCondLst>
+                            <p:childTnLst>
+                              <p:par>
+                                <p:cTn id="5" presetID="1" presetClass="entr" presetSubtype="0" fill="hold" nodeType="clickEffect">
+                                  <p:stCondLst>
+                                    <p:cond delay="0"/>
+                                  </p:stCondLst>
+                                  <p:childTnLst>
+                                    <p:set>
+                                      <p:cBhvr>
+                                        <p:cTn id="6" dur="1" fill="hold">
+                                          <p:stCondLst>
+                                            <p:cond delay="0"/>
+                                          </p:stCondLst>
+                                        </p:cTn>
+                                        <p:tgtEl>
+                                          <p:spTgt spid="2">
+                                            <p:txEl>
+                                              <p:pRg st="0" end="0"/>
+                                            </p:txEl>
+                                          </p:spTgt>
+                                        </p:tgtEl>
+                                        <p:attrNameLst>
+                                          <p:attrName>style.visibility</p:attrName>
+                                        </p:attrNameLst>
+                                      </p:cBhvr>
+                                      <p:to>
+                                        <p:strVal val="visible"/>
+                                      </p:to>
+                                    </p:set>
+                                  </p:childTnLst>
+                                </p:cTn>
+                              </p:par>
+                            </p:childTnLst>
+                          </p:cTn>
+                        </p:par>
+                      </p:childTnLst>
+                    </p:cTn>
+                  </p:par>
+                  <p:par>
+                    <p:cTn id="7" fill="hold">
+                      <p:stCondLst>
+                        <p:cond delay="indefinite"/>
+                      </p:stCondLst>
+                      <p:childTnLst>
+                        <p:par>
+                          <p:cTn id="8" fill="hold">
+                            <p:stCondLst>
+                              <p:cond delay="0"/>
+                            </p:stCondLst>
+                            <p:childTnLst>
+                              <p:par>
+                                <p:cTn id="9" presetID="1" presetClass="entr" presetSubtype="0" fill="hold" nodeType="clickEffect">
+                                  <p:stCondLst>
+                                    <p:cond delay="0"/>
+                                  </p:stCondLst>
+                                  <p:childTnLst>
+                                    <p:set>
+                                      <p:cBhvr>
+                                        <p:cTn id="10" dur="1" fill="hold">
+                                          <p:stCondLst>
+                                            <p:cond delay="0"/>
+                                          </p:stCondLst>
+                                        </p:cTn>
+                                        <p:tgtEl>
+                                          <p:spTgt spid="14"/>
+                                        </p:tgtEl>
+                                        <p:attrNameLst>
+                                          <p:attrName>style.visibility</p:attrName>
+                                        </p:attrNameLst>
+                                      </p:cBhvr>
+                                      <p:to>
+                                        <p:strVal val="visible"/>
+                                      </p:to>
+                                    </p:set>
+                                  </p:childTnLst>
+                                </p:cTn>
+                              </p:par>
+                            </p:childTnLst>
+                          </p:cTn>
+                        </p:par>
+                      </p:childTnLst>
+                    </p:cTn>
+                  </p:par>
+                </p:childTnLst>
+              </p:cTn>
+              <p:prevCondLst>
+                <p:cond evt="onPrev" delay="0">
+                  <p:tgtEl>
+                    <p:sldTgt/>
+                  </p:tgtEl>
+                </p:cond>
+              </p:prevCondLst>
+              <p:nextCondLst>
+                <p:cond evt="onNext" delay="0">
+                  <p:tgtEl>
+                    <p:sldTgt/>
+                  </p:tgtEl>
+                </p:cond>
+              </p:nextCondLst>
+            </p:seq>
+          </p:childTnLst>
+        </p:cTn>
+      </p:par>
+    </p:tnLst>
+  </p:timing>
 </p:sld>
 </file>
 
-<file path=ppt/slides/slide15.xml><?xml version="1.0" encoding="utf-8"?>
+<file path=ppt/slides/slide17.xml><?xml version="1.0" encoding="utf-8"?>
 <p:sld xmlns:a="http://schemas.openxmlformats.org/drawingml/2006/main" xmlns:r="http://schemas.openxmlformats.org/officeDocument/2006/relationships" xmlns:p="http://schemas.openxmlformats.org/presentationml/2006/main">
   <p:cSld>
     <p:spTree>
@@ -8191,25 +9979,6 @@
           <a:chExt cx="0" cy="0"/>
         </a:xfrm>
       </p:grpSpPr>
-      <p:sp>
-        <p:nvSpPr>
-          <p:cNvPr id="3" name="标题 2"/>
-          <p:cNvSpPr>
-            <a:spLocks noGrp="1"/>
-          </p:cNvSpPr>
-          <p:nvPr>
-            <p:ph type="title"/>
-          </p:nvPr>
-        </p:nvSpPr>
-        <p:spPr/>
-        <p:txBody>
-          <a:bodyPr/>
-          <a:lstStyle/>
-          <a:p>
-            <a:endParaRPr lang="zh-CN" altLang="en-US" dirty="0"/>
-          </a:p>
-        </p:txBody>
-      </p:sp>
       <p:pic>
         <p:nvPicPr>
           <p:cNvPr id="6" name="图片 5">
@@ -8248,10 +10017,10 @@
       </p:pic>
       <p:pic>
         <p:nvPicPr>
-          <p:cNvPr id="8" name="图片 7">
+          <p:cNvPr id="9" name="图片 8">
             <a:extLst>
               <a:ext uri="{FF2B5EF4-FFF2-40B4-BE49-F238E27FC236}">
-                <a16:creationId xmlns:a16="http://schemas.microsoft.com/office/drawing/2014/main" id="{00698EA7-4D8E-0AB4-B25A-275849BAB5F4}"/>
+                <a16:creationId xmlns:a16="http://schemas.microsoft.com/office/drawing/2014/main" id="{BF6E8693-4405-91C5-40E0-5CEBB752635D}"/>
               </a:ext>
             </a:extLst>
           </p:cNvPr>
@@ -8274,8 +10043,8 @@
         </p:blipFill>
         <p:spPr>
           <a:xfrm>
-            <a:off x="1607736" y="641550"/>
-            <a:ext cx="6268760" cy="5466841"/>
+            <a:off x="7881912" y="2252933"/>
+            <a:ext cx="3640207" cy="2352134"/>
           </a:xfrm>
           <a:prstGeom prst="rect">
             <a:avLst/>
@@ -8284,10 +10053,10 @@
       </p:pic>
       <p:pic>
         <p:nvPicPr>
-          <p:cNvPr id="9" name="图片 8">
+          <p:cNvPr id="11" name="图片 10">
             <a:extLst>
               <a:ext uri="{FF2B5EF4-FFF2-40B4-BE49-F238E27FC236}">
-                <a16:creationId xmlns:a16="http://schemas.microsoft.com/office/drawing/2014/main" id="{BF6E8693-4405-91C5-40E0-5CEBB752635D}"/>
+                <a16:creationId xmlns:a16="http://schemas.microsoft.com/office/drawing/2014/main" id="{33B1A0C7-29B3-F4D1-2583-A88BE1F70AF5}"/>
               </a:ext>
             </a:extLst>
           </p:cNvPr>
@@ -8310,8 +10079,8 @@
         </p:blipFill>
         <p:spPr>
           <a:xfrm>
-            <a:off x="7881912" y="2252933"/>
-            <a:ext cx="3640207" cy="2352134"/>
+            <a:off x="669881" y="390352"/>
+            <a:ext cx="6596476" cy="5578370"/>
           </a:xfrm>
           <a:prstGeom prst="rect">
             <a:avLst/>
@@ -8331,10 +10100,130 @@
   <p:clrMapOvr>
     <a:masterClrMapping/>
   </p:clrMapOvr>
+  <p:timing>
+    <p:tnLst>
+      <p:par>
+        <p:cTn id="1" dur="indefinite" restart="never" nodeType="tmRoot">
+          <p:childTnLst>
+            <p:seq concurrent="1" nextAc="seek">
+              <p:cTn id="2" dur="indefinite" nodeType="mainSeq">
+                <p:childTnLst>
+                  <p:par>
+                    <p:cTn id="3" fill="hold">
+                      <p:stCondLst>
+                        <p:cond delay="indefinite"/>
+                      </p:stCondLst>
+                      <p:childTnLst>
+                        <p:par>
+                          <p:cTn id="4" fill="hold">
+                            <p:stCondLst>
+                              <p:cond delay="0"/>
+                            </p:stCondLst>
+                            <p:childTnLst>
+                              <p:par>
+                                <p:cTn id="5" presetID="1" presetClass="entr" presetSubtype="0" fill="hold" nodeType="clickEffect">
+                                  <p:stCondLst>
+                                    <p:cond delay="0"/>
+                                  </p:stCondLst>
+                                  <p:childTnLst>
+                                    <p:set>
+                                      <p:cBhvr>
+                                        <p:cTn id="6" dur="1" fill="hold">
+                                          <p:stCondLst>
+                                            <p:cond delay="0"/>
+                                          </p:stCondLst>
+                                        </p:cTn>
+                                        <p:tgtEl>
+                                          <p:spTgt spid="6"/>
+                                        </p:tgtEl>
+                                        <p:attrNameLst>
+                                          <p:attrName>style.visibility</p:attrName>
+                                        </p:attrNameLst>
+                                      </p:cBhvr>
+                                      <p:to>
+                                        <p:strVal val="visible"/>
+                                      </p:to>
+                                    </p:set>
+                                  </p:childTnLst>
+                                </p:cTn>
+                              </p:par>
+                            </p:childTnLst>
+                          </p:cTn>
+                        </p:par>
+                      </p:childTnLst>
+                    </p:cTn>
+                  </p:par>
+                  <p:par>
+                    <p:cTn id="7" fill="hold">
+                      <p:stCondLst>
+                        <p:cond delay="indefinite"/>
+                      </p:stCondLst>
+                      <p:childTnLst>
+                        <p:par>
+                          <p:cTn id="8" fill="hold">
+                            <p:stCondLst>
+                              <p:cond delay="0"/>
+                            </p:stCondLst>
+                            <p:childTnLst>
+                              <p:par>
+                                <p:cTn id="9" presetID="1" presetClass="entr" presetSubtype="0" fill="hold" nodeType="clickEffect">
+                                  <p:stCondLst>
+                                    <p:cond delay="0"/>
+                                  </p:stCondLst>
+                                  <p:childTnLst>
+                                    <p:set>
+                                      <p:cBhvr>
+                                        <p:cTn id="10" dur="1" fill="hold">
+                                          <p:stCondLst>
+                                            <p:cond delay="0"/>
+                                          </p:stCondLst>
+                                        </p:cTn>
+                                        <p:tgtEl>
+                                          <p:spTgt spid="11"/>
+                                        </p:tgtEl>
+                                        <p:attrNameLst>
+                                          <p:attrName>style.visibility</p:attrName>
+                                        </p:attrNameLst>
+                                      </p:cBhvr>
+                                      <p:to>
+                                        <p:strVal val="visible"/>
+                                      </p:to>
+                                    </p:set>
+                                  </p:childTnLst>
+                                </p:cTn>
+                              </p:par>
+                            </p:childTnLst>
+                          </p:cTn>
+                        </p:par>
+                      </p:childTnLst>
+                    </p:cTn>
+                  </p:par>
+                </p:childTnLst>
+              </p:cTn>
+              <p:prevCondLst>
+                <p:cond evt="onPrev" delay="0">
+                  <p:tgtEl>
+                    <p:sldTgt/>
+                  </p:tgtEl>
+                </p:cond>
+              </p:prevCondLst>
+              <p:nextCondLst>
+                <p:cond evt="onNext" delay="0">
+                  <p:tgtEl>
+                    <p:sldTgt/>
+                  </p:tgtEl>
+                </p:cond>
+              </p:nextCondLst>
+            </p:seq>
+          </p:childTnLst>
+        </p:cTn>
+      </p:par>
+    </p:tnLst>
+  </p:timing>
 </p:sld>
 </file>
 
-<file path=ppt/slides/slide16.xml><?xml version="1.0" encoding="utf-8"?>
+<file path=ppt/slides/slide18.xml><?xml version="1.0" encoding="utf-8"?>
 <p:sld xmlns:a="http://schemas.openxmlformats.org/drawingml/2006/main" xmlns:r="http://schemas.openxmlformats.org/officeDocument/2006/relationships" xmlns:p="http://schemas.openxmlformats.org/presentationml/2006/main">
   <p:cSld>
     <p:spTree>
@@ -8372,7 +10261,7 @@
             </a:pPr>
             <a:r>
               <a:rPr lang="zh-CN" altLang="en-US" dirty="0"/>
-              <a:t>如何向量化输出层的误差项？</a:t>
+              <a:t>对于下图的神经网络，输出层的误差向量是什么？</a:t>
             </a:r>
             <a:endParaRPr lang="en-US" altLang="zh-CN" dirty="0"/>
           </a:p>
@@ -8549,10 +10438,130 @@
   <p:clrMapOvr>
     <a:masterClrMapping/>
   </p:clrMapOvr>
+  <p:timing>
+    <p:tnLst>
+      <p:par>
+        <p:cTn id="1" dur="indefinite" restart="never" nodeType="tmRoot">
+          <p:childTnLst>
+            <p:seq concurrent="1" nextAc="seek">
+              <p:cTn id="2" dur="indefinite" nodeType="mainSeq">
+                <p:childTnLst>
+                  <p:par>
+                    <p:cTn id="3" fill="hold">
+                      <p:stCondLst>
+                        <p:cond delay="indefinite"/>
+                      </p:stCondLst>
+                      <p:childTnLst>
+                        <p:par>
+                          <p:cTn id="4" fill="hold">
+                            <p:stCondLst>
+                              <p:cond delay="0"/>
+                            </p:stCondLst>
+                            <p:childTnLst>
+                              <p:par>
+                                <p:cTn id="5" presetID="1" presetClass="entr" presetSubtype="0" fill="hold" nodeType="clickEffect">
+                                  <p:stCondLst>
+                                    <p:cond delay="0"/>
+                                  </p:stCondLst>
+                                  <p:childTnLst>
+                                    <p:set>
+                                      <p:cBhvr>
+                                        <p:cTn id="6" dur="1" fill="hold">
+                                          <p:stCondLst>
+                                            <p:cond delay="0"/>
+                                          </p:stCondLst>
+                                        </p:cTn>
+                                        <p:tgtEl>
+                                          <p:spTgt spid="5"/>
+                                        </p:tgtEl>
+                                        <p:attrNameLst>
+                                          <p:attrName>style.visibility</p:attrName>
+                                        </p:attrNameLst>
+                                      </p:cBhvr>
+                                      <p:to>
+                                        <p:strVal val="visible"/>
+                                      </p:to>
+                                    </p:set>
+                                  </p:childTnLst>
+                                </p:cTn>
+                              </p:par>
+                            </p:childTnLst>
+                          </p:cTn>
+                        </p:par>
+                      </p:childTnLst>
+                    </p:cTn>
+                  </p:par>
+                  <p:par>
+                    <p:cTn id="7" fill="hold">
+                      <p:stCondLst>
+                        <p:cond delay="indefinite"/>
+                      </p:stCondLst>
+                      <p:childTnLst>
+                        <p:par>
+                          <p:cTn id="8" fill="hold">
+                            <p:stCondLst>
+                              <p:cond delay="0"/>
+                            </p:stCondLst>
+                            <p:childTnLst>
+                              <p:par>
+                                <p:cTn id="9" presetID="1" presetClass="entr" presetSubtype="0" fill="hold" nodeType="clickEffect">
+                                  <p:stCondLst>
+                                    <p:cond delay="0"/>
+                                  </p:stCondLst>
+                                  <p:childTnLst>
+                                    <p:set>
+                                      <p:cBhvr>
+                                        <p:cTn id="10" dur="1" fill="hold">
+                                          <p:stCondLst>
+                                            <p:cond delay="0"/>
+                                          </p:stCondLst>
+                                        </p:cTn>
+                                        <p:tgtEl>
+                                          <p:spTgt spid="8"/>
+                                        </p:tgtEl>
+                                        <p:attrNameLst>
+                                          <p:attrName>style.visibility</p:attrName>
+                                        </p:attrNameLst>
+                                      </p:cBhvr>
+                                      <p:to>
+                                        <p:strVal val="visible"/>
+                                      </p:to>
+                                    </p:set>
+                                  </p:childTnLst>
+                                </p:cTn>
+                              </p:par>
+                            </p:childTnLst>
+                          </p:cTn>
+                        </p:par>
+                      </p:childTnLst>
+                    </p:cTn>
+                  </p:par>
+                </p:childTnLst>
+              </p:cTn>
+              <p:prevCondLst>
+                <p:cond evt="onPrev" delay="0">
+                  <p:tgtEl>
+                    <p:sldTgt/>
+                  </p:tgtEl>
+                </p:cond>
+              </p:prevCondLst>
+              <p:nextCondLst>
+                <p:cond evt="onNext" delay="0">
+                  <p:tgtEl>
+                    <p:sldTgt/>
+                  </p:tgtEl>
+                </p:cond>
+              </p:nextCondLst>
+            </p:seq>
+          </p:childTnLst>
+        </p:cTn>
+      </p:par>
+    </p:tnLst>
+  </p:timing>
 </p:sld>
 </file>
 
-<file path=ppt/slides/slide17.xml><?xml version="1.0" encoding="utf-8"?>
+<file path=ppt/slides/slide19.xml><?xml version="1.0" encoding="utf-8"?>
 <p:sld xmlns:a="http://schemas.openxmlformats.org/drawingml/2006/main" xmlns:r="http://schemas.openxmlformats.org/officeDocument/2006/relationships" xmlns:p="http://schemas.openxmlformats.org/presentationml/2006/main">
   <p:cSld>
     <p:spTree>
@@ -8590,7 +10599,7 @@
             </a:pPr>
             <a:r>
               <a:rPr lang="zh-CN" altLang="en-US" dirty="0"/>
-              <a:t>如何推导隐藏层的误差项？</a:t>
+              <a:t>如何计算隐藏层神经元的误差项？</a:t>
             </a:r>
             <a:endParaRPr lang="en-US" altLang="zh-CN" dirty="0"/>
           </a:p>
@@ -8731,10 +10740,147 @@
   <p:clrMapOvr>
     <a:masterClrMapping/>
   </p:clrMapOvr>
+  <p:timing>
+    <p:tnLst>
+      <p:par>
+        <p:cTn id="1" dur="indefinite" restart="never" nodeType="tmRoot">
+          <p:childTnLst>
+            <p:seq concurrent="1" nextAc="seek">
+              <p:cTn id="2" dur="indefinite" nodeType="mainSeq">
+                <p:childTnLst>
+                  <p:par>
+                    <p:cTn id="3" fill="hold">
+                      <p:stCondLst>
+                        <p:cond delay="indefinite"/>
+                      </p:stCondLst>
+                      <p:childTnLst>
+                        <p:par>
+                          <p:cTn id="4" fill="hold">
+                            <p:stCondLst>
+                              <p:cond delay="0"/>
+                            </p:stCondLst>
+                            <p:childTnLst>
+                              <p:par>
+                                <p:cTn id="5" presetID="1" presetClass="entr" presetSubtype="0" fill="hold" nodeType="clickEffect">
+                                  <p:stCondLst>
+                                    <p:cond delay="0"/>
+                                  </p:stCondLst>
+                                  <p:childTnLst>
+                                    <p:set>
+                                      <p:cBhvr>
+                                        <p:cTn id="6" dur="1" fill="hold">
+                                          <p:stCondLst>
+                                            <p:cond delay="0"/>
+                                          </p:stCondLst>
+                                        </p:cTn>
+                                        <p:tgtEl>
+                                          <p:spTgt spid="6"/>
+                                        </p:tgtEl>
+                                        <p:attrNameLst>
+                                          <p:attrName>style.visibility</p:attrName>
+                                        </p:attrNameLst>
+                                      </p:cBhvr>
+                                      <p:to>
+                                        <p:strVal val="visible"/>
+                                      </p:to>
+                                    </p:set>
+                                  </p:childTnLst>
+                                </p:cTn>
+                              </p:par>
+                            </p:childTnLst>
+                          </p:cTn>
+                        </p:par>
+                      </p:childTnLst>
+                    </p:cTn>
+                  </p:par>
+                </p:childTnLst>
+              </p:cTn>
+              <p:prevCondLst>
+                <p:cond evt="onPrev" delay="0">
+                  <p:tgtEl>
+                    <p:sldTgt/>
+                  </p:tgtEl>
+                </p:cond>
+              </p:prevCondLst>
+              <p:nextCondLst>
+                <p:cond evt="onNext" delay="0">
+                  <p:tgtEl>
+                    <p:sldTgt/>
+                  </p:tgtEl>
+                </p:cond>
+              </p:nextCondLst>
+            </p:seq>
+          </p:childTnLst>
+        </p:cTn>
+      </p:par>
+    </p:tnLst>
+  </p:timing>
 </p:sld>
 </file>
 
-<file path=ppt/slides/slide18.xml><?xml version="1.0" encoding="utf-8"?>
+<file path=ppt/slides/slide2.xml><?xml version="1.0" encoding="utf-8"?>
+<p:sld xmlns:a="http://schemas.openxmlformats.org/drawingml/2006/main" xmlns:r="http://schemas.openxmlformats.org/officeDocument/2006/relationships" xmlns:p="http://schemas.openxmlformats.org/presentationml/2006/main">
+  <p:cSld>
+    <p:spTree>
+      <p:nvGrpSpPr>
+        <p:cNvPr id="1" name=""/>
+        <p:cNvGrpSpPr/>
+        <p:nvPr/>
+      </p:nvGrpSpPr>
+      <p:grpSpPr>
+        <a:xfrm>
+          <a:off x="0" y="0"/>
+          <a:ext cx="0" cy="0"/>
+          <a:chOff x="0" y="0"/>
+          <a:chExt cx="0" cy="0"/>
+        </a:xfrm>
+      </p:grpSpPr>
+      <p:sp>
+        <p:nvSpPr>
+          <p:cNvPr id="2" name="标题 1"/>
+          <p:cNvSpPr>
+            <a:spLocks noGrp="1"/>
+          </p:cNvSpPr>
+          <p:nvPr>
+            <p:ph type="title"/>
+          </p:nvPr>
+        </p:nvSpPr>
+        <p:spPr>
+          <a:xfrm>
+            <a:off x="669882" y="2108221"/>
+            <a:ext cx="10852237" cy="899167"/>
+          </a:xfrm>
+        </p:spPr>
+        <p:txBody>
+          <a:bodyPr/>
+          <a:lstStyle/>
+          <a:p>
+            <a:r>
+              <a:rPr lang="zh-CN" altLang="en-US" dirty="0"/>
+              <a:t>第三节课：</a:t>
+            </a:r>
+            <a:br>
+              <a:rPr lang="en-US" altLang="zh-CN" dirty="0"/>
+            </a:br>
+            <a:r>
+              <a:rPr lang="zh-CN" altLang="en-US" dirty="0"/>
+              <a:t>全连接层的前向和后向传播推导（下）</a:t>
+            </a:r>
+          </a:p>
+        </p:txBody>
+      </p:sp>
+    </p:spTree>
+    <p:custDataLst>
+      <p:tags r:id="rId1"/>
+    </p:custDataLst>
+  </p:cSld>
+  <p:clrMapOvr>
+    <a:masterClrMapping/>
+  </p:clrMapOvr>
+</p:sld>
+</file>
+
+<file path=ppt/slides/slide20.xml><?xml version="1.0" encoding="utf-8"?>
 <p:sld xmlns:a="http://schemas.openxmlformats.org/drawingml/2006/main" xmlns:r="http://schemas.openxmlformats.org/officeDocument/2006/relationships" xmlns:p="http://schemas.openxmlformats.org/presentationml/2006/main">
   <p:cSld>
     <p:spTree>
@@ -8855,10 +11001,85 @@
   <p:clrMapOvr>
     <a:masterClrMapping/>
   </p:clrMapOvr>
+  <p:timing>
+    <p:tnLst>
+      <p:par>
+        <p:cTn id="1" dur="indefinite" restart="never" nodeType="tmRoot">
+          <p:childTnLst>
+            <p:seq concurrent="1" nextAc="seek">
+              <p:cTn id="2" dur="indefinite" nodeType="mainSeq">
+                <p:childTnLst>
+                  <p:par>
+                    <p:cTn id="3" fill="hold">
+                      <p:stCondLst>
+                        <p:cond delay="indefinite"/>
+                      </p:stCondLst>
+                      <p:childTnLst>
+                        <p:par>
+                          <p:cTn id="4" fill="hold">
+                            <p:stCondLst>
+                              <p:cond delay="0"/>
+                            </p:stCondLst>
+                            <p:childTnLst>
+                              <p:par>
+                                <p:cTn id="5" presetID="1" presetClass="entr" presetSubtype="0" fill="hold" nodeType="clickEffect">
+                                  <p:stCondLst>
+                                    <p:cond delay="0"/>
+                                  </p:stCondLst>
+                                  <p:childTnLst>
+                                    <p:set>
+                                      <p:cBhvr>
+                                        <p:cTn id="6" dur="1" fill="hold">
+                                          <p:stCondLst>
+                                            <p:cond delay="0"/>
+                                          </p:stCondLst>
+                                        </p:cTn>
+                                        <p:tgtEl>
+                                          <p:spTgt spid="4"/>
+                                        </p:tgtEl>
+                                        <p:attrNameLst>
+                                          <p:attrName>style.visibility</p:attrName>
+                                        </p:attrNameLst>
+                                      </p:cBhvr>
+                                      <p:to>
+                                        <p:strVal val="visible"/>
+                                      </p:to>
+                                    </p:set>
+                                  </p:childTnLst>
+                                </p:cTn>
+                              </p:par>
+                            </p:childTnLst>
+                          </p:cTn>
+                        </p:par>
+                      </p:childTnLst>
+                    </p:cTn>
+                  </p:par>
+                </p:childTnLst>
+              </p:cTn>
+              <p:prevCondLst>
+                <p:cond evt="onPrev" delay="0">
+                  <p:tgtEl>
+                    <p:sldTgt/>
+                  </p:tgtEl>
+                </p:cond>
+              </p:prevCondLst>
+              <p:nextCondLst>
+                <p:cond evt="onNext" delay="0">
+                  <p:tgtEl>
+                    <p:sldTgt/>
+                  </p:tgtEl>
+                </p:cond>
+              </p:nextCondLst>
+            </p:seq>
+          </p:childTnLst>
+        </p:cTn>
+      </p:par>
+    </p:tnLst>
+  </p:timing>
 </p:sld>
 </file>
 
-<file path=ppt/slides/slide19.xml><?xml version="1.0" encoding="utf-8"?>
+<file path=ppt/slides/slide21.xml><?xml version="1.0" encoding="utf-8"?>
 <p:sld xmlns:a="http://schemas.openxmlformats.org/drawingml/2006/main" xmlns:r="http://schemas.openxmlformats.org/officeDocument/2006/relationships" xmlns:p="http://schemas.openxmlformats.org/presentationml/2006/main">
   <p:cSld>
     <p:spTree>
@@ -8896,7 +11117,7 @@
             </a:pPr>
             <a:r>
               <a:rPr lang="zh-CN" altLang="en-US" dirty="0"/>
-              <a:t>如何向量化隐藏层的误差项？</a:t>
+              <a:t>对于下图的神经网络，隐藏层的误差向量是什么？</a:t>
             </a:r>
             <a:endParaRPr lang="en-US" altLang="zh-CN" dirty="0"/>
           </a:p>
@@ -9052,8 +11273,44 @@
         </p:blipFill>
         <p:spPr>
           <a:xfrm>
-            <a:off x="2903136" y="2279650"/>
+            <a:off x="3082869" y="3299347"/>
             <a:ext cx="4114800" cy="2298700"/>
+          </a:xfrm>
+          <a:prstGeom prst="rect">
+            <a:avLst/>
+          </a:prstGeom>
+        </p:spPr>
+      </p:pic>
+      <p:pic>
+        <p:nvPicPr>
+          <p:cNvPr id="7" name="图片 6">
+            <a:extLst>
+              <a:ext uri="{FF2B5EF4-FFF2-40B4-BE49-F238E27FC236}">
+                <a16:creationId xmlns:a16="http://schemas.microsoft.com/office/drawing/2014/main" id="{990339C2-8117-1F35-91DE-4542E01CB25F}"/>
+              </a:ext>
+            </a:extLst>
+          </p:cNvPr>
+          <p:cNvPicPr>
+            <a:picLocks noChangeAspect="1"/>
+          </p:cNvPicPr>
+          <p:nvPr/>
+        </p:nvPicPr>
+        <p:blipFill>
+          <a:blip r:embed="rId5">
+            <a:extLst>
+              <a:ext uri="{28A0092B-C50C-407E-A947-70E740481C1C}">
+                <a14:useLocalDpi xmlns:a14="http://schemas.microsoft.com/office/drawing/2010/main" val="0"/>
+              </a:ext>
+            </a:extLst>
+          </a:blip>
+          <a:stretch>
+            <a:fillRect/>
+          </a:stretch>
+        </p:blipFill>
+        <p:spPr>
+          <a:xfrm>
+            <a:off x="1151719" y="2060018"/>
+            <a:ext cx="3124200" cy="990600"/>
           </a:xfrm>
           <a:prstGeom prst="rect">
             <a:avLst/>
@@ -9073,72 +11330,175 @@
   <p:clrMapOvr>
     <a:masterClrMapping/>
   </p:clrMapOvr>
+  <p:timing>
+    <p:tnLst>
+      <p:par>
+        <p:cTn id="1" dur="indefinite" restart="never" nodeType="tmRoot">
+          <p:childTnLst>
+            <p:seq concurrent="1" nextAc="seek">
+              <p:cTn id="2" dur="indefinite" nodeType="mainSeq">
+                <p:childTnLst>
+                  <p:par>
+                    <p:cTn id="3" fill="hold">
+                      <p:stCondLst>
+                        <p:cond delay="indefinite"/>
+                      </p:stCondLst>
+                      <p:childTnLst>
+                        <p:par>
+                          <p:cTn id="4" fill="hold">
+                            <p:stCondLst>
+                              <p:cond delay="0"/>
+                            </p:stCondLst>
+                            <p:childTnLst>
+                              <p:par>
+                                <p:cTn id="5" presetID="1" presetClass="entr" presetSubtype="0" fill="hold" nodeType="clickEffect">
+                                  <p:stCondLst>
+                                    <p:cond delay="0"/>
+                                  </p:stCondLst>
+                                  <p:childTnLst>
+                                    <p:set>
+                                      <p:cBhvr>
+                                        <p:cTn id="6" dur="1" fill="hold">
+                                          <p:stCondLst>
+                                            <p:cond delay="0"/>
+                                          </p:stCondLst>
+                                        </p:cTn>
+                                        <p:tgtEl>
+                                          <p:spTgt spid="4"/>
+                                        </p:tgtEl>
+                                        <p:attrNameLst>
+                                          <p:attrName>style.visibility</p:attrName>
+                                        </p:attrNameLst>
+                                      </p:cBhvr>
+                                      <p:to>
+                                        <p:strVal val="visible"/>
+                                      </p:to>
+                                    </p:set>
+                                  </p:childTnLst>
+                                </p:cTn>
+                              </p:par>
+                            </p:childTnLst>
+                          </p:cTn>
+                        </p:par>
+                      </p:childTnLst>
+                    </p:cTn>
+                  </p:par>
+                  <p:par>
+                    <p:cTn id="7" fill="hold">
+                      <p:stCondLst>
+                        <p:cond delay="indefinite"/>
+                      </p:stCondLst>
+                      <p:childTnLst>
+                        <p:par>
+                          <p:cTn id="8" fill="hold">
+                            <p:stCondLst>
+                              <p:cond delay="0"/>
+                            </p:stCondLst>
+                            <p:childTnLst>
+                              <p:par>
+                                <p:cTn id="9" presetID="1" presetClass="entr" presetSubtype="0" fill="hold" nodeType="clickEffect">
+                                  <p:stCondLst>
+                                    <p:cond delay="0"/>
+                                  </p:stCondLst>
+                                  <p:childTnLst>
+                                    <p:set>
+                                      <p:cBhvr>
+                                        <p:cTn id="10" dur="1" fill="hold">
+                                          <p:stCondLst>
+                                            <p:cond delay="0"/>
+                                          </p:stCondLst>
+                                        </p:cTn>
+                                        <p:tgtEl>
+                                          <p:spTgt spid="7"/>
+                                        </p:tgtEl>
+                                        <p:attrNameLst>
+                                          <p:attrName>style.visibility</p:attrName>
+                                        </p:attrNameLst>
+                                      </p:cBhvr>
+                                      <p:to>
+                                        <p:strVal val="visible"/>
+                                      </p:to>
+                                    </p:set>
+                                  </p:childTnLst>
+                                </p:cTn>
+                              </p:par>
+                            </p:childTnLst>
+                          </p:cTn>
+                        </p:par>
+                      </p:childTnLst>
+                    </p:cTn>
+                  </p:par>
+                  <p:par>
+                    <p:cTn id="11" fill="hold">
+                      <p:stCondLst>
+                        <p:cond delay="indefinite"/>
+                      </p:stCondLst>
+                      <p:childTnLst>
+                        <p:par>
+                          <p:cTn id="12" fill="hold">
+                            <p:stCondLst>
+                              <p:cond delay="0"/>
+                            </p:stCondLst>
+                            <p:childTnLst>
+                              <p:par>
+                                <p:cTn id="13" presetID="1" presetClass="entr" presetSubtype="0" fill="hold" nodeType="clickEffect">
+                                  <p:stCondLst>
+                                    <p:cond delay="0"/>
+                                  </p:stCondLst>
+                                  <p:childTnLst>
+                                    <p:set>
+                                      <p:cBhvr>
+                                        <p:cTn id="14" dur="1" fill="hold">
+                                          <p:stCondLst>
+                                            <p:cond delay="0"/>
+                                          </p:stCondLst>
+                                        </p:cTn>
+                                        <p:tgtEl>
+                                          <p:spTgt spid="6"/>
+                                        </p:tgtEl>
+                                        <p:attrNameLst>
+                                          <p:attrName>style.visibility</p:attrName>
+                                        </p:attrNameLst>
+                                      </p:cBhvr>
+                                      <p:to>
+                                        <p:strVal val="visible"/>
+                                      </p:to>
+                                    </p:set>
+                                  </p:childTnLst>
+                                </p:cTn>
+                              </p:par>
+                            </p:childTnLst>
+                          </p:cTn>
+                        </p:par>
+                      </p:childTnLst>
+                    </p:cTn>
+                  </p:par>
+                </p:childTnLst>
+              </p:cTn>
+              <p:prevCondLst>
+                <p:cond evt="onPrev" delay="0">
+                  <p:tgtEl>
+                    <p:sldTgt/>
+                  </p:tgtEl>
+                </p:cond>
+              </p:prevCondLst>
+              <p:nextCondLst>
+                <p:cond evt="onNext" delay="0">
+                  <p:tgtEl>
+                    <p:sldTgt/>
+                  </p:tgtEl>
+                </p:cond>
+              </p:nextCondLst>
+            </p:seq>
+          </p:childTnLst>
+        </p:cTn>
+      </p:par>
+    </p:tnLst>
+  </p:timing>
 </p:sld>
 </file>
 
-<file path=ppt/slides/slide2.xml><?xml version="1.0" encoding="utf-8"?>
-<p:sld xmlns:a="http://schemas.openxmlformats.org/drawingml/2006/main" xmlns:r="http://schemas.openxmlformats.org/officeDocument/2006/relationships" xmlns:p="http://schemas.openxmlformats.org/presentationml/2006/main">
-  <p:cSld>
-    <p:spTree>
-      <p:nvGrpSpPr>
-        <p:cNvPr id="1" name=""/>
-        <p:cNvGrpSpPr/>
-        <p:nvPr/>
-      </p:nvGrpSpPr>
-      <p:grpSpPr>
-        <a:xfrm>
-          <a:off x="0" y="0"/>
-          <a:ext cx="0" cy="0"/>
-          <a:chOff x="0" y="0"/>
-          <a:chExt cx="0" cy="0"/>
-        </a:xfrm>
-      </p:grpSpPr>
-      <p:sp>
-        <p:nvSpPr>
-          <p:cNvPr id="2" name="标题 1"/>
-          <p:cNvSpPr>
-            <a:spLocks noGrp="1"/>
-          </p:cNvSpPr>
-          <p:nvPr>
-            <p:ph type="title"/>
-          </p:nvPr>
-        </p:nvSpPr>
-        <p:spPr>
-          <a:xfrm>
-            <a:off x="669882" y="2108221"/>
-            <a:ext cx="10852237" cy="899167"/>
-          </a:xfrm>
-        </p:spPr>
-        <p:txBody>
-          <a:bodyPr/>
-          <a:lstStyle/>
-          <a:p>
-            <a:r>
-              <a:rPr lang="zh-CN" altLang="en-US" dirty="0"/>
-              <a:t>第三节课：</a:t>
-            </a:r>
-            <a:br>
-              <a:rPr lang="en-US" altLang="zh-CN" dirty="0"/>
-            </a:br>
-            <a:r>
-              <a:rPr lang="zh-CN" altLang="en-US" dirty="0"/>
-              <a:t>全连接层的前向和后向传播推导（下）</a:t>
-            </a:r>
-          </a:p>
-        </p:txBody>
-      </p:sp>
-    </p:spTree>
-    <p:custDataLst>
-      <p:tags r:id="rId1"/>
-    </p:custDataLst>
-  </p:cSld>
-  <p:clrMapOvr>
-    <a:masterClrMapping/>
-  </p:clrMapOvr>
-</p:sld>
-</file>
-
-<file path=ppt/slides/slide20.xml><?xml version="1.0" encoding="utf-8"?>
+<file path=ppt/slides/slide22.xml><?xml version="1.0" encoding="utf-8"?>
 <p:sld xmlns:a="http://schemas.openxmlformats.org/drawingml/2006/main" xmlns:r="http://schemas.openxmlformats.org/officeDocument/2006/relationships" xmlns:p="http://schemas.openxmlformats.org/presentationml/2006/main">
   <p:cSld>
     <p:spTree>
@@ -9176,7 +11536,7 @@
             </a:pPr>
             <a:r>
               <a:rPr lang="zh-CN" altLang="en-US" dirty="0"/>
-              <a:t>如何更新</a:t>
+              <a:t>更新后的</a:t>
             </a:r>
             <a:r>
               <a:rPr lang="zh-CN" altLang="en-US" b="0" i="0" dirty="0">
@@ -9209,7 +11569,7 @@
             </a:r>
             <a:r>
               <a:rPr lang="zh-CN" altLang="en-US" dirty="0"/>
-              <a:t>梯度下降算法？</a:t>
+              <a:t>梯度下降算法是什么？</a:t>
             </a:r>
             <a:endParaRPr lang="en-US" altLang="zh-CN" dirty="0"/>
           </a:p>
@@ -9220,7 +11580,7 @@
             </a:pPr>
             <a:r>
               <a:rPr lang="zh-CN" altLang="en-US" dirty="0"/>
-              <a:t>如何向量化</a:t>
+              <a:t>对于下图的神经网络，如何向量化</a:t>
             </a:r>
             <a:r>
               <a:rPr lang="zh-CN" altLang="en-US" b="0" i="0" dirty="0">
@@ -9368,7 +11728,7 @@
         </p:blipFill>
         <p:spPr bwMode="auto">
           <a:xfrm>
-            <a:off x="8815970" y="1413684"/>
+            <a:off x="9217904" y="1377685"/>
             <a:ext cx="1971710" cy="1355551"/>
           </a:xfrm>
           <a:prstGeom prst="rect">
@@ -9414,8 +11774,8 @@
         </p:blipFill>
         <p:spPr>
           <a:xfrm>
-            <a:off x="5789105" y="1459363"/>
-            <a:ext cx="2400300" cy="584200"/>
+            <a:off x="5880566" y="2497855"/>
+            <a:ext cx="1934220" cy="470763"/>
           </a:xfrm>
           <a:prstGeom prst="rect">
             <a:avLst/>
@@ -9450,8 +11810,8 @@
         </p:blipFill>
         <p:spPr>
           <a:xfrm>
-            <a:off x="5770175" y="1988320"/>
-            <a:ext cx="2311400" cy="558800"/>
+            <a:off x="5878005" y="3010218"/>
+            <a:ext cx="1862583" cy="450295"/>
           </a:xfrm>
           <a:prstGeom prst="rect">
             <a:avLst/>
@@ -9486,8 +11846,8 @@
         </p:blipFill>
         <p:spPr>
           <a:xfrm>
-            <a:off x="6081325" y="2752135"/>
-            <a:ext cx="1689100" cy="762000"/>
+            <a:off x="5927556" y="3508780"/>
+            <a:ext cx="1361118" cy="614038"/>
           </a:xfrm>
           <a:prstGeom prst="rect">
             <a:avLst/>
@@ -9558,7 +11918,7 @@
         </p:blipFill>
         <p:spPr>
           <a:xfrm>
-            <a:off x="2394173" y="2812252"/>
+            <a:off x="2384125" y="2909041"/>
             <a:ext cx="2933470" cy="1571147"/>
           </a:xfrm>
           <a:prstGeom prst="rect">
@@ -9594,7 +11954,7 @@
         </p:blipFill>
         <p:spPr>
           <a:xfrm>
-            <a:off x="4873976" y="4648531"/>
+            <a:off x="4670656" y="4698615"/>
             <a:ext cx="2414698" cy="1867974"/>
           </a:xfrm>
           <a:prstGeom prst="rect">
@@ -9615,10 +11975,417 @@
   <p:clrMapOvr>
     <a:masterClrMapping/>
   </p:clrMapOvr>
+  <p:timing>
+    <p:tnLst>
+      <p:par>
+        <p:cTn id="1" dur="indefinite" restart="never" nodeType="tmRoot">
+          <p:childTnLst>
+            <p:seq concurrent="1" nextAc="seek">
+              <p:cTn id="2" dur="indefinite" nodeType="mainSeq">
+                <p:childTnLst>
+                  <p:par>
+                    <p:cTn id="3" fill="hold">
+                      <p:stCondLst>
+                        <p:cond delay="indefinite"/>
+                      </p:stCondLst>
+                      <p:childTnLst>
+                        <p:par>
+                          <p:cTn id="4" fill="hold">
+                            <p:stCondLst>
+                              <p:cond delay="0"/>
+                            </p:stCondLst>
+                            <p:childTnLst>
+                              <p:par>
+                                <p:cTn id="5" presetID="1" presetClass="entr" presetSubtype="0" fill="hold" nodeType="clickEffect">
+                                  <p:stCondLst>
+                                    <p:cond delay="0"/>
+                                  </p:stCondLst>
+                                  <p:childTnLst>
+                                    <p:set>
+                                      <p:cBhvr>
+                                        <p:cTn id="6" dur="1" fill="hold">
+                                          <p:stCondLst>
+                                            <p:cond delay="0"/>
+                                          </p:stCondLst>
+                                        </p:cTn>
+                                        <p:tgtEl>
+                                          <p:spTgt spid="4"/>
+                                        </p:tgtEl>
+                                        <p:attrNameLst>
+                                          <p:attrName>style.visibility</p:attrName>
+                                        </p:attrNameLst>
+                                      </p:cBhvr>
+                                      <p:to>
+                                        <p:strVal val="visible"/>
+                                      </p:to>
+                                    </p:set>
+                                  </p:childTnLst>
+                                </p:cTn>
+                              </p:par>
+                            </p:childTnLst>
+                          </p:cTn>
+                        </p:par>
+                      </p:childTnLst>
+                    </p:cTn>
+                  </p:par>
+                  <p:par>
+                    <p:cTn id="7" fill="hold">
+                      <p:stCondLst>
+                        <p:cond delay="indefinite"/>
+                      </p:stCondLst>
+                      <p:childTnLst>
+                        <p:par>
+                          <p:cTn id="8" fill="hold">
+                            <p:stCondLst>
+                              <p:cond delay="0"/>
+                            </p:stCondLst>
+                            <p:childTnLst>
+                              <p:par>
+                                <p:cTn id="9" presetID="1" presetClass="entr" presetSubtype="0" fill="hold" nodeType="clickEffect">
+                                  <p:stCondLst>
+                                    <p:cond delay="0"/>
+                                  </p:stCondLst>
+                                  <p:childTnLst>
+                                    <p:set>
+                                      <p:cBhvr>
+                                        <p:cTn id="10" dur="1" fill="hold">
+                                          <p:stCondLst>
+                                            <p:cond delay="0"/>
+                                          </p:stCondLst>
+                                        </p:cTn>
+                                        <p:tgtEl>
+                                          <p:spTgt spid="2">
+                                            <p:txEl>
+                                              <p:pRg st="0" end="0"/>
+                                            </p:txEl>
+                                          </p:spTgt>
+                                        </p:tgtEl>
+                                        <p:attrNameLst>
+                                          <p:attrName>style.visibility</p:attrName>
+                                        </p:attrNameLst>
+                                      </p:cBhvr>
+                                      <p:to>
+                                        <p:strVal val="visible"/>
+                                      </p:to>
+                                    </p:set>
+                                  </p:childTnLst>
+                                </p:cTn>
+                              </p:par>
+                            </p:childTnLst>
+                          </p:cTn>
+                        </p:par>
+                      </p:childTnLst>
+                    </p:cTn>
+                  </p:par>
+                  <p:par>
+                    <p:cTn id="11" fill="hold">
+                      <p:stCondLst>
+                        <p:cond delay="indefinite"/>
+                      </p:stCondLst>
+                      <p:childTnLst>
+                        <p:par>
+                          <p:cTn id="12" fill="hold">
+                            <p:stCondLst>
+                              <p:cond delay="0"/>
+                            </p:stCondLst>
+                            <p:childTnLst>
+                              <p:par>
+                                <p:cTn id="13" presetID="1" presetClass="entr" presetSubtype="0" fill="hold" nodeType="clickEffect">
+                                  <p:stCondLst>
+                                    <p:cond delay="0"/>
+                                  </p:stCondLst>
+                                  <p:childTnLst>
+                                    <p:set>
+                                      <p:cBhvr>
+                                        <p:cTn id="14" dur="1" fill="hold">
+                                          <p:stCondLst>
+                                            <p:cond delay="0"/>
+                                          </p:stCondLst>
+                                        </p:cTn>
+                                        <p:tgtEl>
+                                          <p:spTgt spid="6"/>
+                                        </p:tgtEl>
+                                        <p:attrNameLst>
+                                          <p:attrName>style.visibility</p:attrName>
+                                        </p:attrNameLst>
+                                      </p:cBhvr>
+                                      <p:to>
+                                        <p:strVal val="visible"/>
+                                      </p:to>
+                                    </p:set>
+                                  </p:childTnLst>
+                                </p:cTn>
+                              </p:par>
+                              <p:par>
+                                <p:cTn id="15" presetID="1" presetClass="entr" presetSubtype="0" fill="hold" nodeType="withEffect">
+                                  <p:stCondLst>
+                                    <p:cond delay="0"/>
+                                  </p:stCondLst>
+                                  <p:childTnLst>
+                                    <p:set>
+                                      <p:cBhvr>
+                                        <p:cTn id="16" dur="1" fill="hold">
+                                          <p:stCondLst>
+                                            <p:cond delay="0"/>
+                                          </p:stCondLst>
+                                        </p:cTn>
+                                        <p:tgtEl>
+                                          <p:spTgt spid="8"/>
+                                        </p:tgtEl>
+                                        <p:attrNameLst>
+                                          <p:attrName>style.visibility</p:attrName>
+                                        </p:attrNameLst>
+                                      </p:cBhvr>
+                                      <p:to>
+                                        <p:strVal val="visible"/>
+                                      </p:to>
+                                    </p:set>
+                                  </p:childTnLst>
+                                </p:cTn>
+                              </p:par>
+                              <p:par>
+                                <p:cTn id="17" presetID="1" presetClass="entr" presetSubtype="0" fill="hold" nodeType="withEffect">
+                                  <p:stCondLst>
+                                    <p:cond delay="0"/>
+                                  </p:stCondLst>
+                                  <p:childTnLst>
+                                    <p:set>
+                                      <p:cBhvr>
+                                        <p:cTn id="18" dur="1" fill="hold">
+                                          <p:stCondLst>
+                                            <p:cond delay="0"/>
+                                          </p:stCondLst>
+                                        </p:cTn>
+                                        <p:tgtEl>
+                                          <p:spTgt spid="16"/>
+                                        </p:tgtEl>
+                                        <p:attrNameLst>
+                                          <p:attrName>style.visibility</p:attrName>
+                                        </p:attrNameLst>
+                                      </p:cBhvr>
+                                      <p:to>
+                                        <p:strVal val="visible"/>
+                                      </p:to>
+                                    </p:set>
+                                  </p:childTnLst>
+                                </p:cTn>
+                              </p:par>
+                            </p:childTnLst>
+                          </p:cTn>
+                        </p:par>
+                      </p:childTnLst>
+                    </p:cTn>
+                  </p:par>
+                  <p:par>
+                    <p:cTn id="19" fill="hold">
+                      <p:stCondLst>
+                        <p:cond delay="indefinite"/>
+                      </p:stCondLst>
+                      <p:childTnLst>
+                        <p:par>
+                          <p:cTn id="20" fill="hold">
+                            <p:stCondLst>
+                              <p:cond delay="0"/>
+                            </p:stCondLst>
+                            <p:childTnLst>
+                              <p:par>
+                                <p:cTn id="21" presetID="1" presetClass="entr" presetSubtype="0" fill="hold" nodeType="clickEffect">
+                                  <p:stCondLst>
+                                    <p:cond delay="0"/>
+                                  </p:stCondLst>
+                                  <p:childTnLst>
+                                    <p:set>
+                                      <p:cBhvr>
+                                        <p:cTn id="22" dur="1" fill="hold">
+                                          <p:stCondLst>
+                                            <p:cond delay="0"/>
+                                          </p:stCondLst>
+                                        </p:cTn>
+                                        <p:tgtEl>
+                                          <p:spTgt spid="2">
+                                            <p:txEl>
+                                              <p:pRg st="1" end="1"/>
+                                            </p:txEl>
+                                          </p:spTgt>
+                                        </p:tgtEl>
+                                        <p:attrNameLst>
+                                          <p:attrName>style.visibility</p:attrName>
+                                        </p:attrNameLst>
+                                      </p:cBhvr>
+                                      <p:to>
+                                        <p:strVal val="visible"/>
+                                      </p:to>
+                                    </p:set>
+                                  </p:childTnLst>
+                                </p:cTn>
+                              </p:par>
+                            </p:childTnLst>
+                          </p:cTn>
+                        </p:par>
+                      </p:childTnLst>
+                    </p:cTn>
+                  </p:par>
+                  <p:par>
+                    <p:cTn id="23" fill="hold">
+                      <p:stCondLst>
+                        <p:cond delay="indefinite"/>
+                      </p:stCondLst>
+                      <p:childTnLst>
+                        <p:par>
+                          <p:cTn id="24" fill="hold">
+                            <p:stCondLst>
+                              <p:cond delay="0"/>
+                            </p:stCondLst>
+                            <p:childTnLst>
+                              <p:par>
+                                <p:cTn id="25" presetID="1" presetClass="entr" presetSubtype="0" fill="hold" nodeType="clickEffect">
+                                  <p:stCondLst>
+                                    <p:cond delay="0"/>
+                                  </p:stCondLst>
+                                  <p:childTnLst>
+                                    <p:set>
+                                      <p:cBhvr>
+                                        <p:cTn id="26" dur="1" fill="hold">
+                                          <p:stCondLst>
+                                            <p:cond delay="0"/>
+                                          </p:stCondLst>
+                                        </p:cTn>
+                                        <p:tgtEl>
+                                          <p:spTgt spid="17"/>
+                                        </p:tgtEl>
+                                        <p:attrNameLst>
+                                          <p:attrName>style.visibility</p:attrName>
+                                        </p:attrNameLst>
+                                      </p:cBhvr>
+                                      <p:to>
+                                        <p:strVal val="visible"/>
+                                      </p:to>
+                                    </p:set>
+                                  </p:childTnLst>
+                                </p:cTn>
+                              </p:par>
+                            </p:childTnLst>
+                          </p:cTn>
+                        </p:par>
+                      </p:childTnLst>
+                    </p:cTn>
+                  </p:par>
+                  <p:par>
+                    <p:cTn id="27" fill="hold">
+                      <p:stCondLst>
+                        <p:cond delay="indefinite"/>
+                      </p:stCondLst>
+                      <p:childTnLst>
+                        <p:par>
+                          <p:cTn id="28" fill="hold">
+                            <p:stCondLst>
+                              <p:cond delay="0"/>
+                            </p:stCondLst>
+                            <p:childTnLst>
+                              <p:par>
+                                <p:cTn id="29" presetID="1" presetClass="entr" presetSubtype="0" fill="hold" nodeType="clickEffect">
+                                  <p:stCondLst>
+                                    <p:cond delay="0"/>
+                                  </p:stCondLst>
+                                  <p:childTnLst>
+                                    <p:set>
+                                      <p:cBhvr>
+                                        <p:cTn id="30" dur="1" fill="hold">
+                                          <p:stCondLst>
+                                            <p:cond delay="0"/>
+                                          </p:stCondLst>
+                                        </p:cTn>
+                                        <p:tgtEl>
+                                          <p:spTgt spid="7"/>
+                                        </p:tgtEl>
+                                        <p:attrNameLst>
+                                          <p:attrName>style.visibility</p:attrName>
+                                        </p:attrNameLst>
+                                      </p:cBhvr>
+                                      <p:to>
+                                        <p:strVal val="visible"/>
+                                      </p:to>
+                                    </p:set>
+                                  </p:childTnLst>
+                                </p:cTn>
+                              </p:par>
+                            </p:childTnLst>
+                          </p:cTn>
+                        </p:par>
+                      </p:childTnLst>
+                    </p:cTn>
+                  </p:par>
+                  <p:par>
+                    <p:cTn id="31" fill="hold">
+                      <p:stCondLst>
+                        <p:cond delay="indefinite"/>
+                      </p:stCondLst>
+                      <p:childTnLst>
+                        <p:par>
+                          <p:cTn id="32" fill="hold">
+                            <p:stCondLst>
+                              <p:cond delay="0"/>
+                            </p:stCondLst>
+                            <p:childTnLst>
+                              <p:par>
+                                <p:cTn id="33" presetID="1" presetClass="entr" presetSubtype="0" fill="hold" nodeType="clickEffect">
+                                  <p:stCondLst>
+                                    <p:cond delay="0"/>
+                                  </p:stCondLst>
+                                  <p:childTnLst>
+                                    <p:set>
+                                      <p:cBhvr>
+                                        <p:cTn id="34" dur="1" fill="hold">
+                                          <p:stCondLst>
+                                            <p:cond delay="0"/>
+                                          </p:stCondLst>
+                                        </p:cTn>
+                                        <p:tgtEl>
+                                          <p:spTgt spid="10"/>
+                                        </p:tgtEl>
+                                        <p:attrNameLst>
+                                          <p:attrName>style.visibility</p:attrName>
+                                        </p:attrNameLst>
+                                      </p:cBhvr>
+                                      <p:to>
+                                        <p:strVal val="visible"/>
+                                      </p:to>
+                                    </p:set>
+                                  </p:childTnLst>
+                                </p:cTn>
+                              </p:par>
+                            </p:childTnLst>
+                          </p:cTn>
+                        </p:par>
+                      </p:childTnLst>
+                    </p:cTn>
+                  </p:par>
+                </p:childTnLst>
+              </p:cTn>
+              <p:prevCondLst>
+                <p:cond evt="onPrev" delay="0">
+                  <p:tgtEl>
+                    <p:sldTgt/>
+                  </p:tgtEl>
+                </p:cond>
+              </p:prevCondLst>
+              <p:nextCondLst>
+                <p:cond evt="onNext" delay="0">
+                  <p:tgtEl>
+                    <p:sldTgt/>
+                  </p:tgtEl>
+                </p:cond>
+              </p:nextCondLst>
+            </p:seq>
+          </p:childTnLst>
+        </p:cTn>
+      </p:par>
+    </p:tnLst>
+  </p:timing>
 </p:sld>
 </file>
 
-<file path=ppt/slides/slide21.xml><?xml version="1.0" encoding="utf-8"?>
+<file path=ppt/slides/slide23.xml><?xml version="1.0" encoding="utf-8"?>
 <p:sld xmlns:a="http://schemas.openxmlformats.org/drawingml/2006/main" xmlns:r="http://schemas.openxmlformats.org/officeDocument/2006/relationships" xmlns:p="http://schemas.openxmlformats.org/presentationml/2006/main">
   <p:cSld>
     <p:spTree>
@@ -9764,7 +12531,7 @@
                 <a:effectLst/>
                 <a:latin typeface="verdana" panose="020B0604030504040204" pitchFamily="34" charset="0"/>
               </a:rPr>
-              <a:t>先计算输出层的误差项和梯度，然后反向依次计算每层的误差项和梯度，直到与输入层相连的层</a:t>
+              <a:t>先计算输出层的误差项，然后反向依次计算每层的误差项，直到与输入层相连的层</a:t>
             </a:r>
             <a:endParaRPr kumimoji="1" lang="zh-CN" altLang="en-US" dirty="0"/>
           </a:p>
@@ -9840,6 +12607,51 @@
                       </p:childTnLst>
                     </p:cTn>
                   </p:par>
+                  <p:par>
+                    <p:cTn id="7" fill="hold">
+                      <p:stCondLst>
+                        <p:cond delay="indefinite"/>
+                      </p:stCondLst>
+                      <p:childTnLst>
+                        <p:par>
+                          <p:cTn id="8" fill="hold">
+                            <p:stCondLst>
+                              <p:cond delay="0"/>
+                            </p:stCondLst>
+                            <p:childTnLst>
+                              <p:par>
+                                <p:cTn id="9" presetID="1" presetClass="entr" presetSubtype="0" fill="hold" grpId="0" nodeType="clickEffect">
+                                  <p:stCondLst>
+                                    <p:cond delay="0"/>
+                                  </p:stCondLst>
+                                  <p:childTnLst>
+                                    <p:set>
+                                      <p:cBhvr>
+                                        <p:cTn id="10" dur="1" fill="hold">
+                                          <p:stCondLst>
+                                            <p:cond delay="0"/>
+                                          </p:stCondLst>
+                                        </p:cTn>
+                                        <p:tgtEl>
+                                          <p:spTgt spid="4"/>
+                                        </p:tgtEl>
+                                        <p:attrNameLst>
+                                          <p:attrName>style.visibility</p:attrName>
+                                        </p:attrNameLst>
+                                      </p:cBhvr>
+                                      <p:to>
+                                        <p:strVal val="visible"/>
+                                      </p:to>
+                                    </p:set>
+                                  </p:childTnLst>
+                                </p:cTn>
+                              </p:par>
+                            </p:childTnLst>
+                          </p:cTn>
+                        </p:par>
+                      </p:childTnLst>
+                    </p:cTn>
+                  </p:par>
                 </p:childTnLst>
               </p:cTn>
               <p:prevCondLst>
@@ -9861,11 +12673,14 @@
         </p:cTn>
       </p:par>
     </p:tnLst>
+    <p:bldLst>
+      <p:bldP spid="4" grpId="0"/>
+    </p:bldLst>
   </p:timing>
 </p:sld>
 </file>
 
-<file path=ppt/slides/slide22.xml><?xml version="1.0" encoding="utf-8"?>
+<file path=ppt/slides/slide24.xml><?xml version="1.0" encoding="utf-8"?>
 <p:sld xmlns:a="http://schemas.openxmlformats.org/drawingml/2006/main" xmlns:r="http://schemas.openxmlformats.org/officeDocument/2006/relationships" xmlns:p="http://schemas.openxmlformats.org/presentationml/2006/main">
   <p:cSld>
     <p:spTree>
@@ -10127,232 +12942,10 @@
   <p:clrMapOvr>
     <a:masterClrMapping/>
   </p:clrMapOvr>
-  <p:timing>
-    <p:tnLst>
-      <p:par>
-        <p:cTn id="1" dur="indefinite" restart="never" nodeType="tmRoot">
-          <p:childTnLst>
-            <p:seq concurrent="1" nextAc="seek">
-              <p:cTn id="2" dur="indefinite" nodeType="mainSeq">
-                <p:childTnLst>
-                  <p:par>
-                    <p:cTn id="3" fill="hold">
-                      <p:stCondLst>
-                        <p:cond delay="indefinite"/>
-                      </p:stCondLst>
-                      <p:childTnLst>
-                        <p:par>
-                          <p:cTn id="4" fill="hold">
-                            <p:stCondLst>
-                              <p:cond delay="0"/>
-                            </p:stCondLst>
-                            <p:childTnLst>
-                              <p:par>
-                                <p:cTn id="5" presetID="1" presetClass="entr" presetSubtype="0" fill="hold" nodeType="clickEffect">
-                                  <p:stCondLst>
-                                    <p:cond delay="0"/>
-                                  </p:stCondLst>
-                                  <p:childTnLst>
-                                    <p:set>
-                                      <p:cBhvr>
-                                        <p:cTn id="6" dur="1" fill="hold">
-                                          <p:stCondLst>
-                                            <p:cond delay="0"/>
-                                          </p:stCondLst>
-                                        </p:cTn>
-                                        <p:tgtEl>
-                                          <p:spTgt spid="2">
-                                            <p:txEl>
-                                              <p:pRg st="0" end="0"/>
-                                            </p:txEl>
-                                          </p:spTgt>
-                                        </p:tgtEl>
-                                        <p:attrNameLst>
-                                          <p:attrName>style.visibility</p:attrName>
-                                        </p:attrNameLst>
-                                      </p:cBhvr>
-                                      <p:to>
-                                        <p:strVal val="visible"/>
-                                      </p:to>
-                                    </p:set>
-                                  </p:childTnLst>
-                                </p:cTn>
-                              </p:par>
-                            </p:childTnLst>
-                          </p:cTn>
-                        </p:par>
-                      </p:childTnLst>
-                    </p:cTn>
-                  </p:par>
-                  <p:par>
-                    <p:cTn id="7" fill="hold">
-                      <p:stCondLst>
-                        <p:cond delay="indefinite"/>
-                      </p:stCondLst>
-                      <p:childTnLst>
-                        <p:par>
-                          <p:cTn id="8" fill="hold">
-                            <p:stCondLst>
-                              <p:cond delay="0"/>
-                            </p:stCondLst>
-                            <p:childTnLst>
-                              <p:par>
-                                <p:cTn id="9" presetID="1" presetClass="entr" presetSubtype="0" fill="hold" nodeType="clickEffect">
-                                  <p:stCondLst>
-                                    <p:cond delay="0"/>
-                                  </p:stCondLst>
-                                  <p:childTnLst>
-                                    <p:set>
-                                      <p:cBhvr>
-                                        <p:cTn id="10" dur="1" fill="hold">
-                                          <p:stCondLst>
-                                            <p:cond delay="0"/>
-                                          </p:stCondLst>
-                                        </p:cTn>
-                                        <p:tgtEl>
-                                          <p:spTgt spid="2">
-                                            <p:txEl>
-                                              <p:pRg st="1" end="1"/>
-                                            </p:txEl>
-                                          </p:spTgt>
-                                        </p:tgtEl>
-                                        <p:attrNameLst>
-                                          <p:attrName>style.visibility</p:attrName>
-                                        </p:attrNameLst>
-                                      </p:cBhvr>
-                                      <p:to>
-                                        <p:strVal val="visible"/>
-                                      </p:to>
-                                    </p:set>
-                                  </p:childTnLst>
-                                </p:cTn>
-                              </p:par>
-                            </p:childTnLst>
-                          </p:cTn>
-                        </p:par>
-                      </p:childTnLst>
-                    </p:cTn>
-                  </p:par>
-                  <p:par>
-                    <p:cTn id="11" fill="hold">
-                      <p:stCondLst>
-                        <p:cond delay="indefinite"/>
-                      </p:stCondLst>
-                      <p:childTnLst>
-                        <p:par>
-                          <p:cTn id="12" fill="hold">
-                            <p:stCondLst>
-                              <p:cond delay="0"/>
-                            </p:stCondLst>
-                            <p:childTnLst>
-                              <p:par>
-                                <p:cTn id="13" presetID="1" presetClass="entr" presetSubtype="0" fill="hold" nodeType="clickEffect">
-                                  <p:stCondLst>
-                                    <p:cond delay="0"/>
-                                  </p:stCondLst>
-                                  <p:childTnLst>
-                                    <p:set>
-                                      <p:cBhvr>
-                                        <p:cTn id="14" dur="1" fill="hold">
-                                          <p:stCondLst>
-                                            <p:cond delay="0"/>
-                                          </p:stCondLst>
-                                        </p:cTn>
-                                        <p:tgtEl>
-                                          <p:spTgt spid="2">
-                                            <p:txEl>
-                                              <p:pRg st="3" end="3"/>
-                                            </p:txEl>
-                                          </p:spTgt>
-                                        </p:tgtEl>
-                                        <p:attrNameLst>
-                                          <p:attrName>style.visibility</p:attrName>
-                                        </p:attrNameLst>
-                                      </p:cBhvr>
-                                      <p:to>
-                                        <p:strVal val="visible"/>
-                                      </p:to>
-                                    </p:set>
-                                  </p:childTnLst>
-                                </p:cTn>
-                              </p:par>
-                            </p:childTnLst>
-                          </p:cTn>
-                        </p:par>
-                      </p:childTnLst>
-                    </p:cTn>
-                  </p:par>
-                  <p:par>
-                    <p:cTn id="15" fill="hold">
-                      <p:stCondLst>
-                        <p:cond delay="indefinite"/>
-                      </p:stCondLst>
-                      <p:childTnLst>
-                        <p:par>
-                          <p:cTn id="16" fill="hold">
-                            <p:stCondLst>
-                              <p:cond delay="0"/>
-                            </p:stCondLst>
-                            <p:childTnLst>
-                              <p:par>
-                                <p:cTn id="17" presetID="1" presetClass="entr" presetSubtype="0" fill="hold" nodeType="clickEffect">
-                                  <p:stCondLst>
-                                    <p:cond delay="0"/>
-                                  </p:stCondLst>
-                                  <p:childTnLst>
-                                    <p:set>
-                                      <p:cBhvr>
-                                        <p:cTn id="18" dur="1" fill="hold">
-                                          <p:stCondLst>
-                                            <p:cond delay="0"/>
-                                          </p:stCondLst>
-                                        </p:cTn>
-                                        <p:tgtEl>
-                                          <p:spTgt spid="4"/>
-                                        </p:tgtEl>
-                                        <p:attrNameLst>
-                                          <p:attrName>style.visibility</p:attrName>
-                                        </p:attrNameLst>
-                                      </p:cBhvr>
-                                      <p:to>
-                                        <p:strVal val="visible"/>
-                                      </p:to>
-                                    </p:set>
-                                  </p:childTnLst>
-                                </p:cTn>
-                              </p:par>
-                            </p:childTnLst>
-                          </p:cTn>
-                        </p:par>
-                      </p:childTnLst>
-                    </p:cTn>
-                  </p:par>
-                </p:childTnLst>
-              </p:cTn>
-              <p:prevCondLst>
-                <p:cond evt="onPrev" delay="0">
-                  <p:tgtEl>
-                    <p:sldTgt/>
-                  </p:tgtEl>
-                </p:cond>
-              </p:prevCondLst>
-              <p:nextCondLst>
-                <p:cond evt="onNext" delay="0">
-                  <p:tgtEl>
-                    <p:sldTgt/>
-                  </p:tgtEl>
-                </p:cond>
-              </p:nextCondLst>
-            </p:seq>
-          </p:childTnLst>
-        </p:cTn>
-      </p:par>
-    </p:tnLst>
-  </p:timing>
 </p:sld>
 </file>
 
-<file path=ppt/slides/slide23.xml><?xml version="1.0" encoding="utf-8"?>
+<file path=ppt/slides/slide25.xml><?xml version="1.0" encoding="utf-8"?>
 <p:sld xmlns:a="http://schemas.openxmlformats.org/drawingml/2006/main" xmlns:r="http://schemas.openxmlformats.org/officeDocument/2006/relationships" xmlns:p="http://schemas.openxmlformats.org/presentationml/2006/main">
   <p:cSld>
     <p:spTree>
@@ -10421,7 +13014,7 @@
 </p:sld>
 </file>
 
-<file path=ppt/slides/slide24.xml><?xml version="1.0" encoding="utf-8"?>
+<file path=ppt/slides/slide26.xml><?xml version="1.0" encoding="utf-8"?>
 <p:sld xmlns:a="http://schemas.openxmlformats.org/drawingml/2006/main" xmlns:r="http://schemas.openxmlformats.org/officeDocument/2006/relationships" xmlns:p="http://schemas.openxmlformats.org/presentationml/2006/main">
   <p:cSld>
     <p:spTree>
@@ -10457,6 +13050,12 @@
               <a:buFont typeface="Arial" panose="020B0604020202020204" pitchFamily="34" charset="0"/>
               <a:buChar char="•"/>
             </a:pPr>
+            <a:r>
+              <a:rPr lang="en-US" altLang="zh-CN" dirty="0">
+                <a:sym typeface="+mn-ea"/>
+              </a:rPr>
+              <a:t>TODO </a:t>
+            </a:r>
             <a:r>
               <a:rPr lang="zh-CN" altLang="en-US" dirty="0">
                 <a:sym typeface="+mn-ea"/>
@@ -10614,134 +13213,10 @@
   <p:clrMapOvr>
     <a:masterClrMapping/>
   </p:clrMapOvr>
-  <p:timing>
-    <p:tnLst>
-      <p:par>
-        <p:cTn id="1" dur="indefinite" restart="never" nodeType="tmRoot">
-          <p:childTnLst>
-            <p:seq concurrent="1" nextAc="seek">
-              <p:cTn id="2" dur="indefinite" nodeType="mainSeq">
-                <p:childTnLst>
-                  <p:par>
-                    <p:cTn id="3" fill="hold">
-                      <p:stCondLst>
-                        <p:cond delay="indefinite"/>
-                      </p:stCondLst>
-                      <p:childTnLst>
-                        <p:par>
-                          <p:cTn id="4" fill="hold">
-                            <p:stCondLst>
-                              <p:cond delay="0"/>
-                            </p:stCondLst>
-                            <p:childTnLst>
-                              <p:par>
-                                <p:cTn id="5" presetID="1" presetClass="entr" presetSubtype="0" fill="hold" nodeType="clickEffect">
-                                  <p:stCondLst>
-                                    <p:cond delay="0"/>
-                                  </p:stCondLst>
-                                  <p:childTnLst>
-                                    <p:set>
-                                      <p:cBhvr>
-                                        <p:cTn id="6" dur="1" fill="hold">
-                                          <p:stCondLst>
-                                            <p:cond delay="0"/>
-                                          </p:stCondLst>
-                                        </p:cTn>
-                                        <p:tgtEl>
-                                          <p:spTgt spid="2">
-                                            <p:txEl>
-                                              <p:pRg st="0" end="0"/>
-                                            </p:txEl>
-                                          </p:spTgt>
-                                        </p:tgtEl>
-                                        <p:attrNameLst>
-                                          <p:attrName>style.visibility</p:attrName>
-                                        </p:attrNameLst>
-                                      </p:cBhvr>
-                                      <p:to>
-                                        <p:strVal val="visible"/>
-                                      </p:to>
-                                    </p:set>
-                                  </p:childTnLst>
-                                </p:cTn>
-                              </p:par>
-                            </p:childTnLst>
-                          </p:cTn>
-                        </p:par>
-                      </p:childTnLst>
-                    </p:cTn>
-                  </p:par>
-                  <p:par>
-                    <p:cTn id="7" fill="hold">
-                      <p:stCondLst>
-                        <p:cond delay="indefinite"/>
-                      </p:stCondLst>
-                      <p:childTnLst>
-                        <p:par>
-                          <p:cTn id="8" fill="hold">
-                            <p:stCondLst>
-                              <p:cond delay="0"/>
-                            </p:stCondLst>
-                            <p:childTnLst>
-                              <p:par>
-                                <p:cTn id="9" presetID="1" presetClass="entr" presetSubtype="0" fill="hold" nodeType="clickEffect">
-                                  <p:stCondLst>
-                                    <p:cond delay="0"/>
-                                  </p:stCondLst>
-                                  <p:childTnLst>
-                                    <p:set>
-                                      <p:cBhvr>
-                                        <p:cTn id="10" dur="1" fill="hold">
-                                          <p:stCondLst>
-                                            <p:cond delay="0"/>
-                                          </p:stCondLst>
-                                        </p:cTn>
-                                        <p:tgtEl>
-                                          <p:spTgt spid="4"/>
-                                        </p:tgtEl>
-                                        <p:attrNameLst>
-                                          <p:attrName>style.visibility</p:attrName>
-                                        </p:attrNameLst>
-                                      </p:cBhvr>
-                                      <p:to>
-                                        <p:strVal val="visible"/>
-                                      </p:to>
-                                    </p:set>
-                                  </p:childTnLst>
-                                </p:cTn>
-                              </p:par>
-                            </p:childTnLst>
-                          </p:cTn>
-                        </p:par>
-                      </p:childTnLst>
-                    </p:cTn>
-                  </p:par>
-                </p:childTnLst>
-              </p:cTn>
-              <p:prevCondLst>
-                <p:cond evt="onPrev" delay="0">
-                  <p:tgtEl>
-                    <p:sldTgt/>
-                  </p:tgtEl>
-                </p:cond>
-              </p:prevCondLst>
-              <p:nextCondLst>
-                <p:cond evt="onNext" delay="0">
-                  <p:tgtEl>
-                    <p:sldTgt/>
-                  </p:tgtEl>
-                </p:cond>
-              </p:nextCondLst>
-            </p:seq>
-          </p:childTnLst>
-        </p:cTn>
-      </p:par>
-    </p:tnLst>
-  </p:timing>
 </p:sld>
 </file>
 
-<file path=ppt/slides/slide25.xml><?xml version="1.0" encoding="utf-8"?>
+<file path=ppt/slides/slide27.xml><?xml version="1.0" encoding="utf-8"?>
 <p:sld xmlns:a="http://schemas.openxmlformats.org/drawingml/2006/main" xmlns:r="http://schemas.openxmlformats.org/officeDocument/2006/relationships" xmlns:p="http://schemas.openxmlformats.org/presentationml/2006/main">
   <p:cSld>
     <p:spTree>
@@ -10791,7 +13266,7 @@
 </p:sld>
 </file>
 
-<file path=ppt/slides/slide26.xml><?xml version="1.0" encoding="utf-8"?>
+<file path=ppt/slides/slide28.xml><?xml version="1.0" encoding="utf-8"?>
 <p:sld xmlns:a="http://schemas.openxmlformats.org/drawingml/2006/main" xmlns:r="http://schemas.openxmlformats.org/officeDocument/2006/relationships" xmlns:p="http://schemas.openxmlformats.org/presentationml/2006/main">
   <p:cSld>
     <p:spTree>
@@ -10834,6 +13309,28 @@
             <a:r>
               <a:rPr lang="zh-CN" altLang="en-US" dirty="0"/>
               <a:t>？</a:t>
+            </a:r>
+            <a:endParaRPr lang="en-US" altLang="zh-CN" dirty="0"/>
+          </a:p>
+          <a:p>
+            <a:pPr marL="285750" indent="-285750">
+              <a:buFont typeface="Arial" panose="020B0604020202020204" pitchFamily="34" charset="0"/>
+              <a:buChar char="•"/>
+            </a:pPr>
+            <a:r>
+              <a:rPr kumimoji="1" lang="zh-CN" altLang="en-US" dirty="0"/>
+              <a:t>计算每层的误差项和梯度的顺序是什么？</a:t>
+            </a:r>
+            <a:endParaRPr kumimoji="1" lang="en-US" altLang="zh-CN" dirty="0"/>
+          </a:p>
+          <a:p>
+            <a:pPr marL="285750" indent="-285750">
+              <a:buFont typeface="Arial" panose="020B0604020202020204" pitchFamily="34" charset="0"/>
+              <a:buChar char="•"/>
+            </a:pPr>
+            <a:r>
+              <a:rPr lang="zh-CN" altLang="en-US" dirty="0"/>
+              <a:t>如何将梯度向量化？</a:t>
             </a:r>
             <a:endParaRPr dirty="0">
               <a:sym typeface="+mn-ea"/>
@@ -10957,7 +13454,7 @@
 </p:sld>
 </file>
 
-<file path=ppt/slides/slide27.xml><?xml version="1.0" encoding="utf-8"?>
+<file path=ppt/slides/slide29.xml><?xml version="1.0" encoding="utf-8"?>
 <p:sld xmlns:a="http://schemas.openxmlformats.org/drawingml/2006/main" xmlns:r="http://schemas.openxmlformats.org/officeDocument/2006/relationships" xmlns:p="http://schemas.openxmlformats.org/presentationml/2006/main">
   <p:cSld>
     <p:spTree>
@@ -10993,6 +13490,13 @@
               <a:buFont typeface="Arial" panose="020B0604020202020204" pitchFamily="34" charset="0"/>
               <a:buChar char="•"/>
             </a:pPr>
+            <a:r>
+              <a:rPr lang="zh-CN" altLang="en-US" dirty="0">
+                <a:sym typeface="+mn-ea"/>
+                <a:hlinkClick r:id="rId3"/>
+              </a:rPr>
+              <a:t>一文搞懂反向传</a:t>
+            </a:r>
             <a:endParaRPr dirty="0">
               <a:sym typeface="+mn-ea"/>
             </a:endParaRPr>
@@ -11039,12 +13543,12 @@
           <a:graphicData uri="http://schemas.openxmlformats.org/presentationml/2006/ole">
             <mc:AlternateContent xmlns:mc="http://schemas.openxmlformats.org/markup-compatibility/2006">
               <mc:Choice xmlns:v="urn:schemas-microsoft-com:vml" Requires="v">
-                <p:oleObj r:id="rId3" imgW="914400" imgH="368300" progId="Equation.KSEE3">
+                <p:oleObj r:id="rId4" imgW="914400" imgH="368300" progId="Equation.KSEE3">
                   <p:embed/>
                 </p:oleObj>
               </mc:Choice>
               <mc:Fallback>
-                <p:oleObj r:id="rId3" imgW="914400" imgH="368300" progId="Equation.KSEE3">
+                <p:oleObj r:id="rId4" imgW="914400" imgH="368300" progId="Equation.KSEE3">
                   <p:embed/>
                   <p:pic>
                     <p:nvPicPr>
@@ -11055,7 +13559,7 @@
                       <p:nvPr/>
                     </p:nvPicPr>
                     <p:blipFill>
-                      <a:blip r:embed="rId4"/>
+                      <a:blip r:embed="rId5"/>
                       <a:stretch>
                         <a:fillRect/>
                       </a:stretch>
@@ -11085,113 +13589,6 @@
         <p14:creationId xmlns:p14="http://schemas.microsoft.com/office/powerpoint/2010/main" val="2517994622"/>
       </p:ext>
     </p:extLst>
-  </p:cSld>
-  <p:clrMapOvr>
-    <a:masterClrMapping/>
-  </p:clrMapOvr>
-</p:sld>
-</file>
-
-<file path=ppt/slides/slide28.xml><?xml version="1.0" encoding="utf-8"?>
-<p:sld xmlns:a="http://schemas.openxmlformats.org/drawingml/2006/main" xmlns:r="http://schemas.openxmlformats.org/officeDocument/2006/relationships" xmlns:p="http://schemas.openxmlformats.org/presentationml/2006/main">
-  <p:cSld>
-    <p:spTree>
-      <p:nvGrpSpPr>
-        <p:cNvPr id="1" name=""/>
-        <p:cNvGrpSpPr/>
-        <p:nvPr/>
-      </p:nvGrpSpPr>
-      <p:grpSpPr>
-        <a:xfrm>
-          <a:off x="0" y="0"/>
-          <a:ext cx="0" cy="0"/>
-          <a:chOff x="0" y="0"/>
-          <a:chExt cx="0" cy="0"/>
-        </a:xfrm>
-      </p:grpSpPr>
-      <p:sp>
-        <p:nvSpPr>
-          <p:cNvPr id="2" name="文本占位符 1"/>
-          <p:cNvSpPr>
-            <a:spLocks noGrp="1"/>
-          </p:cNvSpPr>
-          <p:nvPr>
-            <p:ph type="body" idx="1"/>
-          </p:nvPr>
-        </p:nvSpPr>
-        <p:spPr/>
-        <p:txBody>
-          <a:bodyPr/>
-          <a:lstStyle/>
-          <a:p>
-            <a:pPr>
-              <a:buFont typeface="Arial" panose="020B0604020202020204" pitchFamily="34" charset="0"/>
-            </a:pPr>
-            <a:endParaRPr dirty="0">
-              <a:sym typeface="+mn-ea"/>
-            </a:endParaRPr>
-          </a:p>
-        </p:txBody>
-      </p:sp>
-      <p:sp>
-        <p:nvSpPr>
-          <p:cNvPr id="3" name="标题 2"/>
-          <p:cNvSpPr>
-            <a:spLocks noGrp="1"/>
-          </p:cNvSpPr>
-          <p:nvPr>
-            <p:ph type="title"/>
-          </p:nvPr>
-        </p:nvSpPr>
-        <p:spPr/>
-        <p:txBody>
-          <a:bodyPr/>
-          <a:lstStyle/>
-          <a:p>
-            <a:r>
-              <a:rPr lang="zh-CN" altLang="en-US"/>
-              <a:t>下节课预告</a:t>
-            </a:r>
-          </a:p>
-        </p:txBody>
-      </p:sp>
-    </p:spTree>
-    <p:custDataLst>
-      <p:tags r:id="rId1"/>
-    </p:custDataLst>
-    <p:extLst>
-      <p:ext uri="{BB962C8B-B14F-4D97-AF65-F5344CB8AC3E}">
-        <p14:creationId xmlns:p14="http://schemas.microsoft.com/office/powerpoint/2010/main" val="1027050507"/>
-      </p:ext>
-    </p:extLst>
-  </p:cSld>
-  <p:clrMapOvr>
-    <a:masterClrMapping/>
-  </p:clrMapOvr>
-</p:sld>
-</file>
-
-<file path=ppt/slides/slide29.xml><?xml version="1.0" encoding="utf-8"?>
-<p:sld xmlns:a="http://schemas.openxmlformats.org/drawingml/2006/main" xmlns:r="http://schemas.openxmlformats.org/officeDocument/2006/relationships" xmlns:p="http://schemas.openxmlformats.org/presentationml/2006/main">
-  <p:cSld>
-    <p:spTree>
-      <p:nvGrpSpPr>
-        <p:cNvPr id="1" name=""/>
-        <p:cNvGrpSpPr/>
-        <p:nvPr/>
-      </p:nvGrpSpPr>
-      <p:grpSpPr>
-        <a:xfrm>
-          <a:off x="0" y="0"/>
-          <a:ext cx="0" cy="0"/>
-          <a:chOff x="0" y="0"/>
-          <a:chExt cx="0" cy="0"/>
-        </a:xfrm>
-      </p:grpSpPr>
-    </p:spTree>
-    <p:custDataLst>
-      <p:tags r:id="rId1"/>
-    </p:custDataLst>
   </p:cSld>
   <p:clrMapOvr>
     <a:masterClrMapping/>
@@ -11247,9 +13644,29 @@
               <a:buChar char="•"/>
             </a:pPr>
             <a:r>
+              <a:rPr lang="zh-CN" altLang="en-US" dirty="0"/>
+              <a:t>主问题：如何推导全连接层的后向传播？</a:t>
+            </a:r>
+            <a:endParaRPr lang="en-US" altLang="zh-CN" dirty="0"/>
+          </a:p>
+          <a:p>
+            <a:pPr marL="285750" indent="-285750">
+              <a:buFont typeface="Arial" panose="020B0604020202020204" pitchFamily="34" charset="0"/>
+              <a:buChar char="•"/>
+            </a:pPr>
+            <a:r>
+              <a:rPr lang="zh-CN" altLang="en-US" dirty="0"/>
+              <a:t>任务：使用全连接层实现“判断性别</a:t>
+            </a:r>
+            <a:r>
               <a:rPr lang="en-US" altLang="zh-CN" dirty="0"/>
-              <a:t>TODO</a:t>
-            </a:r>
+              <a:t>Demo</a:t>
+            </a:r>
+            <a:r>
+              <a:rPr lang="zh-CN" altLang="en-US" dirty="0"/>
+              <a:t>”</a:t>
+            </a:r>
+            <a:endParaRPr lang="en-US" altLang="zh-CN" dirty="0"/>
           </a:p>
         </p:txBody>
       </p:sp>
@@ -11368,7 +13785,56 @@
                                         <p:tgtEl>
                                           <p:spTgt spid="2">
                                             <p:txEl>
-                                              <p:pRg st="1" end="1"/>
+                                              <p:charRg st="9" end="28"/>
+                                            </p:txEl>
+                                          </p:spTgt>
+                                        </p:tgtEl>
+                                        <p:attrNameLst>
+                                          <p:attrName>style.visibility</p:attrName>
+                                        </p:attrNameLst>
+                                      </p:cBhvr>
+                                      <p:to>
+                                        <p:strVal val="visible"/>
+                                      </p:to>
+                                    </p:set>
+                                  </p:childTnLst>
+                                </p:cTn>
+                              </p:par>
+                            </p:childTnLst>
+                          </p:cTn>
+                        </p:par>
+                      </p:childTnLst>
+                    </p:cTn>
+                  </p:par>
+                  <p:par>
+                    <p:cTn id="11" fill="hold">
+                      <p:stCondLst>
+                        <p:cond delay="indefinite"/>
+                      </p:stCondLst>
+                      <p:childTnLst>
+                        <p:par>
+                          <p:cTn id="12" fill="hold">
+                            <p:stCondLst>
+                              <p:cond delay="0"/>
+                            </p:stCondLst>
+                            <p:childTnLst>
+                              <p:par>
+                                <p:cTn id="13" presetID="1" presetClass="entr" presetSubtype="0" fill="hold" grpId="0" nodeType="clickEffect">
+                                  <p:stCondLst>
+                                    <p:cond delay="0"/>
+                                  </p:stCondLst>
+                                  <p:childTnLst>
+                                    <p:set>
+                                      <p:cBhvr>
+                                        <p:cTn id="14" dur="1" fill="hold">
+                                          <p:stCondLst>
+                                            <p:cond delay="0"/>
+                                          </p:stCondLst>
+                                        </p:cTn>
+                                        <p:tgtEl>
+                                          <p:spTgt spid="2">
+                                            <p:txEl>
+                                              <p:charRg st="28" end="50"/>
                                             </p:txEl>
                                           </p:spTgt>
                                         </p:tgtEl>
@@ -11449,11 +13915,12 @@
           <a:bodyPr/>
           <a:lstStyle/>
           <a:p>
-            <a:pPr marL="285750" indent="-285750">
+            <a:pPr>
               <a:buFont typeface="Arial" panose="020B0604020202020204" pitchFamily="34" charset="0"/>
-              <a:buChar char="•"/>
             </a:pPr>
-            <a:endParaRPr lang="en-US" altLang="zh-CN" dirty="0"/>
+            <a:endParaRPr dirty="0">
+              <a:sym typeface="+mn-ea"/>
+            </a:endParaRPr>
           </a:p>
         </p:txBody>
       </p:sp>
@@ -11474,6 +13941,112 @@
           <a:p>
             <a:r>
               <a:rPr lang="zh-CN" altLang="en-US"/>
+              <a:t>下节课预告</a:t>
+            </a:r>
+          </a:p>
+        </p:txBody>
+      </p:sp>
+    </p:spTree>
+    <p:custDataLst>
+      <p:tags r:id="rId1"/>
+    </p:custDataLst>
+    <p:extLst>
+      <p:ext uri="{BB962C8B-B14F-4D97-AF65-F5344CB8AC3E}">
+        <p14:creationId xmlns:p14="http://schemas.microsoft.com/office/powerpoint/2010/main" val="1027050507"/>
+      </p:ext>
+    </p:extLst>
+  </p:cSld>
+  <p:clrMapOvr>
+    <a:masterClrMapping/>
+  </p:clrMapOvr>
+</p:sld>
+</file>
+
+<file path=ppt/slides/slide31.xml><?xml version="1.0" encoding="utf-8"?>
+<p:sld xmlns:a="http://schemas.openxmlformats.org/drawingml/2006/main" xmlns:r="http://schemas.openxmlformats.org/officeDocument/2006/relationships" xmlns:p="http://schemas.openxmlformats.org/presentationml/2006/main">
+  <p:cSld>
+    <p:spTree>
+      <p:nvGrpSpPr>
+        <p:cNvPr id="1" name=""/>
+        <p:cNvGrpSpPr/>
+        <p:nvPr/>
+      </p:nvGrpSpPr>
+      <p:grpSpPr>
+        <a:xfrm>
+          <a:off x="0" y="0"/>
+          <a:ext cx="0" cy="0"/>
+          <a:chOff x="0" y="0"/>
+          <a:chExt cx="0" cy="0"/>
+        </a:xfrm>
+      </p:grpSpPr>
+    </p:spTree>
+    <p:custDataLst>
+      <p:tags r:id="rId1"/>
+    </p:custDataLst>
+  </p:cSld>
+  <p:clrMapOvr>
+    <a:masterClrMapping/>
+  </p:clrMapOvr>
+</p:sld>
+</file>
+
+<file path=ppt/slides/slide32.xml><?xml version="1.0" encoding="utf-8"?>
+<p:sld xmlns:a="http://schemas.openxmlformats.org/drawingml/2006/main" xmlns:r="http://schemas.openxmlformats.org/officeDocument/2006/relationships" xmlns:p="http://schemas.openxmlformats.org/presentationml/2006/main">
+  <p:cSld>
+    <p:spTree>
+      <p:nvGrpSpPr>
+        <p:cNvPr id="1" name=""/>
+        <p:cNvGrpSpPr/>
+        <p:nvPr/>
+      </p:nvGrpSpPr>
+      <p:grpSpPr>
+        <a:xfrm>
+          <a:off x="0" y="0"/>
+          <a:ext cx="0" cy="0"/>
+          <a:chOff x="0" y="0"/>
+          <a:chExt cx="0" cy="0"/>
+        </a:xfrm>
+      </p:grpSpPr>
+      <p:sp>
+        <p:nvSpPr>
+          <p:cNvPr id="2" name="文本占位符 1"/>
+          <p:cNvSpPr>
+            <a:spLocks noGrp="1"/>
+          </p:cNvSpPr>
+          <p:nvPr>
+            <p:ph type="body" idx="1"/>
+          </p:nvPr>
+        </p:nvSpPr>
+        <p:spPr/>
+        <p:txBody>
+          <a:bodyPr/>
+          <a:lstStyle/>
+          <a:p>
+            <a:pPr marL="285750" indent="-285750">
+              <a:buFont typeface="Arial" panose="020B0604020202020204" pitchFamily="34" charset="0"/>
+              <a:buChar char="•"/>
+            </a:pPr>
+            <a:endParaRPr lang="en-US" altLang="zh-CN" dirty="0"/>
+          </a:p>
+        </p:txBody>
+      </p:sp>
+      <p:sp>
+        <p:nvSpPr>
+          <p:cNvPr id="3" name="标题 2"/>
+          <p:cNvSpPr>
+            <a:spLocks noGrp="1"/>
+          </p:cNvSpPr>
+          <p:nvPr>
+            <p:ph type="title"/>
+          </p:nvPr>
+        </p:nvSpPr>
+        <p:spPr/>
+        <p:txBody>
+          <a:bodyPr/>
+          <a:lstStyle/>
+          <a:p>
+            <a:r>
+              <a:rPr lang="zh-CN" altLang="en-US"/>
               <a:t>问答</a:t>
             </a:r>
           </a:p>
@@ -11490,7 +14063,7 @@
 </p:sld>
 </file>
 
-<file path=ppt/slides/slide31.xml><?xml version="1.0" encoding="utf-8"?>
+<file path=ppt/slides/slide33.xml><?xml version="1.0" encoding="utf-8"?>
 <p:sld xmlns:a="http://schemas.openxmlformats.org/drawingml/2006/main" xmlns:r="http://schemas.openxmlformats.org/officeDocument/2006/relationships" xmlns:p="http://schemas.openxmlformats.org/presentationml/2006/main">
   <p:cSld>
     <p:spTree>
@@ -11751,7 +14324,7 @@
         </p:blipFill>
         <p:spPr bwMode="auto">
           <a:xfrm>
-            <a:off x="3986090" y="4836274"/>
+            <a:off x="3885606" y="4926409"/>
             <a:ext cx="4219820" cy="1125858"/>
           </a:xfrm>
           <a:prstGeom prst="rect">
@@ -11798,7 +14371,7 @@
         </p:blipFill>
         <p:spPr bwMode="auto">
           <a:xfrm>
-            <a:off x="1380190" y="5118841"/>
+            <a:off x="1490722" y="5068600"/>
             <a:ext cx="1971710" cy="1355551"/>
           </a:xfrm>
           <a:prstGeom prst="rect">
@@ -11971,6 +14544,333 @@
                       </p:childTnLst>
                     </p:cTn>
                   </p:par>
+                  <p:par>
+                    <p:cTn id="11" fill="hold">
+                      <p:stCondLst>
+                        <p:cond delay="indefinite"/>
+                      </p:stCondLst>
+                      <p:childTnLst>
+                        <p:par>
+                          <p:cTn id="12" fill="hold">
+                            <p:stCondLst>
+                              <p:cond delay="0"/>
+                            </p:stCondLst>
+                            <p:childTnLst>
+                              <p:par>
+                                <p:cTn id="13" presetID="1" presetClass="entr" presetSubtype="0" fill="hold" nodeType="clickEffect">
+                                  <p:stCondLst>
+                                    <p:cond delay="0"/>
+                                  </p:stCondLst>
+                                  <p:childTnLst>
+                                    <p:set>
+                                      <p:cBhvr>
+                                        <p:cTn id="14" dur="1" fill="hold">
+                                          <p:stCondLst>
+                                            <p:cond delay="0"/>
+                                          </p:stCondLst>
+                                        </p:cTn>
+                                        <p:tgtEl>
+                                          <p:spTgt spid="4"/>
+                                        </p:tgtEl>
+                                        <p:attrNameLst>
+                                          <p:attrName>style.visibility</p:attrName>
+                                        </p:attrNameLst>
+                                      </p:cBhvr>
+                                      <p:to>
+                                        <p:strVal val="visible"/>
+                                      </p:to>
+                                    </p:set>
+                                  </p:childTnLst>
+                                </p:cTn>
+                              </p:par>
+                            </p:childTnLst>
+                          </p:cTn>
+                        </p:par>
+                      </p:childTnLst>
+                    </p:cTn>
+                  </p:par>
+                  <p:par>
+                    <p:cTn id="15" fill="hold">
+                      <p:stCondLst>
+                        <p:cond delay="indefinite"/>
+                      </p:stCondLst>
+                      <p:childTnLst>
+                        <p:par>
+                          <p:cTn id="16" fill="hold">
+                            <p:stCondLst>
+                              <p:cond delay="0"/>
+                            </p:stCondLst>
+                            <p:childTnLst>
+                              <p:par>
+                                <p:cTn id="17" presetID="1" presetClass="entr" presetSubtype="0" fill="hold" nodeType="clickEffect">
+                                  <p:stCondLst>
+                                    <p:cond delay="0"/>
+                                  </p:stCondLst>
+                                  <p:childTnLst>
+                                    <p:set>
+                                      <p:cBhvr>
+                                        <p:cTn id="18" dur="1" fill="hold">
+                                          <p:stCondLst>
+                                            <p:cond delay="0"/>
+                                          </p:stCondLst>
+                                        </p:cTn>
+                                        <p:tgtEl>
+                                          <p:spTgt spid="2">
+                                            <p:txEl>
+                                              <p:pRg st="2" end="2"/>
+                                            </p:txEl>
+                                          </p:spTgt>
+                                        </p:tgtEl>
+                                        <p:attrNameLst>
+                                          <p:attrName>style.visibility</p:attrName>
+                                        </p:attrNameLst>
+                                      </p:cBhvr>
+                                      <p:to>
+                                        <p:strVal val="visible"/>
+                                      </p:to>
+                                    </p:set>
+                                  </p:childTnLst>
+                                </p:cTn>
+                              </p:par>
+                            </p:childTnLst>
+                          </p:cTn>
+                        </p:par>
+                      </p:childTnLst>
+                    </p:cTn>
+                  </p:par>
+                  <p:par>
+                    <p:cTn id="19" fill="hold">
+                      <p:stCondLst>
+                        <p:cond delay="indefinite"/>
+                      </p:stCondLst>
+                      <p:childTnLst>
+                        <p:par>
+                          <p:cTn id="20" fill="hold">
+                            <p:stCondLst>
+                              <p:cond delay="0"/>
+                            </p:stCondLst>
+                            <p:childTnLst>
+                              <p:par>
+                                <p:cTn id="21" presetID="1" presetClass="entr" presetSubtype="0" fill="hold" nodeType="clickEffect">
+                                  <p:stCondLst>
+                                    <p:cond delay="0"/>
+                                  </p:stCondLst>
+                                  <p:childTnLst>
+                                    <p:set>
+                                      <p:cBhvr>
+                                        <p:cTn id="22" dur="1" fill="hold">
+                                          <p:stCondLst>
+                                            <p:cond delay="0"/>
+                                          </p:stCondLst>
+                                        </p:cTn>
+                                        <p:tgtEl>
+                                          <p:spTgt spid="1026"/>
+                                        </p:tgtEl>
+                                        <p:attrNameLst>
+                                          <p:attrName>style.visibility</p:attrName>
+                                        </p:attrNameLst>
+                                      </p:cBhvr>
+                                      <p:to>
+                                        <p:strVal val="visible"/>
+                                      </p:to>
+                                    </p:set>
+                                  </p:childTnLst>
+                                </p:cTn>
+                              </p:par>
+                            </p:childTnLst>
+                          </p:cTn>
+                        </p:par>
+                      </p:childTnLst>
+                    </p:cTn>
+                  </p:par>
+                  <p:par>
+                    <p:cTn id="23" fill="hold">
+                      <p:stCondLst>
+                        <p:cond delay="indefinite"/>
+                      </p:stCondLst>
+                      <p:childTnLst>
+                        <p:par>
+                          <p:cTn id="24" fill="hold">
+                            <p:stCondLst>
+                              <p:cond delay="0"/>
+                            </p:stCondLst>
+                            <p:childTnLst>
+                              <p:par>
+                                <p:cTn id="25" presetID="1" presetClass="entr" presetSubtype="0" fill="hold" nodeType="clickEffect">
+                                  <p:stCondLst>
+                                    <p:cond delay="0"/>
+                                  </p:stCondLst>
+                                  <p:childTnLst>
+                                    <p:set>
+                                      <p:cBhvr>
+                                        <p:cTn id="26" dur="1" fill="hold">
+                                          <p:stCondLst>
+                                            <p:cond delay="0"/>
+                                          </p:stCondLst>
+                                        </p:cTn>
+                                        <p:tgtEl>
+                                          <p:spTgt spid="2">
+                                            <p:txEl>
+                                              <p:pRg st="3" end="3"/>
+                                            </p:txEl>
+                                          </p:spTgt>
+                                        </p:tgtEl>
+                                        <p:attrNameLst>
+                                          <p:attrName>style.visibility</p:attrName>
+                                        </p:attrNameLst>
+                                      </p:cBhvr>
+                                      <p:to>
+                                        <p:strVal val="visible"/>
+                                      </p:to>
+                                    </p:set>
+                                  </p:childTnLst>
+                                </p:cTn>
+                              </p:par>
+                            </p:childTnLst>
+                          </p:cTn>
+                        </p:par>
+                      </p:childTnLst>
+                    </p:cTn>
+                  </p:par>
+                  <p:par>
+                    <p:cTn id="27" fill="hold">
+                      <p:stCondLst>
+                        <p:cond delay="indefinite"/>
+                      </p:stCondLst>
+                      <p:childTnLst>
+                        <p:par>
+                          <p:cTn id="28" fill="hold">
+                            <p:stCondLst>
+                              <p:cond delay="0"/>
+                            </p:stCondLst>
+                            <p:childTnLst>
+                              <p:par>
+                                <p:cTn id="29" presetID="1" presetClass="entr" presetSubtype="0" fill="hold" nodeType="clickEffect">
+                                  <p:stCondLst>
+                                    <p:cond delay="0"/>
+                                  </p:stCondLst>
+                                  <p:childTnLst>
+                                    <p:set>
+                                      <p:cBhvr>
+                                        <p:cTn id="30" dur="1" fill="hold">
+                                          <p:stCondLst>
+                                            <p:cond delay="0"/>
+                                          </p:stCondLst>
+                                        </p:cTn>
+                                        <p:tgtEl>
+                                          <p:spTgt spid="1028"/>
+                                        </p:tgtEl>
+                                        <p:attrNameLst>
+                                          <p:attrName>style.visibility</p:attrName>
+                                        </p:attrNameLst>
+                                      </p:cBhvr>
+                                      <p:to>
+                                        <p:strVal val="visible"/>
+                                      </p:to>
+                                    </p:set>
+                                  </p:childTnLst>
+                                </p:cTn>
+                              </p:par>
+                            </p:childTnLst>
+                          </p:cTn>
+                        </p:par>
+                      </p:childTnLst>
+                    </p:cTn>
+                  </p:par>
+                  <p:par>
+                    <p:cTn id="31" fill="hold">
+                      <p:stCondLst>
+                        <p:cond delay="indefinite"/>
+                      </p:stCondLst>
+                      <p:childTnLst>
+                        <p:par>
+                          <p:cTn id="32" fill="hold">
+                            <p:stCondLst>
+                              <p:cond delay="0"/>
+                            </p:stCondLst>
+                            <p:childTnLst>
+                              <p:par>
+                                <p:cTn id="33" presetID="1" presetClass="entr" presetSubtype="0" fill="hold" nodeType="clickEffect">
+                                  <p:stCondLst>
+                                    <p:cond delay="0"/>
+                                  </p:stCondLst>
+                                  <p:childTnLst>
+                                    <p:set>
+                                      <p:cBhvr>
+                                        <p:cTn id="34" dur="1" fill="hold">
+                                          <p:stCondLst>
+                                            <p:cond delay="0"/>
+                                          </p:stCondLst>
+                                        </p:cTn>
+                                        <p:tgtEl>
+                                          <p:spTgt spid="2">
+                                            <p:txEl>
+                                              <p:pRg st="4" end="4"/>
+                                            </p:txEl>
+                                          </p:spTgt>
+                                        </p:tgtEl>
+                                        <p:attrNameLst>
+                                          <p:attrName>style.visibility</p:attrName>
+                                        </p:attrNameLst>
+                                      </p:cBhvr>
+                                      <p:to>
+                                        <p:strVal val="visible"/>
+                                      </p:to>
+                                    </p:set>
+                                  </p:childTnLst>
+                                </p:cTn>
+                              </p:par>
+                            </p:childTnLst>
+                          </p:cTn>
+                        </p:par>
+                      </p:childTnLst>
+                    </p:cTn>
+                  </p:par>
+                  <p:par>
+                    <p:cTn id="35" fill="hold">
+                      <p:stCondLst>
+                        <p:cond delay="indefinite"/>
+                      </p:stCondLst>
+                      <p:childTnLst>
+                        <p:par>
+                          <p:cTn id="36" fill="hold">
+                            <p:stCondLst>
+                              <p:cond delay="0"/>
+                            </p:stCondLst>
+                            <p:childTnLst>
+                              <p:par>
+                                <p:cTn id="37" presetID="1" presetClass="entr" presetSubtype="0" fill="hold" nodeType="clickEffect">
+                                  <p:stCondLst>
+                                    <p:cond delay="0"/>
+                                  </p:stCondLst>
+                                  <p:childTnLst>
+                                    <p:set>
+                                      <p:cBhvr>
+                                        <p:cTn id="38" dur="1" fill="hold">
+                                          <p:stCondLst>
+                                            <p:cond delay="0"/>
+                                          </p:stCondLst>
+                                        </p:cTn>
+                                        <p:tgtEl>
+                                          <p:spTgt spid="1030"/>
+                                        </p:tgtEl>
+                                        <p:attrNameLst>
+                                          <p:attrName>style.visibility</p:attrName>
+                                        </p:attrNameLst>
+                                      </p:cBhvr>
+                                      <p:to>
+                                        <p:strVal val="visible"/>
+                                      </p:to>
+                                    </p:set>
+                                  </p:childTnLst>
+                                </p:cTn>
+                              </p:par>
+                            </p:childTnLst>
+                          </p:cTn>
+                        </p:par>
+                      </p:childTnLst>
+                    </p:cTn>
+                  </p:par>
                 </p:childTnLst>
               </p:cTn>
               <p:prevCondLst>
@@ -12164,42 +15064,6 @@
           </a:prstGeom>
         </p:spPr>
       </p:pic>
-      <p:pic>
-        <p:nvPicPr>
-          <p:cNvPr id="5" name="图片 4">
-            <a:extLst>
-              <a:ext uri="{FF2B5EF4-FFF2-40B4-BE49-F238E27FC236}">
-                <a16:creationId xmlns:a16="http://schemas.microsoft.com/office/drawing/2014/main" id="{1175D0A6-1BB7-4644-D87E-7882F2D2977C}"/>
-              </a:ext>
-            </a:extLst>
-          </p:cNvPr>
-          <p:cNvPicPr>
-            <a:picLocks noChangeAspect="1"/>
-          </p:cNvPicPr>
-          <p:nvPr/>
-        </p:nvPicPr>
-        <p:blipFill>
-          <a:blip r:embed="rId5">
-            <a:extLst>
-              <a:ext uri="{28A0092B-C50C-407E-A947-70E740481C1C}">
-                <a14:useLocalDpi xmlns:a14="http://schemas.microsoft.com/office/drawing/2010/main" val="0"/>
-              </a:ext>
-            </a:extLst>
-          </a:blip>
-          <a:stretch>
-            <a:fillRect/>
-          </a:stretch>
-        </p:blipFill>
-        <p:spPr>
-          <a:xfrm>
-            <a:off x="7394575" y="1622146"/>
-            <a:ext cx="4127500" cy="2667000"/>
-          </a:xfrm>
-          <a:prstGeom prst="rect">
-            <a:avLst/>
-          </a:prstGeom>
-        </p:spPr>
-      </p:pic>
     </p:spTree>
     <p:custDataLst>
       <p:tags r:id="rId1"/>
@@ -12213,10 +15077,408 @@
   <p:clrMapOvr>
     <a:masterClrMapping/>
   </p:clrMapOvr>
+  <p:timing>
+    <p:tnLst>
+      <p:par>
+        <p:cTn id="1" dur="indefinite" restart="never" nodeType="tmRoot">
+          <p:childTnLst>
+            <p:seq concurrent="1" nextAc="seek">
+              <p:cTn id="2" dur="indefinite" nodeType="mainSeq">
+                <p:childTnLst>
+                  <p:par>
+                    <p:cTn id="3" fill="hold">
+                      <p:stCondLst>
+                        <p:cond delay="indefinite"/>
+                      </p:stCondLst>
+                      <p:childTnLst>
+                        <p:par>
+                          <p:cTn id="4" fill="hold">
+                            <p:stCondLst>
+                              <p:cond delay="0"/>
+                            </p:stCondLst>
+                            <p:childTnLst>
+                              <p:par>
+                                <p:cTn id="5" presetID="1" presetClass="entr" presetSubtype="0" fill="hold" nodeType="clickEffect">
+                                  <p:stCondLst>
+                                    <p:cond delay="0"/>
+                                  </p:stCondLst>
+                                  <p:childTnLst>
+                                    <p:set>
+                                      <p:cBhvr>
+                                        <p:cTn id="6" dur="1" fill="hold">
+                                          <p:stCondLst>
+                                            <p:cond delay="0"/>
+                                          </p:stCondLst>
+                                        </p:cTn>
+                                        <p:tgtEl>
+                                          <p:spTgt spid="2">
+                                            <p:txEl>
+                                              <p:pRg st="1" end="1"/>
+                                            </p:txEl>
+                                          </p:spTgt>
+                                        </p:tgtEl>
+                                        <p:attrNameLst>
+                                          <p:attrName>style.visibility</p:attrName>
+                                        </p:attrNameLst>
+                                      </p:cBhvr>
+                                      <p:to>
+                                        <p:strVal val="visible"/>
+                                      </p:to>
+                                    </p:set>
+                                  </p:childTnLst>
+                                </p:cTn>
+                              </p:par>
+                            </p:childTnLst>
+                          </p:cTn>
+                        </p:par>
+                      </p:childTnLst>
+                    </p:cTn>
+                  </p:par>
+                  <p:par>
+                    <p:cTn id="7" fill="hold">
+                      <p:stCondLst>
+                        <p:cond delay="indefinite"/>
+                      </p:stCondLst>
+                      <p:childTnLst>
+                        <p:par>
+                          <p:cTn id="8" fill="hold">
+                            <p:stCondLst>
+                              <p:cond delay="0"/>
+                            </p:stCondLst>
+                            <p:childTnLst>
+                              <p:par>
+                                <p:cTn id="9" presetID="1" presetClass="entr" presetSubtype="0" fill="hold" nodeType="clickEffect">
+                                  <p:stCondLst>
+                                    <p:cond delay="0"/>
+                                  </p:stCondLst>
+                                  <p:childTnLst>
+                                    <p:set>
+                                      <p:cBhvr>
+                                        <p:cTn id="10" dur="1" fill="hold">
+                                          <p:stCondLst>
+                                            <p:cond delay="0"/>
+                                          </p:stCondLst>
+                                        </p:cTn>
+                                        <p:tgtEl>
+                                          <p:spTgt spid="6"/>
+                                        </p:tgtEl>
+                                        <p:attrNameLst>
+                                          <p:attrName>style.visibility</p:attrName>
+                                        </p:attrNameLst>
+                                      </p:cBhvr>
+                                      <p:to>
+                                        <p:strVal val="visible"/>
+                                      </p:to>
+                                    </p:set>
+                                  </p:childTnLst>
+                                </p:cTn>
+                              </p:par>
+                            </p:childTnLst>
+                          </p:cTn>
+                        </p:par>
+                      </p:childTnLst>
+                    </p:cTn>
+                  </p:par>
+                </p:childTnLst>
+              </p:cTn>
+              <p:prevCondLst>
+                <p:cond evt="onPrev" delay="0">
+                  <p:tgtEl>
+                    <p:sldTgt/>
+                  </p:tgtEl>
+                </p:cond>
+              </p:prevCondLst>
+              <p:nextCondLst>
+                <p:cond evt="onNext" delay="0">
+                  <p:tgtEl>
+                    <p:sldTgt/>
+                  </p:tgtEl>
+                </p:cond>
+              </p:nextCondLst>
+            </p:seq>
+          </p:childTnLst>
+        </p:cTn>
+      </p:par>
+    </p:tnLst>
+  </p:timing>
 </p:sld>
 </file>
 
 <file path=ppt/slides/slide6.xml><?xml version="1.0" encoding="utf-8"?>
+<p:sld xmlns:a="http://schemas.openxmlformats.org/drawingml/2006/main" xmlns:r="http://schemas.openxmlformats.org/officeDocument/2006/relationships" xmlns:p="http://schemas.openxmlformats.org/presentationml/2006/main">
+  <p:cSld>
+    <p:spTree>
+      <p:nvGrpSpPr>
+        <p:cNvPr id="1" name=""/>
+        <p:cNvGrpSpPr/>
+        <p:nvPr/>
+      </p:nvGrpSpPr>
+      <p:grpSpPr>
+        <a:xfrm>
+          <a:off x="0" y="0"/>
+          <a:ext cx="0" cy="0"/>
+          <a:chOff x="0" y="0"/>
+          <a:chExt cx="0" cy="0"/>
+        </a:xfrm>
+      </p:grpSpPr>
+      <p:sp>
+        <p:nvSpPr>
+          <p:cNvPr id="2" name="文本占位符 1"/>
+          <p:cNvSpPr>
+            <a:spLocks noGrp="1"/>
+          </p:cNvSpPr>
+          <p:nvPr>
+            <p:ph type="body" idx="1"/>
+          </p:nvPr>
+        </p:nvSpPr>
+        <p:spPr/>
+        <p:txBody>
+          <a:bodyPr/>
+          <a:lstStyle/>
+          <a:p>
+            <a:pPr marL="285750" indent="-285750">
+              <a:buFont typeface="Arial" panose="020B0604020202020204" pitchFamily="34" charset="0"/>
+              <a:buChar char="•"/>
+            </a:pPr>
+            <a:r>
+              <a:rPr lang="zh-CN" altLang="en-US" dirty="0"/>
+              <a:t>第二节课“判断性别”</a:t>
+            </a:r>
+            <a:r>
+              <a:rPr lang="en" altLang="zh-CN" dirty="0"/>
+              <a:t>Demo</a:t>
+            </a:r>
+            <a:r>
+              <a:rPr lang="zh-CN" altLang="en-US" dirty="0"/>
+              <a:t>需求分析和初步设计（下</a:t>
+            </a:r>
+            <a:r>
+              <a:rPr lang="en-US" altLang="zh-CN" dirty="0"/>
+              <a:t>2</a:t>
+            </a:r>
+            <a:r>
+              <a:rPr lang="zh-CN" altLang="en-US" dirty="0"/>
+              <a:t>） </a:t>
+            </a:r>
+          </a:p>
+          <a:p>
+            <a:pPr marL="742950" lvl="1" indent="-285750">
+              <a:buFont typeface="Arial" panose="020B0604020202020204" pitchFamily="34" charset="0"/>
+              <a:buChar char="•"/>
+            </a:pPr>
+            <a:r>
+              <a:rPr lang="zh-CN" altLang="en-US" dirty="0"/>
+              <a:t>什么是训练</a:t>
+            </a:r>
+            <a:r>
+              <a:rPr lang="en-US" altLang="zh-CN" dirty="0"/>
+              <a:t>?</a:t>
+            </a:r>
+          </a:p>
+          <a:p>
+            <a:pPr marL="285750" indent="-285750">
+              <a:buFont typeface="Arial" panose="020B0604020202020204" pitchFamily="34" charset="0"/>
+              <a:buChar char="•"/>
+            </a:pPr>
+            <a:endParaRPr lang="en-US" altLang="zh-CN" dirty="0"/>
+          </a:p>
+          <a:p>
+            <a:pPr marL="285750" indent="-285750">
+              <a:buFont typeface="Arial" panose="020B0604020202020204" pitchFamily="34" charset="0"/>
+              <a:buChar char="•"/>
+            </a:pPr>
+            <a:r>
+              <a:rPr lang="zh-CN" altLang="en-US" dirty="0"/>
+              <a:t>自学、展学</a:t>
+            </a:r>
+          </a:p>
+          <a:p>
+            <a:br>
+              <a:rPr lang="zh-CN" altLang="en-US" dirty="0"/>
+            </a:br>
+            <a:endParaRPr lang="zh-CN" altLang="en-US" dirty="0">
+              <a:hlinkClick r:id="rId3" action="ppaction://hlinkfile"/>
+            </a:endParaRPr>
+          </a:p>
+          <a:p>
+            <a:pPr marL="285750" indent="-285750">
+              <a:buFont typeface="Arial" panose="020B0604020202020204" pitchFamily="34" charset="0"/>
+              <a:buChar char="•"/>
+            </a:pPr>
+            <a:endParaRPr lang="zh-CN" altLang="en-US" dirty="0"/>
+          </a:p>
+        </p:txBody>
+      </p:sp>
+      <p:sp>
+        <p:nvSpPr>
+          <p:cNvPr id="3" name="标题 2"/>
+          <p:cNvSpPr>
+            <a:spLocks noGrp="1"/>
+          </p:cNvSpPr>
+          <p:nvPr>
+            <p:ph type="title"/>
+          </p:nvPr>
+        </p:nvSpPr>
+        <p:spPr/>
+        <p:txBody>
+          <a:bodyPr/>
+          <a:lstStyle/>
+          <a:p>
+            <a:r>
+              <a:rPr lang="zh-CN" altLang="en-US" dirty="0"/>
+              <a:t>回顾相关课程内容</a:t>
+            </a:r>
+            <a:endParaRPr dirty="0">
+              <a:sym typeface="+mn-ea"/>
+            </a:endParaRPr>
+          </a:p>
+        </p:txBody>
+      </p:sp>
+    </p:spTree>
+    <p:custDataLst>
+      <p:tags r:id="rId1"/>
+    </p:custDataLst>
+    <p:extLst>
+      <p:ext uri="{BB962C8B-B14F-4D97-AF65-F5344CB8AC3E}">
+        <p14:creationId xmlns:p14="http://schemas.microsoft.com/office/powerpoint/2010/main" val="4197568849"/>
+      </p:ext>
+    </p:extLst>
+  </p:cSld>
+  <p:clrMapOvr>
+    <a:masterClrMapping/>
+  </p:clrMapOvr>
+  <p:timing>
+    <p:tnLst>
+      <p:par>
+        <p:cTn id="1" dur="indefinite" restart="never" nodeType="tmRoot">
+          <p:childTnLst>
+            <p:seq concurrent="1" nextAc="seek">
+              <p:cTn id="2" dur="indefinite" nodeType="mainSeq">
+                <p:childTnLst>
+                  <p:par>
+                    <p:cTn id="3" fill="hold">
+                      <p:stCondLst>
+                        <p:cond delay="indefinite"/>
+                      </p:stCondLst>
+                      <p:childTnLst>
+                        <p:par>
+                          <p:cTn id="4" fill="hold">
+                            <p:stCondLst>
+                              <p:cond delay="0"/>
+                            </p:stCondLst>
+                            <p:childTnLst>
+                              <p:par>
+                                <p:cTn id="5" presetID="1" presetClass="entr" presetSubtype="0" fill="hold" nodeType="clickEffect">
+                                  <p:stCondLst>
+                                    <p:cond delay="0"/>
+                                  </p:stCondLst>
+                                  <p:childTnLst>
+                                    <p:set>
+                                      <p:cBhvr>
+                                        <p:cTn id="6" dur="1" fill="hold">
+                                          <p:stCondLst>
+                                            <p:cond delay="0"/>
+                                          </p:stCondLst>
+                                        </p:cTn>
+                                        <p:tgtEl>
+                                          <p:spTgt spid="2">
+                                            <p:txEl>
+                                              <p:pRg st="0" end="0"/>
+                                            </p:txEl>
+                                          </p:spTgt>
+                                        </p:tgtEl>
+                                        <p:attrNameLst>
+                                          <p:attrName>style.visibility</p:attrName>
+                                        </p:attrNameLst>
+                                      </p:cBhvr>
+                                      <p:to>
+                                        <p:strVal val="visible"/>
+                                      </p:to>
+                                    </p:set>
+                                  </p:childTnLst>
+                                </p:cTn>
+                              </p:par>
+                            </p:childTnLst>
+                          </p:cTn>
+                        </p:par>
+                      </p:childTnLst>
+                    </p:cTn>
+                  </p:par>
+                  <p:par>
+                    <p:cTn id="7" fill="hold">
+                      <p:stCondLst>
+                        <p:cond delay="indefinite"/>
+                      </p:stCondLst>
+                      <p:childTnLst>
+                        <p:par>
+                          <p:cTn id="8" fill="hold">
+                            <p:stCondLst>
+                              <p:cond delay="0"/>
+                            </p:stCondLst>
+                            <p:childTnLst>
+                              <p:par>
+                                <p:cTn id="9" presetID="1" presetClass="entr" presetSubtype="0" fill="hold" nodeType="clickEffect">
+                                  <p:stCondLst>
+                                    <p:cond delay="0"/>
+                                  </p:stCondLst>
+                                  <p:childTnLst>
+                                    <p:set>
+                                      <p:cBhvr>
+                                        <p:cTn id="10" dur="1" fill="hold">
+                                          <p:stCondLst>
+                                            <p:cond delay="0"/>
+                                          </p:stCondLst>
+                                        </p:cTn>
+                                        <p:tgtEl>
+                                          <p:spTgt spid="2">
+                                            <p:txEl>
+                                              <p:pRg st="1" end="1"/>
+                                            </p:txEl>
+                                          </p:spTgt>
+                                        </p:tgtEl>
+                                        <p:attrNameLst>
+                                          <p:attrName>style.visibility</p:attrName>
+                                        </p:attrNameLst>
+                                      </p:cBhvr>
+                                      <p:to>
+                                        <p:strVal val="visible"/>
+                                      </p:to>
+                                    </p:set>
+                                  </p:childTnLst>
+                                </p:cTn>
+                              </p:par>
+                            </p:childTnLst>
+                          </p:cTn>
+                        </p:par>
+                      </p:childTnLst>
+                    </p:cTn>
+                  </p:par>
+                </p:childTnLst>
+              </p:cTn>
+              <p:prevCondLst>
+                <p:cond evt="onPrev" delay="0">
+                  <p:tgtEl>
+                    <p:sldTgt/>
+                  </p:tgtEl>
+                </p:cond>
+              </p:prevCondLst>
+              <p:nextCondLst>
+                <p:cond evt="onNext" delay="0">
+                  <p:tgtEl>
+                    <p:sldTgt/>
+                  </p:tgtEl>
+                </p:cond>
+              </p:nextCondLst>
+            </p:seq>
+          </p:childTnLst>
+        </p:cTn>
+      </p:par>
+    </p:tnLst>
+  </p:timing>
+</p:sld>
+</file>
+
+<file path=ppt/slides/slide7.xml><?xml version="1.0" encoding="utf-8"?>
 <p:sld xmlns:a="http://schemas.openxmlformats.org/drawingml/2006/main" xmlns:r="http://schemas.openxmlformats.org/officeDocument/2006/relationships" xmlns:p="http://schemas.openxmlformats.org/presentationml/2006/main">
   <p:cSld>
     <p:spTree>
@@ -12456,7 +15718,7 @@
           <p:nvPr/>
         </p:nvPicPr>
         <p:blipFill>
-          <a:blip r:embed="rId4">
+          <a:blip r:embed="rId5">
             <a:extLst>
               <a:ext uri="{28A0092B-C50C-407E-A947-70E740481C1C}">
                 <a14:useLocalDpi xmlns:a14="http://schemas.microsoft.com/office/drawing/2010/main" val="0"/>
@@ -12492,7 +15754,7 @@
           <p:nvPr/>
         </p:nvPicPr>
         <p:blipFill>
-          <a:blip r:embed="rId5">
+          <a:blip r:embed="rId6">
             <a:extLst>
               <a:ext uri="{28A0092B-C50C-407E-A947-70E740481C1C}">
                 <a14:useLocalDpi xmlns:a14="http://schemas.microsoft.com/office/drawing/2010/main" val="0"/>
@@ -12506,7 +15768,7 @@
         <p:spPr>
           <a:xfrm>
             <a:off x="2386121" y="3429000"/>
-            <a:ext cx="4822610" cy="2764553"/>
+            <a:ext cx="5008852" cy="2871316"/>
           </a:xfrm>
           <a:prstGeom prst="rect">
             <a:avLst/>
@@ -12707,60 +15969,7 @@
                                           </p:stCondLst>
                                         </p:cTn>
                                         <p:tgtEl>
-                                          <p:spTgt spid="2">
-                                            <p:txEl>
-                                              <p:pRg st="3" end="3"/>
-                                            </p:txEl>
-                                          </p:spTgt>
-                                        </p:tgtEl>
-                                        <p:attrNameLst>
-                                          <p:attrName>style.visibility</p:attrName>
-                                        </p:attrNameLst>
-                                      </p:cBhvr>
-                                      <p:to>
-                                        <p:strVal val="visible"/>
-                                      </p:to>
-                                    </p:set>
-                                  </p:childTnLst>
-                                </p:cTn>
-                              </p:par>
-                            </p:childTnLst>
-                          </p:cTn>
-                        </p:par>
-                      </p:childTnLst>
-                    </p:cTn>
-                  </p:par>
-                  <p:par>
-                    <p:cTn id="19" fill="hold">
-                      <p:stCondLst>
-                        <p:cond delay="indefinite"/>
-                      </p:stCondLst>
-                      <p:childTnLst>
-                        <p:par>
-                          <p:cTn id="20" fill="hold">
-                            <p:stCondLst>
-                              <p:cond delay="0"/>
-                            </p:stCondLst>
-                            <p:childTnLst>
-                              <p:par>
-                                <p:cTn id="21" presetID="1" presetClass="entr" presetSubtype="0" fill="hold" nodeType="clickEffect">
-                                  <p:stCondLst>
-                                    <p:cond delay="0"/>
-                                  </p:stCondLst>
-                                  <p:childTnLst>
-                                    <p:set>
-                                      <p:cBhvr>
-                                        <p:cTn id="22" dur="1" fill="hold">
-                                          <p:stCondLst>
-                                            <p:cond delay="0"/>
-                                          </p:stCondLst>
-                                        </p:cTn>
-                                        <p:tgtEl>
-                                          <p:spTgt spid="2">
-                                            <p:txEl>
-                                              <p:pRg st="4" end="4"/>
-                                            </p:txEl>
-                                          </p:spTgt>
+                                          <p:spTgt spid="9"/>
                                         </p:tgtEl>
                                         <p:attrNameLst>
                                           <p:attrName>style.visibility</p:attrName>
@@ -12804,7 +16013,7 @@
 </p:sld>
 </file>
 
-<file path=ppt/slides/slide7.xml><?xml version="1.0" encoding="utf-8"?>
+<file path=ppt/slides/slide8.xml><?xml version="1.0" encoding="utf-8"?>
 <p:sld xmlns:a="http://schemas.openxmlformats.org/drawingml/2006/main" xmlns:r="http://schemas.openxmlformats.org/officeDocument/2006/relationships" xmlns:p="http://schemas.openxmlformats.org/presentationml/2006/main">
   <p:cSld>
     <p:spTree>
@@ -13094,7 +16303,7 @@
         </p:blipFill>
         <p:spPr>
           <a:xfrm>
-            <a:off x="1155560" y="3903027"/>
+            <a:off x="1787572" y="4064391"/>
             <a:ext cx="5078954" cy="974293"/>
           </a:xfrm>
           <a:prstGeom prst="rect">
@@ -13296,468 +16505,7 @@
                                           </p:stCondLst>
                                         </p:cTn>
                                         <p:tgtEl>
-                                          <p:spTgt spid="2">
-                                            <p:txEl>
-                                              <p:pRg st="3" end="3"/>
-                                            </p:txEl>
-                                          </p:spTgt>
-                                        </p:tgtEl>
-                                        <p:attrNameLst>
-                                          <p:attrName>style.visibility</p:attrName>
-                                        </p:attrNameLst>
-                                      </p:cBhvr>
-                                      <p:to>
-                                        <p:strVal val="visible"/>
-                                      </p:to>
-                                    </p:set>
-                                  </p:childTnLst>
-                                </p:cTn>
-                              </p:par>
-                            </p:childTnLst>
-                          </p:cTn>
-                        </p:par>
-                      </p:childTnLst>
-                    </p:cTn>
-                  </p:par>
-                  <p:par>
-                    <p:cTn id="19" fill="hold">
-                      <p:stCondLst>
-                        <p:cond delay="indefinite"/>
-                      </p:stCondLst>
-                      <p:childTnLst>
-                        <p:par>
-                          <p:cTn id="20" fill="hold">
-                            <p:stCondLst>
-                              <p:cond delay="0"/>
-                            </p:stCondLst>
-                            <p:childTnLst>
-                              <p:par>
-                                <p:cTn id="21" presetID="1" presetClass="entr" presetSubtype="0" fill="hold" nodeType="clickEffect">
-                                  <p:stCondLst>
-                                    <p:cond delay="0"/>
-                                  </p:stCondLst>
-                                  <p:childTnLst>
-                                    <p:set>
-                                      <p:cBhvr>
-                                        <p:cTn id="22" dur="1" fill="hold">
-                                          <p:stCondLst>
-                                            <p:cond delay="0"/>
-                                          </p:stCondLst>
-                                        </p:cTn>
-                                        <p:tgtEl>
-                                          <p:spTgt spid="2">
-                                            <p:txEl>
-                                              <p:pRg st="4" end="4"/>
-                                            </p:txEl>
-                                          </p:spTgt>
-                                        </p:tgtEl>
-                                        <p:attrNameLst>
-                                          <p:attrName>style.visibility</p:attrName>
-                                        </p:attrNameLst>
-                                      </p:cBhvr>
-                                      <p:to>
-                                        <p:strVal val="visible"/>
-                                      </p:to>
-                                    </p:set>
-                                  </p:childTnLst>
-                                </p:cTn>
-                              </p:par>
-                            </p:childTnLst>
-                          </p:cTn>
-                        </p:par>
-                      </p:childTnLst>
-                    </p:cTn>
-                  </p:par>
-                </p:childTnLst>
-              </p:cTn>
-              <p:prevCondLst>
-                <p:cond evt="onPrev" delay="0">
-                  <p:tgtEl>
-                    <p:sldTgt/>
-                  </p:tgtEl>
-                </p:cond>
-              </p:prevCondLst>
-              <p:nextCondLst>
-                <p:cond evt="onNext" delay="0">
-                  <p:tgtEl>
-                    <p:sldTgt/>
-                  </p:tgtEl>
-                </p:cond>
-              </p:nextCondLst>
-            </p:seq>
-          </p:childTnLst>
-        </p:cTn>
-      </p:par>
-    </p:tnLst>
-  </p:timing>
-</p:sld>
-</file>
-
-<file path=ppt/slides/slide8.xml><?xml version="1.0" encoding="utf-8"?>
-<p:sld xmlns:a="http://schemas.openxmlformats.org/drawingml/2006/main" xmlns:r="http://schemas.openxmlformats.org/officeDocument/2006/relationships" xmlns:p="http://schemas.openxmlformats.org/presentationml/2006/main">
-  <p:cSld>
-    <p:spTree>
-      <p:nvGrpSpPr>
-        <p:cNvPr id="1" name=""/>
-        <p:cNvGrpSpPr/>
-        <p:nvPr/>
-      </p:nvGrpSpPr>
-      <p:grpSpPr>
-        <a:xfrm>
-          <a:off x="0" y="0"/>
-          <a:ext cx="0" cy="0"/>
-          <a:chOff x="0" y="0"/>
-          <a:chExt cx="0" cy="0"/>
-        </a:xfrm>
-      </p:grpSpPr>
-      <p:sp>
-        <p:nvSpPr>
-          <p:cNvPr id="2" name="文本占位符 1"/>
-          <p:cNvSpPr>
-            <a:spLocks noGrp="1"/>
-          </p:cNvSpPr>
-          <p:nvPr>
-            <p:ph type="body" idx="1"/>
-          </p:nvPr>
-        </p:nvSpPr>
-        <p:spPr/>
-        <p:txBody>
-          <a:bodyPr/>
-          <a:lstStyle/>
-          <a:p>
-            <a:pPr marL="285750" indent="-285750">
-              <a:buFont typeface="Arial" panose="020B0604020202020204" pitchFamily="34" charset="0"/>
-              <a:buChar char="•"/>
-            </a:pPr>
-            <a:r>
-              <a:rPr lang="zh-CN" altLang="en-US" dirty="0"/>
-              <a:t>第二节课“判断性别”</a:t>
-            </a:r>
-            <a:r>
-              <a:rPr lang="en" altLang="zh-CN" dirty="0"/>
-              <a:t>Demo</a:t>
-            </a:r>
-            <a:r>
-              <a:rPr lang="zh-CN" altLang="en-US" dirty="0"/>
-              <a:t>需求分析和初步设计（下</a:t>
-            </a:r>
-            <a:r>
-              <a:rPr lang="en-US" altLang="zh-CN" dirty="0"/>
-              <a:t>2</a:t>
-            </a:r>
-            <a:r>
-              <a:rPr lang="zh-CN" altLang="en-US" dirty="0"/>
-              <a:t>） </a:t>
-            </a:r>
-          </a:p>
-          <a:p>
-            <a:pPr marL="742950" lvl="1" indent="-285750">
-              <a:buFont typeface="Arial" panose="020B0604020202020204" pitchFamily="34" charset="0"/>
-              <a:buChar char="•"/>
-            </a:pPr>
-            <a:r>
-              <a:rPr lang="zh-CN" altLang="en-US" dirty="0"/>
-              <a:t>如何训练</a:t>
-            </a:r>
-            <a:r>
-              <a:rPr lang="en-US" altLang="zh-CN" dirty="0"/>
-              <a:t>?</a:t>
-            </a:r>
-          </a:p>
-          <a:p>
-            <a:pPr marL="285750" indent="-285750">
-              <a:buFont typeface="Arial" panose="020B0604020202020204" pitchFamily="34" charset="0"/>
-              <a:buChar char="•"/>
-            </a:pPr>
-            <a:endParaRPr lang="en-US" altLang="zh-CN" dirty="0"/>
-          </a:p>
-          <a:p>
-            <a:pPr marL="285750" indent="-285750">
-              <a:buFont typeface="Arial" panose="020B0604020202020204" pitchFamily="34" charset="0"/>
-              <a:buChar char="•"/>
-            </a:pPr>
-            <a:r>
-              <a:rPr lang="zh-CN" altLang="en-US" dirty="0"/>
-              <a:t>自学、展学</a:t>
-            </a:r>
-          </a:p>
-          <a:p>
-            <a:br>
-              <a:rPr lang="zh-CN" altLang="en-US" dirty="0"/>
-            </a:br>
-            <a:endParaRPr lang="zh-CN" altLang="en-US" dirty="0">
-              <a:hlinkClick r:id="rId3" action="ppaction://hlinkfile"/>
-            </a:endParaRPr>
-          </a:p>
-          <a:p>
-            <a:pPr marL="285750" indent="-285750">
-              <a:buFont typeface="Arial" panose="020B0604020202020204" pitchFamily="34" charset="0"/>
-              <a:buChar char="•"/>
-            </a:pPr>
-            <a:endParaRPr lang="zh-CN" altLang="en-US" dirty="0"/>
-          </a:p>
-        </p:txBody>
-      </p:sp>
-      <p:sp>
-        <p:nvSpPr>
-          <p:cNvPr id="3" name="标题 2"/>
-          <p:cNvSpPr>
-            <a:spLocks noGrp="1"/>
-          </p:cNvSpPr>
-          <p:nvPr>
-            <p:ph type="title"/>
-          </p:nvPr>
-        </p:nvSpPr>
-        <p:spPr/>
-        <p:txBody>
-          <a:bodyPr/>
-          <a:lstStyle/>
-          <a:p>
-            <a:r>
-              <a:rPr lang="zh-CN" altLang="en-US" dirty="0"/>
-              <a:t>回顾相关课程内容</a:t>
-            </a:r>
-            <a:endParaRPr dirty="0">
-              <a:sym typeface="+mn-ea"/>
-            </a:endParaRPr>
-          </a:p>
-        </p:txBody>
-      </p:sp>
-      <p:pic>
-        <p:nvPicPr>
-          <p:cNvPr id="4" name="图片 3">
-            <a:extLst>
-              <a:ext uri="{FF2B5EF4-FFF2-40B4-BE49-F238E27FC236}">
-                <a16:creationId xmlns:a16="http://schemas.microsoft.com/office/drawing/2014/main" id="{1A07B951-8A8D-8A64-B9AB-6647924B3781}"/>
-              </a:ext>
-            </a:extLst>
-          </p:cNvPr>
-          <p:cNvPicPr>
-            <a:picLocks noChangeAspect="1"/>
-          </p:cNvPicPr>
-          <p:nvPr/>
-        </p:nvPicPr>
-        <p:blipFill>
-          <a:blip r:embed="rId4">
-            <a:extLst>
-              <a:ext uri="{28A0092B-C50C-407E-A947-70E740481C1C}">
-                <a14:useLocalDpi xmlns:a14="http://schemas.microsoft.com/office/drawing/2010/main" val="0"/>
-              </a:ext>
-            </a:extLst>
-          </a:blip>
-          <a:stretch>
-            <a:fillRect/>
-          </a:stretch>
-        </p:blipFill>
-        <p:spPr>
-          <a:xfrm>
-            <a:off x="7394575" y="1622146"/>
-            <a:ext cx="4127500" cy="2667000"/>
-          </a:xfrm>
-          <a:prstGeom prst="rect">
-            <a:avLst/>
-          </a:prstGeom>
-        </p:spPr>
-      </p:pic>
-    </p:spTree>
-    <p:custDataLst>
-      <p:tags r:id="rId1"/>
-    </p:custDataLst>
-    <p:extLst>
-      <p:ext uri="{BB962C8B-B14F-4D97-AF65-F5344CB8AC3E}">
-        <p14:creationId xmlns:p14="http://schemas.microsoft.com/office/powerpoint/2010/main" val="4197568849"/>
-      </p:ext>
-    </p:extLst>
-  </p:cSld>
-  <p:clrMapOvr>
-    <a:masterClrMapping/>
-  </p:clrMapOvr>
-  <p:timing>
-    <p:tnLst>
-      <p:par>
-        <p:cTn id="1" dur="indefinite" restart="never" nodeType="tmRoot">
-          <p:childTnLst>
-            <p:seq concurrent="1" nextAc="seek">
-              <p:cTn id="2" dur="indefinite" nodeType="mainSeq">
-                <p:childTnLst>
-                  <p:par>
-                    <p:cTn id="3" fill="hold">
-                      <p:stCondLst>
-                        <p:cond delay="indefinite"/>
-                      </p:stCondLst>
-                      <p:childTnLst>
-                        <p:par>
-                          <p:cTn id="4" fill="hold">
-                            <p:stCondLst>
-                              <p:cond delay="0"/>
-                            </p:stCondLst>
-                            <p:childTnLst>
-                              <p:par>
-                                <p:cTn id="5" presetID="1" presetClass="entr" presetSubtype="0" fill="hold" nodeType="clickEffect">
-                                  <p:stCondLst>
-                                    <p:cond delay="0"/>
-                                  </p:stCondLst>
-                                  <p:childTnLst>
-                                    <p:set>
-                                      <p:cBhvr>
-                                        <p:cTn id="6" dur="1" fill="hold">
-                                          <p:stCondLst>
-                                            <p:cond delay="0"/>
-                                          </p:stCondLst>
-                                        </p:cTn>
-                                        <p:tgtEl>
-                                          <p:spTgt spid="2">
-                                            <p:txEl>
-                                              <p:pRg st="0" end="0"/>
-                                            </p:txEl>
-                                          </p:spTgt>
-                                        </p:tgtEl>
-                                        <p:attrNameLst>
-                                          <p:attrName>style.visibility</p:attrName>
-                                        </p:attrNameLst>
-                                      </p:cBhvr>
-                                      <p:to>
-                                        <p:strVal val="visible"/>
-                                      </p:to>
-                                    </p:set>
-                                  </p:childTnLst>
-                                </p:cTn>
-                              </p:par>
-                            </p:childTnLst>
-                          </p:cTn>
-                        </p:par>
-                      </p:childTnLst>
-                    </p:cTn>
-                  </p:par>
-                  <p:par>
-                    <p:cTn id="7" fill="hold">
-                      <p:stCondLst>
-                        <p:cond delay="indefinite"/>
-                      </p:stCondLst>
-                      <p:childTnLst>
-                        <p:par>
-                          <p:cTn id="8" fill="hold">
-                            <p:stCondLst>
-                              <p:cond delay="0"/>
-                            </p:stCondLst>
-                            <p:childTnLst>
-                              <p:par>
-                                <p:cTn id="9" presetID="1" presetClass="entr" presetSubtype="0" fill="hold" nodeType="clickEffect">
-                                  <p:stCondLst>
-                                    <p:cond delay="0"/>
-                                  </p:stCondLst>
-                                  <p:childTnLst>
-                                    <p:set>
-                                      <p:cBhvr>
-                                        <p:cTn id="10" dur="1" fill="hold">
-                                          <p:stCondLst>
-                                            <p:cond delay="0"/>
-                                          </p:stCondLst>
-                                        </p:cTn>
-                                        <p:tgtEl>
-                                          <p:spTgt spid="2">
-                                            <p:txEl>
-                                              <p:pRg st="1" end="1"/>
-                                            </p:txEl>
-                                          </p:spTgt>
-                                        </p:tgtEl>
-                                        <p:attrNameLst>
-                                          <p:attrName>style.visibility</p:attrName>
-                                        </p:attrNameLst>
-                                      </p:cBhvr>
-                                      <p:to>
-                                        <p:strVal val="visible"/>
-                                      </p:to>
-                                    </p:set>
-                                  </p:childTnLst>
-                                </p:cTn>
-                              </p:par>
-                            </p:childTnLst>
-                          </p:cTn>
-                        </p:par>
-                      </p:childTnLst>
-                    </p:cTn>
-                  </p:par>
-                  <p:par>
-                    <p:cTn id="11" fill="hold">
-                      <p:stCondLst>
-                        <p:cond delay="indefinite"/>
-                      </p:stCondLst>
-                      <p:childTnLst>
-                        <p:par>
-                          <p:cTn id="12" fill="hold">
-                            <p:stCondLst>
-                              <p:cond delay="0"/>
-                            </p:stCondLst>
-                            <p:childTnLst>
-                              <p:par>
-                                <p:cTn id="13" presetID="1" presetClass="entr" presetSubtype="0" fill="hold" nodeType="clickEffect">
-                                  <p:stCondLst>
-                                    <p:cond delay="0"/>
-                                  </p:stCondLst>
-                                  <p:childTnLst>
-                                    <p:set>
-                                      <p:cBhvr>
-                                        <p:cTn id="14" dur="1" fill="hold">
-                                          <p:stCondLst>
-                                            <p:cond delay="0"/>
-                                          </p:stCondLst>
-                                        </p:cTn>
-                                        <p:tgtEl>
-                                          <p:spTgt spid="2">
-                                            <p:txEl>
-                                              <p:pRg st="3" end="3"/>
-                                            </p:txEl>
-                                          </p:spTgt>
-                                        </p:tgtEl>
-                                        <p:attrNameLst>
-                                          <p:attrName>style.visibility</p:attrName>
-                                        </p:attrNameLst>
-                                      </p:cBhvr>
-                                      <p:to>
-                                        <p:strVal val="visible"/>
-                                      </p:to>
-                                    </p:set>
-                                  </p:childTnLst>
-                                </p:cTn>
-                              </p:par>
-                            </p:childTnLst>
-                          </p:cTn>
-                        </p:par>
-                      </p:childTnLst>
-                    </p:cTn>
-                  </p:par>
-                  <p:par>
-                    <p:cTn id="15" fill="hold">
-                      <p:stCondLst>
-                        <p:cond delay="indefinite"/>
-                      </p:stCondLst>
-                      <p:childTnLst>
-                        <p:par>
-                          <p:cTn id="16" fill="hold">
-                            <p:stCondLst>
-                              <p:cond delay="0"/>
-                            </p:stCondLst>
-                            <p:childTnLst>
-                              <p:par>
-                                <p:cTn id="17" presetID="1" presetClass="entr" presetSubtype="0" fill="hold" nodeType="clickEffect">
-                                  <p:stCondLst>
-                                    <p:cond delay="0"/>
-                                  </p:stCondLst>
-                                  <p:childTnLst>
-                                    <p:set>
-                                      <p:cBhvr>
-                                        <p:cTn id="18" dur="1" fill="hold">
-                                          <p:stCondLst>
-                                            <p:cond delay="0"/>
-                                          </p:stCondLst>
-                                        </p:cTn>
-                                        <p:tgtEl>
-                                          <p:spTgt spid="2">
-                                            <p:txEl>
-                                              <p:pRg st="4" end="4"/>
-                                            </p:txEl>
-                                          </p:spTgt>
+                                          <p:spTgt spid="10"/>
                                         </p:tgtEl>
                                         <p:attrNameLst>
                                           <p:attrName>style.visibility</p:attrName>
@@ -13889,6 +16637,24 @@
 </file>
 
 <file path=ppt/tags/tag100.xml><?xml version="1.0" encoding="utf-8"?>
+<p:tagLst xmlns:a="http://schemas.openxmlformats.org/drawingml/2006/main" xmlns:r="http://schemas.openxmlformats.org/officeDocument/2006/relationships" xmlns:p="http://schemas.openxmlformats.org/presentationml/2006/main">
+  <p:tag name="KSO_WM_BEAUTIFY_FLAG" val="#wm#"/>
+  <p:tag name="KSO_WM_TEMPLATE_CATEGORY" val="custom"/>
+  <p:tag name="KSO_WM_TEMPLATE_INDEX" val="20187308"/>
+  <p:tag name="KSO_WM_SPECIAL_SOURCE" val="bdnull"/>
+</p:tagLst>
+</file>
+
+<file path=ppt/tags/tag101.xml><?xml version="1.0" encoding="utf-8"?>
+<p:tagLst xmlns:a="http://schemas.openxmlformats.org/drawingml/2006/main" xmlns:r="http://schemas.openxmlformats.org/officeDocument/2006/relationships" xmlns:p="http://schemas.openxmlformats.org/presentationml/2006/main">
+  <p:tag name="KSO_WM_BEAUTIFY_FLAG" val="#wm#"/>
+  <p:tag name="KSO_WM_TEMPLATE_CATEGORY" val="custom"/>
+  <p:tag name="KSO_WM_TEMPLATE_INDEX" val="20187308"/>
+  <p:tag name="KSO_WM_SPECIAL_SOURCE" val="bdnull"/>
+</p:tagLst>
+</file>
+
+<file path=ppt/tags/tag102.xml><?xml version="1.0" encoding="utf-8"?>
 <p:tagLst xmlns:a="http://schemas.openxmlformats.org/drawingml/2006/main" xmlns:r="http://schemas.openxmlformats.org/officeDocument/2006/relationships" xmlns:p="http://schemas.openxmlformats.org/presentationml/2006/main">
   <p:tag name="KSO_WM_BEAUTIFY_FLAG" val="#wm#"/>
   <p:tag name="KSO_WM_TEMPLATE_CATEGORY" val="custom"/>

--- a/lessons/3_derivation_3/ppt/全连接层的前向和后向传播推导（下）.pptx
+++ b/lessons/3_derivation_3/ppt/全连接层的前向和后向传播推导（下）.pptx
@@ -5,10 +5,10 @@
     <p:sldMasterId id="2147483648" r:id="rId1"/>
   </p:sldMasterIdLst>
   <p:notesMasterIdLst>
-    <p:notesMasterId r:id="rId35"/>
+    <p:notesMasterId r:id="rId36"/>
   </p:notesMasterIdLst>
   <p:handoutMasterIdLst>
-    <p:handoutMasterId r:id="rId36"/>
+    <p:handoutMasterId r:id="rId37"/>
   </p:handoutMasterIdLst>
   <p:sldIdLst>
     <p:sldId id="307" r:id="rId2"/>
@@ -34,21 +34,22 @@
     <p:sldId id="1034" r:id="rId22"/>
     <p:sldId id="1035" r:id="rId23"/>
     <p:sldId id="1015" r:id="rId24"/>
-    <p:sldId id="1019" r:id="rId25"/>
-    <p:sldId id="1023" r:id="rId26"/>
-    <p:sldId id="1024" r:id="rId27"/>
-    <p:sldId id="537" r:id="rId28"/>
-    <p:sldId id="536" r:id="rId29"/>
-    <p:sldId id="1014" r:id="rId30"/>
-    <p:sldId id="1013" r:id="rId31"/>
-    <p:sldId id="997" r:id="rId32"/>
-    <p:sldId id="998" r:id="rId33"/>
-    <p:sldId id="653" r:id="rId34"/>
+    <p:sldId id="1042" r:id="rId25"/>
+    <p:sldId id="1019" r:id="rId26"/>
+    <p:sldId id="1023" r:id="rId27"/>
+    <p:sldId id="1024" r:id="rId28"/>
+    <p:sldId id="537" r:id="rId29"/>
+    <p:sldId id="536" r:id="rId30"/>
+    <p:sldId id="1014" r:id="rId31"/>
+    <p:sldId id="1013" r:id="rId32"/>
+    <p:sldId id="997" r:id="rId33"/>
+    <p:sldId id="998" r:id="rId34"/>
+    <p:sldId id="653" r:id="rId35"/>
   </p:sldIdLst>
   <p:sldSz cx="12192000" cy="6858000"/>
   <p:notesSz cx="6858000" cy="9144000"/>
   <p:custDataLst>
-    <p:tags r:id="rId37"/>
+    <p:tags r:id="rId38"/>
   </p:custDataLst>
   <p:defaultTextStyle>
     <a:defPPr>
@@ -12699,6 +12700,67 @@
       </p:grpSpPr>
       <p:sp>
         <p:nvSpPr>
+          <p:cNvPr id="2" name="标题 1"/>
+          <p:cNvSpPr>
+            <a:spLocks noGrp="1"/>
+          </p:cNvSpPr>
+          <p:nvPr>
+            <p:ph type="title"/>
+          </p:nvPr>
+        </p:nvSpPr>
+        <p:spPr/>
+        <p:txBody>
+          <a:bodyPr/>
+          <a:lstStyle/>
+          <a:p>
+            <a:r>
+              <a:rPr lang="zh-CN" altLang="en-US" dirty="0">
+                <a:sym typeface="+mn-ea"/>
+              </a:rPr>
+              <a:t>任务：实现</a:t>
+            </a:r>
+            <a:r>
+              <a:rPr lang="zh-CN" altLang="en-US" dirty="0"/>
+              <a:t>全连接层的后向传播</a:t>
+            </a:r>
+          </a:p>
+        </p:txBody>
+      </p:sp>
+    </p:spTree>
+    <p:custDataLst>
+      <p:tags r:id="rId1"/>
+    </p:custDataLst>
+    <p:extLst>
+      <p:ext uri="{BB962C8B-B14F-4D97-AF65-F5344CB8AC3E}">
+        <p14:creationId xmlns:p14="http://schemas.microsoft.com/office/powerpoint/2010/main" val="4187522756"/>
+      </p:ext>
+    </p:extLst>
+  </p:cSld>
+  <p:clrMapOvr>
+    <a:masterClrMapping/>
+  </p:clrMapOvr>
+</p:sld>
+</file>
+
+<file path=ppt/slides/slide25.xml><?xml version="1.0" encoding="utf-8"?>
+<p:sld xmlns:a="http://schemas.openxmlformats.org/drawingml/2006/main" xmlns:r="http://schemas.openxmlformats.org/officeDocument/2006/relationships" xmlns:p="http://schemas.openxmlformats.org/presentationml/2006/main">
+  <p:cSld>
+    <p:spTree>
+      <p:nvGrpSpPr>
+        <p:cNvPr id="1" name=""/>
+        <p:cNvGrpSpPr/>
+        <p:nvPr/>
+      </p:nvGrpSpPr>
+      <p:grpSpPr>
+        <a:xfrm>
+          <a:off x="0" y="0"/>
+          <a:ext cx="0" cy="0"/>
+          <a:chOff x="0" y="0"/>
+          <a:chExt cx="0" cy="0"/>
+        </a:xfrm>
+      </p:grpSpPr>
+      <p:sp>
+        <p:nvSpPr>
           <p:cNvPr id="2" name="文本占位符 1"/>
           <p:cNvSpPr>
             <a:spLocks noGrp="1"/>
@@ -12945,7 +13007,7 @@
 </p:sld>
 </file>
 
-<file path=ppt/slides/slide25.xml><?xml version="1.0" encoding="utf-8"?>
+<file path=ppt/slides/slide26.xml><?xml version="1.0" encoding="utf-8"?>
 <p:sld xmlns:a="http://schemas.openxmlformats.org/drawingml/2006/main" xmlns:r="http://schemas.openxmlformats.org/officeDocument/2006/relationships" xmlns:p="http://schemas.openxmlformats.org/presentationml/2006/main">
   <p:cSld>
     <p:spTree>
@@ -13014,7 +13076,7 @@
 </p:sld>
 </file>
 
-<file path=ppt/slides/slide26.xml><?xml version="1.0" encoding="utf-8"?>
+<file path=ppt/slides/slide27.xml><?xml version="1.0" encoding="utf-8"?>
 <p:sld xmlns:a="http://schemas.openxmlformats.org/drawingml/2006/main" xmlns:r="http://schemas.openxmlformats.org/officeDocument/2006/relationships" xmlns:p="http://schemas.openxmlformats.org/presentationml/2006/main">
   <p:cSld>
     <p:spTree>
@@ -13216,7 +13278,7 @@
 </p:sld>
 </file>
 
-<file path=ppt/slides/slide27.xml><?xml version="1.0" encoding="utf-8"?>
+<file path=ppt/slides/slide28.xml><?xml version="1.0" encoding="utf-8"?>
 <p:sld xmlns:a="http://schemas.openxmlformats.org/drawingml/2006/main" xmlns:r="http://schemas.openxmlformats.org/officeDocument/2006/relationships" xmlns:p="http://schemas.openxmlformats.org/presentationml/2006/main">
   <p:cSld>
     <p:spTree>
@@ -13266,7 +13328,7 @@
 </p:sld>
 </file>
 
-<file path=ppt/slides/slide28.xml><?xml version="1.0" encoding="utf-8"?>
+<file path=ppt/slides/slide29.xml><?xml version="1.0" encoding="utf-8"?>
 <p:sld xmlns:a="http://schemas.openxmlformats.org/drawingml/2006/main" xmlns:r="http://schemas.openxmlformats.org/officeDocument/2006/relationships" xmlns:p="http://schemas.openxmlformats.org/presentationml/2006/main">
   <p:cSld>
     <p:spTree>
@@ -13454,148 +13516,6 @@
 </p:sld>
 </file>
 
-<file path=ppt/slides/slide29.xml><?xml version="1.0" encoding="utf-8"?>
-<p:sld xmlns:a="http://schemas.openxmlformats.org/drawingml/2006/main" xmlns:r="http://schemas.openxmlformats.org/officeDocument/2006/relationships" xmlns:p="http://schemas.openxmlformats.org/presentationml/2006/main">
-  <p:cSld>
-    <p:spTree>
-      <p:nvGrpSpPr>
-        <p:cNvPr id="1" name=""/>
-        <p:cNvGrpSpPr/>
-        <p:nvPr/>
-      </p:nvGrpSpPr>
-      <p:grpSpPr>
-        <a:xfrm>
-          <a:off x="0" y="0"/>
-          <a:ext cx="0" cy="0"/>
-          <a:chOff x="0" y="0"/>
-          <a:chExt cx="0" cy="0"/>
-        </a:xfrm>
-      </p:grpSpPr>
-      <p:sp>
-        <p:nvSpPr>
-          <p:cNvPr id="2" name="文本占位符 1"/>
-          <p:cNvSpPr>
-            <a:spLocks noGrp="1"/>
-          </p:cNvSpPr>
-          <p:nvPr>
-            <p:ph type="body" idx="1"/>
-          </p:nvPr>
-        </p:nvSpPr>
-        <p:spPr/>
-        <p:txBody>
-          <a:bodyPr/>
-          <a:lstStyle/>
-          <a:p>
-            <a:pPr marL="285750" indent="-285750">
-              <a:buFont typeface="Arial" panose="020B0604020202020204" pitchFamily="34" charset="0"/>
-              <a:buChar char="•"/>
-            </a:pPr>
-            <a:r>
-              <a:rPr lang="zh-CN" altLang="en-US" dirty="0">
-                <a:sym typeface="+mn-ea"/>
-                <a:hlinkClick r:id="rId3"/>
-              </a:rPr>
-              <a:t>一文搞懂反向传</a:t>
-            </a:r>
-            <a:endParaRPr dirty="0">
-              <a:sym typeface="+mn-ea"/>
-            </a:endParaRPr>
-          </a:p>
-        </p:txBody>
-      </p:sp>
-      <p:sp>
-        <p:nvSpPr>
-          <p:cNvPr id="3" name="标题 2"/>
-          <p:cNvSpPr>
-            <a:spLocks noGrp="1"/>
-          </p:cNvSpPr>
-          <p:nvPr>
-            <p:ph type="title"/>
-          </p:nvPr>
-        </p:nvSpPr>
-        <p:spPr/>
-        <p:txBody>
-          <a:bodyPr/>
-          <a:lstStyle/>
-          <a:p>
-            <a:r>
-              <a:rPr lang="zh-CN" altLang="en-US" dirty="0"/>
-              <a:t>参考资料</a:t>
-            </a:r>
-          </a:p>
-        </p:txBody>
-      </p:sp>
-      <p:graphicFrame>
-        <p:nvGraphicFramePr>
-          <p:cNvPr id="4" name="对象 3">
-            <a:hlinkClick r:id="" action="ppaction://ole?verb=0"/>
-          </p:cNvPr>
-          <p:cNvGraphicFramePr>
-            <a:graphicFrameLocks noChangeAspect="1"/>
-          </p:cNvGraphicFramePr>
-          <p:nvPr/>
-        </p:nvGraphicFramePr>
-        <p:xfrm>
-          <a:off x="5638800" y="3244850"/>
-          <a:ext cx="914400" cy="368300"/>
-        </p:xfrm>
-        <a:graphic>
-          <a:graphicData uri="http://schemas.openxmlformats.org/presentationml/2006/ole">
-            <mc:AlternateContent xmlns:mc="http://schemas.openxmlformats.org/markup-compatibility/2006">
-              <mc:Choice xmlns:v="urn:schemas-microsoft-com:vml" Requires="v">
-                <p:oleObj r:id="rId4" imgW="914400" imgH="368300" progId="Equation.KSEE3">
-                  <p:embed/>
-                </p:oleObj>
-              </mc:Choice>
-              <mc:Fallback>
-                <p:oleObj r:id="rId4" imgW="914400" imgH="368300" progId="Equation.KSEE3">
-                  <p:embed/>
-                  <p:pic>
-                    <p:nvPicPr>
-                      <p:cNvPr id="4" name="对象 3">
-                        <a:hlinkClick r:id="" action="ppaction://ole?verb=0"/>
-                      </p:cNvPr>
-                      <p:cNvPicPr/>
-                      <p:nvPr/>
-                    </p:nvPicPr>
-                    <p:blipFill>
-                      <a:blip r:embed="rId5"/>
-                      <a:stretch>
-                        <a:fillRect/>
-                      </a:stretch>
-                    </p:blipFill>
-                    <p:spPr>
-                      <a:xfrm>
-                        <a:off x="5638800" y="3244850"/>
-                        <a:ext cx="914400" cy="368300"/>
-                      </a:xfrm>
-                      <a:prstGeom prst="rect">
-                        <a:avLst/>
-                      </a:prstGeom>
-                    </p:spPr>
-                  </p:pic>
-                </p:oleObj>
-              </mc:Fallback>
-            </mc:AlternateContent>
-          </a:graphicData>
-        </a:graphic>
-      </p:graphicFrame>
-    </p:spTree>
-    <p:custDataLst>
-      <p:tags r:id="rId1"/>
-    </p:custDataLst>
-    <p:extLst>
-      <p:ext uri="{BB962C8B-B14F-4D97-AF65-F5344CB8AC3E}">
-        <p14:creationId xmlns:p14="http://schemas.microsoft.com/office/powerpoint/2010/main" val="2517994622"/>
-      </p:ext>
-    </p:extLst>
-  </p:cSld>
-  <p:clrMapOvr>
-    <a:masterClrMapping/>
-  </p:clrMapOvr>
-</p:sld>
-</file>
-
 <file path=ppt/slides/slide3.xml><?xml version="1.0" encoding="utf-8"?>
 <p:sld xmlns:a="http://schemas.openxmlformats.org/drawingml/2006/main" xmlns:r="http://schemas.openxmlformats.org/officeDocument/2006/relationships" xmlns:p="http://schemas.openxmlformats.org/presentationml/2006/main">
   <p:cSld>
@@ -13646,6 +13566,17 @@
             <a:r>
               <a:rPr lang="zh-CN" altLang="en-US" dirty="0"/>
               <a:t>主问题：如何推导全连接层的后向传播？</a:t>
+            </a:r>
+            <a:endParaRPr lang="en-US" altLang="zh-CN" dirty="0"/>
+          </a:p>
+          <a:p>
+            <a:pPr marL="285750" indent="-285750">
+              <a:buFont typeface="Arial" panose="020B0604020202020204" pitchFamily="34" charset="0"/>
+              <a:buChar char="•"/>
+            </a:pPr>
+            <a:r>
+              <a:rPr lang="zh-CN" altLang="en-US" dirty="0"/>
+              <a:t>任务：实现全连接层的后向传播</a:t>
             </a:r>
             <a:endParaRPr lang="en-US" altLang="zh-CN" dirty="0"/>
           </a:p>
@@ -13785,7 +13716,7 @@
                                         <p:tgtEl>
                                           <p:spTgt spid="2">
                                             <p:txEl>
-                                              <p:charRg st="9" end="28"/>
+                                              <p:pRg st="1" end="1"/>
                                             </p:txEl>
                                           </p:spTgt>
                                         </p:tgtEl>
@@ -13834,7 +13765,56 @@
                                         <p:tgtEl>
                                           <p:spTgt spid="2">
                                             <p:txEl>
-                                              <p:charRg st="28" end="50"/>
+                                              <p:pRg st="2" end="2"/>
+                                            </p:txEl>
+                                          </p:spTgt>
+                                        </p:tgtEl>
+                                        <p:attrNameLst>
+                                          <p:attrName>style.visibility</p:attrName>
+                                        </p:attrNameLst>
+                                      </p:cBhvr>
+                                      <p:to>
+                                        <p:strVal val="visible"/>
+                                      </p:to>
+                                    </p:set>
+                                  </p:childTnLst>
+                                </p:cTn>
+                              </p:par>
+                            </p:childTnLst>
+                          </p:cTn>
+                        </p:par>
+                      </p:childTnLst>
+                    </p:cTn>
+                  </p:par>
+                  <p:par>
+                    <p:cTn id="15" fill="hold">
+                      <p:stCondLst>
+                        <p:cond delay="indefinite"/>
+                      </p:stCondLst>
+                      <p:childTnLst>
+                        <p:par>
+                          <p:cTn id="16" fill="hold">
+                            <p:stCondLst>
+                              <p:cond delay="0"/>
+                            </p:stCondLst>
+                            <p:childTnLst>
+                              <p:par>
+                                <p:cTn id="17" presetID="1" presetClass="entr" presetSubtype="0" fill="hold" grpId="0" nodeType="clickEffect">
+                                  <p:stCondLst>
+                                    <p:cond delay="0"/>
+                                  </p:stCondLst>
+                                  <p:childTnLst>
+                                    <p:set>
+                                      <p:cBhvr>
+                                        <p:cTn id="18" dur="1" fill="hold">
+                                          <p:stCondLst>
+                                            <p:cond delay="0"/>
+                                          </p:stCondLst>
+                                        </p:cTn>
+                                        <p:tgtEl>
+                                          <p:spTgt spid="2">
+                                            <p:txEl>
+                                              <p:pRg st="3" end="3"/>
                                             </p:txEl>
                                           </p:spTgt>
                                         </p:tgtEl>
@@ -13915,9 +13895,17 @@
           <a:bodyPr/>
           <a:lstStyle/>
           <a:p>
-            <a:pPr>
+            <a:pPr marL="285750" indent="-285750">
               <a:buFont typeface="Arial" panose="020B0604020202020204" pitchFamily="34" charset="0"/>
+              <a:buChar char="•"/>
             </a:pPr>
+            <a:r>
+              <a:rPr lang="zh-CN" altLang="en-US" dirty="0">
+                <a:sym typeface="+mn-ea"/>
+                <a:hlinkClick r:id="rId3"/>
+              </a:rPr>
+              <a:t>一文搞懂反向传</a:t>
+            </a:r>
             <a:endParaRPr dirty="0">
               <a:sym typeface="+mn-ea"/>
             </a:endParaRPr>
@@ -13940,19 +13928,74 @@
           <a:lstStyle/>
           <a:p>
             <a:r>
-              <a:rPr lang="zh-CN" altLang="en-US"/>
-              <a:t>下节课预告</a:t>
+              <a:rPr lang="zh-CN" altLang="en-US" dirty="0"/>
+              <a:t>参考资料</a:t>
             </a:r>
           </a:p>
         </p:txBody>
       </p:sp>
+      <p:graphicFrame>
+        <p:nvGraphicFramePr>
+          <p:cNvPr id="4" name="对象 3">
+            <a:hlinkClick r:id="" action="ppaction://ole?verb=0"/>
+          </p:cNvPr>
+          <p:cNvGraphicFramePr>
+            <a:graphicFrameLocks noChangeAspect="1"/>
+          </p:cNvGraphicFramePr>
+          <p:nvPr/>
+        </p:nvGraphicFramePr>
+        <p:xfrm>
+          <a:off x="5638800" y="3244850"/>
+          <a:ext cx="914400" cy="368300"/>
+        </p:xfrm>
+        <a:graphic>
+          <a:graphicData uri="http://schemas.openxmlformats.org/presentationml/2006/ole">
+            <mc:AlternateContent xmlns:mc="http://schemas.openxmlformats.org/markup-compatibility/2006">
+              <mc:Choice xmlns:v="urn:schemas-microsoft-com:vml" Requires="v">
+                <p:oleObj r:id="rId4" imgW="914400" imgH="368300" progId="Equation.KSEE3">
+                  <p:embed/>
+                </p:oleObj>
+              </mc:Choice>
+              <mc:Fallback>
+                <p:oleObj r:id="rId4" imgW="914400" imgH="368300" progId="Equation.KSEE3">
+                  <p:embed/>
+                  <p:pic>
+                    <p:nvPicPr>
+                      <p:cNvPr id="4" name="对象 3">
+                        <a:hlinkClick r:id="" action="ppaction://ole?verb=0"/>
+                      </p:cNvPr>
+                      <p:cNvPicPr/>
+                      <p:nvPr/>
+                    </p:nvPicPr>
+                    <p:blipFill>
+                      <a:blip r:embed="rId5"/>
+                      <a:stretch>
+                        <a:fillRect/>
+                      </a:stretch>
+                    </p:blipFill>
+                    <p:spPr>
+                      <a:xfrm>
+                        <a:off x="5638800" y="3244850"/>
+                        <a:ext cx="914400" cy="368300"/>
+                      </a:xfrm>
+                      <a:prstGeom prst="rect">
+                        <a:avLst/>
+                      </a:prstGeom>
+                    </p:spPr>
+                  </p:pic>
+                </p:oleObj>
+              </mc:Fallback>
+            </mc:AlternateContent>
+          </a:graphicData>
+        </a:graphic>
+      </p:graphicFrame>
     </p:spTree>
     <p:custDataLst>
       <p:tags r:id="rId1"/>
     </p:custDataLst>
     <p:extLst>
       <p:ext uri="{BB962C8B-B14F-4D97-AF65-F5344CB8AC3E}">
-        <p14:creationId xmlns:p14="http://schemas.microsoft.com/office/powerpoint/2010/main" val="1027050507"/>
+        <p14:creationId xmlns:p14="http://schemas.microsoft.com/office/powerpoint/2010/main" val="2517994622"/>
       </p:ext>
     </p:extLst>
   </p:cSld>
@@ -13963,34 +14006,6 @@
 </file>
 
 <file path=ppt/slides/slide31.xml><?xml version="1.0" encoding="utf-8"?>
-<p:sld xmlns:a="http://schemas.openxmlformats.org/drawingml/2006/main" xmlns:r="http://schemas.openxmlformats.org/officeDocument/2006/relationships" xmlns:p="http://schemas.openxmlformats.org/presentationml/2006/main">
-  <p:cSld>
-    <p:spTree>
-      <p:nvGrpSpPr>
-        <p:cNvPr id="1" name=""/>
-        <p:cNvGrpSpPr/>
-        <p:nvPr/>
-      </p:nvGrpSpPr>
-      <p:grpSpPr>
-        <a:xfrm>
-          <a:off x="0" y="0"/>
-          <a:ext cx="0" cy="0"/>
-          <a:chOff x="0" y="0"/>
-          <a:chExt cx="0" cy="0"/>
-        </a:xfrm>
-      </p:grpSpPr>
-    </p:spTree>
-    <p:custDataLst>
-      <p:tags r:id="rId1"/>
-    </p:custDataLst>
-  </p:cSld>
-  <p:clrMapOvr>
-    <a:masterClrMapping/>
-  </p:clrMapOvr>
-</p:sld>
-</file>
-
-<file path=ppt/slides/slide32.xml><?xml version="1.0" encoding="utf-8"?>
 <p:sld xmlns:a="http://schemas.openxmlformats.org/drawingml/2006/main" xmlns:r="http://schemas.openxmlformats.org/officeDocument/2006/relationships" xmlns:p="http://schemas.openxmlformats.org/presentationml/2006/main">
   <p:cSld>
     <p:spTree>
@@ -14022,11 +14037,12 @@
           <a:bodyPr/>
           <a:lstStyle/>
           <a:p>
-            <a:pPr marL="285750" indent="-285750">
+            <a:pPr>
               <a:buFont typeface="Arial" panose="020B0604020202020204" pitchFamily="34" charset="0"/>
-              <a:buChar char="•"/>
             </a:pPr>
-            <a:endParaRPr lang="en-US" altLang="zh-CN" dirty="0"/>
+            <a:endParaRPr dirty="0">
+              <a:sym typeface="+mn-ea"/>
+            </a:endParaRPr>
           </a:p>
         </p:txBody>
       </p:sp>
@@ -14047,6 +14063,112 @@
           <a:p>
             <a:r>
               <a:rPr lang="zh-CN" altLang="en-US"/>
+              <a:t>下节课预告</a:t>
+            </a:r>
+          </a:p>
+        </p:txBody>
+      </p:sp>
+    </p:spTree>
+    <p:custDataLst>
+      <p:tags r:id="rId1"/>
+    </p:custDataLst>
+    <p:extLst>
+      <p:ext uri="{BB962C8B-B14F-4D97-AF65-F5344CB8AC3E}">
+        <p14:creationId xmlns:p14="http://schemas.microsoft.com/office/powerpoint/2010/main" val="1027050507"/>
+      </p:ext>
+    </p:extLst>
+  </p:cSld>
+  <p:clrMapOvr>
+    <a:masterClrMapping/>
+  </p:clrMapOvr>
+</p:sld>
+</file>
+
+<file path=ppt/slides/slide32.xml><?xml version="1.0" encoding="utf-8"?>
+<p:sld xmlns:a="http://schemas.openxmlformats.org/drawingml/2006/main" xmlns:r="http://schemas.openxmlformats.org/officeDocument/2006/relationships" xmlns:p="http://schemas.openxmlformats.org/presentationml/2006/main">
+  <p:cSld>
+    <p:spTree>
+      <p:nvGrpSpPr>
+        <p:cNvPr id="1" name=""/>
+        <p:cNvGrpSpPr/>
+        <p:nvPr/>
+      </p:nvGrpSpPr>
+      <p:grpSpPr>
+        <a:xfrm>
+          <a:off x="0" y="0"/>
+          <a:ext cx="0" cy="0"/>
+          <a:chOff x="0" y="0"/>
+          <a:chExt cx="0" cy="0"/>
+        </a:xfrm>
+      </p:grpSpPr>
+    </p:spTree>
+    <p:custDataLst>
+      <p:tags r:id="rId1"/>
+    </p:custDataLst>
+  </p:cSld>
+  <p:clrMapOvr>
+    <a:masterClrMapping/>
+  </p:clrMapOvr>
+</p:sld>
+</file>
+
+<file path=ppt/slides/slide33.xml><?xml version="1.0" encoding="utf-8"?>
+<p:sld xmlns:a="http://schemas.openxmlformats.org/drawingml/2006/main" xmlns:r="http://schemas.openxmlformats.org/officeDocument/2006/relationships" xmlns:p="http://schemas.openxmlformats.org/presentationml/2006/main">
+  <p:cSld>
+    <p:spTree>
+      <p:nvGrpSpPr>
+        <p:cNvPr id="1" name=""/>
+        <p:cNvGrpSpPr/>
+        <p:nvPr/>
+      </p:nvGrpSpPr>
+      <p:grpSpPr>
+        <a:xfrm>
+          <a:off x="0" y="0"/>
+          <a:ext cx="0" cy="0"/>
+          <a:chOff x="0" y="0"/>
+          <a:chExt cx="0" cy="0"/>
+        </a:xfrm>
+      </p:grpSpPr>
+      <p:sp>
+        <p:nvSpPr>
+          <p:cNvPr id="2" name="文本占位符 1"/>
+          <p:cNvSpPr>
+            <a:spLocks noGrp="1"/>
+          </p:cNvSpPr>
+          <p:nvPr>
+            <p:ph type="body" idx="1"/>
+          </p:nvPr>
+        </p:nvSpPr>
+        <p:spPr/>
+        <p:txBody>
+          <a:bodyPr/>
+          <a:lstStyle/>
+          <a:p>
+            <a:pPr marL="285750" indent="-285750">
+              <a:buFont typeface="Arial" panose="020B0604020202020204" pitchFamily="34" charset="0"/>
+              <a:buChar char="•"/>
+            </a:pPr>
+            <a:endParaRPr lang="en-US" altLang="zh-CN" dirty="0"/>
+          </a:p>
+        </p:txBody>
+      </p:sp>
+      <p:sp>
+        <p:nvSpPr>
+          <p:cNvPr id="3" name="标题 2"/>
+          <p:cNvSpPr>
+            <a:spLocks noGrp="1"/>
+          </p:cNvSpPr>
+          <p:nvPr>
+            <p:ph type="title"/>
+          </p:nvPr>
+        </p:nvSpPr>
+        <p:spPr/>
+        <p:txBody>
+          <a:bodyPr/>
+          <a:lstStyle/>
+          <a:p>
+            <a:r>
+              <a:rPr lang="zh-CN" altLang="en-US"/>
               <a:t>问答</a:t>
             </a:r>
           </a:p>
@@ -14063,7 +14185,7 @@
 </p:sld>
 </file>
 
-<file path=ppt/slides/slide33.xml><?xml version="1.0" encoding="utf-8"?>
+<file path=ppt/slides/slide34.xml><?xml version="1.0" encoding="utf-8"?>
 <p:sld xmlns:a="http://schemas.openxmlformats.org/drawingml/2006/main" xmlns:r="http://schemas.openxmlformats.org/officeDocument/2006/relationships" xmlns:p="http://schemas.openxmlformats.org/presentationml/2006/main">
   <p:cSld>
     <p:spTree>
@@ -16655,6 +16777,15 @@
 </file>
 
 <file path=ppt/tags/tag102.xml><?xml version="1.0" encoding="utf-8"?>
+<p:tagLst xmlns:a="http://schemas.openxmlformats.org/drawingml/2006/main" xmlns:r="http://schemas.openxmlformats.org/officeDocument/2006/relationships" xmlns:p="http://schemas.openxmlformats.org/presentationml/2006/main">
+  <p:tag name="KSO_WM_BEAUTIFY_FLAG" val="#wm#"/>
+  <p:tag name="KSO_WM_TEMPLATE_CATEGORY" val="custom"/>
+  <p:tag name="KSO_WM_TEMPLATE_INDEX" val="20187308"/>
+  <p:tag name="KSO_WM_SPECIAL_SOURCE" val="bdnull"/>
+</p:tagLst>
+</file>
+
+<file path=ppt/tags/tag103.xml><?xml version="1.0" encoding="utf-8"?>
 <p:tagLst xmlns:a="http://schemas.openxmlformats.org/drawingml/2006/main" xmlns:r="http://schemas.openxmlformats.org/officeDocument/2006/relationships" xmlns:p="http://schemas.openxmlformats.org/presentationml/2006/main">
   <p:tag name="KSO_WM_BEAUTIFY_FLAG" val="#wm#"/>
   <p:tag name="KSO_WM_TEMPLATE_CATEGORY" val="custom"/>

--- a/lessons/3_derivation_3/ppt/全连接层的前向和后向传播推导（下）.pptx
+++ b/lessons/3_derivation_3/ppt/全连接层的前向和后向传播推导（下）.pptx
@@ -242,7 +242,7 @@
                 <a:latin typeface="微软雅黑" panose="020B0503020204020204" charset="-122"/>
                 <a:ea typeface="微软雅黑" panose="020B0503020204020204" charset="-122"/>
               </a:rPr>
-              <a:t>2022/11/1</a:t>
+              <a:t>2022/11/4</a:t>
             </a:fld>
             <a:endParaRPr lang="zh-CN" altLang="en-US">
               <a:latin typeface="微软雅黑" panose="020B0503020204020204" charset="-122"/>
@@ -425,7 +425,7 @@
           <a:p>
             <a:fld id="{1AC49D05-6128-4D0D-A32A-06A5E73B386C}" type="datetimeFigureOut">
               <a:rPr lang="zh-CN" altLang="en-US" smtClean="0"/>
-              <a:t>2022/11/1</a:t>
+              <a:t>2022/11/4</a:t>
             </a:fld>
             <a:endParaRPr lang="zh-CN" altLang="en-US"/>
           </a:p>
@@ -1087,7 +1087,7 @@
           <a:p>
             <a:fld id="{9EFD9D74-47D9-4702-A33C-335B63B48DBF}" type="datetimeFigureOut">
               <a:rPr lang="zh-CN" altLang="en-US" smtClean="0"/>
-              <a:t>2022/11/1</a:t>
+              <a:t>2022/11/4</a:t>
             </a:fld>
             <a:endParaRPr lang="zh-CN" altLang="en-US" dirty="0"/>
           </a:p>
@@ -1420,7 +1420,7 @@
           <a:p>
             <a:fld id="{760FBDFE-C587-4B4C-A407-44438C67B59E}" type="datetimeFigureOut">
               <a:rPr lang="zh-CN" altLang="en-US" smtClean="0"/>
-              <a:t>2022/11/1</a:t>
+              <a:t>2022/11/4</a:t>
             </a:fld>
             <a:endParaRPr lang="zh-CN" altLang="en-US"/>
           </a:p>
@@ -1593,7 +1593,7 @@
           <a:p>
             <a:fld id="{9EFD9D74-47D9-4702-A33C-335B63B48DBF}" type="datetimeFigureOut">
               <a:rPr lang="zh-CN" altLang="en-US" smtClean="0"/>
-              <a:t>2022/11/1</a:t>
+              <a:t>2022/11/4</a:t>
             </a:fld>
             <a:endParaRPr lang="zh-CN" altLang="en-US" dirty="0"/>
           </a:p>
@@ -2118,7 +2118,7 @@
           <a:p>
             <a:fld id="{760FBDFE-C587-4B4C-A407-44438C67B59E}" type="datetimeFigureOut">
               <a:rPr lang="zh-CN" altLang="en-US" smtClean="0"/>
-              <a:t>2022/11/1</a:t>
+              <a:t>2022/11/4</a:t>
             </a:fld>
             <a:endParaRPr lang="zh-CN" altLang="en-US"/>
           </a:p>
@@ -2866,7 +2866,7 @@
           <a:p>
             <a:fld id="{760FBDFE-C587-4B4C-A407-44438C67B59E}" type="datetimeFigureOut">
               <a:rPr lang="zh-CN" altLang="en-US" smtClean="0"/>
-              <a:t>2022/11/1</a:t>
+              <a:t>2022/11/4</a:t>
             </a:fld>
             <a:endParaRPr lang="zh-CN" altLang="en-US"/>
           </a:p>
@@ -3032,7 +3032,7 @@
           <a:p>
             <a:fld id="{760FBDFE-C587-4B4C-A407-44438C67B59E}" type="datetimeFigureOut">
               <a:rPr lang="zh-CN" altLang="en-US" smtClean="0"/>
-              <a:t>2022/11/1</a:t>
+              <a:t>2022/11/4</a:t>
             </a:fld>
             <a:endParaRPr lang="zh-CN" altLang="en-US"/>
           </a:p>
@@ -3146,7 +3146,7 @@
           <a:p>
             <a:fld id="{760FBDFE-C587-4B4C-A407-44438C67B59E}" type="datetimeFigureOut">
               <a:rPr lang="zh-CN" altLang="en-US" smtClean="0"/>
-              <a:t>2022/11/1</a:t>
+              <a:t>2022/11/4</a:t>
             </a:fld>
             <a:endParaRPr lang="zh-CN" altLang="en-US"/>
           </a:p>
@@ -3476,7 +3476,7 @@
           <a:p>
             <a:fld id="{9EFD9D74-47D9-4702-A33C-335B63B48DBF}" type="datetimeFigureOut">
               <a:rPr lang="zh-CN" altLang="en-US" smtClean="0"/>
-              <a:t>2022/11/1</a:t>
+              <a:t>2022/11/4</a:t>
             </a:fld>
             <a:endParaRPr lang="zh-CN" altLang="en-US" dirty="0"/>
           </a:p>
@@ -3989,7 +3989,7 @@
           <a:p>
             <a:fld id="{760FBDFE-C587-4B4C-A407-44438C67B59E}" type="datetimeFigureOut">
               <a:rPr lang="zh-CN" altLang="en-US" smtClean="0"/>
-              <a:t>2022/11/1</a:t>
+              <a:t>2022/11/4</a:t>
             </a:fld>
             <a:endParaRPr lang="zh-CN" altLang="en-US"/>
           </a:p>
@@ -4103,7 +4103,7 @@
           <a:p>
             <a:fld id="{760FBDFE-C587-4B4C-A407-44438C67B59E}" type="datetimeFigureOut">
               <a:rPr lang="zh-CN" altLang="en-US" smtClean="0"/>
-              <a:t>2022/11/1</a:t>
+              <a:t>2022/11/4</a:t>
             </a:fld>
             <a:endParaRPr lang="zh-CN" altLang="en-US"/>
           </a:p>
@@ -4391,7 +4391,7 @@
           <a:p>
             <a:fld id="{82F288E0-7875-42C4-84C8-98DBBD3BF4D2}" type="datetimeFigureOut">
               <a:rPr lang="zh-CN" altLang="en-US" smtClean="0"/>
-              <a:t>2022/11/1</a:t>
+              <a:t>2022/11/4</a:t>
             </a:fld>
             <a:endParaRPr lang="zh-CN" altLang="en-US"/>
           </a:p>
@@ -4850,7 +4850,7 @@
           <a:p>
             <a:fld id="{760FBDFE-C587-4B4C-A407-44438C67B59E}" type="datetimeFigureOut">
               <a:rPr lang="zh-CN" altLang="en-US" smtClean="0"/>
-              <a:t>2022/11/1</a:t>
+              <a:t>2022/11/4</a:t>
             </a:fld>
             <a:endParaRPr lang="zh-CN" altLang="en-US"/>
           </a:p>
@@ -5519,7 +5519,7 @@
           <a:p>
             <a:fld id="{9EFD9D74-47D9-4702-A33C-335B63B48DBF}" type="datetimeFigureOut">
               <a:rPr lang="zh-CN" altLang="en-US" smtClean="0"/>
-              <a:t>2022/11/1</a:t>
+              <a:t>2022/11/4</a:t>
             </a:fld>
             <a:endParaRPr lang="zh-CN" altLang="en-US" dirty="0"/>
           </a:p>
@@ -5667,7 +5667,7 @@
           <a:p>
             <a:fld id="{9EFD9D74-47D9-4702-A33C-335B63B48DBF}" type="datetimeFigureOut">
               <a:rPr lang="zh-CN" altLang="en-US" smtClean="0"/>
-              <a:t>2022/11/1</a:t>
+              <a:t>2022/11/4</a:t>
             </a:fld>
             <a:endParaRPr lang="zh-CN" altLang="en-US" dirty="0"/>
           </a:p>
@@ -8959,8 +8959,8 @@
           <a:chExt cx="0" cy="0"/>
         </a:xfrm>
       </p:grpSpPr>
-      <mc:AlternateContent xmlns:mc="http://schemas.openxmlformats.org/markup-compatibility/2006">
-        <mc:Choice xmlns:a14="http://schemas.microsoft.com/office/drawing/2010/main" Requires="a14">
+      <mc:AlternateContent xmlns:mc="http://schemas.openxmlformats.org/markup-compatibility/2006" xmlns:a14="http://schemas.microsoft.com/office/drawing/2010/main">
+        <mc:Choice Requires="a14">
           <p:sp>
             <p:nvSpPr>
               <p:cNvPr id="2" name="文本占位符 1"/>
@@ -9230,7 +9230,7 @@
             </p:txBody>
           </p:sp>
         </mc:Choice>
-        <mc:Fallback>
+        <mc:Fallback xmlns="">
           <p:sp>
             <p:nvSpPr>
               <p:cNvPr id="2" name="文本占位符 1"/>
@@ -12807,31 +12807,7 @@
             </a:pPr>
             <a:r>
               <a:rPr lang="zh-CN" altLang="en-US" dirty="0"/>
-              <a:t>使用下图的神经网络结构，运行代码</a:t>
-            </a:r>
-            <a:endParaRPr lang="en-US" altLang="zh-CN" dirty="0"/>
-          </a:p>
-          <a:p>
-            <a:pPr marL="285750" indent="-285750">
-              <a:buFont typeface="Arial" panose="020B0604020202020204" pitchFamily="34" charset="0"/>
-              <a:buChar char="•"/>
-            </a:pPr>
-            <a:endParaRPr lang="en-US" altLang="zh-CN" dirty="0">
-              <a:sym typeface="+mn-ea"/>
-            </a:endParaRPr>
-          </a:p>
-          <a:p>
-            <a:pPr marL="285750" indent="-285750">
-              <a:buFont typeface="Arial" panose="020B0604020202020204" pitchFamily="34" charset="0"/>
-              <a:buChar char="•"/>
-            </a:pPr>
-            <a:r>
-              <a:rPr lang="en-US" altLang="zh-CN" dirty="0"/>
-              <a:t>TODO </a:t>
-            </a:r>
-            <a:r>
-              <a:rPr lang="zh-CN" altLang="en-US" dirty="0"/>
-              <a:t>请使用下图的神经网络结构，实现后向传播的代码（损失函数和激活函数与判断性别</a:t>
+              <a:t>使用判断性别</a:t>
             </a:r>
             <a:r>
               <a:rPr lang="en-US" altLang="zh-CN" dirty="0"/>
@@ -12839,15 +12815,8 @@
             </a:r>
             <a:r>
               <a:rPr lang="zh-CN" altLang="en-US" dirty="0"/>
-              <a:t>一样）</a:t>
-            </a:r>
-            <a:endParaRPr lang="en-US" altLang="zh-CN" dirty="0"/>
-          </a:p>
-          <a:p>
-            <a:pPr marL="285750" indent="-285750">
-              <a:buFont typeface="Arial" panose="020B0604020202020204" pitchFamily="34" charset="0"/>
-              <a:buChar char="•"/>
-            </a:pPr>
+              <a:t>的神经网络结构，运行代码，通过运行测试</a:t>
+            </a:r>
             <a:endParaRPr lang="zh-CN" altLang="en-US" dirty="0">
               <a:sym typeface="+mn-ea"/>
             </a:endParaRPr>
@@ -12937,7 +12906,7 @@
         </p:blipFill>
         <p:spPr bwMode="auto">
           <a:xfrm>
-            <a:off x="6704016" y="2389878"/>
+            <a:off x="6717463" y="2658819"/>
             <a:ext cx="4680766" cy="3026298"/>
           </a:xfrm>
           <a:prstGeom prst="rect">
@@ -12957,10 +12926,10 @@
       </p:pic>
       <p:pic>
         <p:nvPicPr>
-          <p:cNvPr id="5" name="图片 4">
+          <p:cNvPr id="9" name="图片 8">
             <a:extLst>
               <a:ext uri="{FF2B5EF4-FFF2-40B4-BE49-F238E27FC236}">
-                <a16:creationId xmlns:a16="http://schemas.microsoft.com/office/drawing/2014/main" id="{98833659-BC4A-FD05-31EC-47CAE8C0F8D0}"/>
+                <a16:creationId xmlns:a16="http://schemas.microsoft.com/office/drawing/2014/main" id="{A6376F81-700D-444F-99A2-1A65708705AD}"/>
               </a:ext>
             </a:extLst>
           </p:cNvPr>
@@ -12983,8 +12952,8 @@
         </p:blipFill>
         <p:spPr>
           <a:xfrm>
-            <a:off x="1415234" y="3953680"/>
-            <a:ext cx="4680766" cy="780128"/>
+            <a:off x="2235200" y="3822345"/>
+            <a:ext cx="3606800" cy="876300"/>
           </a:xfrm>
           <a:prstGeom prst="rect">
             <a:avLst/>
@@ -13004,6 +12973,224 @@
   <p:clrMapOvr>
     <a:masterClrMapping/>
   </p:clrMapOvr>
+  <p:timing>
+    <p:tnLst>
+      <p:par>
+        <p:cTn id="1" dur="indefinite" restart="never" nodeType="tmRoot">
+          <p:childTnLst>
+            <p:seq concurrent="1" nextAc="seek">
+              <p:cTn id="2" dur="indefinite" nodeType="mainSeq">
+                <p:childTnLst>
+                  <p:par>
+                    <p:cTn id="3" fill="hold">
+                      <p:stCondLst>
+                        <p:cond delay="indefinite"/>
+                      </p:stCondLst>
+                      <p:childTnLst>
+                        <p:par>
+                          <p:cTn id="4" fill="hold">
+                            <p:stCondLst>
+                              <p:cond delay="0"/>
+                            </p:stCondLst>
+                            <p:childTnLst>
+                              <p:par>
+                                <p:cTn id="5" presetID="1" presetClass="entr" presetSubtype="0" fill="hold" nodeType="clickEffect">
+                                  <p:stCondLst>
+                                    <p:cond delay="0"/>
+                                  </p:stCondLst>
+                                  <p:childTnLst>
+                                    <p:set>
+                                      <p:cBhvr>
+                                        <p:cTn id="6" dur="1" fill="hold">
+                                          <p:stCondLst>
+                                            <p:cond delay="0"/>
+                                          </p:stCondLst>
+                                        </p:cTn>
+                                        <p:tgtEl>
+                                          <p:spTgt spid="2">
+                                            <p:txEl>
+                                              <p:pRg st="0" end="0"/>
+                                            </p:txEl>
+                                          </p:spTgt>
+                                        </p:tgtEl>
+                                        <p:attrNameLst>
+                                          <p:attrName>style.visibility</p:attrName>
+                                        </p:attrNameLst>
+                                      </p:cBhvr>
+                                      <p:to>
+                                        <p:strVal val="visible"/>
+                                      </p:to>
+                                    </p:set>
+                                  </p:childTnLst>
+                                </p:cTn>
+                              </p:par>
+                            </p:childTnLst>
+                          </p:cTn>
+                        </p:par>
+                      </p:childTnLst>
+                    </p:cTn>
+                  </p:par>
+                  <p:par>
+                    <p:cTn id="7" fill="hold">
+                      <p:stCondLst>
+                        <p:cond delay="indefinite"/>
+                      </p:stCondLst>
+                      <p:childTnLst>
+                        <p:par>
+                          <p:cTn id="8" fill="hold">
+                            <p:stCondLst>
+                              <p:cond delay="0"/>
+                            </p:stCondLst>
+                            <p:childTnLst>
+                              <p:par>
+                                <p:cTn id="9" presetID="1" presetClass="entr" presetSubtype="0" fill="hold" nodeType="clickEffect">
+                                  <p:stCondLst>
+                                    <p:cond delay="0"/>
+                                  </p:stCondLst>
+                                  <p:childTnLst>
+                                    <p:set>
+                                      <p:cBhvr>
+                                        <p:cTn id="10" dur="1" fill="hold">
+                                          <p:stCondLst>
+                                            <p:cond delay="0"/>
+                                          </p:stCondLst>
+                                        </p:cTn>
+                                        <p:tgtEl>
+                                          <p:spTgt spid="9"/>
+                                        </p:tgtEl>
+                                        <p:attrNameLst>
+                                          <p:attrName>style.visibility</p:attrName>
+                                        </p:attrNameLst>
+                                      </p:cBhvr>
+                                      <p:to>
+                                        <p:strVal val="visible"/>
+                                      </p:to>
+                                    </p:set>
+                                  </p:childTnLst>
+                                </p:cTn>
+                              </p:par>
+                            </p:childTnLst>
+                          </p:cTn>
+                        </p:par>
+                      </p:childTnLst>
+                    </p:cTn>
+                  </p:par>
+                  <p:par>
+                    <p:cTn id="11" fill="hold">
+                      <p:stCondLst>
+                        <p:cond delay="indefinite"/>
+                      </p:stCondLst>
+                      <p:childTnLst>
+                        <p:par>
+                          <p:cTn id="12" fill="hold">
+                            <p:stCondLst>
+                              <p:cond delay="0"/>
+                            </p:stCondLst>
+                            <p:childTnLst>
+                              <p:par>
+                                <p:cTn id="13" presetID="1" presetClass="entr" presetSubtype="0" fill="hold" nodeType="clickEffect">
+                                  <p:stCondLst>
+                                    <p:cond delay="0"/>
+                                  </p:stCondLst>
+                                  <p:childTnLst>
+                                    <p:set>
+                                      <p:cBhvr>
+                                        <p:cTn id="14" dur="1" fill="hold">
+                                          <p:stCondLst>
+                                            <p:cond delay="0"/>
+                                          </p:stCondLst>
+                                        </p:cTn>
+                                        <p:tgtEl>
+                                          <p:spTgt spid="2">
+                                            <p:txEl>
+                                              <p:pRg st="1" end="1"/>
+                                            </p:txEl>
+                                          </p:spTgt>
+                                        </p:tgtEl>
+                                        <p:attrNameLst>
+                                          <p:attrName>style.visibility</p:attrName>
+                                        </p:attrNameLst>
+                                      </p:cBhvr>
+                                      <p:to>
+                                        <p:strVal val="visible"/>
+                                      </p:to>
+                                    </p:set>
+                                  </p:childTnLst>
+                                </p:cTn>
+                              </p:par>
+                            </p:childTnLst>
+                          </p:cTn>
+                        </p:par>
+                      </p:childTnLst>
+                    </p:cTn>
+                  </p:par>
+                  <p:par>
+                    <p:cTn id="15" fill="hold">
+                      <p:stCondLst>
+                        <p:cond delay="indefinite"/>
+                      </p:stCondLst>
+                      <p:childTnLst>
+                        <p:par>
+                          <p:cTn id="16" fill="hold">
+                            <p:stCondLst>
+                              <p:cond delay="0"/>
+                            </p:stCondLst>
+                            <p:childTnLst>
+                              <p:par>
+                                <p:cTn id="17" presetID="1" presetClass="entr" presetSubtype="0" fill="hold" nodeType="clickEffect">
+                                  <p:stCondLst>
+                                    <p:cond delay="0"/>
+                                  </p:stCondLst>
+                                  <p:childTnLst>
+                                    <p:set>
+                                      <p:cBhvr>
+                                        <p:cTn id="18" dur="1" fill="hold">
+                                          <p:stCondLst>
+                                            <p:cond delay="0"/>
+                                          </p:stCondLst>
+                                        </p:cTn>
+                                        <p:tgtEl>
+                                          <p:spTgt spid="4"/>
+                                        </p:tgtEl>
+                                        <p:attrNameLst>
+                                          <p:attrName>style.visibility</p:attrName>
+                                        </p:attrNameLst>
+                                      </p:cBhvr>
+                                      <p:to>
+                                        <p:strVal val="visible"/>
+                                      </p:to>
+                                    </p:set>
+                                  </p:childTnLst>
+                                </p:cTn>
+                              </p:par>
+                            </p:childTnLst>
+                          </p:cTn>
+                        </p:par>
+                      </p:childTnLst>
+                    </p:cTn>
+                  </p:par>
+                </p:childTnLst>
+              </p:cTn>
+              <p:prevCondLst>
+                <p:cond evt="onPrev" delay="0">
+                  <p:tgtEl>
+                    <p:sldTgt/>
+                  </p:tgtEl>
+                </p:cond>
+              </p:prevCondLst>
+              <p:nextCondLst>
+                <p:cond evt="onNext" delay="0">
+                  <p:tgtEl>
+                    <p:sldTgt/>
+                  </p:tgtEl>
+                </p:cond>
+              </p:nextCondLst>
+            </p:seq>
+          </p:childTnLst>
+        </p:cTn>
+      </p:par>
+    </p:tnLst>
+  </p:timing>
 </p:sld>
 </file>
 
@@ -13113,28 +13300,34 @@
               <a:buChar char="•"/>
             </a:pPr>
             <a:r>
-              <a:rPr lang="en-US" altLang="zh-CN" dirty="0">
-                <a:sym typeface="+mn-ea"/>
-              </a:rPr>
-              <a:t>TODO </a:t>
-            </a:r>
-            <a:r>
               <a:rPr lang="zh-CN" altLang="en-US" dirty="0">
                 <a:sym typeface="+mn-ea"/>
               </a:rPr>
-              <a:t>请整合</a:t>
+              <a:t>请参考</a:t>
+            </a:r>
+            <a:r>
+              <a:rPr lang="zh-CN" altLang="en" dirty="0">
+                <a:sym typeface="+mn-ea"/>
+              </a:rPr>
+              <a:t>代码</a:t>
+            </a:r>
+            <a:r>
+              <a:rPr lang="en" altLang="zh-CN" dirty="0" err="1">
+                <a:sym typeface="+mn-ea"/>
+              </a:rPr>
+              <a:t>NeuralNetwork_train_fix_zeroMean_answer_fix</a:t>
+            </a:r>
+            <a:r>
+              <a:rPr lang="zh-CN" altLang="en-US" dirty="0">
+                <a:sym typeface="+mn-ea"/>
+              </a:rPr>
+              <a:t>，整合</a:t>
             </a:r>
             <a:r>
               <a:rPr lang="zh-CN" altLang="en-US" dirty="0"/>
-              <a:t>全连接层的前向、后向传播的代码为</a:t>
-            </a:r>
-            <a:r>
-              <a:rPr lang="en-US" altLang="zh-CN" dirty="0" err="1"/>
-              <a:t>LinearLayer</a:t>
-            </a:r>
-            <a:endParaRPr lang="en-US" altLang="zh-CN" dirty="0">
-              <a:sym typeface="+mn-ea"/>
-            </a:endParaRPr>
+              <a:t>全连接层的前向、后向传播的代码</a:t>
+            </a:r>
+            <a:endParaRPr lang="en-US" altLang="zh-CN" dirty="0"/>
           </a:p>
           <a:p>
             <a:pPr marL="285750" indent="-285750">
@@ -13143,7 +13336,7 @@
             </a:pPr>
             <a:r>
               <a:rPr lang="zh-CN" altLang="en-US" dirty="0"/>
-              <a:t>使用全连接层实现“判断性别</a:t>
+              <a:t>使用判断性别</a:t>
             </a:r>
             <a:r>
               <a:rPr lang="en-US" altLang="zh-CN" dirty="0"/>
@@ -13151,9 +13344,19 @@
             </a:r>
             <a:r>
               <a:rPr lang="zh-CN" altLang="en-US" dirty="0"/>
-              <a:t>”</a:t>
-            </a:r>
-            <a:endParaRPr lang="en-US" altLang="zh-CN" dirty="0"/>
+              <a:t>的神经网络结构，运行代码，通过“判断性别</a:t>
+            </a:r>
+            <a:r>
+              <a:rPr lang="en-US" altLang="zh-CN" dirty="0"/>
+              <a:t>Demo</a:t>
+            </a:r>
+            <a:r>
+              <a:rPr lang="zh-CN" altLang="en-US" dirty="0"/>
+              <a:t>”的运行测试</a:t>
+            </a:r>
+            <a:endParaRPr lang="zh-CN" altLang="en-US" dirty="0">
+              <a:sym typeface="+mn-ea"/>
+            </a:endParaRPr>
           </a:p>
           <a:p>
             <a:endParaRPr lang="zh-CN" altLang="en-US" dirty="0"/>
@@ -13244,7 +13447,7 @@
         </p:blipFill>
         <p:spPr bwMode="auto">
           <a:xfrm>
-            <a:off x="6096000" y="2205467"/>
+            <a:off x="6270812" y="2877819"/>
             <a:ext cx="4680766" cy="3026298"/>
           </a:xfrm>
           <a:prstGeom prst="rect">
@@ -13275,6 +13478,179 @@
   <p:clrMapOvr>
     <a:masterClrMapping/>
   </p:clrMapOvr>
+  <p:timing>
+    <p:tnLst>
+      <p:par>
+        <p:cTn id="1" dur="indefinite" restart="never" nodeType="tmRoot">
+          <p:childTnLst>
+            <p:seq concurrent="1" nextAc="seek">
+              <p:cTn id="2" dur="indefinite" nodeType="mainSeq">
+                <p:childTnLst>
+                  <p:par>
+                    <p:cTn id="3" fill="hold">
+                      <p:stCondLst>
+                        <p:cond delay="indefinite"/>
+                      </p:stCondLst>
+                      <p:childTnLst>
+                        <p:par>
+                          <p:cTn id="4" fill="hold">
+                            <p:stCondLst>
+                              <p:cond delay="0"/>
+                            </p:stCondLst>
+                            <p:childTnLst>
+                              <p:par>
+                                <p:cTn id="5" presetID="1" presetClass="entr" presetSubtype="0" fill="hold" nodeType="clickEffect">
+                                  <p:stCondLst>
+                                    <p:cond delay="0"/>
+                                  </p:stCondLst>
+                                  <p:childTnLst>
+                                    <p:set>
+                                      <p:cBhvr>
+                                        <p:cTn id="6" dur="1" fill="hold">
+                                          <p:stCondLst>
+                                            <p:cond delay="0"/>
+                                          </p:stCondLst>
+                                        </p:cTn>
+                                        <p:tgtEl>
+                                          <p:spTgt spid="2">
+                                            <p:txEl>
+                                              <p:pRg st="0" end="0"/>
+                                            </p:txEl>
+                                          </p:spTgt>
+                                        </p:tgtEl>
+                                        <p:attrNameLst>
+                                          <p:attrName>style.visibility</p:attrName>
+                                        </p:attrNameLst>
+                                      </p:cBhvr>
+                                      <p:to>
+                                        <p:strVal val="visible"/>
+                                      </p:to>
+                                    </p:set>
+                                  </p:childTnLst>
+                                </p:cTn>
+                              </p:par>
+                            </p:childTnLst>
+                          </p:cTn>
+                        </p:par>
+                      </p:childTnLst>
+                    </p:cTn>
+                  </p:par>
+                  <p:par>
+                    <p:cTn id="7" fill="hold">
+                      <p:stCondLst>
+                        <p:cond delay="indefinite"/>
+                      </p:stCondLst>
+                      <p:childTnLst>
+                        <p:par>
+                          <p:cTn id="8" fill="hold">
+                            <p:stCondLst>
+                              <p:cond delay="0"/>
+                            </p:stCondLst>
+                            <p:childTnLst>
+                              <p:par>
+                                <p:cTn id="9" presetID="1" presetClass="entr" presetSubtype="0" fill="hold" nodeType="clickEffect">
+                                  <p:stCondLst>
+                                    <p:cond delay="0"/>
+                                  </p:stCondLst>
+                                  <p:childTnLst>
+                                    <p:set>
+                                      <p:cBhvr>
+                                        <p:cTn id="10" dur="1" fill="hold">
+                                          <p:stCondLst>
+                                            <p:cond delay="0"/>
+                                          </p:stCondLst>
+                                        </p:cTn>
+                                        <p:tgtEl>
+                                          <p:spTgt spid="2">
+                                            <p:txEl>
+                                              <p:pRg st="1" end="1"/>
+                                            </p:txEl>
+                                          </p:spTgt>
+                                        </p:tgtEl>
+                                        <p:attrNameLst>
+                                          <p:attrName>style.visibility</p:attrName>
+                                        </p:attrNameLst>
+                                      </p:cBhvr>
+                                      <p:to>
+                                        <p:strVal val="visible"/>
+                                      </p:to>
+                                    </p:set>
+                                  </p:childTnLst>
+                                </p:cTn>
+                              </p:par>
+                            </p:childTnLst>
+                          </p:cTn>
+                        </p:par>
+                      </p:childTnLst>
+                    </p:cTn>
+                  </p:par>
+                  <p:par>
+                    <p:cTn id="11" fill="hold">
+                      <p:stCondLst>
+                        <p:cond delay="indefinite"/>
+                      </p:stCondLst>
+                      <p:childTnLst>
+                        <p:par>
+                          <p:cTn id="12" fill="hold">
+                            <p:stCondLst>
+                              <p:cond delay="0"/>
+                            </p:stCondLst>
+                            <p:childTnLst>
+                              <p:par>
+                                <p:cTn id="13" presetID="1" presetClass="entr" presetSubtype="0" fill="hold" nodeType="clickEffect">
+                                  <p:stCondLst>
+                                    <p:cond delay="0"/>
+                                  </p:stCondLst>
+                                  <p:childTnLst>
+                                    <p:set>
+                                      <p:cBhvr>
+                                        <p:cTn id="14" dur="1" fill="hold">
+                                          <p:stCondLst>
+                                            <p:cond delay="0"/>
+                                          </p:stCondLst>
+                                        </p:cTn>
+                                        <p:tgtEl>
+                                          <p:spTgt spid="4"/>
+                                        </p:tgtEl>
+                                        <p:attrNameLst>
+                                          <p:attrName>style.visibility</p:attrName>
+                                        </p:attrNameLst>
+                                      </p:cBhvr>
+                                      <p:to>
+                                        <p:strVal val="visible"/>
+                                      </p:to>
+                                    </p:set>
+                                  </p:childTnLst>
+                                </p:cTn>
+                              </p:par>
+                            </p:childTnLst>
+                          </p:cTn>
+                        </p:par>
+                      </p:childTnLst>
+                    </p:cTn>
+                  </p:par>
+                </p:childTnLst>
+              </p:cTn>
+              <p:prevCondLst>
+                <p:cond evt="onPrev" delay="0">
+                  <p:tgtEl>
+                    <p:sldTgt/>
+                  </p:tgtEl>
+                </p:cond>
+              </p:prevCondLst>
+              <p:nextCondLst>
+                <p:cond evt="onNext" delay="0">
+                  <p:tgtEl>
+                    <p:sldTgt/>
+                  </p:tgtEl>
+                </p:cond>
+              </p:nextCondLst>
+            </p:seq>
+          </p:childTnLst>
+        </p:cTn>
+      </p:par>
+    </p:tnLst>
+  </p:timing>
 </p:sld>
 </file>
 
@@ -13366,13 +13742,13 @@
             </a:pPr>
             <a:r>
               <a:rPr lang="en-US" dirty="0" err="1"/>
-              <a:t>请回答所有主问题</a:t>
+              <a:t>请总结本节课的内容</a:t>
             </a:r>
             <a:r>
               <a:rPr lang="zh-CN" altLang="en-US" dirty="0"/>
               <a:t>？</a:t>
             </a:r>
-            <a:endParaRPr lang="en-US" altLang="zh-CN" dirty="0"/>
+            <a:endParaRPr lang="en-US" dirty="0"/>
           </a:p>
           <a:p>
             <a:pPr marL="285750" indent="-285750">
@@ -13380,10 +13756,14 @@
               <a:buChar char="•"/>
             </a:pPr>
             <a:r>
-              <a:rPr kumimoji="1" lang="zh-CN" altLang="en-US" dirty="0"/>
-              <a:t>计算每层的误差项和梯度的顺序是什么？</a:t>
-            </a:r>
-            <a:endParaRPr kumimoji="1" lang="en-US" altLang="zh-CN" dirty="0"/>
+              <a:rPr lang="en-US" dirty="0" err="1"/>
+              <a:t>请回答所有主问题</a:t>
+            </a:r>
+            <a:r>
+              <a:rPr lang="zh-CN" altLang="en-US" dirty="0"/>
+              <a:t>？</a:t>
+            </a:r>
+            <a:endParaRPr lang="en-US" altLang="zh-CN" dirty="0"/>
           </a:p>
           <a:p>
             <a:pPr marL="285750" indent="-285750">
@@ -13392,11 +13772,9 @@
             </a:pPr>
             <a:r>
               <a:rPr lang="zh-CN" altLang="en-US" dirty="0"/>
-              <a:t>如何将梯度向量化？</a:t>
-            </a:r>
-            <a:endParaRPr dirty="0">
-              <a:sym typeface="+mn-ea"/>
-            </a:endParaRPr>
+              <a:t>什么是后向传播算法？</a:t>
+            </a:r>
+            <a:endParaRPr kumimoji="1" lang="en-US" altLang="zh-CN" dirty="0"/>
           </a:p>
           <a:p>
             <a:endParaRPr dirty="0">
@@ -13513,6 +13891,186 @@
   <p:clrMapOvr>
     <a:masterClrMapping/>
   </p:clrMapOvr>
+  <p:timing>
+    <p:tnLst>
+      <p:par>
+        <p:cTn id="1" dur="indefinite" restart="never" nodeType="tmRoot">
+          <p:childTnLst>
+            <p:seq concurrent="1" nextAc="seek">
+              <p:cTn id="2" dur="indefinite" nodeType="mainSeq">
+                <p:childTnLst>
+                  <p:par>
+                    <p:cTn id="3" fill="hold">
+                      <p:stCondLst>
+                        <p:cond delay="indefinite"/>
+                      </p:stCondLst>
+                      <p:childTnLst>
+                        <p:par>
+                          <p:cTn id="4" fill="hold">
+                            <p:stCondLst>
+                              <p:cond delay="0"/>
+                            </p:stCondLst>
+                            <p:childTnLst>
+                              <p:par>
+                                <p:cTn id="5" presetID="1" presetClass="entr" presetSubtype="0" fill="hold" grpId="0" nodeType="clickEffect">
+                                  <p:stCondLst>
+                                    <p:cond delay="0"/>
+                                  </p:stCondLst>
+                                  <p:childTnLst>
+                                    <p:set>
+                                      <p:cBhvr>
+                                        <p:cTn id="6" dur="1" fill="hold">
+                                          <p:stCondLst>
+                                            <p:cond delay="0"/>
+                                          </p:stCondLst>
+                                        </p:cTn>
+                                        <p:tgtEl>
+                                          <p:spTgt spid="2">
+                                            <p:txEl>
+                                              <p:pRg st="0" end="0"/>
+                                            </p:txEl>
+                                          </p:spTgt>
+                                        </p:tgtEl>
+                                        <p:attrNameLst>
+                                          <p:attrName>style.visibility</p:attrName>
+                                        </p:attrNameLst>
+                                      </p:cBhvr>
+                                      <p:to>
+                                        <p:strVal val="visible"/>
+                                      </p:to>
+                                    </p:set>
+                                  </p:childTnLst>
+                                </p:cTn>
+                              </p:par>
+                            </p:childTnLst>
+                          </p:cTn>
+                        </p:par>
+                      </p:childTnLst>
+                    </p:cTn>
+                  </p:par>
+                  <p:par>
+                    <p:cTn id="7" fill="hold">
+                      <p:stCondLst>
+                        <p:cond delay="indefinite"/>
+                      </p:stCondLst>
+                      <p:childTnLst>
+                        <p:par>
+                          <p:cTn id="8" fill="hold">
+                            <p:stCondLst>
+                              <p:cond delay="0"/>
+                            </p:stCondLst>
+                            <p:childTnLst>
+                              <p:par>
+                                <p:cTn id="9" presetID="1" presetClass="entr" presetSubtype="0" fill="hold" grpId="0" nodeType="clickEffect">
+                                  <p:stCondLst>
+                                    <p:cond delay="0"/>
+                                  </p:stCondLst>
+                                  <p:childTnLst>
+                                    <p:set>
+                                      <p:cBhvr>
+                                        <p:cTn id="10" dur="1" fill="hold">
+                                          <p:stCondLst>
+                                            <p:cond delay="0"/>
+                                          </p:stCondLst>
+                                        </p:cTn>
+                                        <p:tgtEl>
+                                          <p:spTgt spid="2">
+                                            <p:txEl>
+                                              <p:pRg st="1" end="1"/>
+                                            </p:txEl>
+                                          </p:spTgt>
+                                        </p:tgtEl>
+                                        <p:attrNameLst>
+                                          <p:attrName>style.visibility</p:attrName>
+                                        </p:attrNameLst>
+                                      </p:cBhvr>
+                                      <p:to>
+                                        <p:strVal val="visible"/>
+                                      </p:to>
+                                    </p:set>
+                                  </p:childTnLst>
+                                </p:cTn>
+                              </p:par>
+                            </p:childTnLst>
+                          </p:cTn>
+                        </p:par>
+                      </p:childTnLst>
+                    </p:cTn>
+                  </p:par>
+                  <p:par>
+                    <p:cTn id="11" fill="hold">
+                      <p:stCondLst>
+                        <p:cond delay="indefinite"/>
+                      </p:stCondLst>
+                      <p:childTnLst>
+                        <p:par>
+                          <p:cTn id="12" fill="hold">
+                            <p:stCondLst>
+                              <p:cond delay="0"/>
+                            </p:stCondLst>
+                            <p:childTnLst>
+                              <p:par>
+                                <p:cTn id="13" presetID="1" presetClass="entr" presetSubtype="0" fill="hold" grpId="0" nodeType="clickEffect">
+                                  <p:stCondLst>
+                                    <p:cond delay="0"/>
+                                  </p:stCondLst>
+                                  <p:childTnLst>
+                                    <p:set>
+                                      <p:cBhvr>
+                                        <p:cTn id="14" dur="1" fill="hold">
+                                          <p:stCondLst>
+                                            <p:cond delay="0"/>
+                                          </p:stCondLst>
+                                        </p:cTn>
+                                        <p:tgtEl>
+                                          <p:spTgt spid="2">
+                                            <p:txEl>
+                                              <p:pRg st="2" end="2"/>
+                                            </p:txEl>
+                                          </p:spTgt>
+                                        </p:tgtEl>
+                                        <p:attrNameLst>
+                                          <p:attrName>style.visibility</p:attrName>
+                                        </p:attrNameLst>
+                                      </p:cBhvr>
+                                      <p:to>
+                                        <p:strVal val="visible"/>
+                                      </p:to>
+                                    </p:set>
+                                  </p:childTnLst>
+                                </p:cTn>
+                              </p:par>
+                            </p:childTnLst>
+                          </p:cTn>
+                        </p:par>
+                      </p:childTnLst>
+                    </p:cTn>
+                  </p:par>
+                </p:childTnLst>
+              </p:cTn>
+              <p:prevCondLst>
+                <p:cond evt="onPrev" delay="0">
+                  <p:tgtEl>
+                    <p:sldTgt/>
+                  </p:tgtEl>
+                </p:cond>
+              </p:prevCondLst>
+              <p:nextCondLst>
+                <p:cond evt="onNext" delay="0">
+                  <p:tgtEl>
+                    <p:sldTgt/>
+                  </p:tgtEl>
+                </p:cond>
+              </p:nextCondLst>
+            </p:seq>
+          </p:childTnLst>
+        </p:cTn>
+      </p:par>
+    </p:tnLst>
+    <p:bldLst>
+      <p:bldP spid="2" grpId="0" uiExpand="1" build="p"/>
+    </p:bldLst>
+  </p:timing>
 </p:sld>
 </file>
 

--- a/lessons/3_derivation_3/ppt/全连接层的前向和后向传播推导（下）.pptx
+++ b/lessons/3_derivation_3/ppt/全连接层的前向和后向传播推导（下）.pptx
@@ -11893,10 +11893,10 @@
       </p:pic>
       <p:pic>
         <p:nvPicPr>
-          <p:cNvPr id="7" name="图片 6">
+          <p:cNvPr id="11" name="图片 10">
             <a:extLst>
               <a:ext uri="{FF2B5EF4-FFF2-40B4-BE49-F238E27FC236}">
-                <a16:creationId xmlns:a16="http://schemas.microsoft.com/office/drawing/2014/main" id="{2AC5D996-A895-0AE5-7268-43AB37A1C050}"/>
+                <a16:creationId xmlns:a16="http://schemas.microsoft.com/office/drawing/2014/main" id="{A86D3DB5-D19D-6E89-C0F9-BE8794F4CE89}"/>
               </a:ext>
             </a:extLst>
           </p:cNvPr>
@@ -11919,8 +11919,8 @@
         </p:blipFill>
         <p:spPr>
           <a:xfrm>
-            <a:off x="2384125" y="2909041"/>
-            <a:ext cx="2933470" cy="1571147"/>
+            <a:off x="2401619" y="2601021"/>
+            <a:ext cx="2834001" cy="1718984"/>
           </a:xfrm>
           <a:prstGeom prst="rect">
             <a:avLst/>
@@ -11929,10 +11929,10 @@
       </p:pic>
       <p:pic>
         <p:nvPicPr>
-          <p:cNvPr id="10" name="图片 9">
+          <p:cNvPr id="15" name="图片 14">
             <a:extLst>
               <a:ext uri="{FF2B5EF4-FFF2-40B4-BE49-F238E27FC236}">
-                <a16:creationId xmlns:a16="http://schemas.microsoft.com/office/drawing/2014/main" id="{ADD43434-0AAF-DADB-9FE3-83E469E804CD}"/>
+                <a16:creationId xmlns:a16="http://schemas.microsoft.com/office/drawing/2014/main" id="{8916F4BD-64C7-2158-88B2-E16DDA8CDA08}"/>
               </a:ext>
             </a:extLst>
           </p:cNvPr>
@@ -11955,8 +11955,8 @@
         </p:blipFill>
         <p:spPr>
           <a:xfrm>
-            <a:off x="4670656" y="4698615"/>
-            <a:ext cx="2414698" cy="1867974"/>
+            <a:off x="4825466" y="4171085"/>
+            <a:ext cx="3352132" cy="2590800"/>
           </a:xfrm>
           <a:prstGeom prst="rect">
             <a:avLst/>
@@ -12297,7 +12297,7 @@
                                           </p:stCondLst>
                                         </p:cTn>
                                         <p:tgtEl>
-                                          <p:spTgt spid="7"/>
+                                          <p:spTgt spid="11"/>
                                         </p:tgtEl>
                                         <p:attrNameLst>
                                           <p:attrName>style.visibility</p:attrName>
@@ -12342,7 +12342,7 @@
                                           </p:stCondLst>
                                         </p:cTn>
                                         <p:tgtEl>
-                                          <p:spTgt spid="10"/>
+                                          <p:spTgt spid="15"/>
                                         </p:tgtEl>
                                         <p:attrNameLst>
                                           <p:attrName>style.visibility</p:attrName>
@@ -12511,7 +12511,7 @@
         <p:spPr>
           <a:xfrm>
             <a:off x="1999622" y="3244334"/>
-            <a:ext cx="9837337" cy="369332"/>
+            <a:ext cx="9837337" cy="646331"/>
           </a:xfrm>
           <a:prstGeom prst="rect">
             <a:avLst/>
@@ -12532,7 +12532,7 @@
                 <a:effectLst/>
                 <a:latin typeface="verdana" panose="020B0604030504040204" pitchFamily="34" charset="0"/>
               </a:rPr>
-              <a:t>先计算输出层的误差项，然后反向依次计算每层的误差项，直到与输入层相连的层</a:t>
+              <a:t>先计算输出层的误差项，然后反向依次计算每层的误差项直到与输入层相连的层，最后根据每层的误差项和输入得到每层的梯度</a:t>
             </a:r>
             <a:endParaRPr kumimoji="1" lang="zh-CN" altLang="en-US" dirty="0"/>
           </a:p>
@@ -14595,9 +14595,14 @@
           <a:bodyPr/>
           <a:lstStyle/>
           <a:p>
-            <a:pPr>
+            <a:pPr marL="285750" indent="-285750">
               <a:buFont typeface="Arial" panose="020B0604020202020204" pitchFamily="34" charset="0"/>
+              <a:buChar char="•"/>
             </a:pPr>
+            <a:r>
+              <a:rPr lang="zh-CN" altLang="en-US" dirty="0"/>
+              <a:t>全连接层的梯度检测</a:t>
+            </a:r>
             <a:endParaRPr dirty="0">
               <a:sym typeface="+mn-ea"/>
             </a:endParaRPr>

--- a/lessons/3_derivation_3/ppt/全连接层的前向和后向传播推导（下）.pptx
+++ b/lessons/3_derivation_3/ppt/全连接层的前向和后向传播推导（下）.pptx
@@ -14731,7 +14731,7 @@
           <a:lstStyle/>
           <a:p>
             <a:r>
-              <a:rPr lang="zh-CN" altLang="en-US"/>
+              <a:rPr lang="zh-CN" altLang="en-US" dirty="0"/>
               <a:t>问答</a:t>
             </a:r>
           </a:p>

--- a/lessons/3_derivation_3/ppt/全连接层的前向和后向传播推导（下）.pptx
+++ b/lessons/3_derivation_3/ppt/全连接层的前向和后向传播推导（下）.pptx
@@ -242,7 +242,7 @@
                 <a:latin typeface="微软雅黑" panose="020B0503020204020204" charset="-122"/>
                 <a:ea typeface="微软雅黑" panose="020B0503020204020204" charset="-122"/>
               </a:rPr>
-              <a:t>2022/11/4</a:t>
+              <a:t>2022/11/6</a:t>
             </a:fld>
             <a:endParaRPr lang="zh-CN" altLang="en-US">
               <a:latin typeface="微软雅黑" panose="020B0503020204020204" charset="-122"/>
@@ -425,7 +425,7 @@
           <a:p>
             <a:fld id="{1AC49D05-6128-4D0D-A32A-06A5E73B386C}" type="datetimeFigureOut">
               <a:rPr lang="zh-CN" altLang="en-US" smtClean="0"/>
-              <a:t>2022/11/4</a:t>
+              <a:t>2022/11/6</a:t>
             </a:fld>
             <a:endParaRPr lang="zh-CN" altLang="en-US"/>
           </a:p>
@@ -1087,7 +1087,7 @@
           <a:p>
             <a:fld id="{9EFD9D74-47D9-4702-A33C-335B63B48DBF}" type="datetimeFigureOut">
               <a:rPr lang="zh-CN" altLang="en-US" smtClean="0"/>
-              <a:t>2022/11/4</a:t>
+              <a:t>2022/11/6</a:t>
             </a:fld>
             <a:endParaRPr lang="zh-CN" altLang="en-US" dirty="0"/>
           </a:p>
@@ -1420,7 +1420,7 @@
           <a:p>
             <a:fld id="{760FBDFE-C587-4B4C-A407-44438C67B59E}" type="datetimeFigureOut">
               <a:rPr lang="zh-CN" altLang="en-US" smtClean="0"/>
-              <a:t>2022/11/4</a:t>
+              <a:t>2022/11/6</a:t>
             </a:fld>
             <a:endParaRPr lang="zh-CN" altLang="en-US"/>
           </a:p>
@@ -1593,7 +1593,7 @@
           <a:p>
             <a:fld id="{9EFD9D74-47D9-4702-A33C-335B63B48DBF}" type="datetimeFigureOut">
               <a:rPr lang="zh-CN" altLang="en-US" smtClean="0"/>
-              <a:t>2022/11/4</a:t>
+              <a:t>2022/11/6</a:t>
             </a:fld>
             <a:endParaRPr lang="zh-CN" altLang="en-US" dirty="0"/>
           </a:p>
@@ -2118,7 +2118,7 @@
           <a:p>
             <a:fld id="{760FBDFE-C587-4B4C-A407-44438C67B59E}" type="datetimeFigureOut">
               <a:rPr lang="zh-CN" altLang="en-US" smtClean="0"/>
-              <a:t>2022/11/4</a:t>
+              <a:t>2022/11/6</a:t>
             </a:fld>
             <a:endParaRPr lang="zh-CN" altLang="en-US"/>
           </a:p>
@@ -2866,7 +2866,7 @@
           <a:p>
             <a:fld id="{760FBDFE-C587-4B4C-A407-44438C67B59E}" type="datetimeFigureOut">
               <a:rPr lang="zh-CN" altLang="en-US" smtClean="0"/>
-              <a:t>2022/11/4</a:t>
+              <a:t>2022/11/6</a:t>
             </a:fld>
             <a:endParaRPr lang="zh-CN" altLang="en-US"/>
           </a:p>
@@ -3032,7 +3032,7 @@
           <a:p>
             <a:fld id="{760FBDFE-C587-4B4C-A407-44438C67B59E}" type="datetimeFigureOut">
               <a:rPr lang="zh-CN" altLang="en-US" smtClean="0"/>
-              <a:t>2022/11/4</a:t>
+              <a:t>2022/11/6</a:t>
             </a:fld>
             <a:endParaRPr lang="zh-CN" altLang="en-US"/>
           </a:p>
@@ -3146,7 +3146,7 @@
           <a:p>
             <a:fld id="{760FBDFE-C587-4B4C-A407-44438C67B59E}" type="datetimeFigureOut">
               <a:rPr lang="zh-CN" altLang="en-US" smtClean="0"/>
-              <a:t>2022/11/4</a:t>
+              <a:t>2022/11/6</a:t>
             </a:fld>
             <a:endParaRPr lang="zh-CN" altLang="en-US"/>
           </a:p>
@@ -3476,7 +3476,7 @@
           <a:p>
             <a:fld id="{9EFD9D74-47D9-4702-A33C-335B63B48DBF}" type="datetimeFigureOut">
               <a:rPr lang="zh-CN" altLang="en-US" smtClean="0"/>
-              <a:t>2022/11/4</a:t>
+              <a:t>2022/11/6</a:t>
             </a:fld>
             <a:endParaRPr lang="zh-CN" altLang="en-US" dirty="0"/>
           </a:p>
@@ -3989,7 +3989,7 @@
           <a:p>
             <a:fld id="{760FBDFE-C587-4B4C-A407-44438C67B59E}" type="datetimeFigureOut">
               <a:rPr lang="zh-CN" altLang="en-US" smtClean="0"/>
-              <a:t>2022/11/4</a:t>
+              <a:t>2022/11/6</a:t>
             </a:fld>
             <a:endParaRPr lang="zh-CN" altLang="en-US"/>
           </a:p>
@@ -4103,7 +4103,7 @@
           <a:p>
             <a:fld id="{760FBDFE-C587-4B4C-A407-44438C67B59E}" type="datetimeFigureOut">
               <a:rPr lang="zh-CN" altLang="en-US" smtClean="0"/>
-              <a:t>2022/11/4</a:t>
+              <a:t>2022/11/6</a:t>
             </a:fld>
             <a:endParaRPr lang="zh-CN" altLang="en-US"/>
           </a:p>
@@ -4391,7 +4391,7 @@
           <a:p>
             <a:fld id="{82F288E0-7875-42C4-84C8-98DBBD3BF4D2}" type="datetimeFigureOut">
               <a:rPr lang="zh-CN" altLang="en-US" smtClean="0"/>
-              <a:t>2022/11/4</a:t>
+              <a:t>2022/11/6</a:t>
             </a:fld>
             <a:endParaRPr lang="zh-CN" altLang="en-US"/>
           </a:p>
@@ -4850,7 +4850,7 @@
           <a:p>
             <a:fld id="{760FBDFE-C587-4B4C-A407-44438C67B59E}" type="datetimeFigureOut">
               <a:rPr lang="zh-CN" altLang="en-US" smtClean="0"/>
-              <a:t>2022/11/4</a:t>
+              <a:t>2022/11/6</a:t>
             </a:fld>
             <a:endParaRPr lang="zh-CN" altLang="en-US"/>
           </a:p>
@@ -5519,7 +5519,7 @@
           <a:p>
             <a:fld id="{9EFD9D74-47D9-4702-A33C-335B63B48DBF}" type="datetimeFigureOut">
               <a:rPr lang="zh-CN" altLang="en-US" smtClean="0"/>
-              <a:t>2022/11/4</a:t>
+              <a:t>2022/11/6</a:t>
             </a:fld>
             <a:endParaRPr lang="zh-CN" altLang="en-US" dirty="0"/>
           </a:p>
@@ -5667,7 +5667,7 @@
           <a:p>
             <a:fld id="{9EFD9D74-47D9-4702-A33C-335B63B48DBF}" type="datetimeFigureOut">
               <a:rPr lang="zh-CN" altLang="en-US" smtClean="0"/>
-              <a:t>2022/11/4</a:t>
+              <a:t>2022/11/6</a:t>
             </a:fld>
             <a:endParaRPr lang="zh-CN" altLang="en-US" dirty="0"/>
           </a:p>
@@ -13303,7 +13303,19 @@
               <a:rPr lang="zh-CN" altLang="en-US" dirty="0">
                 <a:sym typeface="+mn-ea"/>
               </a:rPr>
-              <a:t>请参考</a:t>
+              <a:t>请参考判断性别</a:t>
+            </a:r>
+            <a:r>
+              <a:rPr lang="en-US" altLang="zh-CN" dirty="0">
+                <a:sym typeface="+mn-ea"/>
+              </a:rPr>
+              <a:t>Demo</a:t>
+            </a:r>
+            <a:r>
+              <a:rPr lang="zh-CN" altLang="en-US" dirty="0">
+                <a:sym typeface="+mn-ea"/>
+              </a:rPr>
+              <a:t>的</a:t>
             </a:r>
             <a:r>
               <a:rPr lang="zh-CN" altLang="en" dirty="0">
@@ -13770,13 +13782,6 @@
               <a:buFont typeface="Arial" panose="020B0604020202020204" pitchFamily="34" charset="0"/>
               <a:buChar char="•"/>
             </a:pPr>
-            <a:r>
-              <a:rPr lang="zh-CN" altLang="en-US" dirty="0"/>
-              <a:t>什么是后向传播算法？</a:t>
-            </a:r>
-            <a:endParaRPr kumimoji="1" lang="en-US" altLang="zh-CN" dirty="0"/>
-          </a:p>
-          <a:p>
             <a:endParaRPr dirty="0">
               <a:solidFill>
                 <a:schemeClr val="bg2"/>
@@ -13977,55 +13982,6 @@
                                           <p:spTgt spid="2">
                                             <p:txEl>
                                               <p:pRg st="1" end="1"/>
-                                            </p:txEl>
-                                          </p:spTgt>
-                                        </p:tgtEl>
-                                        <p:attrNameLst>
-                                          <p:attrName>style.visibility</p:attrName>
-                                        </p:attrNameLst>
-                                      </p:cBhvr>
-                                      <p:to>
-                                        <p:strVal val="visible"/>
-                                      </p:to>
-                                    </p:set>
-                                  </p:childTnLst>
-                                </p:cTn>
-                              </p:par>
-                            </p:childTnLst>
-                          </p:cTn>
-                        </p:par>
-                      </p:childTnLst>
-                    </p:cTn>
-                  </p:par>
-                  <p:par>
-                    <p:cTn id="11" fill="hold">
-                      <p:stCondLst>
-                        <p:cond delay="indefinite"/>
-                      </p:stCondLst>
-                      <p:childTnLst>
-                        <p:par>
-                          <p:cTn id="12" fill="hold">
-                            <p:stCondLst>
-                              <p:cond delay="0"/>
-                            </p:stCondLst>
-                            <p:childTnLst>
-                              <p:par>
-                                <p:cTn id="13" presetID="1" presetClass="entr" presetSubtype="0" fill="hold" grpId="0" nodeType="clickEffect">
-                                  <p:stCondLst>
-                                    <p:cond delay="0"/>
-                                  </p:stCondLst>
-                                  <p:childTnLst>
-                                    <p:set>
-                                      <p:cBhvr>
-                                        <p:cTn id="14" dur="1" fill="hold">
-                                          <p:stCondLst>
-                                            <p:cond delay="0"/>
-                                          </p:stCondLst>
-                                        </p:cTn>
-                                        <p:tgtEl>
-                                          <p:spTgt spid="2">
-                                            <p:txEl>
-                                              <p:pRg st="2" end="2"/>
                                             </p:txEl>
                                           </p:spTgt>
                                         </p:tgtEl>
